--- a/HappinessRetirementConundrum.pptx
+++ b/HappinessRetirementConundrum.pptx
@@ -6,18 +6,21 @@
   </p:sldMasterIdLst>
   <p:sldIdLst>
     <p:sldId id="256" r:id="rId5"/>
-    <p:sldId id="272" r:id="rId6"/>
-    <p:sldId id="259" r:id="rId7"/>
-    <p:sldId id="268" r:id="rId8"/>
-    <p:sldId id="269" r:id="rId9"/>
-    <p:sldId id="273" r:id="rId10"/>
-    <p:sldId id="264" r:id="rId11"/>
-    <p:sldId id="265" r:id="rId12"/>
-    <p:sldId id="271" r:id="rId13"/>
-    <p:sldId id="270" r:id="rId14"/>
+    <p:sldId id="274" r:id="rId6"/>
+    <p:sldId id="272" r:id="rId7"/>
+    <p:sldId id="259" r:id="rId8"/>
+    <p:sldId id="268" r:id="rId9"/>
+    <p:sldId id="275" r:id="rId10"/>
+    <p:sldId id="269" r:id="rId11"/>
+    <p:sldId id="273" r:id="rId12"/>
+    <p:sldId id="264" r:id="rId13"/>
+    <p:sldId id="265" r:id="rId14"/>
+    <p:sldId id="271" r:id="rId15"/>
+    <p:sldId id="276" r:id="rId16"/>
+    <p:sldId id="270" r:id="rId17"/>
   </p:sldIdLst>
   <p:sldSz cx="12192000" cy="6858000"/>
-  <p:notesSz cx="6858000" cy="9144000"/>
+  <p:notesSz cx="7010400" cy="9296400"/>
   <p:defaultTextStyle>
     <a:defPPr>
       <a:defRPr lang="en-US"/>
@@ -4631,6 +4634,2310 @@
           <a:chExt cx="0" cy="0"/>
         </a:xfrm>
       </p:grpSpPr>
+      <p:sp useBgFill="1">
+        <p:nvSpPr>
+          <p:cNvPr id="1035" name="Rectangle 1034">
+            <a:extLst>
+              <a:ext uri="{FF2B5EF4-FFF2-40B4-BE49-F238E27FC236}">
+                <a16:creationId xmlns:a16="http://schemas.microsoft.com/office/drawing/2014/main" id="{158E38A4-F699-490C-8D1F-E8AD332D9B45}"/>
+              </a:ext>
+              <a:ext uri="{C183D7F6-B498-43B3-948B-1728B52AA6E4}">
+                <adec:decorative xmlns:adec="http://schemas.microsoft.com/office/drawing/2017/decorative" val="1"/>
+              </a:ext>
+            </a:extLst>
+          </p:cNvPr>
+          <p:cNvSpPr>
+            <a:spLocks noGrp="1" noRot="1" noChangeAspect="1" noMove="1" noResize="1" noEditPoints="1" noAdjustHandles="1" noChangeArrowheads="1" noChangeShapeType="1" noTextEdit="1"/>
+          </p:cNvSpPr>
+          <p:nvPr>
+            <p:extLst>
+              <p:ext uri="{386F3935-93C4-4BCD-93E2-E3B085C9AB24}">
+                <p16:designElem xmlns:p16="http://schemas.microsoft.com/office/powerpoint/2015/main" val="1"/>
+              </p:ext>
+            </p:extLst>
+          </p:nvPr>
+        </p:nvSpPr>
+        <p:spPr>
+          <a:xfrm>
+            <a:off x="0" y="0"/>
+            <a:ext cx="12192000" cy="6858000"/>
+          </a:xfrm>
+          <a:prstGeom prst="rect">
+            <a:avLst/>
+          </a:prstGeom>
+          <a:ln w="12700" cap="flat" cmpd="sng" algn="ctr">
+            <a:noFill/>
+            <a:prstDash val="solid"/>
+            <a:miter lim="800000"/>
+          </a:ln>
+          <a:effectLst/>
+        </p:spPr>
+        <p:style>
+          <a:lnRef idx="2">
+            <a:schemeClr val="accent1">
+              <a:shade val="50000"/>
+            </a:schemeClr>
+          </a:lnRef>
+          <a:fillRef idx="1">
+            <a:schemeClr val="accent1"/>
+          </a:fillRef>
+          <a:effectRef idx="0">
+            <a:schemeClr val="accent1"/>
+          </a:effectRef>
+          <a:fontRef idx="minor">
+            <a:schemeClr val="lt1"/>
+          </a:fontRef>
+        </p:style>
+        <p:txBody>
+          <a:bodyPr rtlCol="0" anchor="ctr"/>
+          <a:lstStyle/>
+          <a:p>
+            <a:pPr algn="ctr"/>
+            <a:endParaRPr lang="en-US"/>
+          </a:p>
+        </p:txBody>
+      </p:sp>
+      <p:sp>
+        <p:nvSpPr>
+          <p:cNvPr id="1037" name="Rectangle 1036">
+            <a:extLst>
+              <a:ext uri="{FF2B5EF4-FFF2-40B4-BE49-F238E27FC236}">
+                <a16:creationId xmlns:a16="http://schemas.microsoft.com/office/drawing/2014/main" id="{939C6AAB-48AC-41A3-95C2-6BF83715DF62}"/>
+              </a:ext>
+              <a:ext uri="{C183D7F6-B498-43B3-948B-1728B52AA6E4}">
+                <adec:decorative xmlns:adec="http://schemas.microsoft.com/office/drawing/2017/decorative" val="1"/>
+              </a:ext>
+            </a:extLst>
+          </p:cNvPr>
+          <p:cNvSpPr>
+            <a:spLocks noGrp="1" noRot="1" noChangeAspect="1" noMove="1" noResize="1" noEditPoints="1" noAdjustHandles="1" noChangeArrowheads="1" noChangeShapeType="1" noTextEdit="1"/>
+          </p:cNvSpPr>
+          <p:nvPr>
+            <p:extLst>
+              <p:ext uri="{386F3935-93C4-4BCD-93E2-E3B085C9AB24}">
+                <p16:designElem xmlns:p16="http://schemas.microsoft.com/office/powerpoint/2015/main" val="1"/>
+              </p:ext>
+            </p:extLst>
+          </p:nvPr>
+        </p:nvSpPr>
+        <p:spPr>
+          <a:xfrm>
+            <a:off x="0" y="0"/>
+            <a:ext cx="7620000" cy="6858000"/>
+          </a:xfrm>
+          <a:prstGeom prst="rect">
+            <a:avLst/>
+          </a:prstGeom>
+          <a:solidFill>
+            <a:schemeClr val="bg2"/>
+          </a:solidFill>
+          <a:ln w="12700" cap="flat" cmpd="sng" algn="ctr">
+            <a:noFill/>
+            <a:prstDash val="solid"/>
+            <a:miter lim="800000"/>
+          </a:ln>
+          <a:effectLst/>
+        </p:spPr>
+        <p:style>
+          <a:lnRef idx="2">
+            <a:schemeClr val="accent1">
+              <a:shade val="50000"/>
+            </a:schemeClr>
+          </a:lnRef>
+          <a:fillRef idx="1">
+            <a:schemeClr val="accent1"/>
+          </a:fillRef>
+          <a:effectRef idx="0">
+            <a:schemeClr val="accent1"/>
+          </a:effectRef>
+          <a:fontRef idx="minor">
+            <a:schemeClr val="lt1"/>
+          </a:fontRef>
+        </p:style>
+        <p:txBody>
+          <a:bodyPr rtlCol="0" anchor="ctr"/>
+          <a:lstStyle/>
+          <a:p>
+            <a:pPr algn="ctr"/>
+            <a:endParaRPr lang="en-US"/>
+          </a:p>
+        </p:txBody>
+      </p:sp>
+      <p:sp>
+        <p:nvSpPr>
+          <p:cNvPr id="1039" name="Rectangle 1038">
+            <a:extLst>
+              <a:ext uri="{FF2B5EF4-FFF2-40B4-BE49-F238E27FC236}">
+                <a16:creationId xmlns:a16="http://schemas.microsoft.com/office/drawing/2014/main" id="{F6EE861B-7D2F-4B7C-A6E3-5937E81B8025}"/>
+              </a:ext>
+              <a:ext uri="{C183D7F6-B498-43B3-948B-1728B52AA6E4}">
+                <adec:decorative xmlns:adec="http://schemas.microsoft.com/office/drawing/2017/decorative" val="1"/>
+              </a:ext>
+            </a:extLst>
+          </p:cNvPr>
+          <p:cNvSpPr>
+            <a:spLocks noGrp="1" noRot="1" noChangeAspect="1" noMove="1" noResize="1" noEditPoints="1" noAdjustHandles="1" noChangeArrowheads="1" noChangeShapeType="1" noTextEdit="1"/>
+          </p:cNvSpPr>
+          <p:nvPr>
+            <p:extLst>
+              <p:ext uri="{386F3935-93C4-4BCD-93E2-E3B085C9AB24}">
+                <p16:designElem xmlns:p16="http://schemas.microsoft.com/office/powerpoint/2015/main" val="1"/>
+              </p:ext>
+            </p:extLst>
+          </p:nvPr>
+        </p:nvSpPr>
+        <p:spPr>
+          <a:xfrm>
+            <a:off x="153081" y="159026"/>
+            <a:ext cx="7313839" cy="6542788"/>
+          </a:xfrm>
+          <a:prstGeom prst="rect">
+            <a:avLst/>
+          </a:prstGeom>
+          <a:solidFill>
+            <a:schemeClr val="bg1"/>
+          </a:solidFill>
+          <a:ln>
+            <a:noFill/>
+          </a:ln>
+        </p:spPr>
+        <p:style>
+          <a:lnRef idx="2">
+            <a:schemeClr val="accent1">
+              <a:shade val="50000"/>
+            </a:schemeClr>
+          </a:lnRef>
+          <a:fillRef idx="1">
+            <a:schemeClr val="accent1"/>
+          </a:fillRef>
+          <a:effectRef idx="0">
+            <a:schemeClr val="accent1"/>
+          </a:effectRef>
+          <a:fontRef idx="minor">
+            <a:schemeClr val="lt1"/>
+          </a:fontRef>
+        </p:style>
+        <p:txBody>
+          <a:bodyPr rtlCol="0" anchor="ctr"/>
+          <a:lstStyle/>
+          <a:p>
+            <a:pPr algn="ctr"/>
+            <a:endParaRPr lang="en-US"/>
+          </a:p>
+        </p:txBody>
+      </p:sp>
+      <p:sp>
+        <p:nvSpPr>
+          <p:cNvPr id="2" name="Title 1">
+            <a:extLst>
+              <a:ext uri="{FF2B5EF4-FFF2-40B4-BE49-F238E27FC236}">
+                <a16:creationId xmlns:a16="http://schemas.microsoft.com/office/drawing/2014/main" id="{C0DBDA7B-B84F-0AF7-4FCB-54B36ADB6BE6}"/>
+              </a:ext>
+            </a:extLst>
+          </p:cNvPr>
+          <p:cNvSpPr>
+            <a:spLocks noGrp="1"/>
+          </p:cNvSpPr>
+          <p:nvPr>
+            <p:ph type="title"/>
+          </p:nvPr>
+        </p:nvSpPr>
+        <p:spPr>
+          <a:xfrm>
+            <a:off x="451449" y="723901"/>
+            <a:ext cx="6717102" cy="1288884"/>
+          </a:xfrm>
+        </p:spPr>
+        <p:txBody>
+          <a:bodyPr anchor="b">
+            <a:noAutofit/>
+          </a:bodyPr>
+          <a:lstStyle/>
+          <a:p>
+            <a:pPr algn="ctr"/>
+            <a:r>
+              <a:rPr lang="en-US" sz="4000" dirty="0">
+                <a:solidFill>
+                  <a:srgbClr val="002060"/>
+                </a:solidFill>
+              </a:rPr>
+              <a:t>GDP</a:t>
+            </a:r>
+            <a:br>
+              <a:rPr lang="en-US" sz="4000" dirty="0">
+                <a:solidFill>
+                  <a:srgbClr val="002060"/>
+                </a:solidFill>
+              </a:rPr>
+            </a:br>
+            <a:r>
+              <a:rPr lang="en-US" sz="4000" dirty="0">
+                <a:solidFill>
+                  <a:srgbClr val="002060"/>
+                </a:solidFill>
+              </a:rPr>
+              <a:t>(Gross Domestic Product)</a:t>
+            </a:r>
+          </a:p>
+        </p:txBody>
+      </p:sp>
+      <p:grpSp>
+        <p:nvGrpSpPr>
+          <p:cNvPr id="1041" name="Group 1040">
+            <a:extLst>
+              <a:ext uri="{FF2B5EF4-FFF2-40B4-BE49-F238E27FC236}">
+                <a16:creationId xmlns:a16="http://schemas.microsoft.com/office/drawing/2014/main" id="{073091F1-AA5A-47C6-9502-D5870A72D50C}"/>
+              </a:ext>
+              <a:ext uri="{C183D7F6-B498-43B3-948B-1728B52AA6E4}">
+                <adec:decorative xmlns:adec="http://schemas.microsoft.com/office/drawing/2017/decorative" val="1"/>
+              </a:ext>
+            </a:extLst>
+          </p:cNvPr>
+          <p:cNvGrpSpPr>
+            <a:grpSpLocks noGrp="1" noUngrp="1" noRot="1" noChangeAspect="1" noMove="1" noResize="1"/>
+          </p:cNvGrpSpPr>
+          <p:nvPr>
+            <p:extLst>
+              <p:ext uri="{386F3935-93C4-4BCD-93E2-E3B085C9AB24}">
+                <p16:designElem xmlns:p16="http://schemas.microsoft.com/office/powerpoint/2015/main" val="1"/>
+              </p:ext>
+            </p:extLst>
+          </p:nvPr>
+        </p:nvGrpSpPr>
+        <p:grpSpPr>
+          <a:xfrm>
+            <a:off x="3376258" y="2320171"/>
+            <a:ext cx="867485" cy="115439"/>
+            <a:chOff x="8910933" y="1861308"/>
+            <a:chExt cx="867485" cy="115439"/>
+          </a:xfrm>
+        </p:grpSpPr>
+        <p:sp>
+          <p:nvSpPr>
+            <p:cNvPr id="1042" name="Rectangle 1041">
+              <a:extLst>
+                <a:ext uri="{FF2B5EF4-FFF2-40B4-BE49-F238E27FC236}">
+                  <a16:creationId xmlns:a16="http://schemas.microsoft.com/office/drawing/2014/main" id="{8085C4F7-6E91-4DF6-BB01-A46132BC3587}"/>
+                </a:ext>
+                <a:ext uri="{C183D7F6-B498-43B3-948B-1728B52AA6E4}">
+                  <adec:decorative xmlns:adec="http://schemas.microsoft.com/office/drawing/2017/decorative" val="1"/>
+                </a:ext>
+              </a:extLst>
+            </p:cNvPr>
+            <p:cNvSpPr/>
+            <p:nvPr>
+              <p:extLst>
+                <p:ext uri="{386F3935-93C4-4BCD-93E2-E3B085C9AB24}">
+                  <p16:designElem xmlns:p16="http://schemas.microsoft.com/office/powerpoint/2015/main" val="1"/>
+                </p:ext>
+              </p:extLst>
+            </p:nvPr>
+          </p:nvSpPr>
+          <p:spPr>
+            <a:xfrm rot="18964825" flipH="1">
+              <a:off x="9286956" y="1861308"/>
+              <a:ext cx="115439" cy="115439"/>
+            </a:xfrm>
+            <a:prstGeom prst="rect">
+              <a:avLst/>
+            </a:prstGeom>
+            <a:noFill/>
+            <a:ln w="15875">
+              <a:solidFill>
+                <a:schemeClr val="tx2"/>
+              </a:solidFill>
+            </a:ln>
+          </p:spPr>
+          <p:style>
+            <a:lnRef idx="2">
+              <a:schemeClr val="accent1">
+                <a:shade val="50000"/>
+              </a:schemeClr>
+            </a:lnRef>
+            <a:fillRef idx="1">
+              <a:schemeClr val="accent1"/>
+            </a:fillRef>
+            <a:effectRef idx="0">
+              <a:schemeClr val="accent1"/>
+            </a:effectRef>
+            <a:fontRef idx="minor">
+              <a:schemeClr val="lt1"/>
+            </a:fontRef>
+          </p:style>
+          <p:txBody>
+            <a:bodyPr rtlCol="0" anchor="ctr"/>
+            <a:lstStyle/>
+            <a:p>
+              <a:pPr algn="ctr"/>
+              <a:endParaRPr lang="en-US">
+                <a:solidFill>
+                  <a:schemeClr val="bg1"/>
+                </a:solidFill>
+                <a:effectLst>
+                  <a:outerShdw blurRad="38100" dist="38100" dir="2700000" algn="tl">
+                    <a:srgbClr val="000000">
+                      <a:alpha val="43137"/>
+                    </a:srgbClr>
+                  </a:outerShdw>
+                </a:effectLst>
+              </a:endParaRPr>
+            </a:p>
+          </p:txBody>
+        </p:sp>
+        <p:cxnSp>
+          <p:nvCxnSpPr>
+            <p:cNvPr id="1043" name="Straight Connector 1042">
+              <a:extLst>
+                <a:ext uri="{FF2B5EF4-FFF2-40B4-BE49-F238E27FC236}">
+                  <a16:creationId xmlns:a16="http://schemas.microsoft.com/office/drawing/2014/main" id="{25476588-B9AD-4662-A085-8E4D91493B3F}"/>
+                </a:ext>
+                <a:ext uri="{C183D7F6-B498-43B3-948B-1728B52AA6E4}">
+                  <adec:decorative xmlns:adec="http://schemas.microsoft.com/office/drawing/2017/decorative" val="1"/>
+                </a:ext>
+              </a:extLst>
+            </p:cNvPr>
+            <p:cNvCxnSpPr/>
+            <p:nvPr>
+              <p:extLst>
+                <p:ext uri="{386F3935-93C4-4BCD-93E2-E3B085C9AB24}">
+                  <p16:designElem xmlns:p16="http://schemas.microsoft.com/office/powerpoint/2015/main" val="1"/>
+                </p:ext>
+              </p:extLst>
+            </p:nvPr>
+          </p:nvCxnSpPr>
+          <p:spPr>
+            <a:xfrm>
+              <a:off x="9426289" y="1919027"/>
+              <a:ext cx="352129" cy="0"/>
+            </a:xfrm>
+            <a:prstGeom prst="line">
+              <a:avLst/>
+            </a:prstGeom>
+            <a:ln w="15875">
+              <a:solidFill>
+                <a:schemeClr val="tx2"/>
+              </a:solidFill>
+            </a:ln>
+          </p:spPr>
+          <p:style>
+            <a:lnRef idx="1">
+              <a:schemeClr val="accent1"/>
+            </a:lnRef>
+            <a:fillRef idx="0">
+              <a:schemeClr val="accent1"/>
+            </a:fillRef>
+            <a:effectRef idx="0">
+              <a:schemeClr val="accent1"/>
+            </a:effectRef>
+            <a:fontRef idx="minor">
+              <a:schemeClr val="tx1"/>
+            </a:fontRef>
+          </p:style>
+        </p:cxnSp>
+        <p:cxnSp>
+          <p:nvCxnSpPr>
+            <p:cNvPr id="1044" name="Straight Connector 1043">
+              <a:extLst>
+                <a:ext uri="{FF2B5EF4-FFF2-40B4-BE49-F238E27FC236}">
+                  <a16:creationId xmlns:a16="http://schemas.microsoft.com/office/drawing/2014/main" id="{BCDB34B3-D348-476E-BE7F-1139370F4310}"/>
+                </a:ext>
+                <a:ext uri="{C183D7F6-B498-43B3-948B-1728B52AA6E4}">
+                  <adec:decorative xmlns:adec="http://schemas.microsoft.com/office/drawing/2017/decorative" val="1"/>
+                </a:ext>
+              </a:extLst>
+            </p:cNvPr>
+            <p:cNvCxnSpPr/>
+            <p:nvPr>
+              <p:extLst>
+                <p:ext uri="{386F3935-93C4-4BCD-93E2-E3B085C9AB24}">
+                  <p16:designElem xmlns:p16="http://schemas.microsoft.com/office/powerpoint/2015/main" val="1"/>
+                </p:ext>
+              </p:extLst>
+            </p:nvPr>
+          </p:nvCxnSpPr>
+          <p:spPr>
+            <a:xfrm>
+              <a:off x="8910933" y="1919027"/>
+              <a:ext cx="352129" cy="0"/>
+            </a:xfrm>
+            <a:prstGeom prst="line">
+              <a:avLst/>
+            </a:prstGeom>
+            <a:ln w="15875">
+              <a:solidFill>
+                <a:schemeClr val="tx2"/>
+              </a:solidFill>
+            </a:ln>
+          </p:spPr>
+          <p:style>
+            <a:lnRef idx="1">
+              <a:schemeClr val="accent1"/>
+            </a:lnRef>
+            <a:fillRef idx="0">
+              <a:schemeClr val="accent1"/>
+            </a:fillRef>
+            <a:effectRef idx="0">
+              <a:schemeClr val="accent1"/>
+            </a:effectRef>
+            <a:fontRef idx="minor">
+              <a:schemeClr val="tx1"/>
+            </a:fontRef>
+          </p:style>
+        </p:cxnSp>
+      </p:grpSp>
+      <p:pic>
+        <p:nvPicPr>
+          <p:cNvPr id="3074" name="Picture 2">
+            <a:extLst>
+              <a:ext uri="{FF2B5EF4-FFF2-40B4-BE49-F238E27FC236}">
+                <a16:creationId xmlns:a16="http://schemas.microsoft.com/office/drawing/2014/main" id="{8564374F-617B-692B-C86B-FDA0F07AFCDE}"/>
+              </a:ext>
+            </a:extLst>
+          </p:cNvPr>
+          <p:cNvPicPr>
+            <a:picLocks noChangeAspect="1" noChangeArrowheads="1"/>
+          </p:cNvPicPr>
+          <p:nvPr/>
+        </p:nvPicPr>
+        <p:blipFill>
+          <a:blip r:embed="rId2">
+            <a:extLst>
+              <a:ext uri="{28A0092B-C50C-407E-A947-70E740481C1C}">
+                <a14:useLocalDpi xmlns:a14="http://schemas.microsoft.com/office/drawing/2010/main" val="0"/>
+              </a:ext>
+            </a:extLst>
+          </a:blip>
+          <a:srcRect/>
+          <a:stretch>
+            <a:fillRect/>
+          </a:stretch>
+        </p:blipFill>
+        <p:spPr bwMode="auto">
+          <a:xfrm>
+            <a:off x="7685857" y="337026"/>
+            <a:ext cx="4420406" cy="2946937"/>
+          </a:xfrm>
+          <a:prstGeom prst="rect">
+            <a:avLst/>
+          </a:prstGeom>
+          <a:noFill/>
+          <a:extLst>
+            <a:ext uri="{909E8E84-426E-40DD-AFC4-6F175D3DCCD1}">
+              <a14:hiddenFill xmlns:a14="http://schemas.microsoft.com/office/drawing/2010/main">
+                <a:solidFill>
+                  <a:srgbClr val="FFFFFF"/>
+                </a:solidFill>
+              </a14:hiddenFill>
+            </a:ext>
+          </a:extLst>
+        </p:spPr>
+      </p:pic>
+      <p:pic>
+        <p:nvPicPr>
+          <p:cNvPr id="3076" name="Picture 4">
+            <a:extLst>
+              <a:ext uri="{FF2B5EF4-FFF2-40B4-BE49-F238E27FC236}">
+                <a16:creationId xmlns:a16="http://schemas.microsoft.com/office/drawing/2014/main" id="{BE8CBDD1-414B-CA84-B4F0-637F4242E12F}"/>
+              </a:ext>
+            </a:extLst>
+          </p:cNvPr>
+          <p:cNvPicPr>
+            <a:picLocks noChangeAspect="1" noChangeArrowheads="1"/>
+          </p:cNvPicPr>
+          <p:nvPr/>
+        </p:nvPicPr>
+        <p:blipFill>
+          <a:blip r:embed="rId3">
+            <a:extLst>
+              <a:ext uri="{28A0092B-C50C-407E-A947-70E740481C1C}">
+                <a14:useLocalDpi xmlns:a14="http://schemas.microsoft.com/office/drawing/2010/main" val="0"/>
+              </a:ext>
+            </a:extLst>
+          </a:blip>
+          <a:srcRect/>
+          <a:stretch>
+            <a:fillRect/>
+          </a:stretch>
+        </p:blipFill>
+        <p:spPr bwMode="auto">
+          <a:xfrm>
+            <a:off x="7673009" y="3663488"/>
+            <a:ext cx="4453132" cy="2968754"/>
+          </a:xfrm>
+          <a:prstGeom prst="rect">
+            <a:avLst/>
+          </a:prstGeom>
+          <a:noFill/>
+          <a:extLst>
+            <a:ext uri="{909E8E84-426E-40DD-AFC4-6F175D3DCCD1}">
+              <a14:hiddenFill xmlns:a14="http://schemas.microsoft.com/office/drawing/2010/main">
+                <a:solidFill>
+                  <a:srgbClr val="FFFFFF"/>
+                </a:solidFill>
+              </a14:hiddenFill>
+            </a:ext>
+          </a:extLst>
+        </p:spPr>
+      </p:pic>
+      <p:pic>
+        <p:nvPicPr>
+          <p:cNvPr id="11" name="Picture 10" descr="Table&#10;&#10;Description automatically generated">
+            <a:extLst>
+              <a:ext uri="{FF2B5EF4-FFF2-40B4-BE49-F238E27FC236}">
+                <a16:creationId xmlns:a16="http://schemas.microsoft.com/office/drawing/2014/main" id="{97298434-2DF1-3321-B654-01328C05174E}"/>
+              </a:ext>
+            </a:extLst>
+          </p:cNvPr>
+          <p:cNvPicPr>
+            <a:picLocks noChangeAspect="1"/>
+          </p:cNvPicPr>
+          <p:nvPr/>
+        </p:nvPicPr>
+        <p:blipFill>
+          <a:blip r:embed="rId4"/>
+          <a:stretch>
+            <a:fillRect/>
+          </a:stretch>
+        </p:blipFill>
+        <p:spPr>
+          <a:xfrm>
+            <a:off x="586539" y="2486196"/>
+            <a:ext cx="3946627" cy="1859625"/>
+          </a:xfrm>
+          <a:prstGeom prst="rect">
+            <a:avLst/>
+          </a:prstGeom>
+          <a:effectLst>
+            <a:outerShdw blurRad="76200" dir="18900000" sy="23000" kx="-1200000" algn="bl" rotWithShape="0">
+              <a:prstClr val="black">
+                <a:alpha val="20000"/>
+              </a:prstClr>
+            </a:outerShdw>
+          </a:effectLst>
+        </p:spPr>
+      </p:pic>
+      <p:pic>
+        <p:nvPicPr>
+          <p:cNvPr id="12" name="Picture 11" descr="Table&#10;&#10;Description automatically generated">
+            <a:extLst>
+              <a:ext uri="{FF2B5EF4-FFF2-40B4-BE49-F238E27FC236}">
+                <a16:creationId xmlns:a16="http://schemas.microsoft.com/office/drawing/2014/main" id="{B5DDD888-F2CC-903F-354A-9474AC824B0B}"/>
+              </a:ext>
+            </a:extLst>
+          </p:cNvPr>
+          <p:cNvPicPr>
+            <a:picLocks noChangeAspect="1"/>
+          </p:cNvPicPr>
+          <p:nvPr/>
+        </p:nvPicPr>
+        <p:blipFill>
+          <a:blip r:embed="rId5"/>
+          <a:stretch>
+            <a:fillRect/>
+          </a:stretch>
+        </p:blipFill>
+        <p:spPr>
+          <a:xfrm>
+            <a:off x="586539" y="4390928"/>
+            <a:ext cx="3946627" cy="1682787"/>
+          </a:xfrm>
+          <a:prstGeom prst="rect">
+            <a:avLst/>
+          </a:prstGeom>
+          <a:effectLst>
+            <a:outerShdw blurRad="76200" dir="18900000" sy="23000" kx="-1200000" algn="bl" rotWithShape="0">
+              <a:prstClr val="black">
+                <a:alpha val="20000"/>
+              </a:prstClr>
+            </a:outerShdw>
+          </a:effectLst>
+        </p:spPr>
+      </p:pic>
+      <p:sp>
+        <p:nvSpPr>
+          <p:cNvPr id="13" name="Rectangle 10">
+            <a:extLst>
+              <a:ext uri="{FF2B5EF4-FFF2-40B4-BE49-F238E27FC236}">
+                <a16:creationId xmlns:a16="http://schemas.microsoft.com/office/drawing/2014/main" id="{3DC4CC90-D6D2-F586-5AC2-06F0885D988B}"/>
+              </a:ext>
+            </a:extLst>
+          </p:cNvPr>
+          <p:cNvSpPr>
+            <a:spLocks noChangeArrowheads="1"/>
+          </p:cNvSpPr>
+          <p:nvPr/>
+        </p:nvSpPr>
+        <p:spPr bwMode="auto">
+          <a:xfrm>
+            <a:off x="4744651" y="3472130"/>
+            <a:ext cx="2141403" cy="153888"/>
+          </a:xfrm>
+          <a:prstGeom prst="rect">
+            <a:avLst/>
+          </a:prstGeom>
+          <a:solidFill>
+            <a:srgbClr val="FFFFFF"/>
+          </a:solidFill>
+          <a:ln>
+            <a:noFill/>
+          </a:ln>
+          <a:effectLst/>
+          <a:extLst>
+            <a:ext uri="{91240B29-F687-4F45-9708-019B960494DF}">
+              <a14:hiddenLine xmlns:a14="http://schemas.microsoft.com/office/drawing/2010/main" w="9525">
+                <a:solidFill>
+                  <a:schemeClr val="tx1"/>
+                </a:solidFill>
+                <a:miter lim="800000"/>
+                <a:headEnd/>
+                <a:tailEnd/>
+              </a14:hiddenLine>
+            </a:ext>
+            <a:ext uri="{AF507438-7753-43E0-B8FC-AC1667EBCBE1}">
+              <a14:hiddenEffects xmlns:a14="http://schemas.microsoft.com/office/drawing/2010/main">
+                <a:effectLst>
+                  <a:outerShdw dist="35921" dir="2700000" algn="ctr" rotWithShape="0">
+                    <a:schemeClr val="bg2"/>
+                  </a:outerShdw>
+                </a:effectLst>
+              </a14:hiddenEffects>
+            </a:ext>
+          </a:extLst>
+        </p:spPr>
+        <p:txBody>
+          <a:bodyPr vert="horz" wrap="square" lIns="0" tIns="0" rIns="0" bIns="0" numCol="1" anchor="ctr" anchorCtr="0" compatLnSpc="1">
+            <a:prstTxWarp prst="textNoShape">
+              <a:avLst/>
+            </a:prstTxWarp>
+            <a:spAutoFit/>
+          </a:bodyPr>
+          <a:lstStyle/>
+          <a:p>
+            <a:pPr marL="0" marR="0" lvl="0" indent="0" algn="l" defTabSz="914400" rtl="0" eaLnBrk="0" fontAlgn="base" latinLnBrk="0" hangingPunct="0">
+              <a:lnSpc>
+                <a:spcPct val="100000"/>
+              </a:lnSpc>
+              <a:spcBef>
+                <a:spcPct val="0"/>
+              </a:spcBef>
+              <a:spcAft>
+                <a:spcPct val="0"/>
+              </a:spcAft>
+              <a:buClrTx/>
+              <a:buSzTx/>
+              <a:buFontTx/>
+              <a:buNone/>
+              <a:tabLst/>
+            </a:pPr>
+            <a:r>
+              <a:rPr kumimoji="0" lang="en-US" altLang="en-US" sz="1000" b="0" i="0" u="none" strike="noStrike" cap="none" normalizeH="0" baseline="0" dirty="0">
+                <a:ln>
+                  <a:noFill/>
+                </a:ln>
+                <a:solidFill>
+                  <a:srgbClr val="000000"/>
+                </a:solidFill>
+                <a:effectLst/>
+                <a:latin typeface="Arial Unicode MS"/>
+                <a:ea typeface="Times New Roman" panose="02020603050405020304" pitchFamily="18" charset="0"/>
+                <a:cs typeface="Courier New" panose="02070309020205020404" pitchFamily="49" charset="0"/>
+              </a:rPr>
+              <a:t>The r-value is: 0.6542597754829528</a:t>
+            </a:r>
+            <a:r>
+              <a:rPr kumimoji="0" lang="en-US" altLang="en-US" sz="800" b="0" i="0" u="none" strike="noStrike" cap="none" normalizeH="0" baseline="0" dirty="0">
+                <a:ln>
+                  <a:noFill/>
+                </a:ln>
+                <a:solidFill>
+                  <a:schemeClr val="tx1"/>
+                </a:solidFill>
+                <a:effectLst/>
+              </a:rPr>
+              <a:t> </a:t>
+            </a:r>
+            <a:endParaRPr kumimoji="0" lang="en-US" altLang="en-US" sz="1800" b="0" i="0" u="none" strike="noStrike" cap="none" normalizeH="0" baseline="0" dirty="0">
+              <a:ln>
+                <a:noFill/>
+              </a:ln>
+              <a:solidFill>
+                <a:schemeClr val="tx1"/>
+              </a:solidFill>
+              <a:effectLst/>
+              <a:latin typeface="Arial" panose="020B0604020202020204" pitchFamily="34" charset="0"/>
+            </a:endParaRPr>
+          </a:p>
+        </p:txBody>
+      </p:sp>
+      <p:sp>
+        <p:nvSpPr>
+          <p:cNvPr id="14" name="Rectangle 11">
+            <a:extLst>
+              <a:ext uri="{FF2B5EF4-FFF2-40B4-BE49-F238E27FC236}">
+                <a16:creationId xmlns:a16="http://schemas.microsoft.com/office/drawing/2014/main" id="{2BE376B2-EFD1-1750-1548-425F7C0CDE1A}"/>
+              </a:ext>
+            </a:extLst>
+          </p:cNvPr>
+          <p:cNvSpPr>
+            <a:spLocks noChangeArrowheads="1"/>
+          </p:cNvSpPr>
+          <p:nvPr/>
+        </p:nvSpPr>
+        <p:spPr bwMode="auto">
+          <a:xfrm>
+            <a:off x="4753277" y="5234708"/>
+            <a:ext cx="2023353" cy="153888"/>
+          </a:xfrm>
+          <a:prstGeom prst="rect">
+            <a:avLst/>
+          </a:prstGeom>
+          <a:solidFill>
+            <a:srgbClr val="FFFFFF"/>
+          </a:solidFill>
+          <a:ln>
+            <a:noFill/>
+          </a:ln>
+          <a:effectLst/>
+          <a:extLst>
+            <a:ext uri="{91240B29-F687-4F45-9708-019B960494DF}">
+              <a14:hiddenLine xmlns:a14="http://schemas.microsoft.com/office/drawing/2010/main" w="9525">
+                <a:solidFill>
+                  <a:schemeClr val="tx1"/>
+                </a:solidFill>
+                <a:miter lim="800000"/>
+                <a:headEnd/>
+                <a:tailEnd/>
+              </a14:hiddenLine>
+            </a:ext>
+            <a:ext uri="{AF507438-7753-43E0-B8FC-AC1667EBCBE1}">
+              <a14:hiddenEffects xmlns:a14="http://schemas.microsoft.com/office/drawing/2010/main">
+                <a:effectLst>
+                  <a:outerShdw dist="35921" dir="2700000" algn="ctr" rotWithShape="0">
+                    <a:schemeClr val="bg2"/>
+                  </a:outerShdw>
+                </a:effectLst>
+              </a14:hiddenEffects>
+            </a:ext>
+          </a:extLst>
+        </p:spPr>
+        <p:txBody>
+          <a:bodyPr vert="horz" wrap="square" lIns="0" tIns="0" rIns="0" bIns="0" numCol="1" anchor="ctr" anchorCtr="0" compatLnSpc="1">
+            <a:prstTxWarp prst="textNoShape">
+              <a:avLst/>
+            </a:prstTxWarp>
+            <a:spAutoFit/>
+          </a:bodyPr>
+          <a:lstStyle/>
+          <a:p>
+            <a:pPr marL="0" marR="0" lvl="0" indent="0" algn="l" defTabSz="914400" rtl="0" eaLnBrk="0" fontAlgn="base" latinLnBrk="0" hangingPunct="0">
+              <a:lnSpc>
+                <a:spcPct val="100000"/>
+              </a:lnSpc>
+              <a:spcBef>
+                <a:spcPct val="0"/>
+              </a:spcBef>
+              <a:spcAft>
+                <a:spcPct val="0"/>
+              </a:spcAft>
+              <a:buClrTx/>
+              <a:buSzTx/>
+              <a:buFontTx/>
+              <a:buNone/>
+              <a:tabLst/>
+            </a:pPr>
+            <a:r>
+              <a:rPr kumimoji="0" lang="en-US" altLang="en-US" sz="1000" b="0" i="0" u="none" strike="noStrike" cap="none" normalizeH="0" baseline="0" dirty="0">
+                <a:ln>
+                  <a:noFill/>
+                </a:ln>
+                <a:solidFill>
+                  <a:srgbClr val="000000"/>
+                </a:solidFill>
+                <a:effectLst/>
+                <a:latin typeface="Arial Unicode MS"/>
+                <a:ea typeface="Times New Roman" panose="02020603050405020304" pitchFamily="18" charset="0"/>
+                <a:cs typeface="Courier New" panose="02070309020205020404" pitchFamily="49" charset="0"/>
+              </a:rPr>
+              <a:t>The r-value is: 0.614400820625597</a:t>
+            </a:r>
+            <a:r>
+              <a:rPr kumimoji="0" lang="en-US" altLang="en-US" sz="800" b="0" i="0" u="none" strike="noStrike" cap="none" normalizeH="0" baseline="0" dirty="0">
+                <a:ln>
+                  <a:noFill/>
+                </a:ln>
+                <a:solidFill>
+                  <a:schemeClr val="tx1"/>
+                </a:solidFill>
+                <a:effectLst/>
+              </a:rPr>
+              <a:t> </a:t>
+            </a:r>
+            <a:endParaRPr kumimoji="0" lang="en-US" altLang="en-US" sz="1800" b="0" i="0" u="none" strike="noStrike" cap="none" normalizeH="0" baseline="0" dirty="0">
+              <a:ln>
+                <a:noFill/>
+              </a:ln>
+              <a:solidFill>
+                <a:schemeClr val="tx1"/>
+              </a:solidFill>
+              <a:effectLst/>
+              <a:latin typeface="Arial" panose="020B0604020202020204" pitchFamily="34" charset="0"/>
+            </a:endParaRPr>
+          </a:p>
+        </p:txBody>
+      </p:sp>
+      <p:grpSp>
+        <p:nvGrpSpPr>
+          <p:cNvPr id="17" name="Group 16">
+            <a:extLst>
+              <a:ext uri="{FF2B5EF4-FFF2-40B4-BE49-F238E27FC236}">
+                <a16:creationId xmlns:a16="http://schemas.microsoft.com/office/drawing/2014/main" id="{CAB6CCE1-2BF3-C034-2FAD-231017ABE768}"/>
+              </a:ext>
+            </a:extLst>
+          </p:cNvPr>
+          <p:cNvGrpSpPr/>
+          <p:nvPr/>
+        </p:nvGrpSpPr>
+        <p:grpSpPr>
+          <a:xfrm>
+            <a:off x="153079" y="165266"/>
+            <a:ext cx="7313840" cy="6530735"/>
+            <a:chOff x="153079" y="165266"/>
+            <a:chExt cx="7313840" cy="6530735"/>
+          </a:xfrm>
+        </p:grpSpPr>
+        <p:pic>
+          <p:nvPicPr>
+            <p:cNvPr id="18" name="Picture 17">
+              <a:extLst>
+                <a:ext uri="{FF2B5EF4-FFF2-40B4-BE49-F238E27FC236}">
+                  <a16:creationId xmlns:a16="http://schemas.microsoft.com/office/drawing/2014/main" id="{46CB999B-25A7-C445-FC75-3D3E48551BFE}"/>
+                </a:ext>
+              </a:extLst>
+            </p:cNvPr>
+            <p:cNvPicPr>
+              <a:picLocks noChangeAspect="1"/>
+            </p:cNvPicPr>
+            <p:nvPr/>
+          </p:nvPicPr>
+          <p:blipFill rotWithShape="1">
+            <a:blip r:embed="rId6"/>
+            <a:srcRect b="1747"/>
+            <a:stretch/>
+          </p:blipFill>
+          <p:spPr>
+            <a:xfrm>
+              <a:off x="153080" y="165266"/>
+              <a:ext cx="7313839" cy="466566"/>
+            </a:xfrm>
+            <a:prstGeom prst="rect">
+              <a:avLst/>
+            </a:prstGeom>
+          </p:spPr>
+        </p:pic>
+        <p:pic>
+          <p:nvPicPr>
+            <p:cNvPr id="19" name="Picture 18">
+              <a:extLst>
+                <a:ext uri="{FF2B5EF4-FFF2-40B4-BE49-F238E27FC236}">
+                  <a16:creationId xmlns:a16="http://schemas.microsoft.com/office/drawing/2014/main" id="{93731B2B-5AD2-083A-E24B-B5408084E55C}"/>
+                </a:ext>
+              </a:extLst>
+            </p:cNvPr>
+            <p:cNvPicPr>
+              <a:picLocks noChangeAspect="1"/>
+            </p:cNvPicPr>
+            <p:nvPr/>
+          </p:nvPicPr>
+          <p:blipFill rotWithShape="1">
+            <a:blip r:embed="rId6"/>
+            <a:srcRect b="1747"/>
+            <a:stretch/>
+          </p:blipFill>
+          <p:spPr>
+            <a:xfrm rot="10800000">
+              <a:off x="153079" y="6200572"/>
+              <a:ext cx="7313838" cy="495429"/>
+            </a:xfrm>
+            <a:prstGeom prst="rect">
+              <a:avLst/>
+            </a:prstGeom>
+          </p:spPr>
+        </p:pic>
+      </p:grpSp>
+    </p:spTree>
+    <p:extLst>
+      <p:ext uri="{BB962C8B-B14F-4D97-AF65-F5344CB8AC3E}">
+        <p14:creationId xmlns:p14="http://schemas.microsoft.com/office/powerpoint/2010/main" val="425930375"/>
+      </p:ext>
+    </p:extLst>
+  </p:cSld>
+  <p:clrMapOvr>
+    <a:masterClrMapping/>
+  </p:clrMapOvr>
+</p:sld>
+</file>
+
+<file path=ppt/slides/slide11.xml><?xml version="1.0" encoding="utf-8"?>
+<p:sld xmlns:a="http://schemas.openxmlformats.org/drawingml/2006/main" xmlns:r="http://schemas.openxmlformats.org/officeDocument/2006/relationships" xmlns:p="http://schemas.openxmlformats.org/presentationml/2006/main">
+  <p:cSld>
+    <p:spTree>
+      <p:nvGrpSpPr>
+        <p:cNvPr id="1" name=""/>
+        <p:cNvGrpSpPr/>
+        <p:nvPr/>
+      </p:nvGrpSpPr>
+      <p:grpSpPr>
+        <a:xfrm>
+          <a:off x="0" y="0"/>
+          <a:ext cx="0" cy="0"/>
+          <a:chOff x="0" y="0"/>
+          <a:chExt cx="0" cy="0"/>
+        </a:xfrm>
+      </p:grpSpPr>
+      <p:sp useBgFill="1">
+        <p:nvSpPr>
+          <p:cNvPr id="1035" name="Rectangle 1034">
+            <a:extLst>
+              <a:ext uri="{FF2B5EF4-FFF2-40B4-BE49-F238E27FC236}">
+                <a16:creationId xmlns:a16="http://schemas.microsoft.com/office/drawing/2014/main" id="{158E38A4-F699-490C-8D1F-E8AD332D9B45}"/>
+              </a:ext>
+              <a:ext uri="{C183D7F6-B498-43B3-948B-1728B52AA6E4}">
+                <adec:decorative xmlns:adec="http://schemas.microsoft.com/office/drawing/2017/decorative" val="1"/>
+              </a:ext>
+            </a:extLst>
+          </p:cNvPr>
+          <p:cNvSpPr>
+            <a:spLocks noGrp="1" noRot="1" noChangeAspect="1" noMove="1" noResize="1" noEditPoints="1" noAdjustHandles="1" noChangeArrowheads="1" noChangeShapeType="1" noTextEdit="1"/>
+          </p:cNvSpPr>
+          <p:nvPr>
+            <p:extLst>
+              <p:ext uri="{386F3935-93C4-4BCD-93E2-E3B085C9AB24}">
+                <p16:designElem xmlns:p16="http://schemas.microsoft.com/office/powerpoint/2015/main" val="1"/>
+              </p:ext>
+            </p:extLst>
+          </p:nvPr>
+        </p:nvSpPr>
+        <p:spPr>
+          <a:xfrm>
+            <a:off x="0" y="0"/>
+            <a:ext cx="12192000" cy="6858000"/>
+          </a:xfrm>
+          <a:prstGeom prst="rect">
+            <a:avLst/>
+          </a:prstGeom>
+          <a:ln w="12700" cap="flat" cmpd="sng" algn="ctr">
+            <a:noFill/>
+            <a:prstDash val="solid"/>
+            <a:miter lim="800000"/>
+          </a:ln>
+          <a:effectLst/>
+        </p:spPr>
+        <p:style>
+          <a:lnRef idx="2">
+            <a:schemeClr val="accent1">
+              <a:shade val="50000"/>
+            </a:schemeClr>
+          </a:lnRef>
+          <a:fillRef idx="1">
+            <a:schemeClr val="accent1"/>
+          </a:fillRef>
+          <a:effectRef idx="0">
+            <a:schemeClr val="accent1"/>
+          </a:effectRef>
+          <a:fontRef idx="minor">
+            <a:schemeClr val="lt1"/>
+          </a:fontRef>
+        </p:style>
+        <p:txBody>
+          <a:bodyPr rtlCol="0" anchor="ctr"/>
+          <a:lstStyle/>
+          <a:p>
+            <a:pPr algn="ctr"/>
+            <a:endParaRPr lang="en-US"/>
+          </a:p>
+        </p:txBody>
+      </p:sp>
+      <p:sp>
+        <p:nvSpPr>
+          <p:cNvPr id="1037" name="Rectangle 1036">
+            <a:extLst>
+              <a:ext uri="{FF2B5EF4-FFF2-40B4-BE49-F238E27FC236}">
+                <a16:creationId xmlns:a16="http://schemas.microsoft.com/office/drawing/2014/main" id="{939C6AAB-48AC-41A3-95C2-6BF83715DF62}"/>
+              </a:ext>
+              <a:ext uri="{C183D7F6-B498-43B3-948B-1728B52AA6E4}">
+                <adec:decorative xmlns:adec="http://schemas.microsoft.com/office/drawing/2017/decorative" val="1"/>
+              </a:ext>
+            </a:extLst>
+          </p:cNvPr>
+          <p:cNvSpPr>
+            <a:spLocks noGrp="1" noRot="1" noChangeAspect="1" noMove="1" noResize="1" noEditPoints="1" noAdjustHandles="1" noChangeArrowheads="1" noChangeShapeType="1" noTextEdit="1"/>
+          </p:cNvSpPr>
+          <p:nvPr>
+            <p:extLst>
+              <p:ext uri="{386F3935-93C4-4BCD-93E2-E3B085C9AB24}">
+                <p16:designElem xmlns:p16="http://schemas.microsoft.com/office/powerpoint/2015/main" val="1"/>
+              </p:ext>
+            </p:extLst>
+          </p:nvPr>
+        </p:nvSpPr>
+        <p:spPr>
+          <a:xfrm>
+            <a:off x="0" y="0"/>
+            <a:ext cx="7620000" cy="6858000"/>
+          </a:xfrm>
+          <a:prstGeom prst="rect">
+            <a:avLst/>
+          </a:prstGeom>
+          <a:solidFill>
+            <a:schemeClr val="bg2"/>
+          </a:solidFill>
+          <a:ln w="12700" cap="flat" cmpd="sng" algn="ctr">
+            <a:noFill/>
+            <a:prstDash val="solid"/>
+            <a:miter lim="800000"/>
+          </a:ln>
+          <a:effectLst/>
+        </p:spPr>
+        <p:style>
+          <a:lnRef idx="2">
+            <a:schemeClr val="accent1">
+              <a:shade val="50000"/>
+            </a:schemeClr>
+          </a:lnRef>
+          <a:fillRef idx="1">
+            <a:schemeClr val="accent1"/>
+          </a:fillRef>
+          <a:effectRef idx="0">
+            <a:schemeClr val="accent1"/>
+          </a:effectRef>
+          <a:fontRef idx="minor">
+            <a:schemeClr val="lt1"/>
+          </a:fontRef>
+        </p:style>
+        <p:txBody>
+          <a:bodyPr rtlCol="0" anchor="ctr"/>
+          <a:lstStyle/>
+          <a:p>
+            <a:pPr algn="ctr"/>
+            <a:endParaRPr lang="en-US"/>
+          </a:p>
+        </p:txBody>
+      </p:sp>
+      <p:sp>
+        <p:nvSpPr>
+          <p:cNvPr id="1039" name="Rectangle 1038">
+            <a:extLst>
+              <a:ext uri="{FF2B5EF4-FFF2-40B4-BE49-F238E27FC236}">
+                <a16:creationId xmlns:a16="http://schemas.microsoft.com/office/drawing/2014/main" id="{F6EE861B-7D2F-4B7C-A6E3-5937E81B8025}"/>
+              </a:ext>
+              <a:ext uri="{C183D7F6-B498-43B3-948B-1728B52AA6E4}">
+                <adec:decorative xmlns:adec="http://schemas.microsoft.com/office/drawing/2017/decorative" val="1"/>
+              </a:ext>
+            </a:extLst>
+          </p:cNvPr>
+          <p:cNvSpPr>
+            <a:spLocks noGrp="1" noRot="1" noChangeAspect="1" noMove="1" noResize="1" noEditPoints="1" noAdjustHandles="1" noChangeArrowheads="1" noChangeShapeType="1" noTextEdit="1"/>
+          </p:cNvSpPr>
+          <p:nvPr>
+            <p:extLst>
+              <p:ext uri="{386F3935-93C4-4BCD-93E2-E3B085C9AB24}">
+                <p16:designElem xmlns:p16="http://schemas.microsoft.com/office/powerpoint/2015/main" val="1"/>
+              </p:ext>
+            </p:extLst>
+          </p:nvPr>
+        </p:nvSpPr>
+        <p:spPr>
+          <a:xfrm>
+            <a:off x="153081" y="159026"/>
+            <a:ext cx="7313839" cy="6542788"/>
+          </a:xfrm>
+          <a:prstGeom prst="rect">
+            <a:avLst/>
+          </a:prstGeom>
+          <a:solidFill>
+            <a:schemeClr val="bg1"/>
+          </a:solidFill>
+          <a:ln>
+            <a:noFill/>
+          </a:ln>
+        </p:spPr>
+        <p:style>
+          <a:lnRef idx="2">
+            <a:schemeClr val="accent1">
+              <a:shade val="50000"/>
+            </a:schemeClr>
+          </a:lnRef>
+          <a:fillRef idx="1">
+            <a:schemeClr val="accent1"/>
+          </a:fillRef>
+          <a:effectRef idx="0">
+            <a:schemeClr val="accent1"/>
+          </a:effectRef>
+          <a:fontRef idx="minor">
+            <a:schemeClr val="lt1"/>
+          </a:fontRef>
+        </p:style>
+        <p:txBody>
+          <a:bodyPr rtlCol="0" anchor="ctr"/>
+          <a:lstStyle/>
+          <a:p>
+            <a:pPr algn="ctr"/>
+            <a:endParaRPr lang="en-US"/>
+          </a:p>
+        </p:txBody>
+      </p:sp>
+      <p:sp>
+        <p:nvSpPr>
+          <p:cNvPr id="2" name="Title 1">
+            <a:extLst>
+              <a:ext uri="{FF2B5EF4-FFF2-40B4-BE49-F238E27FC236}">
+                <a16:creationId xmlns:a16="http://schemas.microsoft.com/office/drawing/2014/main" id="{C0DBDA7B-B84F-0AF7-4FCB-54B36ADB6BE6}"/>
+              </a:ext>
+            </a:extLst>
+          </p:cNvPr>
+          <p:cNvSpPr>
+            <a:spLocks noGrp="1"/>
+          </p:cNvSpPr>
+          <p:nvPr>
+            <p:ph type="title"/>
+          </p:nvPr>
+        </p:nvSpPr>
+        <p:spPr>
+          <a:xfrm>
+            <a:off x="416943" y="723901"/>
+            <a:ext cx="6786114" cy="661600"/>
+          </a:xfrm>
+        </p:spPr>
+        <p:txBody>
+          <a:bodyPr anchor="b">
+            <a:noAutofit/>
+          </a:bodyPr>
+          <a:lstStyle/>
+          <a:p>
+            <a:pPr algn="ctr"/>
+            <a:r>
+              <a:rPr lang="en-US" sz="4000" dirty="0">
+                <a:solidFill>
+                  <a:srgbClr val="002060"/>
+                </a:solidFill>
+              </a:rPr>
+              <a:t>Top 5 Places for Retirement</a:t>
+            </a:r>
+          </a:p>
+        </p:txBody>
+      </p:sp>
+      <p:grpSp>
+        <p:nvGrpSpPr>
+          <p:cNvPr id="1041" name="Group 1040">
+            <a:extLst>
+              <a:ext uri="{FF2B5EF4-FFF2-40B4-BE49-F238E27FC236}">
+                <a16:creationId xmlns:a16="http://schemas.microsoft.com/office/drawing/2014/main" id="{073091F1-AA5A-47C6-9502-D5870A72D50C}"/>
+              </a:ext>
+              <a:ext uri="{C183D7F6-B498-43B3-948B-1728B52AA6E4}">
+                <adec:decorative xmlns:adec="http://schemas.microsoft.com/office/drawing/2017/decorative" val="1"/>
+              </a:ext>
+            </a:extLst>
+          </p:cNvPr>
+          <p:cNvGrpSpPr>
+            <a:grpSpLocks noGrp="1" noUngrp="1" noRot="1" noChangeAspect="1" noMove="1" noResize="1"/>
+          </p:cNvGrpSpPr>
+          <p:nvPr>
+            <p:extLst>
+              <p:ext uri="{386F3935-93C4-4BCD-93E2-E3B085C9AB24}">
+                <p16:designElem xmlns:p16="http://schemas.microsoft.com/office/powerpoint/2015/main" val="1"/>
+              </p:ext>
+            </p:extLst>
+          </p:nvPr>
+        </p:nvGrpSpPr>
+        <p:grpSpPr>
+          <a:xfrm>
+            <a:off x="3376258" y="2320171"/>
+            <a:ext cx="867485" cy="115439"/>
+            <a:chOff x="8910933" y="1861308"/>
+            <a:chExt cx="867485" cy="115439"/>
+          </a:xfrm>
+        </p:grpSpPr>
+        <p:sp>
+          <p:nvSpPr>
+            <p:cNvPr id="1042" name="Rectangle 1041">
+              <a:extLst>
+                <a:ext uri="{FF2B5EF4-FFF2-40B4-BE49-F238E27FC236}">
+                  <a16:creationId xmlns:a16="http://schemas.microsoft.com/office/drawing/2014/main" id="{8085C4F7-6E91-4DF6-BB01-A46132BC3587}"/>
+                </a:ext>
+                <a:ext uri="{C183D7F6-B498-43B3-948B-1728B52AA6E4}">
+                  <adec:decorative xmlns:adec="http://schemas.microsoft.com/office/drawing/2017/decorative" val="1"/>
+                </a:ext>
+              </a:extLst>
+            </p:cNvPr>
+            <p:cNvSpPr/>
+            <p:nvPr>
+              <p:extLst>
+                <p:ext uri="{386F3935-93C4-4BCD-93E2-E3B085C9AB24}">
+                  <p16:designElem xmlns:p16="http://schemas.microsoft.com/office/powerpoint/2015/main" val="1"/>
+                </p:ext>
+              </p:extLst>
+            </p:nvPr>
+          </p:nvSpPr>
+          <p:spPr>
+            <a:xfrm rot="18964825" flipH="1">
+              <a:off x="9286956" y="1861308"/>
+              <a:ext cx="115439" cy="115439"/>
+            </a:xfrm>
+            <a:prstGeom prst="rect">
+              <a:avLst/>
+            </a:prstGeom>
+            <a:noFill/>
+            <a:ln w="15875">
+              <a:solidFill>
+                <a:schemeClr val="tx2"/>
+              </a:solidFill>
+            </a:ln>
+          </p:spPr>
+          <p:style>
+            <a:lnRef idx="2">
+              <a:schemeClr val="accent1">
+                <a:shade val="50000"/>
+              </a:schemeClr>
+            </a:lnRef>
+            <a:fillRef idx="1">
+              <a:schemeClr val="accent1"/>
+            </a:fillRef>
+            <a:effectRef idx="0">
+              <a:schemeClr val="accent1"/>
+            </a:effectRef>
+            <a:fontRef idx="minor">
+              <a:schemeClr val="lt1"/>
+            </a:fontRef>
+          </p:style>
+          <p:txBody>
+            <a:bodyPr rtlCol="0" anchor="ctr"/>
+            <a:lstStyle/>
+            <a:p>
+              <a:pPr algn="ctr"/>
+              <a:endParaRPr lang="en-US">
+                <a:solidFill>
+                  <a:schemeClr val="bg1"/>
+                </a:solidFill>
+                <a:effectLst>
+                  <a:outerShdw blurRad="38100" dist="38100" dir="2700000" algn="tl">
+                    <a:srgbClr val="000000">
+                      <a:alpha val="43137"/>
+                    </a:srgbClr>
+                  </a:outerShdw>
+                </a:effectLst>
+              </a:endParaRPr>
+            </a:p>
+          </p:txBody>
+        </p:sp>
+        <p:cxnSp>
+          <p:nvCxnSpPr>
+            <p:cNvPr id="1043" name="Straight Connector 1042">
+              <a:extLst>
+                <a:ext uri="{FF2B5EF4-FFF2-40B4-BE49-F238E27FC236}">
+                  <a16:creationId xmlns:a16="http://schemas.microsoft.com/office/drawing/2014/main" id="{25476588-B9AD-4662-A085-8E4D91493B3F}"/>
+                </a:ext>
+                <a:ext uri="{C183D7F6-B498-43B3-948B-1728B52AA6E4}">
+                  <adec:decorative xmlns:adec="http://schemas.microsoft.com/office/drawing/2017/decorative" val="1"/>
+                </a:ext>
+              </a:extLst>
+            </p:cNvPr>
+            <p:cNvCxnSpPr/>
+            <p:nvPr>
+              <p:extLst>
+                <p:ext uri="{386F3935-93C4-4BCD-93E2-E3B085C9AB24}">
+                  <p16:designElem xmlns:p16="http://schemas.microsoft.com/office/powerpoint/2015/main" val="1"/>
+                </p:ext>
+              </p:extLst>
+            </p:nvPr>
+          </p:nvCxnSpPr>
+          <p:spPr>
+            <a:xfrm>
+              <a:off x="9426289" y="1919027"/>
+              <a:ext cx="352129" cy="0"/>
+            </a:xfrm>
+            <a:prstGeom prst="line">
+              <a:avLst/>
+            </a:prstGeom>
+            <a:ln w="15875">
+              <a:solidFill>
+                <a:schemeClr val="tx2"/>
+              </a:solidFill>
+            </a:ln>
+          </p:spPr>
+          <p:style>
+            <a:lnRef idx="1">
+              <a:schemeClr val="accent1"/>
+            </a:lnRef>
+            <a:fillRef idx="0">
+              <a:schemeClr val="accent1"/>
+            </a:fillRef>
+            <a:effectRef idx="0">
+              <a:schemeClr val="accent1"/>
+            </a:effectRef>
+            <a:fontRef idx="minor">
+              <a:schemeClr val="tx1"/>
+            </a:fontRef>
+          </p:style>
+        </p:cxnSp>
+        <p:cxnSp>
+          <p:nvCxnSpPr>
+            <p:cNvPr id="1044" name="Straight Connector 1043">
+              <a:extLst>
+                <a:ext uri="{FF2B5EF4-FFF2-40B4-BE49-F238E27FC236}">
+                  <a16:creationId xmlns:a16="http://schemas.microsoft.com/office/drawing/2014/main" id="{BCDB34B3-D348-476E-BE7F-1139370F4310}"/>
+                </a:ext>
+                <a:ext uri="{C183D7F6-B498-43B3-948B-1728B52AA6E4}">
+                  <adec:decorative xmlns:adec="http://schemas.microsoft.com/office/drawing/2017/decorative" val="1"/>
+                </a:ext>
+              </a:extLst>
+            </p:cNvPr>
+            <p:cNvCxnSpPr/>
+            <p:nvPr>
+              <p:extLst>
+                <p:ext uri="{386F3935-93C4-4BCD-93E2-E3B085C9AB24}">
+                  <p16:designElem xmlns:p16="http://schemas.microsoft.com/office/powerpoint/2015/main" val="1"/>
+                </p:ext>
+              </p:extLst>
+            </p:nvPr>
+          </p:nvCxnSpPr>
+          <p:spPr>
+            <a:xfrm>
+              <a:off x="8910933" y="1919027"/>
+              <a:ext cx="352129" cy="0"/>
+            </a:xfrm>
+            <a:prstGeom prst="line">
+              <a:avLst/>
+            </a:prstGeom>
+            <a:ln w="15875">
+              <a:solidFill>
+                <a:schemeClr val="tx2"/>
+              </a:solidFill>
+            </a:ln>
+          </p:spPr>
+          <p:style>
+            <a:lnRef idx="1">
+              <a:schemeClr val="accent1"/>
+            </a:lnRef>
+            <a:fillRef idx="0">
+              <a:schemeClr val="accent1"/>
+            </a:fillRef>
+            <a:effectRef idx="0">
+              <a:schemeClr val="accent1"/>
+            </a:effectRef>
+            <a:fontRef idx="minor">
+              <a:schemeClr val="tx1"/>
+            </a:fontRef>
+          </p:style>
+        </p:cxnSp>
+      </p:grpSp>
+      <p:grpSp>
+        <p:nvGrpSpPr>
+          <p:cNvPr id="4" name="Group 3">
+            <a:extLst>
+              <a:ext uri="{FF2B5EF4-FFF2-40B4-BE49-F238E27FC236}">
+                <a16:creationId xmlns:a16="http://schemas.microsoft.com/office/drawing/2014/main" id="{C50856D7-90EC-3122-A1E8-C14F853869BA}"/>
+              </a:ext>
+            </a:extLst>
+          </p:cNvPr>
+          <p:cNvGrpSpPr/>
+          <p:nvPr/>
+        </p:nvGrpSpPr>
+        <p:grpSpPr>
+          <a:xfrm>
+            <a:off x="153079" y="165266"/>
+            <a:ext cx="7313840" cy="6530735"/>
+            <a:chOff x="153079" y="165266"/>
+            <a:chExt cx="7313840" cy="6530735"/>
+          </a:xfrm>
+        </p:grpSpPr>
+        <p:pic>
+          <p:nvPicPr>
+            <p:cNvPr id="5" name="Picture 4">
+              <a:extLst>
+                <a:ext uri="{FF2B5EF4-FFF2-40B4-BE49-F238E27FC236}">
+                  <a16:creationId xmlns:a16="http://schemas.microsoft.com/office/drawing/2014/main" id="{4AA5C9A2-3A91-8DB0-CAB4-5C3BE1554D7B}"/>
+                </a:ext>
+              </a:extLst>
+            </p:cNvPr>
+            <p:cNvPicPr>
+              <a:picLocks noChangeAspect="1"/>
+            </p:cNvPicPr>
+            <p:nvPr/>
+          </p:nvPicPr>
+          <p:blipFill rotWithShape="1">
+            <a:blip r:embed="rId2"/>
+            <a:srcRect b="1747"/>
+            <a:stretch/>
+          </p:blipFill>
+          <p:spPr>
+            <a:xfrm>
+              <a:off x="153080" y="165266"/>
+              <a:ext cx="7313839" cy="466566"/>
+            </a:xfrm>
+            <a:prstGeom prst="rect">
+              <a:avLst/>
+            </a:prstGeom>
+          </p:spPr>
+        </p:pic>
+        <p:pic>
+          <p:nvPicPr>
+            <p:cNvPr id="6" name="Picture 5">
+              <a:extLst>
+                <a:ext uri="{FF2B5EF4-FFF2-40B4-BE49-F238E27FC236}">
+                  <a16:creationId xmlns:a16="http://schemas.microsoft.com/office/drawing/2014/main" id="{E462CA74-5300-1F7F-8245-91627A089B14}"/>
+                </a:ext>
+              </a:extLst>
+            </p:cNvPr>
+            <p:cNvPicPr>
+              <a:picLocks noChangeAspect="1"/>
+            </p:cNvPicPr>
+            <p:nvPr/>
+          </p:nvPicPr>
+          <p:blipFill rotWithShape="1">
+            <a:blip r:embed="rId2"/>
+            <a:srcRect b="1747"/>
+            <a:stretch/>
+          </p:blipFill>
+          <p:spPr>
+            <a:xfrm rot="10800000">
+              <a:off x="153079" y="6200572"/>
+              <a:ext cx="7313838" cy="495429"/>
+            </a:xfrm>
+            <a:prstGeom prst="rect">
+              <a:avLst/>
+            </a:prstGeom>
+          </p:spPr>
+        </p:pic>
+      </p:grpSp>
+      <p:pic>
+        <p:nvPicPr>
+          <p:cNvPr id="8" name="Picture 7" descr="Chart, pie chart&#10;&#10;Description automatically generated">
+            <a:extLst>
+              <a:ext uri="{FF2B5EF4-FFF2-40B4-BE49-F238E27FC236}">
+                <a16:creationId xmlns:a16="http://schemas.microsoft.com/office/drawing/2014/main" id="{A48E6C07-C3DE-0850-CB8B-D44DC0370EF7}"/>
+              </a:ext>
+            </a:extLst>
+          </p:cNvPr>
+          <p:cNvPicPr>
+            <a:picLocks noChangeAspect="1"/>
+          </p:cNvPicPr>
+          <p:nvPr/>
+        </p:nvPicPr>
+        <p:blipFill>
+          <a:blip r:embed="rId3">
+            <a:extLst>
+              <a:ext uri="{28A0092B-C50C-407E-A947-70E740481C1C}">
+                <a14:useLocalDpi xmlns:a14="http://schemas.microsoft.com/office/drawing/2010/main" val="0"/>
+              </a:ext>
+            </a:extLst>
+          </a:blip>
+          <a:stretch>
+            <a:fillRect/>
+          </a:stretch>
+        </p:blipFill>
+        <p:spPr>
+          <a:xfrm>
+            <a:off x="172429" y="1372021"/>
+            <a:ext cx="4090663" cy="3067997"/>
+          </a:xfrm>
+          <a:prstGeom prst="rect">
+            <a:avLst/>
+          </a:prstGeom>
+          <a:effectLst>
+            <a:outerShdw blurRad="76200" dir="18900000" sy="23000" kx="-1200000" algn="bl" rotWithShape="0">
+              <a:prstClr val="black">
+                <a:alpha val="20000"/>
+              </a:prstClr>
+            </a:outerShdw>
+          </a:effectLst>
+        </p:spPr>
+      </p:pic>
+      <p:pic>
+        <p:nvPicPr>
+          <p:cNvPr id="10" name="Picture 9" descr="Chart, pie chart&#10;&#10;Description automatically generated">
+            <a:extLst>
+              <a:ext uri="{FF2B5EF4-FFF2-40B4-BE49-F238E27FC236}">
+                <a16:creationId xmlns:a16="http://schemas.microsoft.com/office/drawing/2014/main" id="{F4F367BA-8689-5B08-970C-372B92303739}"/>
+              </a:ext>
+            </a:extLst>
+          </p:cNvPr>
+          <p:cNvPicPr>
+            <a:picLocks noChangeAspect="1"/>
+          </p:cNvPicPr>
+          <p:nvPr/>
+        </p:nvPicPr>
+        <p:blipFill>
+          <a:blip r:embed="rId4">
+            <a:extLst>
+              <a:ext uri="{28A0092B-C50C-407E-A947-70E740481C1C}">
+                <a14:useLocalDpi xmlns:a14="http://schemas.microsoft.com/office/drawing/2010/main" val="0"/>
+              </a:ext>
+            </a:extLst>
+          </a:blip>
+          <a:stretch>
+            <a:fillRect/>
+          </a:stretch>
+        </p:blipFill>
+        <p:spPr>
+          <a:xfrm>
+            <a:off x="3376258" y="3395235"/>
+            <a:ext cx="3902680" cy="2927009"/>
+          </a:xfrm>
+          <a:prstGeom prst="rect">
+            <a:avLst/>
+          </a:prstGeom>
+        </p:spPr>
+      </p:pic>
+      <p:pic>
+        <p:nvPicPr>
+          <p:cNvPr id="14" name="Picture 13">
+            <a:extLst>
+              <a:ext uri="{FF2B5EF4-FFF2-40B4-BE49-F238E27FC236}">
+                <a16:creationId xmlns:a16="http://schemas.microsoft.com/office/drawing/2014/main" id="{FA5C82C3-9F18-616A-E4DD-5D34542D3089}"/>
+              </a:ext>
+            </a:extLst>
+          </p:cNvPr>
+          <p:cNvPicPr>
+            <a:picLocks noChangeAspect="1"/>
+          </p:cNvPicPr>
+          <p:nvPr/>
+        </p:nvPicPr>
+        <p:blipFill>
+          <a:blip r:embed="rId5"/>
+          <a:stretch>
+            <a:fillRect/>
+          </a:stretch>
+        </p:blipFill>
+        <p:spPr>
+          <a:xfrm>
+            <a:off x="751148" y="4211775"/>
+            <a:ext cx="2625110" cy="1922324"/>
+          </a:xfrm>
+          <a:prstGeom prst="rect">
+            <a:avLst/>
+          </a:prstGeom>
+          <a:effectLst>
+            <a:outerShdw blurRad="76200" dir="18900000" sy="23000" kx="-1200000" algn="bl" rotWithShape="0">
+              <a:prstClr val="black">
+                <a:alpha val="20000"/>
+              </a:prstClr>
+            </a:outerShdw>
+          </a:effectLst>
+        </p:spPr>
+      </p:pic>
+      <p:pic>
+        <p:nvPicPr>
+          <p:cNvPr id="16" name="Picture 15">
+            <a:extLst>
+              <a:ext uri="{FF2B5EF4-FFF2-40B4-BE49-F238E27FC236}">
+                <a16:creationId xmlns:a16="http://schemas.microsoft.com/office/drawing/2014/main" id="{2226371A-AD8C-ECAA-59A4-D26ABC147AEA}"/>
+              </a:ext>
+            </a:extLst>
+          </p:cNvPr>
+          <p:cNvPicPr>
+            <a:picLocks noChangeAspect="1"/>
+          </p:cNvPicPr>
+          <p:nvPr/>
+        </p:nvPicPr>
+        <p:blipFill>
+          <a:blip r:embed="rId6"/>
+          <a:stretch>
+            <a:fillRect/>
+          </a:stretch>
+        </p:blipFill>
+        <p:spPr>
+          <a:xfrm>
+            <a:off x="3970555" y="1362404"/>
+            <a:ext cx="2653652" cy="1958648"/>
+          </a:xfrm>
+          <a:prstGeom prst="rect">
+            <a:avLst/>
+          </a:prstGeom>
+          <a:effectLst>
+            <a:outerShdw blurRad="76200" dir="18900000" sy="23000" kx="-1200000" algn="bl" rotWithShape="0">
+              <a:prstClr val="black">
+                <a:alpha val="20000"/>
+              </a:prstClr>
+            </a:outerShdw>
+          </a:effectLst>
+        </p:spPr>
+      </p:pic>
+      <p:pic>
+        <p:nvPicPr>
+          <p:cNvPr id="18" name="Picture 17">
+            <a:extLst>
+              <a:ext uri="{FF2B5EF4-FFF2-40B4-BE49-F238E27FC236}">
+                <a16:creationId xmlns:a16="http://schemas.microsoft.com/office/drawing/2014/main" id="{8CEEA937-5B42-3CCF-B142-03504E30663A}"/>
+              </a:ext>
+            </a:extLst>
+          </p:cNvPr>
+          <p:cNvPicPr>
+            <a:picLocks noChangeAspect="1"/>
+          </p:cNvPicPr>
+          <p:nvPr/>
+        </p:nvPicPr>
+        <p:blipFill>
+          <a:blip r:embed="rId7"/>
+          <a:stretch>
+            <a:fillRect/>
+          </a:stretch>
+        </p:blipFill>
+        <p:spPr>
+          <a:xfrm>
+            <a:off x="7725018" y="3407274"/>
+            <a:ext cx="4282832" cy="3220690"/>
+          </a:xfrm>
+          <a:prstGeom prst="rect">
+            <a:avLst/>
+          </a:prstGeom>
+        </p:spPr>
+      </p:pic>
+      <p:pic>
+        <p:nvPicPr>
+          <p:cNvPr id="20" name="Picture 19" descr="Chart, pie chart&#10;&#10;Description automatically generated">
+            <a:extLst>
+              <a:ext uri="{FF2B5EF4-FFF2-40B4-BE49-F238E27FC236}">
+                <a16:creationId xmlns:a16="http://schemas.microsoft.com/office/drawing/2014/main" id="{C9B9C977-6486-61C2-1EB6-64DC5B31ED4A}"/>
+              </a:ext>
+            </a:extLst>
+          </p:cNvPr>
+          <p:cNvPicPr>
+            <a:picLocks noChangeAspect="1"/>
+          </p:cNvPicPr>
+          <p:nvPr/>
+        </p:nvPicPr>
+        <p:blipFill>
+          <a:blip r:embed="rId8">
+            <a:extLst>
+              <a:ext uri="{28A0092B-C50C-407E-A947-70E740481C1C}">
+                <a14:useLocalDpi xmlns:a14="http://schemas.microsoft.com/office/drawing/2010/main" val="0"/>
+              </a:ext>
+            </a:extLst>
+          </a:blip>
+          <a:stretch>
+            <a:fillRect/>
+          </a:stretch>
+        </p:blipFill>
+        <p:spPr>
+          <a:xfrm>
+            <a:off x="7695833" y="80851"/>
+            <a:ext cx="4320268" cy="3240202"/>
+          </a:xfrm>
+          <a:prstGeom prst="rect">
+            <a:avLst/>
+          </a:prstGeom>
+        </p:spPr>
+      </p:pic>
+    </p:spTree>
+    <p:extLst>
+      <p:ext uri="{BB962C8B-B14F-4D97-AF65-F5344CB8AC3E}">
+        <p14:creationId xmlns:p14="http://schemas.microsoft.com/office/powerpoint/2010/main" val="698962221"/>
+      </p:ext>
+    </p:extLst>
+  </p:cSld>
+  <p:clrMapOvr>
+    <a:masterClrMapping/>
+  </p:clrMapOvr>
+</p:sld>
+</file>
+
+<file path=ppt/slides/slide12.xml><?xml version="1.0" encoding="utf-8"?>
+<p:sld xmlns:a="http://schemas.openxmlformats.org/drawingml/2006/main" xmlns:r="http://schemas.openxmlformats.org/officeDocument/2006/relationships" xmlns:p="http://schemas.openxmlformats.org/presentationml/2006/main">
+  <p:cSld>
+    <p:spTree>
+      <p:nvGrpSpPr>
+        <p:cNvPr id="1" name=""/>
+        <p:cNvGrpSpPr/>
+        <p:nvPr/>
+      </p:nvGrpSpPr>
+      <p:grpSpPr>
+        <a:xfrm>
+          <a:off x="0" y="0"/>
+          <a:ext cx="0" cy="0"/>
+          <a:chOff x="0" y="0"/>
+          <a:chExt cx="0" cy="0"/>
+        </a:xfrm>
+      </p:grpSpPr>
+      <p:sp useBgFill="1">
+        <p:nvSpPr>
+          <p:cNvPr id="1035" name="Rectangle 1034">
+            <a:extLst>
+              <a:ext uri="{FF2B5EF4-FFF2-40B4-BE49-F238E27FC236}">
+                <a16:creationId xmlns:a16="http://schemas.microsoft.com/office/drawing/2014/main" id="{158E38A4-F699-490C-8D1F-E8AD332D9B45}"/>
+              </a:ext>
+              <a:ext uri="{C183D7F6-B498-43B3-948B-1728B52AA6E4}">
+                <adec:decorative xmlns:adec="http://schemas.microsoft.com/office/drawing/2017/decorative" val="1"/>
+              </a:ext>
+            </a:extLst>
+          </p:cNvPr>
+          <p:cNvSpPr>
+            <a:spLocks noGrp="1" noRot="1" noChangeAspect="1" noMove="1" noResize="1" noEditPoints="1" noAdjustHandles="1" noChangeArrowheads="1" noChangeShapeType="1" noTextEdit="1"/>
+          </p:cNvSpPr>
+          <p:nvPr>
+            <p:extLst>
+              <p:ext uri="{386F3935-93C4-4BCD-93E2-E3B085C9AB24}">
+                <p16:designElem xmlns:p16="http://schemas.microsoft.com/office/powerpoint/2015/main" val="1"/>
+              </p:ext>
+            </p:extLst>
+          </p:nvPr>
+        </p:nvSpPr>
+        <p:spPr>
+          <a:xfrm>
+            <a:off x="0" y="0"/>
+            <a:ext cx="12192000" cy="6858000"/>
+          </a:xfrm>
+          <a:prstGeom prst="rect">
+            <a:avLst/>
+          </a:prstGeom>
+          <a:ln w="12700" cap="flat" cmpd="sng" algn="ctr">
+            <a:noFill/>
+            <a:prstDash val="solid"/>
+            <a:miter lim="800000"/>
+          </a:ln>
+          <a:effectLst/>
+        </p:spPr>
+        <p:style>
+          <a:lnRef idx="2">
+            <a:schemeClr val="accent1">
+              <a:shade val="50000"/>
+            </a:schemeClr>
+          </a:lnRef>
+          <a:fillRef idx="1">
+            <a:schemeClr val="accent1"/>
+          </a:fillRef>
+          <a:effectRef idx="0">
+            <a:schemeClr val="accent1"/>
+          </a:effectRef>
+          <a:fontRef idx="minor">
+            <a:schemeClr val="lt1"/>
+          </a:fontRef>
+        </p:style>
+        <p:txBody>
+          <a:bodyPr rtlCol="0" anchor="ctr"/>
+          <a:lstStyle/>
+          <a:p>
+            <a:pPr algn="ctr"/>
+            <a:endParaRPr lang="en-US"/>
+          </a:p>
+        </p:txBody>
+      </p:sp>
+      <p:sp>
+        <p:nvSpPr>
+          <p:cNvPr id="1037" name="Rectangle 1036">
+            <a:extLst>
+              <a:ext uri="{FF2B5EF4-FFF2-40B4-BE49-F238E27FC236}">
+                <a16:creationId xmlns:a16="http://schemas.microsoft.com/office/drawing/2014/main" id="{939C6AAB-48AC-41A3-95C2-6BF83715DF62}"/>
+              </a:ext>
+              <a:ext uri="{C183D7F6-B498-43B3-948B-1728B52AA6E4}">
+                <adec:decorative xmlns:adec="http://schemas.microsoft.com/office/drawing/2017/decorative" val="1"/>
+              </a:ext>
+            </a:extLst>
+          </p:cNvPr>
+          <p:cNvSpPr>
+            <a:spLocks noGrp="1" noRot="1" noChangeAspect="1" noMove="1" noResize="1" noEditPoints="1" noAdjustHandles="1" noChangeArrowheads="1" noChangeShapeType="1" noTextEdit="1"/>
+          </p:cNvSpPr>
+          <p:nvPr>
+            <p:extLst>
+              <p:ext uri="{386F3935-93C4-4BCD-93E2-E3B085C9AB24}">
+                <p16:designElem xmlns:p16="http://schemas.microsoft.com/office/powerpoint/2015/main" val="1"/>
+              </p:ext>
+            </p:extLst>
+          </p:nvPr>
+        </p:nvSpPr>
+        <p:spPr>
+          <a:xfrm>
+            <a:off x="0" y="0"/>
+            <a:ext cx="7620000" cy="6858000"/>
+          </a:xfrm>
+          <a:prstGeom prst="rect">
+            <a:avLst/>
+          </a:prstGeom>
+          <a:solidFill>
+            <a:schemeClr val="bg2"/>
+          </a:solidFill>
+          <a:ln w="12700" cap="flat" cmpd="sng" algn="ctr">
+            <a:noFill/>
+            <a:prstDash val="solid"/>
+            <a:miter lim="800000"/>
+          </a:ln>
+          <a:effectLst/>
+        </p:spPr>
+        <p:style>
+          <a:lnRef idx="2">
+            <a:schemeClr val="accent1">
+              <a:shade val="50000"/>
+            </a:schemeClr>
+          </a:lnRef>
+          <a:fillRef idx="1">
+            <a:schemeClr val="accent1"/>
+          </a:fillRef>
+          <a:effectRef idx="0">
+            <a:schemeClr val="accent1"/>
+          </a:effectRef>
+          <a:fontRef idx="minor">
+            <a:schemeClr val="lt1"/>
+          </a:fontRef>
+        </p:style>
+        <p:txBody>
+          <a:bodyPr rtlCol="0" anchor="ctr"/>
+          <a:lstStyle/>
+          <a:p>
+            <a:pPr algn="ctr"/>
+            <a:endParaRPr lang="en-US"/>
+          </a:p>
+        </p:txBody>
+      </p:sp>
+      <p:sp>
+        <p:nvSpPr>
+          <p:cNvPr id="1039" name="Rectangle 1038">
+            <a:extLst>
+              <a:ext uri="{FF2B5EF4-FFF2-40B4-BE49-F238E27FC236}">
+                <a16:creationId xmlns:a16="http://schemas.microsoft.com/office/drawing/2014/main" id="{F6EE861B-7D2F-4B7C-A6E3-5937E81B8025}"/>
+              </a:ext>
+              <a:ext uri="{C183D7F6-B498-43B3-948B-1728B52AA6E4}">
+                <adec:decorative xmlns:adec="http://schemas.microsoft.com/office/drawing/2017/decorative" val="1"/>
+              </a:ext>
+            </a:extLst>
+          </p:cNvPr>
+          <p:cNvSpPr>
+            <a:spLocks noGrp="1" noRot="1" noChangeAspect="1" noMove="1" noResize="1" noEditPoints="1" noAdjustHandles="1" noChangeArrowheads="1" noChangeShapeType="1" noTextEdit="1"/>
+          </p:cNvSpPr>
+          <p:nvPr>
+            <p:extLst>
+              <p:ext uri="{386F3935-93C4-4BCD-93E2-E3B085C9AB24}">
+                <p16:designElem xmlns:p16="http://schemas.microsoft.com/office/powerpoint/2015/main" val="1"/>
+              </p:ext>
+            </p:extLst>
+          </p:nvPr>
+        </p:nvSpPr>
+        <p:spPr>
+          <a:xfrm>
+            <a:off x="153081" y="159026"/>
+            <a:ext cx="7313839" cy="6542788"/>
+          </a:xfrm>
+          <a:prstGeom prst="rect">
+            <a:avLst/>
+          </a:prstGeom>
+          <a:solidFill>
+            <a:schemeClr val="bg1"/>
+          </a:solidFill>
+          <a:ln>
+            <a:noFill/>
+          </a:ln>
+        </p:spPr>
+        <p:style>
+          <a:lnRef idx="2">
+            <a:schemeClr val="accent1">
+              <a:shade val="50000"/>
+            </a:schemeClr>
+          </a:lnRef>
+          <a:fillRef idx="1">
+            <a:schemeClr val="accent1"/>
+          </a:fillRef>
+          <a:effectRef idx="0">
+            <a:schemeClr val="accent1"/>
+          </a:effectRef>
+          <a:fontRef idx="minor">
+            <a:schemeClr val="lt1"/>
+          </a:fontRef>
+        </p:style>
+        <p:txBody>
+          <a:bodyPr rtlCol="0" anchor="ctr"/>
+          <a:lstStyle/>
+          <a:p>
+            <a:pPr algn="ctr"/>
+            <a:endParaRPr lang="en-US"/>
+          </a:p>
+        </p:txBody>
+      </p:sp>
+      <p:sp>
+        <p:nvSpPr>
+          <p:cNvPr id="2" name="Title 1">
+            <a:extLst>
+              <a:ext uri="{FF2B5EF4-FFF2-40B4-BE49-F238E27FC236}">
+                <a16:creationId xmlns:a16="http://schemas.microsoft.com/office/drawing/2014/main" id="{C0DBDA7B-B84F-0AF7-4FCB-54B36ADB6BE6}"/>
+              </a:ext>
+            </a:extLst>
+          </p:cNvPr>
+          <p:cNvSpPr>
+            <a:spLocks noGrp="1"/>
+          </p:cNvSpPr>
+          <p:nvPr>
+            <p:ph type="title"/>
+          </p:nvPr>
+        </p:nvSpPr>
+        <p:spPr>
+          <a:xfrm>
+            <a:off x="1053063" y="723901"/>
+            <a:ext cx="5513874" cy="1288884"/>
+          </a:xfrm>
+        </p:spPr>
+        <p:txBody>
+          <a:bodyPr anchor="b">
+            <a:normAutofit fontScale="90000"/>
+          </a:bodyPr>
+          <a:lstStyle/>
+          <a:p>
+            <a:pPr algn="ctr"/>
+            <a:r>
+              <a:rPr lang="en-US" sz="4000" dirty="0">
+                <a:solidFill>
+                  <a:srgbClr val="002060"/>
+                </a:solidFill>
+              </a:rPr>
+              <a:t>Weather in Retirement 2027</a:t>
+            </a:r>
+          </a:p>
+        </p:txBody>
+      </p:sp>
+      <p:sp>
+        <p:nvSpPr>
+          <p:cNvPr id="1032" name="Content Placeholder 1031">
+            <a:extLst>
+              <a:ext uri="{FF2B5EF4-FFF2-40B4-BE49-F238E27FC236}">
+                <a16:creationId xmlns:a16="http://schemas.microsoft.com/office/drawing/2014/main" id="{E5C1A5AD-8988-CF94-B5F8-A3E867C808CC}"/>
+              </a:ext>
+            </a:extLst>
+          </p:cNvPr>
+          <p:cNvSpPr>
+            <a:spLocks noGrp="1"/>
+          </p:cNvSpPr>
+          <p:nvPr>
+            <p:ph idx="1"/>
+          </p:nvPr>
+        </p:nvSpPr>
+        <p:spPr>
+          <a:xfrm>
+            <a:off x="1053063" y="2732545"/>
+            <a:ext cx="3827713" cy="3232826"/>
+          </a:xfrm>
+        </p:spPr>
+        <p:txBody>
+          <a:bodyPr anchor="t">
+            <a:normAutofit/>
+          </a:bodyPr>
+          <a:lstStyle/>
+          <a:p>
+            <a:endParaRPr lang="en-US" dirty="0"/>
+          </a:p>
+          <a:p>
+            <a:endParaRPr lang="en-US" dirty="0"/>
+          </a:p>
+        </p:txBody>
+      </p:sp>
+      <p:grpSp>
+        <p:nvGrpSpPr>
+          <p:cNvPr id="1041" name="Group 1040">
+            <a:extLst>
+              <a:ext uri="{FF2B5EF4-FFF2-40B4-BE49-F238E27FC236}">
+                <a16:creationId xmlns:a16="http://schemas.microsoft.com/office/drawing/2014/main" id="{073091F1-AA5A-47C6-9502-D5870A72D50C}"/>
+              </a:ext>
+              <a:ext uri="{C183D7F6-B498-43B3-948B-1728B52AA6E4}">
+                <adec:decorative xmlns:adec="http://schemas.microsoft.com/office/drawing/2017/decorative" val="1"/>
+              </a:ext>
+            </a:extLst>
+          </p:cNvPr>
+          <p:cNvGrpSpPr>
+            <a:grpSpLocks noGrp="1" noUngrp="1" noRot="1" noChangeAspect="1" noMove="1" noResize="1"/>
+          </p:cNvGrpSpPr>
+          <p:nvPr>
+            <p:extLst>
+              <p:ext uri="{386F3935-93C4-4BCD-93E2-E3B085C9AB24}">
+                <p16:designElem xmlns:p16="http://schemas.microsoft.com/office/powerpoint/2015/main" val="1"/>
+              </p:ext>
+            </p:extLst>
+          </p:nvPr>
+        </p:nvGrpSpPr>
+        <p:grpSpPr>
+          <a:xfrm>
+            <a:off x="3376258" y="2320171"/>
+            <a:ext cx="867485" cy="115439"/>
+            <a:chOff x="8910933" y="1861308"/>
+            <a:chExt cx="867485" cy="115439"/>
+          </a:xfrm>
+        </p:grpSpPr>
+        <p:sp>
+          <p:nvSpPr>
+            <p:cNvPr id="1042" name="Rectangle 1041">
+              <a:extLst>
+                <a:ext uri="{FF2B5EF4-FFF2-40B4-BE49-F238E27FC236}">
+                  <a16:creationId xmlns:a16="http://schemas.microsoft.com/office/drawing/2014/main" id="{8085C4F7-6E91-4DF6-BB01-A46132BC3587}"/>
+                </a:ext>
+                <a:ext uri="{C183D7F6-B498-43B3-948B-1728B52AA6E4}">
+                  <adec:decorative xmlns:adec="http://schemas.microsoft.com/office/drawing/2017/decorative" val="1"/>
+                </a:ext>
+              </a:extLst>
+            </p:cNvPr>
+            <p:cNvSpPr/>
+            <p:nvPr>
+              <p:extLst>
+                <p:ext uri="{386F3935-93C4-4BCD-93E2-E3B085C9AB24}">
+                  <p16:designElem xmlns:p16="http://schemas.microsoft.com/office/powerpoint/2015/main" val="1"/>
+                </p:ext>
+              </p:extLst>
+            </p:nvPr>
+          </p:nvSpPr>
+          <p:spPr>
+            <a:xfrm rot="18964825" flipH="1">
+              <a:off x="9286956" y="1861308"/>
+              <a:ext cx="115439" cy="115439"/>
+            </a:xfrm>
+            <a:prstGeom prst="rect">
+              <a:avLst/>
+            </a:prstGeom>
+            <a:noFill/>
+            <a:ln w="15875">
+              <a:solidFill>
+                <a:schemeClr val="tx2"/>
+              </a:solidFill>
+            </a:ln>
+          </p:spPr>
+          <p:style>
+            <a:lnRef idx="2">
+              <a:schemeClr val="accent1">
+                <a:shade val="50000"/>
+              </a:schemeClr>
+            </a:lnRef>
+            <a:fillRef idx="1">
+              <a:schemeClr val="accent1"/>
+            </a:fillRef>
+            <a:effectRef idx="0">
+              <a:schemeClr val="accent1"/>
+            </a:effectRef>
+            <a:fontRef idx="minor">
+              <a:schemeClr val="lt1"/>
+            </a:fontRef>
+          </p:style>
+          <p:txBody>
+            <a:bodyPr rtlCol="0" anchor="ctr"/>
+            <a:lstStyle/>
+            <a:p>
+              <a:pPr algn="ctr"/>
+              <a:endParaRPr lang="en-US">
+                <a:solidFill>
+                  <a:schemeClr val="bg1"/>
+                </a:solidFill>
+                <a:effectLst>
+                  <a:outerShdw blurRad="38100" dist="38100" dir="2700000" algn="tl">
+                    <a:srgbClr val="000000">
+                      <a:alpha val="43137"/>
+                    </a:srgbClr>
+                  </a:outerShdw>
+                </a:effectLst>
+              </a:endParaRPr>
+            </a:p>
+          </p:txBody>
+        </p:sp>
+        <p:cxnSp>
+          <p:nvCxnSpPr>
+            <p:cNvPr id="1043" name="Straight Connector 1042">
+              <a:extLst>
+                <a:ext uri="{FF2B5EF4-FFF2-40B4-BE49-F238E27FC236}">
+                  <a16:creationId xmlns:a16="http://schemas.microsoft.com/office/drawing/2014/main" id="{25476588-B9AD-4662-A085-8E4D91493B3F}"/>
+                </a:ext>
+                <a:ext uri="{C183D7F6-B498-43B3-948B-1728B52AA6E4}">
+                  <adec:decorative xmlns:adec="http://schemas.microsoft.com/office/drawing/2017/decorative" val="1"/>
+                </a:ext>
+              </a:extLst>
+            </p:cNvPr>
+            <p:cNvCxnSpPr/>
+            <p:nvPr>
+              <p:extLst>
+                <p:ext uri="{386F3935-93C4-4BCD-93E2-E3B085C9AB24}">
+                  <p16:designElem xmlns:p16="http://schemas.microsoft.com/office/powerpoint/2015/main" val="1"/>
+                </p:ext>
+              </p:extLst>
+            </p:nvPr>
+          </p:nvCxnSpPr>
+          <p:spPr>
+            <a:xfrm>
+              <a:off x="9426289" y="1919027"/>
+              <a:ext cx="352129" cy="0"/>
+            </a:xfrm>
+            <a:prstGeom prst="line">
+              <a:avLst/>
+            </a:prstGeom>
+            <a:ln w="15875">
+              <a:solidFill>
+                <a:schemeClr val="tx2"/>
+              </a:solidFill>
+            </a:ln>
+          </p:spPr>
+          <p:style>
+            <a:lnRef idx="1">
+              <a:schemeClr val="accent1"/>
+            </a:lnRef>
+            <a:fillRef idx="0">
+              <a:schemeClr val="accent1"/>
+            </a:fillRef>
+            <a:effectRef idx="0">
+              <a:schemeClr val="accent1"/>
+            </a:effectRef>
+            <a:fontRef idx="minor">
+              <a:schemeClr val="tx1"/>
+            </a:fontRef>
+          </p:style>
+        </p:cxnSp>
+        <p:cxnSp>
+          <p:nvCxnSpPr>
+            <p:cNvPr id="1044" name="Straight Connector 1043">
+              <a:extLst>
+                <a:ext uri="{FF2B5EF4-FFF2-40B4-BE49-F238E27FC236}">
+                  <a16:creationId xmlns:a16="http://schemas.microsoft.com/office/drawing/2014/main" id="{BCDB34B3-D348-476E-BE7F-1139370F4310}"/>
+                </a:ext>
+                <a:ext uri="{C183D7F6-B498-43B3-948B-1728B52AA6E4}">
+                  <adec:decorative xmlns:adec="http://schemas.microsoft.com/office/drawing/2017/decorative" val="1"/>
+                </a:ext>
+              </a:extLst>
+            </p:cNvPr>
+            <p:cNvCxnSpPr/>
+            <p:nvPr>
+              <p:extLst>
+                <p:ext uri="{386F3935-93C4-4BCD-93E2-E3B085C9AB24}">
+                  <p16:designElem xmlns:p16="http://schemas.microsoft.com/office/powerpoint/2015/main" val="1"/>
+                </p:ext>
+              </p:extLst>
+            </p:nvPr>
+          </p:nvCxnSpPr>
+          <p:spPr>
+            <a:xfrm>
+              <a:off x="8910933" y="1919027"/>
+              <a:ext cx="352129" cy="0"/>
+            </a:xfrm>
+            <a:prstGeom prst="line">
+              <a:avLst/>
+            </a:prstGeom>
+            <a:ln w="15875">
+              <a:solidFill>
+                <a:schemeClr val="tx2"/>
+              </a:solidFill>
+            </a:ln>
+          </p:spPr>
+          <p:style>
+            <a:lnRef idx="1">
+              <a:schemeClr val="accent1"/>
+            </a:lnRef>
+            <a:fillRef idx="0">
+              <a:schemeClr val="accent1"/>
+            </a:fillRef>
+            <a:effectRef idx="0">
+              <a:schemeClr val="accent1"/>
+            </a:effectRef>
+            <a:fontRef idx="minor">
+              <a:schemeClr val="tx1"/>
+            </a:fontRef>
+          </p:style>
+        </p:cxnSp>
+      </p:grpSp>
+      <p:grpSp>
+        <p:nvGrpSpPr>
+          <p:cNvPr id="5" name="Group 4">
+            <a:extLst>
+              <a:ext uri="{FF2B5EF4-FFF2-40B4-BE49-F238E27FC236}">
+                <a16:creationId xmlns:a16="http://schemas.microsoft.com/office/drawing/2014/main" id="{BD674E17-CA7E-AC73-35DD-1984705B5CCA}"/>
+              </a:ext>
+            </a:extLst>
+          </p:cNvPr>
+          <p:cNvGrpSpPr/>
+          <p:nvPr/>
+        </p:nvGrpSpPr>
+        <p:grpSpPr>
+          <a:xfrm>
+            <a:off x="153079" y="165266"/>
+            <a:ext cx="7313840" cy="6530735"/>
+            <a:chOff x="153079" y="165266"/>
+            <a:chExt cx="7313840" cy="6530735"/>
+          </a:xfrm>
+        </p:grpSpPr>
+        <p:pic>
+          <p:nvPicPr>
+            <p:cNvPr id="6" name="Picture 5">
+              <a:extLst>
+                <a:ext uri="{FF2B5EF4-FFF2-40B4-BE49-F238E27FC236}">
+                  <a16:creationId xmlns:a16="http://schemas.microsoft.com/office/drawing/2014/main" id="{A93134DC-6BFF-BF81-A46A-C9F7C6A08FFB}"/>
+                </a:ext>
+              </a:extLst>
+            </p:cNvPr>
+            <p:cNvPicPr>
+              <a:picLocks noChangeAspect="1"/>
+            </p:cNvPicPr>
+            <p:nvPr/>
+          </p:nvPicPr>
+          <p:blipFill rotWithShape="1">
+            <a:blip r:embed="rId2"/>
+            <a:srcRect b="1747"/>
+            <a:stretch/>
+          </p:blipFill>
+          <p:spPr>
+            <a:xfrm>
+              <a:off x="153080" y="165266"/>
+              <a:ext cx="7313839" cy="466566"/>
+            </a:xfrm>
+            <a:prstGeom prst="rect">
+              <a:avLst/>
+            </a:prstGeom>
+          </p:spPr>
+        </p:pic>
+        <p:pic>
+          <p:nvPicPr>
+            <p:cNvPr id="7" name="Picture 6">
+              <a:extLst>
+                <a:ext uri="{FF2B5EF4-FFF2-40B4-BE49-F238E27FC236}">
+                  <a16:creationId xmlns:a16="http://schemas.microsoft.com/office/drawing/2014/main" id="{D02FDA73-9925-25CC-969C-FCFE5A3AB45F}"/>
+                </a:ext>
+              </a:extLst>
+            </p:cNvPr>
+            <p:cNvPicPr>
+              <a:picLocks noChangeAspect="1"/>
+            </p:cNvPicPr>
+            <p:nvPr/>
+          </p:nvPicPr>
+          <p:blipFill rotWithShape="1">
+            <a:blip r:embed="rId2"/>
+            <a:srcRect b="1747"/>
+            <a:stretch/>
+          </p:blipFill>
+          <p:spPr>
+            <a:xfrm rot="10800000">
+              <a:off x="153079" y="6200572"/>
+              <a:ext cx="7313838" cy="495429"/>
+            </a:xfrm>
+            <a:prstGeom prst="rect">
+              <a:avLst/>
+            </a:prstGeom>
+          </p:spPr>
+        </p:pic>
+      </p:grpSp>
+    </p:spTree>
+    <p:extLst>
+      <p:ext uri="{BB962C8B-B14F-4D97-AF65-F5344CB8AC3E}">
+        <p14:creationId xmlns:p14="http://schemas.microsoft.com/office/powerpoint/2010/main" val="528375927"/>
+      </p:ext>
+    </p:extLst>
+  </p:cSld>
+  <p:clrMapOvr>
+    <a:masterClrMapping/>
+  </p:clrMapOvr>
+</p:sld>
+</file>
+
+<file path=ppt/slides/slide13.xml><?xml version="1.0" encoding="utf-8"?>
+<p:sld xmlns:a="http://schemas.openxmlformats.org/drawingml/2006/main" xmlns:r="http://schemas.openxmlformats.org/officeDocument/2006/relationships" xmlns:p="http://schemas.openxmlformats.org/presentationml/2006/main">
+  <p:cSld>
+    <p:spTree>
+      <p:nvGrpSpPr>
+        <p:cNvPr id="1" name=""/>
+        <p:cNvGrpSpPr/>
+        <p:nvPr/>
+      </p:nvGrpSpPr>
+      <p:grpSpPr>
+        <a:xfrm>
+          <a:off x="0" y="0"/>
+          <a:ext cx="0" cy="0"/>
+          <a:chOff x="0" y="0"/>
+          <a:chExt cx="0" cy="0"/>
+        </a:xfrm>
+      </p:grpSpPr>
       <p:pic>
         <p:nvPicPr>
           <p:cNvPr id="7" name="Picture 6">
@@ -4754,6 +7061,1096 @@
 </file>
 
 <file path=ppt/slides/slide2.xml><?xml version="1.0" encoding="utf-8"?>
+<p:sld xmlns:a="http://schemas.openxmlformats.org/drawingml/2006/main" xmlns:r="http://schemas.openxmlformats.org/officeDocument/2006/relationships" xmlns:p="http://schemas.openxmlformats.org/presentationml/2006/main">
+  <p:cSld>
+    <p:spTree>
+      <p:nvGrpSpPr>
+        <p:cNvPr id="1" name=""/>
+        <p:cNvGrpSpPr/>
+        <p:nvPr/>
+      </p:nvGrpSpPr>
+      <p:grpSpPr>
+        <a:xfrm>
+          <a:off x="0" y="0"/>
+          <a:ext cx="0" cy="0"/>
+          <a:chOff x="0" y="0"/>
+          <a:chExt cx="0" cy="0"/>
+        </a:xfrm>
+      </p:grpSpPr>
+      <p:sp useBgFill="1">
+        <p:nvSpPr>
+          <p:cNvPr id="1035" name="Rectangle 1034">
+            <a:extLst>
+              <a:ext uri="{FF2B5EF4-FFF2-40B4-BE49-F238E27FC236}">
+                <a16:creationId xmlns:a16="http://schemas.microsoft.com/office/drawing/2014/main" id="{158E38A4-F699-490C-8D1F-E8AD332D9B45}"/>
+              </a:ext>
+              <a:ext uri="{C183D7F6-B498-43B3-948B-1728B52AA6E4}">
+                <adec:decorative xmlns:adec="http://schemas.microsoft.com/office/drawing/2017/decorative" val="1"/>
+              </a:ext>
+            </a:extLst>
+          </p:cNvPr>
+          <p:cNvSpPr>
+            <a:spLocks noGrp="1" noRot="1" noChangeAspect="1" noMove="1" noResize="1" noEditPoints="1" noAdjustHandles="1" noChangeArrowheads="1" noChangeShapeType="1" noTextEdit="1"/>
+          </p:cNvSpPr>
+          <p:nvPr>
+            <p:extLst>
+              <p:ext uri="{386F3935-93C4-4BCD-93E2-E3B085C9AB24}">
+                <p16:designElem xmlns:p16="http://schemas.microsoft.com/office/powerpoint/2015/main" val="1"/>
+              </p:ext>
+            </p:extLst>
+          </p:nvPr>
+        </p:nvSpPr>
+        <p:spPr>
+          <a:xfrm>
+            <a:off x="0" y="0"/>
+            <a:ext cx="12192000" cy="6858000"/>
+          </a:xfrm>
+          <a:prstGeom prst="rect">
+            <a:avLst/>
+          </a:prstGeom>
+          <a:ln w="12700" cap="flat" cmpd="sng" algn="ctr">
+            <a:noFill/>
+            <a:prstDash val="solid"/>
+            <a:miter lim="800000"/>
+          </a:ln>
+          <a:effectLst/>
+        </p:spPr>
+        <p:style>
+          <a:lnRef idx="2">
+            <a:schemeClr val="accent1">
+              <a:shade val="50000"/>
+            </a:schemeClr>
+          </a:lnRef>
+          <a:fillRef idx="1">
+            <a:schemeClr val="accent1"/>
+          </a:fillRef>
+          <a:effectRef idx="0">
+            <a:schemeClr val="accent1"/>
+          </a:effectRef>
+          <a:fontRef idx="minor">
+            <a:schemeClr val="lt1"/>
+          </a:fontRef>
+        </p:style>
+        <p:txBody>
+          <a:bodyPr rtlCol="0" anchor="ctr"/>
+          <a:lstStyle/>
+          <a:p>
+            <a:pPr algn="ctr"/>
+            <a:endParaRPr lang="en-US"/>
+          </a:p>
+        </p:txBody>
+      </p:sp>
+      <p:sp>
+        <p:nvSpPr>
+          <p:cNvPr id="1037" name="Rectangle 1036">
+            <a:extLst>
+              <a:ext uri="{FF2B5EF4-FFF2-40B4-BE49-F238E27FC236}">
+                <a16:creationId xmlns:a16="http://schemas.microsoft.com/office/drawing/2014/main" id="{939C6AAB-48AC-41A3-95C2-6BF83715DF62}"/>
+              </a:ext>
+              <a:ext uri="{C183D7F6-B498-43B3-948B-1728B52AA6E4}">
+                <adec:decorative xmlns:adec="http://schemas.microsoft.com/office/drawing/2017/decorative" val="1"/>
+              </a:ext>
+            </a:extLst>
+          </p:cNvPr>
+          <p:cNvSpPr>
+            <a:spLocks noGrp="1" noRot="1" noChangeAspect="1" noMove="1" noResize="1" noEditPoints="1" noAdjustHandles="1" noChangeArrowheads="1" noChangeShapeType="1" noTextEdit="1"/>
+          </p:cNvSpPr>
+          <p:nvPr>
+            <p:extLst>
+              <p:ext uri="{386F3935-93C4-4BCD-93E2-E3B085C9AB24}">
+                <p16:designElem xmlns:p16="http://schemas.microsoft.com/office/powerpoint/2015/main" val="1"/>
+              </p:ext>
+            </p:extLst>
+          </p:nvPr>
+        </p:nvSpPr>
+        <p:spPr>
+          <a:xfrm>
+            <a:off x="0" y="0"/>
+            <a:ext cx="7620000" cy="6858000"/>
+          </a:xfrm>
+          <a:prstGeom prst="rect">
+            <a:avLst/>
+          </a:prstGeom>
+          <a:solidFill>
+            <a:schemeClr val="bg2"/>
+          </a:solidFill>
+          <a:ln w="12700" cap="flat" cmpd="sng" algn="ctr">
+            <a:noFill/>
+            <a:prstDash val="solid"/>
+            <a:miter lim="800000"/>
+          </a:ln>
+          <a:effectLst/>
+        </p:spPr>
+        <p:style>
+          <a:lnRef idx="2">
+            <a:schemeClr val="accent1">
+              <a:shade val="50000"/>
+            </a:schemeClr>
+          </a:lnRef>
+          <a:fillRef idx="1">
+            <a:schemeClr val="accent1"/>
+          </a:fillRef>
+          <a:effectRef idx="0">
+            <a:schemeClr val="accent1"/>
+          </a:effectRef>
+          <a:fontRef idx="minor">
+            <a:schemeClr val="lt1"/>
+          </a:fontRef>
+        </p:style>
+        <p:txBody>
+          <a:bodyPr rtlCol="0" anchor="ctr"/>
+          <a:lstStyle/>
+          <a:p>
+            <a:pPr algn="ctr"/>
+            <a:endParaRPr lang="en-US"/>
+          </a:p>
+        </p:txBody>
+      </p:sp>
+      <p:sp>
+        <p:nvSpPr>
+          <p:cNvPr id="1039" name="Rectangle 1038">
+            <a:extLst>
+              <a:ext uri="{FF2B5EF4-FFF2-40B4-BE49-F238E27FC236}">
+                <a16:creationId xmlns:a16="http://schemas.microsoft.com/office/drawing/2014/main" id="{F6EE861B-7D2F-4B7C-A6E3-5937E81B8025}"/>
+              </a:ext>
+              <a:ext uri="{C183D7F6-B498-43B3-948B-1728B52AA6E4}">
+                <adec:decorative xmlns:adec="http://schemas.microsoft.com/office/drawing/2017/decorative" val="1"/>
+              </a:ext>
+            </a:extLst>
+          </p:cNvPr>
+          <p:cNvSpPr>
+            <a:spLocks noGrp="1" noRot="1" noChangeAspect="1" noMove="1" noResize="1" noEditPoints="1" noAdjustHandles="1" noChangeArrowheads="1" noChangeShapeType="1" noTextEdit="1"/>
+          </p:cNvSpPr>
+          <p:nvPr>
+            <p:extLst>
+              <p:ext uri="{386F3935-93C4-4BCD-93E2-E3B085C9AB24}">
+                <p16:designElem xmlns:p16="http://schemas.microsoft.com/office/powerpoint/2015/main" val="1"/>
+              </p:ext>
+            </p:extLst>
+          </p:nvPr>
+        </p:nvSpPr>
+        <p:spPr>
+          <a:xfrm>
+            <a:off x="153081" y="159026"/>
+            <a:ext cx="7313839" cy="6542788"/>
+          </a:xfrm>
+          <a:prstGeom prst="rect">
+            <a:avLst/>
+          </a:prstGeom>
+          <a:solidFill>
+            <a:schemeClr val="bg1"/>
+          </a:solidFill>
+          <a:ln>
+            <a:noFill/>
+          </a:ln>
+        </p:spPr>
+        <p:style>
+          <a:lnRef idx="2">
+            <a:schemeClr val="accent1">
+              <a:shade val="50000"/>
+            </a:schemeClr>
+          </a:lnRef>
+          <a:fillRef idx="1">
+            <a:schemeClr val="accent1"/>
+          </a:fillRef>
+          <a:effectRef idx="0">
+            <a:schemeClr val="accent1"/>
+          </a:effectRef>
+          <a:fontRef idx="minor">
+            <a:schemeClr val="lt1"/>
+          </a:fontRef>
+        </p:style>
+        <p:txBody>
+          <a:bodyPr rtlCol="0" anchor="ctr"/>
+          <a:lstStyle/>
+          <a:p>
+            <a:pPr algn="ctr"/>
+            <a:endParaRPr lang="en-US"/>
+          </a:p>
+        </p:txBody>
+      </p:sp>
+      <p:sp>
+        <p:nvSpPr>
+          <p:cNvPr id="2" name="Title 1">
+            <a:extLst>
+              <a:ext uri="{FF2B5EF4-FFF2-40B4-BE49-F238E27FC236}">
+                <a16:creationId xmlns:a16="http://schemas.microsoft.com/office/drawing/2014/main" id="{C0DBDA7B-B84F-0AF7-4FCB-54B36ADB6BE6}"/>
+              </a:ext>
+            </a:extLst>
+          </p:cNvPr>
+          <p:cNvSpPr>
+            <a:spLocks noGrp="1"/>
+          </p:cNvSpPr>
+          <p:nvPr>
+            <p:ph type="title"/>
+          </p:nvPr>
+        </p:nvSpPr>
+        <p:spPr>
+          <a:xfrm>
+            <a:off x="153080" y="946073"/>
+            <a:ext cx="7294230" cy="1070016"/>
+          </a:xfrm>
+        </p:spPr>
+        <p:txBody>
+          <a:bodyPr anchor="b">
+            <a:normAutofit/>
+          </a:bodyPr>
+          <a:lstStyle/>
+          <a:p>
+            <a:pPr algn="ctr"/>
+            <a:r>
+              <a:rPr lang="en-US" sz="4000" dirty="0">
+                <a:solidFill>
+                  <a:srgbClr val="002060"/>
+                </a:solidFill>
+              </a:rPr>
+              <a:t>Where Will You Go?</a:t>
+            </a:r>
+          </a:p>
+        </p:txBody>
+      </p:sp>
+      <p:grpSp>
+        <p:nvGrpSpPr>
+          <p:cNvPr id="1041" name="Group 1040">
+            <a:extLst>
+              <a:ext uri="{FF2B5EF4-FFF2-40B4-BE49-F238E27FC236}">
+                <a16:creationId xmlns:a16="http://schemas.microsoft.com/office/drawing/2014/main" id="{073091F1-AA5A-47C6-9502-D5870A72D50C}"/>
+              </a:ext>
+              <a:ext uri="{C183D7F6-B498-43B3-948B-1728B52AA6E4}">
+                <adec:decorative xmlns:adec="http://schemas.microsoft.com/office/drawing/2017/decorative" val="1"/>
+              </a:ext>
+            </a:extLst>
+          </p:cNvPr>
+          <p:cNvGrpSpPr>
+            <a:grpSpLocks noGrp="1" noUngrp="1" noRot="1" noChangeAspect="1" noMove="1" noResize="1"/>
+          </p:cNvGrpSpPr>
+          <p:nvPr>
+            <p:extLst>
+              <p:ext uri="{386F3935-93C4-4BCD-93E2-E3B085C9AB24}">
+                <p16:designElem xmlns:p16="http://schemas.microsoft.com/office/powerpoint/2015/main" val="1"/>
+              </p:ext>
+            </p:extLst>
+          </p:nvPr>
+        </p:nvGrpSpPr>
+        <p:grpSpPr>
+          <a:xfrm>
+            <a:off x="3376258" y="2320171"/>
+            <a:ext cx="867485" cy="115439"/>
+            <a:chOff x="8910933" y="1861308"/>
+            <a:chExt cx="867485" cy="115439"/>
+          </a:xfrm>
+        </p:grpSpPr>
+        <p:sp>
+          <p:nvSpPr>
+            <p:cNvPr id="1042" name="Rectangle 1041">
+              <a:extLst>
+                <a:ext uri="{FF2B5EF4-FFF2-40B4-BE49-F238E27FC236}">
+                  <a16:creationId xmlns:a16="http://schemas.microsoft.com/office/drawing/2014/main" id="{8085C4F7-6E91-4DF6-BB01-A46132BC3587}"/>
+                </a:ext>
+                <a:ext uri="{C183D7F6-B498-43B3-948B-1728B52AA6E4}">
+                  <adec:decorative xmlns:adec="http://schemas.microsoft.com/office/drawing/2017/decorative" val="1"/>
+                </a:ext>
+              </a:extLst>
+            </p:cNvPr>
+            <p:cNvSpPr/>
+            <p:nvPr>
+              <p:extLst>
+                <p:ext uri="{386F3935-93C4-4BCD-93E2-E3B085C9AB24}">
+                  <p16:designElem xmlns:p16="http://schemas.microsoft.com/office/powerpoint/2015/main" val="1"/>
+                </p:ext>
+              </p:extLst>
+            </p:nvPr>
+          </p:nvSpPr>
+          <p:spPr>
+            <a:xfrm rot="18964825" flipH="1">
+              <a:off x="9286956" y="1861308"/>
+              <a:ext cx="115439" cy="115439"/>
+            </a:xfrm>
+            <a:prstGeom prst="rect">
+              <a:avLst/>
+            </a:prstGeom>
+            <a:noFill/>
+            <a:ln w="15875">
+              <a:solidFill>
+                <a:schemeClr val="tx2"/>
+              </a:solidFill>
+            </a:ln>
+          </p:spPr>
+          <p:style>
+            <a:lnRef idx="2">
+              <a:schemeClr val="accent1">
+                <a:shade val="50000"/>
+              </a:schemeClr>
+            </a:lnRef>
+            <a:fillRef idx="1">
+              <a:schemeClr val="accent1"/>
+            </a:fillRef>
+            <a:effectRef idx="0">
+              <a:schemeClr val="accent1"/>
+            </a:effectRef>
+            <a:fontRef idx="minor">
+              <a:schemeClr val="lt1"/>
+            </a:fontRef>
+          </p:style>
+          <p:txBody>
+            <a:bodyPr rtlCol="0" anchor="ctr"/>
+            <a:lstStyle/>
+            <a:p>
+              <a:pPr algn="ctr"/>
+              <a:endParaRPr lang="en-US">
+                <a:solidFill>
+                  <a:schemeClr val="bg1"/>
+                </a:solidFill>
+                <a:effectLst>
+                  <a:outerShdw blurRad="38100" dist="38100" dir="2700000" algn="tl">
+                    <a:srgbClr val="000000">
+                      <a:alpha val="43137"/>
+                    </a:srgbClr>
+                  </a:outerShdw>
+                </a:effectLst>
+              </a:endParaRPr>
+            </a:p>
+          </p:txBody>
+        </p:sp>
+        <p:cxnSp>
+          <p:nvCxnSpPr>
+            <p:cNvPr id="1043" name="Straight Connector 1042">
+              <a:extLst>
+                <a:ext uri="{FF2B5EF4-FFF2-40B4-BE49-F238E27FC236}">
+                  <a16:creationId xmlns:a16="http://schemas.microsoft.com/office/drawing/2014/main" id="{25476588-B9AD-4662-A085-8E4D91493B3F}"/>
+                </a:ext>
+                <a:ext uri="{C183D7F6-B498-43B3-948B-1728B52AA6E4}">
+                  <adec:decorative xmlns:adec="http://schemas.microsoft.com/office/drawing/2017/decorative" val="1"/>
+                </a:ext>
+              </a:extLst>
+            </p:cNvPr>
+            <p:cNvCxnSpPr/>
+            <p:nvPr>
+              <p:extLst>
+                <p:ext uri="{386F3935-93C4-4BCD-93E2-E3B085C9AB24}">
+                  <p16:designElem xmlns:p16="http://schemas.microsoft.com/office/powerpoint/2015/main" val="1"/>
+                </p:ext>
+              </p:extLst>
+            </p:nvPr>
+          </p:nvCxnSpPr>
+          <p:spPr>
+            <a:xfrm>
+              <a:off x="9426289" y="1919027"/>
+              <a:ext cx="352129" cy="0"/>
+            </a:xfrm>
+            <a:prstGeom prst="line">
+              <a:avLst/>
+            </a:prstGeom>
+            <a:ln w="15875">
+              <a:solidFill>
+                <a:schemeClr val="tx2"/>
+              </a:solidFill>
+            </a:ln>
+          </p:spPr>
+          <p:style>
+            <a:lnRef idx="1">
+              <a:schemeClr val="accent1"/>
+            </a:lnRef>
+            <a:fillRef idx="0">
+              <a:schemeClr val="accent1"/>
+            </a:fillRef>
+            <a:effectRef idx="0">
+              <a:schemeClr val="accent1"/>
+            </a:effectRef>
+            <a:fontRef idx="minor">
+              <a:schemeClr val="tx1"/>
+            </a:fontRef>
+          </p:style>
+        </p:cxnSp>
+        <p:cxnSp>
+          <p:nvCxnSpPr>
+            <p:cNvPr id="1044" name="Straight Connector 1043">
+              <a:extLst>
+                <a:ext uri="{FF2B5EF4-FFF2-40B4-BE49-F238E27FC236}">
+                  <a16:creationId xmlns:a16="http://schemas.microsoft.com/office/drawing/2014/main" id="{BCDB34B3-D348-476E-BE7F-1139370F4310}"/>
+                </a:ext>
+                <a:ext uri="{C183D7F6-B498-43B3-948B-1728B52AA6E4}">
+                  <adec:decorative xmlns:adec="http://schemas.microsoft.com/office/drawing/2017/decorative" val="1"/>
+                </a:ext>
+              </a:extLst>
+            </p:cNvPr>
+            <p:cNvCxnSpPr/>
+            <p:nvPr>
+              <p:extLst>
+                <p:ext uri="{386F3935-93C4-4BCD-93E2-E3B085C9AB24}">
+                  <p16:designElem xmlns:p16="http://schemas.microsoft.com/office/powerpoint/2015/main" val="1"/>
+                </p:ext>
+              </p:extLst>
+            </p:nvPr>
+          </p:nvCxnSpPr>
+          <p:spPr>
+            <a:xfrm>
+              <a:off x="8910933" y="1919027"/>
+              <a:ext cx="352129" cy="0"/>
+            </a:xfrm>
+            <a:prstGeom prst="line">
+              <a:avLst/>
+            </a:prstGeom>
+            <a:ln w="15875">
+              <a:solidFill>
+                <a:schemeClr val="tx2"/>
+              </a:solidFill>
+            </a:ln>
+          </p:spPr>
+          <p:style>
+            <a:lnRef idx="1">
+              <a:schemeClr val="accent1"/>
+            </a:lnRef>
+            <a:fillRef idx="0">
+              <a:schemeClr val="accent1"/>
+            </a:fillRef>
+            <a:effectRef idx="0">
+              <a:schemeClr val="accent1"/>
+            </a:effectRef>
+            <a:fontRef idx="minor">
+              <a:schemeClr val="tx1"/>
+            </a:fontRef>
+          </p:style>
+        </p:cxnSp>
+      </p:grpSp>
+      <p:grpSp>
+        <p:nvGrpSpPr>
+          <p:cNvPr id="15" name="Group 14">
+            <a:extLst>
+              <a:ext uri="{FF2B5EF4-FFF2-40B4-BE49-F238E27FC236}">
+                <a16:creationId xmlns:a16="http://schemas.microsoft.com/office/drawing/2014/main" id="{63323C6E-1C3B-CCFB-32C3-FA7C2BB770C2}"/>
+              </a:ext>
+            </a:extLst>
+          </p:cNvPr>
+          <p:cNvGrpSpPr/>
+          <p:nvPr/>
+        </p:nvGrpSpPr>
+        <p:grpSpPr>
+          <a:xfrm>
+            <a:off x="153079" y="165266"/>
+            <a:ext cx="7313840" cy="6530735"/>
+            <a:chOff x="153079" y="165266"/>
+            <a:chExt cx="7313840" cy="6530735"/>
+          </a:xfrm>
+        </p:grpSpPr>
+        <p:pic>
+          <p:nvPicPr>
+            <p:cNvPr id="16" name="Picture 15">
+              <a:extLst>
+                <a:ext uri="{FF2B5EF4-FFF2-40B4-BE49-F238E27FC236}">
+                  <a16:creationId xmlns:a16="http://schemas.microsoft.com/office/drawing/2014/main" id="{D8F87978-17FA-33DF-957B-5A7AA4760554}"/>
+                </a:ext>
+              </a:extLst>
+            </p:cNvPr>
+            <p:cNvPicPr>
+              <a:picLocks noChangeAspect="1"/>
+            </p:cNvPicPr>
+            <p:nvPr/>
+          </p:nvPicPr>
+          <p:blipFill rotWithShape="1">
+            <a:blip r:embed="rId2"/>
+            <a:srcRect b="1747"/>
+            <a:stretch/>
+          </p:blipFill>
+          <p:spPr>
+            <a:xfrm>
+              <a:off x="153080" y="165266"/>
+              <a:ext cx="7313839" cy="466566"/>
+            </a:xfrm>
+            <a:prstGeom prst="rect">
+              <a:avLst/>
+            </a:prstGeom>
+          </p:spPr>
+        </p:pic>
+        <p:pic>
+          <p:nvPicPr>
+            <p:cNvPr id="17" name="Picture 16">
+              <a:extLst>
+                <a:ext uri="{FF2B5EF4-FFF2-40B4-BE49-F238E27FC236}">
+                  <a16:creationId xmlns:a16="http://schemas.microsoft.com/office/drawing/2014/main" id="{E700D892-C039-506E-44B0-1B2798F4EA6D}"/>
+                </a:ext>
+              </a:extLst>
+            </p:cNvPr>
+            <p:cNvPicPr>
+              <a:picLocks noChangeAspect="1"/>
+            </p:cNvPicPr>
+            <p:nvPr/>
+          </p:nvPicPr>
+          <p:blipFill rotWithShape="1">
+            <a:blip r:embed="rId2"/>
+            <a:srcRect b="1747"/>
+            <a:stretch/>
+          </p:blipFill>
+          <p:spPr>
+            <a:xfrm rot="10800000">
+              <a:off x="153079" y="6200572"/>
+              <a:ext cx="7313838" cy="495429"/>
+            </a:xfrm>
+            <a:prstGeom prst="rect">
+              <a:avLst/>
+            </a:prstGeom>
+          </p:spPr>
+        </p:pic>
+      </p:grpSp>
+      <p:sp>
+        <p:nvSpPr>
+          <p:cNvPr id="8" name="Text Placeholder 2">
+            <a:extLst>
+              <a:ext uri="{FF2B5EF4-FFF2-40B4-BE49-F238E27FC236}">
+                <a16:creationId xmlns:a16="http://schemas.microsoft.com/office/drawing/2014/main" id="{1DF98C91-86E7-3E3C-1FBE-A92D8516674C}"/>
+              </a:ext>
+            </a:extLst>
+          </p:cNvPr>
+          <p:cNvSpPr txBox="1">
+            <a:spLocks/>
+          </p:cNvSpPr>
+          <p:nvPr/>
+        </p:nvSpPr>
+        <p:spPr>
+          <a:xfrm>
+            <a:off x="579405" y="2536917"/>
+            <a:ext cx="6461185" cy="3582042"/>
+          </a:xfrm>
+          <a:prstGeom prst="rect">
+            <a:avLst/>
+          </a:prstGeom>
+        </p:spPr>
+        <p:txBody>
+          <a:bodyPr vert="horz" lIns="91440" tIns="45720" rIns="91440" bIns="45720" rtlCol="0">
+            <a:noAutofit/>
+          </a:bodyPr>
+          <a:lstStyle>
+            <a:lvl1pPr marL="0" indent="0" algn="l" defTabSz="914400" rtl="0" eaLnBrk="1" latinLnBrk="0" hangingPunct="1">
+              <a:lnSpc>
+                <a:spcPct val="110000"/>
+              </a:lnSpc>
+              <a:spcBef>
+                <a:spcPts val="1000"/>
+              </a:spcBef>
+              <a:buFontTx/>
+              <a:buNone/>
+              <a:defRPr sz="2000" kern="1200">
+                <a:solidFill>
+                  <a:schemeClr val="tx2"/>
+                </a:solidFill>
+                <a:latin typeface="+mn-lt"/>
+                <a:ea typeface="+mn-ea"/>
+                <a:cs typeface="+mn-cs"/>
+              </a:defRPr>
+            </a:lvl1pPr>
+            <a:lvl2pPr marL="274320" indent="-228600" algn="l" defTabSz="914400" rtl="0" eaLnBrk="1" latinLnBrk="0" hangingPunct="1">
+              <a:lnSpc>
+                <a:spcPct val="110000"/>
+              </a:lnSpc>
+              <a:spcBef>
+                <a:spcPts val="500"/>
+              </a:spcBef>
+              <a:buSzPct val="85000"/>
+              <a:buFont typeface="Arial" panose="020B0604020202020204" pitchFamily="34" charset="0"/>
+              <a:buChar char="•"/>
+              <a:defRPr sz="1800" kern="1200">
+                <a:solidFill>
+                  <a:schemeClr val="tx2"/>
+                </a:solidFill>
+                <a:latin typeface="+mn-lt"/>
+                <a:ea typeface="+mn-ea"/>
+                <a:cs typeface="+mn-cs"/>
+              </a:defRPr>
+            </a:lvl2pPr>
+            <a:lvl3pPr marL="274320" indent="0" algn="l" defTabSz="914400" rtl="0" eaLnBrk="1" latinLnBrk="0" hangingPunct="1">
+              <a:lnSpc>
+                <a:spcPct val="110000"/>
+              </a:lnSpc>
+              <a:spcBef>
+                <a:spcPts val="500"/>
+              </a:spcBef>
+              <a:buFontTx/>
+              <a:buNone/>
+              <a:defRPr sz="1600" kern="1200">
+                <a:solidFill>
+                  <a:schemeClr val="tx2"/>
+                </a:solidFill>
+                <a:latin typeface="+mn-lt"/>
+                <a:ea typeface="+mn-ea"/>
+                <a:cs typeface="+mn-cs"/>
+              </a:defRPr>
+            </a:lvl3pPr>
+            <a:lvl4pPr marL="548640" indent="-228600" algn="l" defTabSz="914400" rtl="0" eaLnBrk="1" latinLnBrk="0" hangingPunct="1">
+              <a:lnSpc>
+                <a:spcPct val="110000"/>
+              </a:lnSpc>
+              <a:spcBef>
+                <a:spcPts val="500"/>
+              </a:spcBef>
+              <a:buFont typeface="Arial" panose="020B0604020202020204" pitchFamily="34" charset="0"/>
+              <a:buChar char="•"/>
+              <a:defRPr sz="1400" kern="1200">
+                <a:solidFill>
+                  <a:schemeClr val="tx2"/>
+                </a:solidFill>
+                <a:latin typeface="+mn-lt"/>
+                <a:ea typeface="+mn-ea"/>
+                <a:cs typeface="+mn-cs"/>
+              </a:defRPr>
+            </a:lvl4pPr>
+            <a:lvl5pPr marL="548640" indent="0" algn="l" defTabSz="914400" rtl="0" eaLnBrk="1" latinLnBrk="0" hangingPunct="1">
+              <a:lnSpc>
+                <a:spcPct val="110000"/>
+              </a:lnSpc>
+              <a:spcBef>
+                <a:spcPts val="500"/>
+              </a:spcBef>
+              <a:buFontTx/>
+              <a:buNone/>
+              <a:defRPr sz="1400" kern="1200">
+                <a:solidFill>
+                  <a:schemeClr val="tx2"/>
+                </a:solidFill>
+                <a:latin typeface="+mn-lt"/>
+                <a:ea typeface="+mn-ea"/>
+                <a:cs typeface="+mn-cs"/>
+              </a:defRPr>
+            </a:lvl5pPr>
+            <a:lvl6pPr marL="2514600" indent="-228600" algn="l" defTabSz="914400" rtl="0" eaLnBrk="1" latinLnBrk="0" hangingPunct="1">
+              <a:lnSpc>
+                <a:spcPct val="90000"/>
+              </a:lnSpc>
+              <a:spcBef>
+                <a:spcPts val="500"/>
+              </a:spcBef>
+              <a:buFont typeface="Arial" panose="020B0604020202020204" pitchFamily="34" charset="0"/>
+              <a:buChar char="•"/>
+              <a:defRPr sz="1800" kern="1200">
+                <a:solidFill>
+                  <a:schemeClr val="tx1"/>
+                </a:solidFill>
+                <a:latin typeface="+mn-lt"/>
+                <a:ea typeface="+mn-ea"/>
+                <a:cs typeface="+mn-cs"/>
+              </a:defRPr>
+            </a:lvl6pPr>
+            <a:lvl7pPr marL="2971800" indent="-228600" algn="l" defTabSz="914400" rtl="0" eaLnBrk="1" latinLnBrk="0" hangingPunct="1">
+              <a:lnSpc>
+                <a:spcPct val="90000"/>
+              </a:lnSpc>
+              <a:spcBef>
+                <a:spcPts val="500"/>
+              </a:spcBef>
+              <a:buFont typeface="Arial" panose="020B0604020202020204" pitchFamily="34" charset="0"/>
+              <a:buChar char="•"/>
+              <a:defRPr sz="1800" kern="1200">
+                <a:solidFill>
+                  <a:schemeClr val="tx1"/>
+                </a:solidFill>
+                <a:latin typeface="+mn-lt"/>
+                <a:ea typeface="+mn-ea"/>
+                <a:cs typeface="+mn-cs"/>
+              </a:defRPr>
+            </a:lvl7pPr>
+            <a:lvl8pPr marL="3429000" indent="-228600" algn="l" defTabSz="914400" rtl="0" eaLnBrk="1" latinLnBrk="0" hangingPunct="1">
+              <a:lnSpc>
+                <a:spcPct val="90000"/>
+              </a:lnSpc>
+              <a:spcBef>
+                <a:spcPts val="500"/>
+              </a:spcBef>
+              <a:buFont typeface="Arial" panose="020B0604020202020204" pitchFamily="34" charset="0"/>
+              <a:buChar char="•"/>
+              <a:defRPr sz="1800" kern="1200">
+                <a:solidFill>
+                  <a:schemeClr val="tx1"/>
+                </a:solidFill>
+                <a:latin typeface="+mn-lt"/>
+                <a:ea typeface="+mn-ea"/>
+                <a:cs typeface="+mn-cs"/>
+              </a:defRPr>
+            </a:lvl8pPr>
+            <a:lvl9pPr marL="3886200" indent="-228600" algn="l" defTabSz="914400" rtl="0" eaLnBrk="1" latinLnBrk="0" hangingPunct="1">
+              <a:lnSpc>
+                <a:spcPct val="90000"/>
+              </a:lnSpc>
+              <a:spcBef>
+                <a:spcPts val="500"/>
+              </a:spcBef>
+              <a:buFont typeface="Arial" panose="020B0604020202020204" pitchFamily="34" charset="0"/>
+              <a:buChar char="•"/>
+              <a:defRPr sz="1800" kern="1200">
+                <a:solidFill>
+                  <a:schemeClr val="tx1"/>
+                </a:solidFill>
+                <a:latin typeface="+mn-lt"/>
+                <a:ea typeface="+mn-ea"/>
+                <a:cs typeface="+mn-cs"/>
+              </a:defRPr>
+            </a:lvl9pPr>
+          </a:lstStyle>
+          <a:p>
+            <a:pPr marL="342900" indent="-342900">
+              <a:lnSpc>
+                <a:spcPct val="90000"/>
+              </a:lnSpc>
+              <a:buFont typeface="Courier New" panose="02070309020205020404" pitchFamily="49" charset="0"/>
+              <a:buChar char="o"/>
+            </a:pPr>
+            <a:r>
+              <a:rPr lang="en-US" sz="2400" dirty="0">
+                <a:solidFill>
+                  <a:srgbClr val="0070C0"/>
+                </a:solidFill>
+              </a:rPr>
+              <a:t>Which countries are projected to be the best places to live by 2027? </a:t>
+            </a:r>
+          </a:p>
+          <a:p>
+            <a:pPr lvl="1" indent="0">
+              <a:lnSpc>
+                <a:spcPct val="90000"/>
+              </a:lnSpc>
+              <a:buNone/>
+            </a:pPr>
+            <a:r>
+              <a:rPr lang="en-US" sz="2200" dirty="0">
+                <a:solidFill>
+                  <a:srgbClr val="0070C0"/>
+                </a:solidFill>
+              </a:rPr>
+              <a:t>	</a:t>
+            </a:r>
+            <a:r>
+              <a:rPr lang="en-US" sz="2400" dirty="0">
+                <a:solidFill>
+                  <a:srgbClr val="0070C0"/>
+                </a:solidFill>
+              </a:rPr>
+              <a:t>What factors have the greatest influence?</a:t>
+            </a:r>
+          </a:p>
+          <a:p>
+            <a:pPr lvl="1" indent="0">
+              <a:lnSpc>
+                <a:spcPct val="90000"/>
+              </a:lnSpc>
+              <a:buNone/>
+            </a:pPr>
+            <a:endParaRPr lang="en-US" sz="2400" dirty="0">
+              <a:solidFill>
+                <a:srgbClr val="0070C0"/>
+              </a:solidFill>
+            </a:endParaRPr>
+          </a:p>
+          <a:p>
+            <a:pPr marL="342900" indent="-342900">
+              <a:lnSpc>
+                <a:spcPct val="90000"/>
+              </a:lnSpc>
+              <a:buFont typeface="Courier New" panose="02070309020205020404" pitchFamily="49" charset="0"/>
+              <a:buChar char="o"/>
+            </a:pPr>
+            <a:r>
+              <a:rPr lang="en-US" sz="2400" b="0" i="0" dirty="0">
+                <a:solidFill>
+                  <a:srgbClr val="0070C0"/>
+                </a:solidFill>
+                <a:effectLst/>
+              </a:rPr>
+              <a:t>What are the average happiness scores across the years and the top scores in what countries? </a:t>
+            </a:r>
+          </a:p>
+          <a:p>
+            <a:pPr marL="342900" indent="-342900">
+              <a:lnSpc>
+                <a:spcPct val="90000"/>
+              </a:lnSpc>
+              <a:buFont typeface="Courier New" panose="02070309020205020404" pitchFamily="49" charset="0"/>
+              <a:buChar char="o"/>
+            </a:pPr>
+            <a:r>
+              <a:rPr lang="en-US" sz="2400" b="0" i="0" dirty="0">
+                <a:solidFill>
+                  <a:srgbClr val="0070C0"/>
+                </a:solidFill>
+                <a:effectLst/>
+              </a:rPr>
+              <a:t>What are the main factors that determine the highest levels of happiness?</a:t>
+            </a:r>
+            <a:endParaRPr lang="en-US" sz="2400" dirty="0">
+              <a:solidFill>
+                <a:srgbClr val="0070C0"/>
+              </a:solidFill>
+            </a:endParaRPr>
+          </a:p>
+          <a:p>
+            <a:pPr marL="342900" indent="-342900">
+              <a:lnSpc>
+                <a:spcPct val="90000"/>
+              </a:lnSpc>
+              <a:buFont typeface="Courier New" panose="02070309020205020404" pitchFamily="49" charset="0"/>
+              <a:buChar char="o"/>
+            </a:pPr>
+            <a:endParaRPr lang="en-US" sz="2400" dirty="0">
+              <a:solidFill>
+                <a:srgbClr val="0070C0"/>
+              </a:solidFill>
+            </a:endParaRPr>
+          </a:p>
+          <a:p>
+            <a:pPr>
+              <a:lnSpc>
+                <a:spcPct val="90000"/>
+              </a:lnSpc>
+            </a:pPr>
+            <a:endParaRPr lang="en-US" sz="1700" dirty="0">
+              <a:solidFill>
+                <a:srgbClr val="0070C0"/>
+              </a:solidFill>
+            </a:endParaRPr>
+          </a:p>
+        </p:txBody>
+      </p:sp>
+      <p:pic>
+        <p:nvPicPr>
+          <p:cNvPr id="3096" name="Picture 24" descr="Senior couple standing at the beach Senior couple standing at the beach on a sunny day royalty free images retirement stock pictures, royalty-free photos &amp; images">
+            <a:extLst>
+              <a:ext uri="{FF2B5EF4-FFF2-40B4-BE49-F238E27FC236}">
+                <a16:creationId xmlns:a16="http://schemas.microsoft.com/office/drawing/2014/main" id="{7B21AC8E-EB53-FC19-5702-D635F09D9EF3}"/>
+              </a:ext>
+            </a:extLst>
+          </p:cNvPr>
+          <p:cNvPicPr>
+            <a:picLocks noChangeAspect="1" noChangeArrowheads="1"/>
+          </p:cNvPicPr>
+          <p:nvPr/>
+        </p:nvPicPr>
+        <p:blipFill>
+          <a:blip r:embed="rId3">
+            <a:extLst>
+              <a:ext uri="{28A0092B-C50C-407E-A947-70E740481C1C}">
+                <a14:useLocalDpi xmlns:a14="http://schemas.microsoft.com/office/drawing/2010/main" val="0"/>
+              </a:ext>
+            </a:extLst>
+          </a:blip>
+          <a:srcRect/>
+          <a:stretch>
+            <a:fillRect/>
+          </a:stretch>
+        </p:blipFill>
+        <p:spPr bwMode="auto">
+          <a:xfrm>
+            <a:off x="9384413" y="3009853"/>
+            <a:ext cx="2599856" cy="1733237"/>
+          </a:xfrm>
+          <a:prstGeom prst="rect">
+            <a:avLst/>
+          </a:prstGeom>
+          <a:noFill/>
+          <a:extLst>
+            <a:ext uri="{909E8E84-426E-40DD-AFC4-6F175D3DCCD1}">
+              <a14:hiddenFill xmlns:a14="http://schemas.microsoft.com/office/drawing/2010/main">
+                <a:solidFill>
+                  <a:srgbClr val="FFFFFF"/>
+                </a:solidFill>
+              </a14:hiddenFill>
+            </a:ext>
+          </a:extLst>
+        </p:spPr>
+      </p:pic>
+      <p:pic>
+        <p:nvPicPr>
+          <p:cNvPr id="3098" name="Picture 26" descr="Elderly couple talking while sitting on park bench Happy senior couple talking while sitting on bench. Elderly man and woman is wearing casuals. They are spending leisure time together at park. royalty free images retirement stock pictures, royalty-free photos &amp; images">
+            <a:extLst>
+              <a:ext uri="{FF2B5EF4-FFF2-40B4-BE49-F238E27FC236}">
+                <a16:creationId xmlns:a16="http://schemas.microsoft.com/office/drawing/2014/main" id="{D4DF297A-EBC1-4EB2-3D3E-13DCCAA55EB9}"/>
+              </a:ext>
+            </a:extLst>
+          </p:cNvPr>
+          <p:cNvPicPr>
+            <a:picLocks noChangeAspect="1" noChangeArrowheads="1"/>
+          </p:cNvPicPr>
+          <p:nvPr/>
+        </p:nvPicPr>
+        <p:blipFill>
+          <a:blip r:embed="rId4">
+            <a:extLst>
+              <a:ext uri="{28A0092B-C50C-407E-A947-70E740481C1C}">
+                <a14:useLocalDpi xmlns:a14="http://schemas.microsoft.com/office/drawing/2010/main" val="0"/>
+              </a:ext>
+            </a:extLst>
+          </a:blip>
+          <a:srcRect/>
+          <a:stretch>
+            <a:fillRect/>
+          </a:stretch>
+        </p:blipFill>
+        <p:spPr bwMode="auto">
+          <a:xfrm>
+            <a:off x="7856454" y="4744882"/>
+            <a:ext cx="2718302" cy="1807759"/>
+          </a:xfrm>
+          <a:prstGeom prst="rect">
+            <a:avLst/>
+          </a:prstGeom>
+          <a:noFill/>
+          <a:extLst>
+            <a:ext uri="{909E8E84-426E-40DD-AFC4-6F175D3DCCD1}">
+              <a14:hiddenFill xmlns:a14="http://schemas.microsoft.com/office/drawing/2010/main">
+                <a:solidFill>
+                  <a:srgbClr val="FFFFFF"/>
+                </a:solidFill>
+              </a14:hiddenFill>
+            </a:ext>
+          </a:extLst>
+        </p:spPr>
+      </p:pic>
+      <p:pic>
+        <p:nvPicPr>
+          <p:cNvPr id="3100" name="Picture 28" descr="Mature man hiking in France Mature man hiking in France standing on a rock arms in the air on the Ile De Re coast royalty free images retirement stock pictures, royalty-free photos &amp; images">
+            <a:extLst>
+              <a:ext uri="{FF2B5EF4-FFF2-40B4-BE49-F238E27FC236}">
+                <a16:creationId xmlns:a16="http://schemas.microsoft.com/office/drawing/2014/main" id="{8BA18539-08A1-C45D-BB8F-3585ED965C0F}"/>
+              </a:ext>
+            </a:extLst>
+          </p:cNvPr>
+          <p:cNvPicPr>
+            <a:picLocks noChangeAspect="1" noChangeArrowheads="1"/>
+          </p:cNvPicPr>
+          <p:nvPr/>
+        </p:nvPicPr>
+        <p:blipFill>
+          <a:blip r:embed="rId5">
+            <a:extLst>
+              <a:ext uri="{28A0092B-C50C-407E-A947-70E740481C1C}">
+                <a14:useLocalDpi xmlns:a14="http://schemas.microsoft.com/office/drawing/2010/main" val="0"/>
+              </a:ext>
+            </a:extLst>
+          </a:blip>
+          <a:srcRect/>
+          <a:stretch>
+            <a:fillRect/>
+          </a:stretch>
+        </p:blipFill>
+        <p:spPr bwMode="auto">
+          <a:xfrm>
+            <a:off x="7788154" y="1583099"/>
+            <a:ext cx="2718302" cy="1812201"/>
+          </a:xfrm>
+          <a:prstGeom prst="rect">
+            <a:avLst/>
+          </a:prstGeom>
+          <a:noFill/>
+          <a:extLst>
+            <a:ext uri="{909E8E84-426E-40DD-AFC4-6F175D3DCCD1}">
+              <a14:hiddenFill xmlns:a14="http://schemas.microsoft.com/office/drawing/2010/main">
+                <a:solidFill>
+                  <a:srgbClr val="FFFFFF"/>
+                </a:solidFill>
+              </a14:hiddenFill>
+            </a:ext>
+          </a:extLst>
+        </p:spPr>
+      </p:pic>
+      <p:sp>
+        <p:nvSpPr>
+          <p:cNvPr id="18" name="TextBox 17">
+            <a:extLst>
+              <a:ext uri="{FF2B5EF4-FFF2-40B4-BE49-F238E27FC236}">
+                <a16:creationId xmlns:a16="http://schemas.microsoft.com/office/drawing/2014/main" id="{2C9CAD63-C487-16D7-18A1-B9341A1B395E}"/>
+              </a:ext>
+            </a:extLst>
+          </p:cNvPr>
+          <p:cNvSpPr txBox="1"/>
+          <p:nvPr/>
+        </p:nvSpPr>
+        <p:spPr>
+          <a:xfrm>
+            <a:off x="9666732" y="6575029"/>
+            <a:ext cx="2525268" cy="307777"/>
+          </a:xfrm>
+          <a:prstGeom prst="rect">
+            <a:avLst/>
+          </a:prstGeom>
+          <a:noFill/>
+        </p:spPr>
+        <p:txBody>
+          <a:bodyPr wrap="square" rtlCol="0">
+            <a:spAutoFit/>
+          </a:bodyPr>
+          <a:lstStyle/>
+          <a:p>
+            <a:pPr algn="r"/>
+            <a:r>
+              <a:rPr lang="en-US" sz="1400" dirty="0">
+                <a:solidFill>
+                  <a:schemeClr val="bg1">
+                    <a:lumMod val="50000"/>
+                  </a:schemeClr>
+                </a:solidFill>
+              </a:rPr>
+              <a:t>Photos Credit to iStock</a:t>
+            </a:r>
+          </a:p>
+        </p:txBody>
+      </p:sp>
+      <p:pic>
+        <p:nvPicPr>
+          <p:cNvPr id="3102" name="Picture 30" descr="Winter forest, a lot of snow.  Two women girlfriends are embraced in warm clothes among the trees covered with snow. Winter forest, a lot of snow.  Two women girlfriends are embraced in warm clothes among the trees covered with snow. royalty free images retirement winter stock pictures, royalty-free photos &amp; images">
+            <a:extLst>
+              <a:ext uri="{FF2B5EF4-FFF2-40B4-BE49-F238E27FC236}">
+                <a16:creationId xmlns:a16="http://schemas.microsoft.com/office/drawing/2014/main" id="{E911400D-3AA4-9A9C-DE39-E32CC90A4717}"/>
+              </a:ext>
+            </a:extLst>
+          </p:cNvPr>
+          <p:cNvPicPr>
+            <a:picLocks noChangeAspect="1" noChangeArrowheads="1"/>
+          </p:cNvPicPr>
+          <p:nvPr/>
+        </p:nvPicPr>
+        <p:blipFill>
+          <a:blip r:embed="rId6" cstate="print">
+            <a:extLst>
+              <a:ext uri="{28A0092B-C50C-407E-A947-70E740481C1C}">
+                <a14:useLocalDpi xmlns:a14="http://schemas.microsoft.com/office/drawing/2010/main" val="0"/>
+              </a:ext>
+            </a:extLst>
+          </a:blip>
+          <a:srcRect/>
+          <a:stretch>
+            <a:fillRect/>
+          </a:stretch>
+        </p:blipFill>
+        <p:spPr bwMode="auto">
+          <a:xfrm>
+            <a:off x="9628240" y="221604"/>
+            <a:ext cx="2343161" cy="1588908"/>
+          </a:xfrm>
+          <a:prstGeom prst="rect">
+            <a:avLst/>
+          </a:prstGeom>
+          <a:noFill/>
+          <a:extLst>
+            <a:ext uri="{909E8E84-426E-40DD-AFC4-6F175D3DCCD1}">
+              <a14:hiddenFill xmlns:a14="http://schemas.microsoft.com/office/drawing/2010/main">
+                <a:solidFill>
+                  <a:srgbClr val="FFFFFF"/>
+                </a:solidFill>
+              </a14:hiddenFill>
+            </a:ext>
+          </a:extLst>
+        </p:spPr>
+      </p:pic>
+    </p:spTree>
+    <p:extLst>
+      <p:ext uri="{BB962C8B-B14F-4D97-AF65-F5344CB8AC3E}">
+        <p14:creationId xmlns:p14="http://schemas.microsoft.com/office/powerpoint/2010/main" val="3430102636"/>
+      </p:ext>
+    </p:extLst>
+  </p:cSld>
+  <p:clrMapOvr>
+    <a:masterClrMapping/>
+  </p:clrMapOvr>
+</p:sld>
+</file>
+
+<file path=ppt/slides/slide3.xml><?xml version="1.0" encoding="utf-8"?>
 <p:sld xmlns:a="http://schemas.openxmlformats.org/drawingml/2006/main" xmlns:r="http://schemas.openxmlformats.org/officeDocument/2006/relationships" xmlns:p="http://schemas.openxmlformats.org/presentationml/2006/main">
   <p:cSld>
     <p:spTree>
@@ -5714,8 +9111,8 @@
         </p:nvSpPr>
         <p:spPr>
           <a:xfrm>
-            <a:off x="7773080" y="231991"/>
-            <a:ext cx="4200383" cy="2725298"/>
+            <a:off x="7727289" y="1257875"/>
+            <a:ext cx="4200383" cy="3729547"/>
           </a:xfrm>
           <a:prstGeom prst="rect">
             <a:avLst/>
@@ -5729,9 +9126,12 @@
           <a:lstStyle/>
           <a:p>
             <a:r>
-              <a:rPr lang="en-US" dirty="0"/>
+              <a:rPr lang="en-US" sz="3200" b="1" dirty="0"/>
               <a:t>Datasets analyzed</a:t>
             </a:r>
+          </a:p>
+          <a:p>
+            <a:endParaRPr lang="en-US" sz="3200" b="1" dirty="0"/>
           </a:p>
           <a:p>
             <a:pPr marL="342900" marR="0" lvl="0" indent="-342900">
@@ -5744,11 +9144,11 @@
               <a:spcAft>
                 <a:spcPts val="0"/>
               </a:spcAft>
-              <a:buFont typeface="+mj-lt"/>
-              <a:buAutoNum type="arabicParenR"/>
+              <a:buFont typeface="Courier New" panose="02070309020205020404" pitchFamily="49" charset="0"/>
+              <a:buChar char="o"/>
             </a:pPr>
             <a:r>
-              <a:rPr lang="en-US" sz="1800" dirty="0">
+              <a:rPr lang="en-US" dirty="0">
                 <a:effectLst/>
                 <a:latin typeface="Calibri" panose="020F0502020204030204" pitchFamily="34" charset="0"/>
                 <a:ea typeface="Calibri" panose="020F0502020204030204" pitchFamily="34" charset="0"/>
@@ -5757,7 +9157,7 @@
               <a:t>Kaggle 2015 – 2019  </a:t>
             </a:r>
             <a:r>
-              <a:rPr lang="en-US" sz="1800" u="sng" dirty="0">
+              <a:rPr lang="en-US" u="sng" dirty="0">
                 <a:solidFill>
                   <a:srgbClr val="0000FF"/>
                 </a:solidFill>
@@ -5769,6 +9169,28 @@
               </a:rPr>
               <a:t>https://www.kaggle.com/datasets/unsdsn/world-happiness?resource=download</a:t>
             </a:r>
+            <a:endParaRPr lang="en-US" u="sng" dirty="0">
+              <a:solidFill>
+                <a:srgbClr val="0000FF"/>
+              </a:solidFill>
+              <a:effectLst/>
+              <a:latin typeface="Arial" panose="020B0604020202020204" pitchFamily="34" charset="0"/>
+              <a:ea typeface="Calibri" panose="020F0502020204030204" pitchFamily="34" charset="0"/>
+              <a:cs typeface="Times New Roman" panose="02020603050405020304" pitchFamily="18" charset="0"/>
+            </a:endParaRPr>
+          </a:p>
+          <a:p>
+            <a:pPr marR="0" lvl="0">
+              <a:lnSpc>
+                <a:spcPct val="107000"/>
+              </a:lnSpc>
+              <a:spcBef>
+                <a:spcPts val="0"/>
+              </a:spcBef>
+              <a:spcAft>
+                <a:spcPts val="0"/>
+              </a:spcAft>
+            </a:pPr>
             <a:endParaRPr lang="en-US" sz="1800" dirty="0">
               <a:effectLst/>
               <a:latin typeface="Calibri" panose="020F0502020204030204" pitchFamily="34" charset="0"/>
@@ -5787,8 +9209,8 @@
               <a:spcAft>
                 <a:spcPts val="800"/>
               </a:spcAft>
-              <a:buFont typeface="+mj-lt"/>
-              <a:buAutoNum type="arabicParenR"/>
+              <a:buFont typeface="Courier New" panose="02070309020205020404" pitchFamily="49" charset="0"/>
+              <a:buChar char="o"/>
             </a:pPr>
             <a:r>
               <a:rPr lang="en-US" sz="1800" dirty="0">
@@ -6161,7 +9583,7 @@
 </p:sld>
 </file>
 
-<file path=ppt/slides/slide3.xml><?xml version="1.0" encoding="utf-8"?>
+<file path=ppt/slides/slide4.xml><?xml version="1.0" encoding="utf-8"?>
 <p:sld xmlns:a="http://schemas.openxmlformats.org/drawingml/2006/main" xmlns:r="http://schemas.openxmlformats.org/officeDocument/2006/relationships" xmlns:p="http://schemas.openxmlformats.org/presentationml/2006/main">
   <p:cSld>
     <p:spTree>
@@ -6407,41 +9829,6 @@
               </a:rPr>
               <a:t>Healthy Life Expectancy</a:t>
             </a:r>
-          </a:p>
-        </p:txBody>
-      </p:sp>
-      <p:sp>
-        <p:nvSpPr>
-          <p:cNvPr id="1032" name="Content Placeholder 1031">
-            <a:extLst>
-              <a:ext uri="{FF2B5EF4-FFF2-40B4-BE49-F238E27FC236}">
-                <a16:creationId xmlns:a16="http://schemas.microsoft.com/office/drawing/2014/main" id="{E5C1A5AD-8988-CF94-B5F8-A3E867C808CC}"/>
-              </a:ext>
-            </a:extLst>
-          </p:cNvPr>
-          <p:cNvSpPr>
-            <a:spLocks noGrp="1"/>
-          </p:cNvSpPr>
-          <p:nvPr>
-            <p:ph idx="1"/>
-          </p:nvPr>
-        </p:nvSpPr>
-        <p:spPr>
-          <a:xfrm>
-            <a:off x="1053063" y="2732545"/>
-            <a:ext cx="3827713" cy="3232826"/>
-          </a:xfrm>
-        </p:spPr>
-        <p:txBody>
-          <a:bodyPr anchor="t">
-            <a:normAutofit/>
-          </a:bodyPr>
-          <a:lstStyle/>
-          <a:p>
-            <a:endParaRPr lang="en-US" dirty="0"/>
-          </a:p>
-          <a:p>
-            <a:endParaRPr lang="en-US" dirty="0"/>
           </a:p>
         </p:txBody>
       </p:sp>
@@ -6678,8 +10065,8 @@
         </p:blipFill>
         <p:spPr bwMode="auto">
           <a:xfrm>
-            <a:off x="7665566" y="44091"/>
-            <a:ext cx="4473456" cy="3355092"/>
+            <a:off x="7709252" y="98743"/>
+            <a:ext cx="4327716" cy="3245788"/>
           </a:xfrm>
           <a:prstGeom prst="rect">
             <a:avLst/>
@@ -6725,13 +10112,14 @@
         </p:blipFill>
         <p:spPr bwMode="auto">
           <a:xfrm>
-            <a:off x="7649817" y="3459872"/>
-            <a:ext cx="4473456" cy="3355092"/>
+            <a:off x="7737231" y="3505976"/>
+            <a:ext cx="4298628" cy="3223972"/>
           </a:xfrm>
           <a:prstGeom prst="rect">
             <a:avLst/>
           </a:prstGeom>
           <a:noFill/>
+          <a:effectLst/>
           <a:extLst>
             <a:ext uri="{909E8E84-426E-40DD-AFC4-6F175D3DCCD1}">
               <a14:hiddenFill xmlns:a14="http://schemas.microsoft.com/office/drawing/2010/main">
@@ -6914,12 +10302,19 @@
         </p:blipFill>
         <p:spPr>
           <a:xfrm>
-            <a:off x="5019525" y="2690709"/>
-            <a:ext cx="2152950" cy="1476581"/>
+            <a:off x="168700" y="2019704"/>
+            <a:ext cx="2786074" cy="1910803"/>
           </a:xfrm>
           <a:prstGeom prst="rect">
             <a:avLst/>
           </a:prstGeom>
+          <a:effectLst>
+            <a:outerShdw blurRad="76200" dir="18900000" sy="23000" kx="-1200000" algn="bl" rotWithShape="0">
+              <a:prstClr val="black">
+                <a:alpha val="20000"/>
+              </a:prstClr>
+            </a:outerShdw>
+          </a:effectLst>
         </p:spPr>
       </p:pic>
       <p:pic>
@@ -6944,12 +10339,163 @@
         </p:blipFill>
         <p:spPr>
           <a:xfrm>
-            <a:off x="5033856" y="4209126"/>
-            <a:ext cx="2152949" cy="1764530"/>
+            <a:off x="1155895" y="3969209"/>
+            <a:ext cx="2675324" cy="2192661"/>
           </a:xfrm>
           <a:prstGeom prst="rect">
             <a:avLst/>
           </a:prstGeom>
+          <a:effectLst>
+            <a:outerShdw blurRad="76200" dir="18900000" sy="23000" kx="-1200000" algn="bl" rotWithShape="0">
+              <a:prstClr val="black">
+                <a:alpha val="20000"/>
+              </a:prstClr>
+            </a:outerShdw>
+          </a:effectLst>
+        </p:spPr>
+      </p:pic>
+      <p:sp>
+        <p:nvSpPr>
+          <p:cNvPr id="11" name="TextBox 10">
+            <a:extLst>
+              <a:ext uri="{FF2B5EF4-FFF2-40B4-BE49-F238E27FC236}">
+                <a16:creationId xmlns:a16="http://schemas.microsoft.com/office/drawing/2014/main" id="{761676F3-C122-9EF5-D3DA-6A0350FE4F92}"/>
+              </a:ext>
+            </a:extLst>
+          </p:cNvPr>
+          <p:cNvSpPr txBox="1"/>
+          <p:nvPr/>
+        </p:nvSpPr>
+        <p:spPr>
+          <a:xfrm>
+            <a:off x="2887716" y="2536917"/>
+            <a:ext cx="4381764" cy="1908215"/>
+          </a:xfrm>
+          <a:prstGeom prst="rect">
+            <a:avLst/>
+          </a:prstGeom>
+          <a:noFill/>
+        </p:spPr>
+        <p:txBody>
+          <a:bodyPr wrap="square">
+            <a:spAutoFit/>
+          </a:bodyPr>
+          <a:lstStyle/>
+          <a:p>
+            <a:pPr marL="342900" indent="-342900">
+              <a:buFont typeface="Courier New" panose="02070309020205020404" pitchFamily="49" charset="0"/>
+              <a:buChar char="o"/>
+            </a:pPr>
+            <a:r>
+              <a:rPr lang="en-US" sz="2000" dirty="0">
+                <a:solidFill>
+                  <a:srgbClr val="0070C0"/>
+                </a:solidFill>
+              </a:rPr>
+              <a:t>Number of  Years? Or more?</a:t>
+            </a:r>
+          </a:p>
+          <a:p>
+            <a:pPr marL="342900" indent="-342900">
+              <a:buFont typeface="Courier New" panose="02070309020205020404" pitchFamily="49" charset="0"/>
+              <a:buChar char="o"/>
+            </a:pPr>
+            <a:r>
+              <a:rPr lang="en-US" sz="2000" dirty="0">
+                <a:solidFill>
+                  <a:srgbClr val="0070C0"/>
+                </a:solidFill>
+              </a:rPr>
+              <a:t>Redefining Quality of Life</a:t>
+            </a:r>
+          </a:p>
+          <a:p>
+            <a:pPr marL="342900" indent="-342900">
+              <a:buFont typeface="Courier New" panose="02070309020205020404" pitchFamily="49" charset="0"/>
+              <a:buChar char="o"/>
+            </a:pPr>
+            <a:r>
+              <a:rPr lang="en-US" sz="2000" dirty="0">
+                <a:solidFill>
+                  <a:srgbClr val="0070C0"/>
+                </a:solidFill>
+              </a:rPr>
+              <a:t>Moderate uphill (positive) relationship</a:t>
+            </a:r>
+          </a:p>
+          <a:p>
+            <a:pPr marL="342900" indent="-342900">
+              <a:buFont typeface="Courier New" panose="02070309020205020404" pitchFamily="49" charset="0"/>
+              <a:buChar char="o"/>
+            </a:pPr>
+            <a:r>
+              <a:rPr lang="en-US" sz="2000" dirty="0">
+                <a:solidFill>
+                  <a:srgbClr val="0070C0"/>
+                </a:solidFill>
+              </a:rPr>
+              <a:t>Technology and Government Policy</a:t>
+            </a:r>
+          </a:p>
+          <a:p>
+            <a:pPr marL="342900" indent="-342900">
+              <a:buFont typeface="Courier New" panose="02070309020205020404" pitchFamily="49" charset="0"/>
+              <a:buChar char="o"/>
+            </a:pPr>
+            <a:endParaRPr lang="en-US" sz="2000" dirty="0">
+              <a:solidFill>
+                <a:srgbClr val="0070C0"/>
+              </a:solidFill>
+            </a:endParaRPr>
+          </a:p>
+          <a:p>
+            <a:pPr marL="342900" indent="-342900">
+              <a:buFont typeface="Courier New" panose="02070309020205020404" pitchFamily="49" charset="0"/>
+              <a:buChar char="o"/>
+            </a:pPr>
+            <a:endParaRPr lang="en-US" dirty="0">
+              <a:solidFill>
+                <a:srgbClr val="0070C0"/>
+              </a:solidFill>
+            </a:endParaRPr>
+          </a:p>
+        </p:txBody>
+      </p:sp>
+      <p:pic>
+        <p:nvPicPr>
+          <p:cNvPr id="16" name="Picture 15">
+            <a:extLst>
+              <a:ext uri="{FF2B5EF4-FFF2-40B4-BE49-F238E27FC236}">
+                <a16:creationId xmlns:a16="http://schemas.microsoft.com/office/drawing/2014/main" id="{DF457E84-1E7C-1C8A-7CA8-E43E9D5DCB70}"/>
+              </a:ext>
+            </a:extLst>
+          </p:cNvPr>
+          <p:cNvPicPr>
+            <a:picLocks noChangeAspect="1"/>
+          </p:cNvPicPr>
+          <p:nvPr/>
+        </p:nvPicPr>
+        <p:blipFill>
+          <a:blip r:embed="rId7"/>
+          <a:stretch>
+            <a:fillRect/>
+          </a:stretch>
+        </p:blipFill>
+        <p:spPr>
+          <a:xfrm>
+            <a:off x="4016096" y="3973582"/>
+            <a:ext cx="3161535" cy="2232488"/>
+          </a:xfrm>
+          <a:prstGeom prst="rect">
+            <a:avLst/>
+          </a:prstGeom>
+          <a:effectLst>
+            <a:outerShdw blurRad="76200" dir="18900000" sy="23000" kx="-1200000" algn="bl" rotWithShape="0">
+              <a:prstClr val="black">
+                <a:alpha val="20000"/>
+              </a:prstClr>
+            </a:outerShdw>
+          </a:effectLst>
         </p:spPr>
       </p:pic>
     </p:spTree>
@@ -6965,7 +10511,7 @@
 </p:sld>
 </file>
 
-<file path=ppt/slides/slide4.xml><?xml version="1.0" encoding="utf-8"?>
+<file path=ppt/slides/slide5.xml><?xml version="1.0" encoding="utf-8"?>
 <p:sld xmlns:a="http://schemas.openxmlformats.org/drawingml/2006/main" xmlns:r="http://schemas.openxmlformats.org/officeDocument/2006/relationships" xmlns:p="http://schemas.openxmlformats.org/presentationml/2006/main">
   <p:cSld>
     <p:spTree>
@@ -7211,41 +10757,6 @@
               </a:rPr>
               <a:t>Freedom</a:t>
             </a:r>
-          </a:p>
-        </p:txBody>
-      </p:sp>
-      <p:sp>
-        <p:nvSpPr>
-          <p:cNvPr id="1032" name="Content Placeholder 1031">
-            <a:extLst>
-              <a:ext uri="{FF2B5EF4-FFF2-40B4-BE49-F238E27FC236}">
-                <a16:creationId xmlns:a16="http://schemas.microsoft.com/office/drawing/2014/main" id="{E5C1A5AD-8988-CF94-B5F8-A3E867C808CC}"/>
-              </a:ext>
-            </a:extLst>
-          </p:cNvPr>
-          <p:cNvSpPr>
-            <a:spLocks noGrp="1"/>
-          </p:cNvSpPr>
-          <p:nvPr>
-            <p:ph idx="1"/>
-          </p:nvPr>
-        </p:nvSpPr>
-        <p:spPr>
-          <a:xfrm>
-            <a:off x="1053063" y="2732545"/>
-            <a:ext cx="5513875" cy="3232826"/>
-          </a:xfrm>
-        </p:spPr>
-        <p:txBody>
-          <a:bodyPr anchor="t">
-            <a:normAutofit/>
-          </a:bodyPr>
-          <a:lstStyle/>
-          <a:p>
-            <a:endParaRPr lang="en-US" dirty="0"/>
-          </a:p>
-          <a:p>
-            <a:endParaRPr lang="en-US" dirty="0"/>
           </a:p>
         </p:txBody>
       </p:sp>
@@ -7482,55 +10993,8 @@
         </p:blipFill>
         <p:spPr bwMode="auto">
           <a:xfrm>
-            <a:off x="7669577" y="89451"/>
+            <a:off x="7669577" y="190035"/>
             <a:ext cx="4389057" cy="3291793"/>
-          </a:xfrm>
-          <a:prstGeom prst="rect">
-            <a:avLst/>
-          </a:prstGeom>
-          <a:noFill/>
-          <a:extLst>
-            <a:ext uri="{909E8E84-426E-40DD-AFC4-6F175D3DCCD1}">
-              <a14:hiddenFill xmlns:a14="http://schemas.microsoft.com/office/drawing/2010/main">
-                <a:solidFill>
-                  <a:srgbClr val="FFFFFF"/>
-                </a:solidFill>
-              </a14:hiddenFill>
-            </a:ext>
-          </a:extLst>
-        </p:spPr>
-      </p:pic>
-      <p:pic>
-        <p:nvPicPr>
-          <p:cNvPr id="7172" name="Picture 4">
-            <a:extLst>
-              <a:ext uri="{FF2B5EF4-FFF2-40B4-BE49-F238E27FC236}">
-                <a16:creationId xmlns:a16="http://schemas.microsoft.com/office/drawing/2014/main" id="{5BCD169F-1F64-DC12-D20B-C1250C0F3206}"/>
-              </a:ext>
-            </a:extLst>
-          </p:cNvPr>
-          <p:cNvPicPr>
-            <a:picLocks noChangeAspect="1" noChangeArrowheads="1"/>
-          </p:cNvPicPr>
-          <p:nvPr/>
-        </p:nvPicPr>
-        <p:blipFill>
-          <a:blip r:embed="rId3">
-            <a:extLst>
-              <a:ext uri="{28A0092B-C50C-407E-A947-70E740481C1C}">
-                <a14:useLocalDpi xmlns:a14="http://schemas.microsoft.com/office/drawing/2010/main" val="0"/>
-              </a:ext>
-            </a:extLst>
-          </a:blip>
-          <a:srcRect/>
-          <a:stretch>
-            <a:fillRect/>
-          </a:stretch>
-        </p:blipFill>
-        <p:spPr bwMode="auto">
-          <a:xfrm>
-            <a:off x="7649863" y="3410021"/>
-            <a:ext cx="4389056" cy="3291793"/>
           </a:xfrm>
           <a:prstGeom prst="rect">
             <a:avLst/>
@@ -7582,7 +11046,7 @@
             <p:nvPr/>
           </p:nvPicPr>
           <p:blipFill rotWithShape="1">
-            <a:blip r:embed="rId4"/>
+            <a:blip r:embed="rId3"/>
             <a:srcRect b="1747"/>
             <a:stretch/>
           </p:blipFill>
@@ -7611,7 +11075,7 @@
             <p:nvPr/>
           </p:nvPicPr>
           <p:blipFill rotWithShape="1">
-            <a:blip r:embed="rId4"/>
+            <a:blip r:embed="rId3"/>
             <a:srcRect b="1747"/>
             <a:stretch/>
           </p:blipFill>
@@ -7626,6 +11090,143 @@
           </p:spPr>
         </p:pic>
       </p:grpSp>
+      <p:pic>
+        <p:nvPicPr>
+          <p:cNvPr id="1026" name="Picture 2" descr="Table&#10;&#10;Description automatically generated">
+            <a:extLst>
+              <a:ext uri="{FF2B5EF4-FFF2-40B4-BE49-F238E27FC236}">
+                <a16:creationId xmlns:a16="http://schemas.microsoft.com/office/drawing/2014/main" id="{1DE7576B-7A23-27A3-03E6-1BB238865354}"/>
+              </a:ext>
+            </a:extLst>
+          </p:cNvPr>
+          <p:cNvPicPr>
+            <a:picLocks noChangeAspect="1" noChangeArrowheads="1"/>
+          </p:cNvPicPr>
+          <p:nvPr/>
+        </p:nvPicPr>
+        <p:blipFill>
+          <a:blip r:embed="rId4">
+            <a:extLst>
+              <a:ext uri="{28A0092B-C50C-407E-A947-70E740481C1C}">
+                <a14:useLocalDpi xmlns:a14="http://schemas.microsoft.com/office/drawing/2010/main" val="0"/>
+              </a:ext>
+            </a:extLst>
+          </a:blip>
+          <a:srcRect/>
+          <a:stretch>
+            <a:fillRect/>
+          </a:stretch>
+        </p:blipFill>
+        <p:spPr bwMode="auto">
+          <a:xfrm>
+            <a:off x="7669577" y="3703064"/>
+            <a:ext cx="4414627" cy="2908048"/>
+          </a:xfrm>
+          <a:prstGeom prst="rect">
+            <a:avLst/>
+          </a:prstGeom>
+          <a:noFill/>
+          <a:extLst>
+            <a:ext uri="{909E8E84-426E-40DD-AFC4-6F175D3DCCD1}">
+              <a14:hiddenFill xmlns:a14="http://schemas.microsoft.com/office/drawing/2010/main">
+                <a:solidFill>
+                  <a:srgbClr val="FFFFFF"/>
+                </a:solidFill>
+              </a14:hiddenFill>
+            </a:ext>
+          </a:extLst>
+        </p:spPr>
+      </p:pic>
+      <p:sp>
+        <p:nvSpPr>
+          <p:cNvPr id="13" name="Content Placeholder 12">
+            <a:extLst>
+              <a:ext uri="{FF2B5EF4-FFF2-40B4-BE49-F238E27FC236}">
+                <a16:creationId xmlns:a16="http://schemas.microsoft.com/office/drawing/2014/main" id="{CB7BBB84-A4C1-53A7-24CE-503B3E71EA42}"/>
+              </a:ext>
+            </a:extLst>
+          </p:cNvPr>
+          <p:cNvSpPr>
+            <a:spLocks noGrp="1"/>
+          </p:cNvSpPr>
+          <p:nvPr>
+            <p:ph idx="1"/>
+          </p:nvPr>
+        </p:nvSpPr>
+        <p:spPr>
+          <a:xfrm>
+            <a:off x="276223" y="2541117"/>
+            <a:ext cx="7038977" cy="3590128"/>
+          </a:xfrm>
+        </p:spPr>
+        <p:txBody>
+          <a:bodyPr>
+            <a:normAutofit/>
+          </a:bodyPr>
+          <a:lstStyle/>
+          <a:p>
+            <a:pPr marL="342900" indent="-342900">
+              <a:buFont typeface="Courier New" panose="02070309020205020404" pitchFamily="49" charset="0"/>
+              <a:buChar char="o"/>
+            </a:pPr>
+            <a:r>
+              <a:rPr lang="en-US" dirty="0">
+                <a:solidFill>
+                  <a:srgbClr val="0070C0"/>
+                </a:solidFill>
+              </a:rPr>
+              <a:t>Top chart represents the Average Overall Happiness to Freedom factor scores for years 2015-2019.</a:t>
+            </a:r>
+          </a:p>
+          <a:p>
+            <a:pPr marL="342900" indent="-342900">
+              <a:buFont typeface="Courier New" panose="02070309020205020404" pitchFamily="49" charset="0"/>
+              <a:buChar char="o"/>
+            </a:pPr>
+            <a:r>
+              <a:rPr lang="en-US" dirty="0">
+                <a:solidFill>
+                  <a:srgbClr val="0070C0"/>
+                </a:solidFill>
+              </a:rPr>
+              <a:t>According to the World Happiness Report, the chart represents well the shift in Freedom for a rise with eastern </a:t>
+            </a:r>
+            <a:r>
+              <a:rPr lang="en-US" dirty="0" err="1">
+                <a:solidFill>
+                  <a:srgbClr val="0070C0"/>
+                </a:solidFill>
+              </a:rPr>
+              <a:t>european</a:t>
+            </a:r>
+            <a:r>
+              <a:rPr lang="en-US" dirty="0">
+                <a:solidFill>
+                  <a:srgbClr val="0070C0"/>
+                </a:solidFill>
+              </a:rPr>
+              <a:t> countries and steady trends for northern countries.</a:t>
+            </a:r>
+          </a:p>
+          <a:p>
+            <a:pPr marL="342900" indent="-342900">
+              <a:buFont typeface="Courier New" panose="02070309020205020404" pitchFamily="49" charset="0"/>
+              <a:buChar char="o"/>
+            </a:pPr>
+            <a:r>
+              <a:rPr lang="en-US" dirty="0">
+                <a:solidFill>
+                  <a:srgbClr val="0070C0"/>
+                </a:solidFill>
+              </a:rPr>
+              <a:t>Looking at the individual years, 2015 through 2019, Freedom is not the highest factor determining happiness. Freedom moves from last place of the six factors to third from last place in 2019. (according to World Happiness Report website).</a:t>
+            </a:r>
+          </a:p>
+          <a:p>
+            <a:endParaRPr lang="en-US" dirty="0"/>
+          </a:p>
+        </p:txBody>
+      </p:sp>
     </p:spTree>
     <p:extLst>
       <p:ext uri="{BB962C8B-B14F-4D97-AF65-F5344CB8AC3E}">
@@ -7639,7 +11240,7 @@
 </p:sld>
 </file>
 
-<file path=ppt/slides/slide5.xml><?xml version="1.0" encoding="utf-8"?>
+<file path=ppt/slides/slide6.xml><?xml version="1.0" encoding="utf-8"?>
 <p:sld xmlns:a="http://schemas.openxmlformats.org/drawingml/2006/main" xmlns:r="http://schemas.openxmlformats.org/officeDocument/2006/relationships" xmlns:p="http://schemas.openxmlformats.org/presentationml/2006/main">
   <p:cSld>
     <p:spTree>
@@ -7883,17 +11484,300 @@
                   <a:srgbClr val="002060"/>
                 </a:solidFill>
               </a:rPr>
-              <a:t>Social Support</a:t>
+              <a:t>Freedom</a:t>
             </a:r>
           </a:p>
         </p:txBody>
       </p:sp>
+      <p:grpSp>
+        <p:nvGrpSpPr>
+          <p:cNvPr id="1041" name="Group 1040">
+            <a:extLst>
+              <a:ext uri="{FF2B5EF4-FFF2-40B4-BE49-F238E27FC236}">
+                <a16:creationId xmlns:a16="http://schemas.microsoft.com/office/drawing/2014/main" id="{073091F1-AA5A-47C6-9502-D5870A72D50C}"/>
+              </a:ext>
+              <a:ext uri="{C183D7F6-B498-43B3-948B-1728B52AA6E4}">
+                <adec:decorative xmlns:adec="http://schemas.microsoft.com/office/drawing/2017/decorative" val="1"/>
+              </a:ext>
+            </a:extLst>
+          </p:cNvPr>
+          <p:cNvGrpSpPr>
+            <a:grpSpLocks noGrp="1" noUngrp="1" noRot="1" noChangeAspect="1" noMove="1" noResize="1"/>
+          </p:cNvGrpSpPr>
+          <p:nvPr>
+            <p:extLst>
+              <p:ext uri="{386F3935-93C4-4BCD-93E2-E3B085C9AB24}">
+                <p16:designElem xmlns:p16="http://schemas.microsoft.com/office/powerpoint/2015/main" val="1"/>
+              </p:ext>
+            </p:extLst>
+          </p:nvPr>
+        </p:nvGrpSpPr>
+        <p:grpSpPr>
+          <a:xfrm>
+            <a:off x="3376258" y="2320171"/>
+            <a:ext cx="867485" cy="115439"/>
+            <a:chOff x="8910933" y="1861308"/>
+            <a:chExt cx="867485" cy="115439"/>
+          </a:xfrm>
+        </p:grpSpPr>
+        <p:sp>
+          <p:nvSpPr>
+            <p:cNvPr id="1042" name="Rectangle 1041">
+              <a:extLst>
+                <a:ext uri="{FF2B5EF4-FFF2-40B4-BE49-F238E27FC236}">
+                  <a16:creationId xmlns:a16="http://schemas.microsoft.com/office/drawing/2014/main" id="{8085C4F7-6E91-4DF6-BB01-A46132BC3587}"/>
+                </a:ext>
+                <a:ext uri="{C183D7F6-B498-43B3-948B-1728B52AA6E4}">
+                  <adec:decorative xmlns:adec="http://schemas.microsoft.com/office/drawing/2017/decorative" val="1"/>
+                </a:ext>
+              </a:extLst>
+            </p:cNvPr>
+            <p:cNvSpPr/>
+            <p:nvPr>
+              <p:extLst>
+                <p:ext uri="{386F3935-93C4-4BCD-93E2-E3B085C9AB24}">
+                  <p16:designElem xmlns:p16="http://schemas.microsoft.com/office/powerpoint/2015/main" val="1"/>
+                </p:ext>
+              </p:extLst>
+            </p:nvPr>
+          </p:nvSpPr>
+          <p:spPr>
+            <a:xfrm rot="18964825" flipH="1">
+              <a:off x="9286956" y="1861308"/>
+              <a:ext cx="115439" cy="115439"/>
+            </a:xfrm>
+            <a:prstGeom prst="rect">
+              <a:avLst/>
+            </a:prstGeom>
+            <a:noFill/>
+            <a:ln w="15875">
+              <a:solidFill>
+                <a:schemeClr val="tx2"/>
+              </a:solidFill>
+            </a:ln>
+          </p:spPr>
+          <p:style>
+            <a:lnRef idx="2">
+              <a:schemeClr val="accent1">
+                <a:shade val="50000"/>
+              </a:schemeClr>
+            </a:lnRef>
+            <a:fillRef idx="1">
+              <a:schemeClr val="accent1"/>
+            </a:fillRef>
+            <a:effectRef idx="0">
+              <a:schemeClr val="accent1"/>
+            </a:effectRef>
+            <a:fontRef idx="minor">
+              <a:schemeClr val="lt1"/>
+            </a:fontRef>
+          </p:style>
+          <p:txBody>
+            <a:bodyPr rtlCol="0" anchor="ctr"/>
+            <a:lstStyle/>
+            <a:p>
+              <a:pPr algn="ctr"/>
+              <a:endParaRPr lang="en-US">
+                <a:solidFill>
+                  <a:schemeClr val="bg1"/>
+                </a:solidFill>
+                <a:effectLst>
+                  <a:outerShdw blurRad="38100" dist="38100" dir="2700000" algn="tl">
+                    <a:srgbClr val="000000">
+                      <a:alpha val="43137"/>
+                    </a:srgbClr>
+                  </a:outerShdw>
+                </a:effectLst>
+              </a:endParaRPr>
+            </a:p>
+          </p:txBody>
+        </p:sp>
+        <p:cxnSp>
+          <p:nvCxnSpPr>
+            <p:cNvPr id="1043" name="Straight Connector 1042">
+              <a:extLst>
+                <a:ext uri="{FF2B5EF4-FFF2-40B4-BE49-F238E27FC236}">
+                  <a16:creationId xmlns:a16="http://schemas.microsoft.com/office/drawing/2014/main" id="{25476588-B9AD-4662-A085-8E4D91493B3F}"/>
+                </a:ext>
+                <a:ext uri="{C183D7F6-B498-43B3-948B-1728B52AA6E4}">
+                  <adec:decorative xmlns:adec="http://schemas.microsoft.com/office/drawing/2017/decorative" val="1"/>
+                </a:ext>
+              </a:extLst>
+            </p:cNvPr>
+            <p:cNvCxnSpPr/>
+            <p:nvPr>
+              <p:extLst>
+                <p:ext uri="{386F3935-93C4-4BCD-93E2-E3B085C9AB24}">
+                  <p16:designElem xmlns:p16="http://schemas.microsoft.com/office/powerpoint/2015/main" val="1"/>
+                </p:ext>
+              </p:extLst>
+            </p:nvPr>
+          </p:nvCxnSpPr>
+          <p:spPr>
+            <a:xfrm>
+              <a:off x="9426289" y="1919027"/>
+              <a:ext cx="352129" cy="0"/>
+            </a:xfrm>
+            <a:prstGeom prst="line">
+              <a:avLst/>
+            </a:prstGeom>
+            <a:ln w="15875">
+              <a:solidFill>
+                <a:schemeClr val="tx2"/>
+              </a:solidFill>
+            </a:ln>
+          </p:spPr>
+          <p:style>
+            <a:lnRef idx="1">
+              <a:schemeClr val="accent1"/>
+            </a:lnRef>
+            <a:fillRef idx="0">
+              <a:schemeClr val="accent1"/>
+            </a:fillRef>
+            <a:effectRef idx="0">
+              <a:schemeClr val="accent1"/>
+            </a:effectRef>
+            <a:fontRef idx="minor">
+              <a:schemeClr val="tx1"/>
+            </a:fontRef>
+          </p:style>
+        </p:cxnSp>
+        <p:cxnSp>
+          <p:nvCxnSpPr>
+            <p:cNvPr id="1044" name="Straight Connector 1043">
+              <a:extLst>
+                <a:ext uri="{FF2B5EF4-FFF2-40B4-BE49-F238E27FC236}">
+                  <a16:creationId xmlns:a16="http://schemas.microsoft.com/office/drawing/2014/main" id="{BCDB34B3-D348-476E-BE7F-1139370F4310}"/>
+                </a:ext>
+                <a:ext uri="{C183D7F6-B498-43B3-948B-1728B52AA6E4}">
+                  <adec:decorative xmlns:adec="http://schemas.microsoft.com/office/drawing/2017/decorative" val="1"/>
+                </a:ext>
+              </a:extLst>
+            </p:cNvPr>
+            <p:cNvCxnSpPr/>
+            <p:nvPr>
+              <p:extLst>
+                <p:ext uri="{386F3935-93C4-4BCD-93E2-E3B085C9AB24}">
+                  <p16:designElem xmlns:p16="http://schemas.microsoft.com/office/powerpoint/2015/main" val="1"/>
+                </p:ext>
+              </p:extLst>
+            </p:nvPr>
+          </p:nvCxnSpPr>
+          <p:spPr>
+            <a:xfrm>
+              <a:off x="8910933" y="1919027"/>
+              <a:ext cx="352129" cy="0"/>
+            </a:xfrm>
+            <a:prstGeom prst="line">
+              <a:avLst/>
+            </a:prstGeom>
+            <a:ln w="15875">
+              <a:solidFill>
+                <a:schemeClr val="tx2"/>
+              </a:solidFill>
+            </a:ln>
+          </p:spPr>
+          <p:style>
+            <a:lnRef idx="1">
+              <a:schemeClr val="accent1"/>
+            </a:lnRef>
+            <a:fillRef idx="0">
+              <a:schemeClr val="accent1"/>
+            </a:fillRef>
+            <a:effectRef idx="0">
+              <a:schemeClr val="accent1"/>
+            </a:effectRef>
+            <a:fontRef idx="minor">
+              <a:schemeClr val="tx1"/>
+            </a:fontRef>
+          </p:style>
+        </p:cxnSp>
+      </p:grpSp>
+      <p:grpSp>
+        <p:nvGrpSpPr>
+          <p:cNvPr id="3" name="Group 2">
+            <a:extLst>
+              <a:ext uri="{FF2B5EF4-FFF2-40B4-BE49-F238E27FC236}">
+                <a16:creationId xmlns:a16="http://schemas.microsoft.com/office/drawing/2014/main" id="{A10E8264-D1A6-98E8-2672-CB899D701794}"/>
+              </a:ext>
+            </a:extLst>
+          </p:cNvPr>
+          <p:cNvGrpSpPr/>
+          <p:nvPr/>
+        </p:nvGrpSpPr>
+        <p:grpSpPr>
+          <a:xfrm>
+            <a:off x="153079" y="165266"/>
+            <a:ext cx="7313840" cy="6530735"/>
+            <a:chOff x="153079" y="165266"/>
+            <a:chExt cx="7313840" cy="6530735"/>
+          </a:xfrm>
+        </p:grpSpPr>
+        <p:pic>
+          <p:nvPicPr>
+            <p:cNvPr id="4" name="Picture 3">
+              <a:extLst>
+                <a:ext uri="{FF2B5EF4-FFF2-40B4-BE49-F238E27FC236}">
+                  <a16:creationId xmlns:a16="http://schemas.microsoft.com/office/drawing/2014/main" id="{4CBC1FEA-A8CF-F616-3B56-22A8B8FE365A}"/>
+                </a:ext>
+              </a:extLst>
+            </p:cNvPr>
+            <p:cNvPicPr>
+              <a:picLocks noChangeAspect="1"/>
+            </p:cNvPicPr>
+            <p:nvPr/>
+          </p:nvPicPr>
+          <p:blipFill rotWithShape="1">
+            <a:blip r:embed="rId2"/>
+            <a:srcRect b="1747"/>
+            <a:stretch/>
+          </p:blipFill>
+          <p:spPr>
+            <a:xfrm>
+              <a:off x="153080" y="165266"/>
+              <a:ext cx="7313839" cy="466566"/>
+            </a:xfrm>
+            <a:prstGeom prst="rect">
+              <a:avLst/>
+            </a:prstGeom>
+          </p:spPr>
+        </p:pic>
+        <p:pic>
+          <p:nvPicPr>
+            <p:cNvPr id="5" name="Picture 4">
+              <a:extLst>
+                <a:ext uri="{FF2B5EF4-FFF2-40B4-BE49-F238E27FC236}">
+                  <a16:creationId xmlns:a16="http://schemas.microsoft.com/office/drawing/2014/main" id="{0E40455F-6E1D-7329-69E9-8777B491FB3A}"/>
+                </a:ext>
+              </a:extLst>
+            </p:cNvPr>
+            <p:cNvPicPr>
+              <a:picLocks noChangeAspect="1"/>
+            </p:cNvPicPr>
+            <p:nvPr/>
+          </p:nvPicPr>
+          <p:blipFill rotWithShape="1">
+            <a:blip r:embed="rId2"/>
+            <a:srcRect b="1747"/>
+            <a:stretch/>
+          </p:blipFill>
+          <p:spPr>
+            <a:xfrm rot="10800000">
+              <a:off x="153079" y="6200572"/>
+              <a:ext cx="7313838" cy="495429"/>
+            </a:xfrm>
+            <a:prstGeom prst="rect">
+              <a:avLst/>
+            </a:prstGeom>
+          </p:spPr>
+        </p:pic>
+      </p:grpSp>
       <p:sp>
         <p:nvSpPr>
-          <p:cNvPr id="1032" name="Content Placeholder 1031">
-            <a:extLst>
-              <a:ext uri="{FF2B5EF4-FFF2-40B4-BE49-F238E27FC236}">
-                <a16:creationId xmlns:a16="http://schemas.microsoft.com/office/drawing/2014/main" id="{E5C1A5AD-8988-CF94-B5F8-A3E867C808CC}"/>
+          <p:cNvPr id="13" name="Content Placeholder 12">
+            <a:extLst>
+              <a:ext uri="{FF2B5EF4-FFF2-40B4-BE49-F238E27FC236}">
+                <a16:creationId xmlns:a16="http://schemas.microsoft.com/office/drawing/2014/main" id="{CB7BBB84-A4C1-53A7-24CE-503B3E71EA42}"/>
               </a:ext>
             </a:extLst>
           </p:cNvPr>
@@ -7906,20 +11790,431 @@
         </p:nvSpPr>
         <p:spPr>
           <a:xfrm>
-            <a:off x="1053063" y="2742996"/>
-            <a:ext cx="5513875" cy="3232826"/>
+            <a:off x="276223" y="2541117"/>
+            <a:ext cx="7038977" cy="3590128"/>
           </a:xfrm>
         </p:spPr>
         <p:txBody>
-          <a:bodyPr anchor="t">
+          <a:bodyPr>
+            <a:normAutofit lnSpcReduction="10000"/>
+          </a:bodyPr>
+          <a:lstStyle/>
+          <a:p>
+            <a:pPr marL="342900" indent="-342900">
+              <a:buFont typeface="Courier New" panose="02070309020205020404" pitchFamily="49" charset="0"/>
+              <a:buChar char="o"/>
+            </a:pPr>
+            <a:r>
+              <a:rPr lang="en-US" dirty="0">
+                <a:solidFill>
+                  <a:srgbClr val="0070C0"/>
+                </a:solidFill>
+              </a:rPr>
+              <a:t>Bottom chart represents the Average Overall Happiness to Freedom factor scores for 2022.</a:t>
+            </a:r>
+          </a:p>
+          <a:p>
+            <a:pPr marL="342900" indent="-342900">
+              <a:buFont typeface="Courier New" panose="02070309020205020404" pitchFamily="49" charset="0"/>
+              <a:buChar char="o"/>
+            </a:pPr>
+            <a:r>
+              <a:rPr lang="en-US" dirty="0">
+                <a:solidFill>
+                  <a:srgbClr val="0070C0"/>
+                </a:solidFill>
+              </a:rPr>
+              <a:t>A little more than half of the countries involved in the study became more concerned with Freedom. It became more of a factor due to Post-Covid times. </a:t>
+            </a:r>
+          </a:p>
+          <a:p>
+            <a:pPr marL="342900" indent="-342900">
+              <a:buFont typeface="Courier New" panose="02070309020205020404" pitchFamily="49" charset="0"/>
+              <a:buChar char="o"/>
+            </a:pPr>
+            <a:r>
+              <a:rPr lang="en-US" dirty="0">
+                <a:solidFill>
+                  <a:srgbClr val="0070C0"/>
+                </a:solidFill>
+              </a:rPr>
+              <a:t>Cambodia ranks first of the 5 countries listed for highest Average Overall Happiness to Freedom score. According to the World Happiness Report, southeastern </a:t>
+            </a:r>
+            <a:r>
+              <a:rPr lang="en-US" dirty="0" err="1">
+                <a:solidFill>
+                  <a:srgbClr val="0070C0"/>
+                </a:solidFill>
+              </a:rPr>
+              <a:t>asian</a:t>
+            </a:r>
+            <a:r>
+              <a:rPr lang="en-US" dirty="0">
+                <a:solidFill>
+                  <a:srgbClr val="0070C0"/>
+                </a:solidFill>
+              </a:rPr>
+              <a:t> countries had a significant spike in Freedom importance , so it re-enforces the fact that Cambodia ranks with highest average.</a:t>
+            </a:r>
+          </a:p>
+          <a:p>
+            <a:endParaRPr lang="en-US" dirty="0"/>
+          </a:p>
+        </p:txBody>
+      </p:sp>
+      <p:pic>
+        <p:nvPicPr>
+          <p:cNvPr id="2050" name="Picture 2">
+            <a:extLst>
+              <a:ext uri="{FF2B5EF4-FFF2-40B4-BE49-F238E27FC236}">
+                <a16:creationId xmlns:a16="http://schemas.microsoft.com/office/drawing/2014/main" id="{A8BC7C2A-8DD3-7F86-2621-AA74DE0ECE6F}"/>
+              </a:ext>
+            </a:extLst>
+          </p:cNvPr>
+          <p:cNvPicPr>
+            <a:picLocks noChangeAspect="1" noChangeArrowheads="1"/>
+          </p:cNvPicPr>
+          <p:nvPr/>
+        </p:nvPicPr>
+        <p:blipFill>
+          <a:blip r:embed="rId3">
+            <a:extLst>
+              <a:ext uri="{28A0092B-C50C-407E-A947-70E740481C1C}">
+                <a14:useLocalDpi xmlns:a14="http://schemas.microsoft.com/office/drawing/2010/main" val="0"/>
+              </a:ext>
+            </a:extLst>
+          </a:blip>
+          <a:srcRect/>
+          <a:stretch>
+            <a:fillRect/>
+          </a:stretch>
+        </p:blipFill>
+        <p:spPr bwMode="auto">
+          <a:xfrm>
+            <a:off x="7695247" y="90930"/>
+            <a:ext cx="4343672" cy="3257754"/>
+          </a:xfrm>
+          <a:prstGeom prst="rect">
+            <a:avLst/>
+          </a:prstGeom>
+          <a:noFill/>
+          <a:extLst>
+            <a:ext uri="{909E8E84-426E-40DD-AFC4-6F175D3DCCD1}">
+              <a14:hiddenFill xmlns:a14="http://schemas.microsoft.com/office/drawing/2010/main">
+                <a:solidFill>
+                  <a:srgbClr val="FFFFFF"/>
+                </a:solidFill>
+              </a14:hiddenFill>
+            </a:ext>
+          </a:extLst>
+        </p:spPr>
+      </p:pic>
+      <p:pic>
+        <p:nvPicPr>
+          <p:cNvPr id="2052" name="Picture 4" descr="Table&#10;&#10;Description automatically generated">
+            <a:extLst>
+              <a:ext uri="{FF2B5EF4-FFF2-40B4-BE49-F238E27FC236}">
+                <a16:creationId xmlns:a16="http://schemas.microsoft.com/office/drawing/2014/main" id="{C39DFE14-360A-2C65-C373-77320DC47BC5}"/>
+              </a:ext>
+            </a:extLst>
+          </p:cNvPr>
+          <p:cNvPicPr>
+            <a:picLocks noChangeAspect="1" noChangeArrowheads="1"/>
+          </p:cNvPicPr>
+          <p:nvPr/>
+        </p:nvPicPr>
+        <p:blipFill>
+          <a:blip r:embed="rId4">
+            <a:extLst>
+              <a:ext uri="{28A0092B-C50C-407E-A947-70E740481C1C}">
+                <a14:useLocalDpi xmlns:a14="http://schemas.microsoft.com/office/drawing/2010/main" val="0"/>
+              </a:ext>
+            </a:extLst>
+          </a:blip>
+          <a:srcRect/>
+          <a:stretch>
+            <a:fillRect/>
+          </a:stretch>
+        </p:blipFill>
+        <p:spPr bwMode="auto">
+          <a:xfrm>
+            <a:off x="7695247" y="3445037"/>
+            <a:ext cx="4333219" cy="3319061"/>
+          </a:xfrm>
+          <a:prstGeom prst="rect">
+            <a:avLst/>
+          </a:prstGeom>
+          <a:noFill/>
+          <a:extLst>
+            <a:ext uri="{909E8E84-426E-40DD-AFC4-6F175D3DCCD1}">
+              <a14:hiddenFill xmlns:a14="http://schemas.microsoft.com/office/drawing/2010/main">
+                <a:solidFill>
+                  <a:srgbClr val="FFFFFF"/>
+                </a:solidFill>
+              </a14:hiddenFill>
+            </a:ext>
+          </a:extLst>
+        </p:spPr>
+      </p:pic>
+    </p:spTree>
+    <p:extLst>
+      <p:ext uri="{BB962C8B-B14F-4D97-AF65-F5344CB8AC3E}">
+        <p14:creationId xmlns:p14="http://schemas.microsoft.com/office/powerpoint/2010/main" val="913141817"/>
+      </p:ext>
+    </p:extLst>
+  </p:cSld>
+  <p:clrMapOvr>
+    <a:masterClrMapping/>
+  </p:clrMapOvr>
+</p:sld>
+</file>
+
+<file path=ppt/slides/slide7.xml><?xml version="1.0" encoding="utf-8"?>
+<p:sld xmlns:a="http://schemas.openxmlformats.org/drawingml/2006/main" xmlns:r="http://schemas.openxmlformats.org/officeDocument/2006/relationships" xmlns:p="http://schemas.openxmlformats.org/presentationml/2006/main">
+  <p:cSld>
+    <p:spTree>
+      <p:nvGrpSpPr>
+        <p:cNvPr id="1" name=""/>
+        <p:cNvGrpSpPr/>
+        <p:nvPr/>
+      </p:nvGrpSpPr>
+      <p:grpSpPr>
+        <a:xfrm>
+          <a:off x="0" y="0"/>
+          <a:ext cx="0" cy="0"/>
+          <a:chOff x="0" y="0"/>
+          <a:chExt cx="0" cy="0"/>
+        </a:xfrm>
+      </p:grpSpPr>
+      <p:sp useBgFill="1">
+        <p:nvSpPr>
+          <p:cNvPr id="1035" name="Rectangle 1034">
+            <a:extLst>
+              <a:ext uri="{FF2B5EF4-FFF2-40B4-BE49-F238E27FC236}">
+                <a16:creationId xmlns:a16="http://schemas.microsoft.com/office/drawing/2014/main" id="{158E38A4-F699-490C-8D1F-E8AD332D9B45}"/>
+              </a:ext>
+              <a:ext uri="{C183D7F6-B498-43B3-948B-1728B52AA6E4}">
+                <adec:decorative xmlns:adec="http://schemas.microsoft.com/office/drawing/2017/decorative" val="1"/>
+              </a:ext>
+            </a:extLst>
+          </p:cNvPr>
+          <p:cNvSpPr>
+            <a:spLocks noGrp="1" noRot="1" noChangeAspect="1" noMove="1" noResize="1" noEditPoints="1" noAdjustHandles="1" noChangeArrowheads="1" noChangeShapeType="1" noTextEdit="1"/>
+          </p:cNvSpPr>
+          <p:nvPr>
+            <p:extLst>
+              <p:ext uri="{386F3935-93C4-4BCD-93E2-E3B085C9AB24}">
+                <p16:designElem xmlns:p16="http://schemas.microsoft.com/office/powerpoint/2015/main" val="1"/>
+              </p:ext>
+            </p:extLst>
+          </p:nvPr>
+        </p:nvSpPr>
+        <p:spPr>
+          <a:xfrm>
+            <a:off x="0" y="0"/>
+            <a:ext cx="12192000" cy="6858000"/>
+          </a:xfrm>
+          <a:prstGeom prst="rect">
+            <a:avLst/>
+          </a:prstGeom>
+          <a:ln w="12700" cap="flat" cmpd="sng" algn="ctr">
+            <a:noFill/>
+            <a:prstDash val="solid"/>
+            <a:miter lim="800000"/>
+          </a:ln>
+          <a:effectLst/>
+        </p:spPr>
+        <p:style>
+          <a:lnRef idx="2">
+            <a:schemeClr val="accent1">
+              <a:shade val="50000"/>
+            </a:schemeClr>
+          </a:lnRef>
+          <a:fillRef idx="1">
+            <a:schemeClr val="accent1"/>
+          </a:fillRef>
+          <a:effectRef idx="0">
+            <a:schemeClr val="accent1"/>
+          </a:effectRef>
+          <a:fontRef idx="minor">
+            <a:schemeClr val="lt1"/>
+          </a:fontRef>
+        </p:style>
+        <p:txBody>
+          <a:bodyPr rtlCol="0" anchor="ctr"/>
+          <a:lstStyle/>
+          <a:p>
+            <a:pPr algn="ctr"/>
+            <a:endParaRPr lang="en-US"/>
+          </a:p>
+        </p:txBody>
+      </p:sp>
+      <p:sp>
+        <p:nvSpPr>
+          <p:cNvPr id="1037" name="Rectangle 1036">
+            <a:extLst>
+              <a:ext uri="{FF2B5EF4-FFF2-40B4-BE49-F238E27FC236}">
+                <a16:creationId xmlns:a16="http://schemas.microsoft.com/office/drawing/2014/main" id="{939C6AAB-48AC-41A3-95C2-6BF83715DF62}"/>
+              </a:ext>
+              <a:ext uri="{C183D7F6-B498-43B3-948B-1728B52AA6E4}">
+                <adec:decorative xmlns:adec="http://schemas.microsoft.com/office/drawing/2017/decorative" val="1"/>
+              </a:ext>
+            </a:extLst>
+          </p:cNvPr>
+          <p:cNvSpPr>
+            <a:spLocks noGrp="1" noRot="1" noChangeAspect="1" noMove="1" noResize="1" noEditPoints="1" noAdjustHandles="1" noChangeArrowheads="1" noChangeShapeType="1" noTextEdit="1"/>
+          </p:cNvSpPr>
+          <p:nvPr>
+            <p:extLst>
+              <p:ext uri="{386F3935-93C4-4BCD-93E2-E3B085C9AB24}">
+                <p16:designElem xmlns:p16="http://schemas.microsoft.com/office/powerpoint/2015/main" val="1"/>
+              </p:ext>
+            </p:extLst>
+          </p:nvPr>
+        </p:nvSpPr>
+        <p:spPr>
+          <a:xfrm>
+            <a:off x="0" y="0"/>
+            <a:ext cx="7620000" cy="6858000"/>
+          </a:xfrm>
+          <a:prstGeom prst="rect">
+            <a:avLst/>
+          </a:prstGeom>
+          <a:solidFill>
+            <a:schemeClr val="bg2"/>
+          </a:solidFill>
+          <a:ln w="12700" cap="flat" cmpd="sng" algn="ctr">
+            <a:noFill/>
+            <a:prstDash val="solid"/>
+            <a:miter lim="800000"/>
+          </a:ln>
+          <a:effectLst/>
+        </p:spPr>
+        <p:style>
+          <a:lnRef idx="2">
+            <a:schemeClr val="accent1">
+              <a:shade val="50000"/>
+            </a:schemeClr>
+          </a:lnRef>
+          <a:fillRef idx="1">
+            <a:schemeClr val="accent1"/>
+          </a:fillRef>
+          <a:effectRef idx="0">
+            <a:schemeClr val="accent1"/>
+          </a:effectRef>
+          <a:fontRef idx="minor">
+            <a:schemeClr val="lt1"/>
+          </a:fontRef>
+        </p:style>
+        <p:txBody>
+          <a:bodyPr rtlCol="0" anchor="ctr"/>
+          <a:lstStyle/>
+          <a:p>
+            <a:pPr algn="ctr"/>
+            <a:endParaRPr lang="en-US"/>
+          </a:p>
+        </p:txBody>
+      </p:sp>
+      <p:sp>
+        <p:nvSpPr>
+          <p:cNvPr id="1039" name="Rectangle 1038">
+            <a:extLst>
+              <a:ext uri="{FF2B5EF4-FFF2-40B4-BE49-F238E27FC236}">
+                <a16:creationId xmlns:a16="http://schemas.microsoft.com/office/drawing/2014/main" id="{F6EE861B-7D2F-4B7C-A6E3-5937E81B8025}"/>
+              </a:ext>
+              <a:ext uri="{C183D7F6-B498-43B3-948B-1728B52AA6E4}">
+                <adec:decorative xmlns:adec="http://schemas.microsoft.com/office/drawing/2017/decorative" val="1"/>
+              </a:ext>
+            </a:extLst>
+          </p:cNvPr>
+          <p:cNvSpPr>
+            <a:spLocks noGrp="1" noRot="1" noChangeAspect="1" noMove="1" noResize="1" noEditPoints="1" noAdjustHandles="1" noChangeArrowheads="1" noChangeShapeType="1" noTextEdit="1"/>
+          </p:cNvSpPr>
+          <p:nvPr>
+            <p:extLst>
+              <p:ext uri="{386F3935-93C4-4BCD-93E2-E3B085C9AB24}">
+                <p16:designElem xmlns:p16="http://schemas.microsoft.com/office/powerpoint/2015/main" val="1"/>
+              </p:ext>
+            </p:extLst>
+          </p:nvPr>
+        </p:nvSpPr>
+        <p:spPr>
+          <a:xfrm>
+            <a:off x="153081" y="159026"/>
+            <a:ext cx="7313839" cy="6542788"/>
+          </a:xfrm>
+          <a:prstGeom prst="rect">
+            <a:avLst/>
+          </a:prstGeom>
+          <a:solidFill>
+            <a:schemeClr val="bg1"/>
+          </a:solidFill>
+          <a:ln>
+            <a:noFill/>
+          </a:ln>
+        </p:spPr>
+        <p:style>
+          <a:lnRef idx="2">
+            <a:schemeClr val="accent1">
+              <a:shade val="50000"/>
+            </a:schemeClr>
+          </a:lnRef>
+          <a:fillRef idx="1">
+            <a:schemeClr val="accent1"/>
+          </a:fillRef>
+          <a:effectRef idx="0">
+            <a:schemeClr val="accent1"/>
+          </a:effectRef>
+          <a:fontRef idx="minor">
+            <a:schemeClr val="lt1"/>
+          </a:fontRef>
+        </p:style>
+        <p:txBody>
+          <a:bodyPr rtlCol="0" anchor="ctr"/>
+          <a:lstStyle/>
+          <a:p>
+            <a:pPr algn="ctr"/>
+            <a:endParaRPr lang="en-US"/>
+          </a:p>
+        </p:txBody>
+      </p:sp>
+      <p:sp>
+        <p:nvSpPr>
+          <p:cNvPr id="2" name="Title 1">
+            <a:extLst>
+              <a:ext uri="{FF2B5EF4-FFF2-40B4-BE49-F238E27FC236}">
+                <a16:creationId xmlns:a16="http://schemas.microsoft.com/office/drawing/2014/main" id="{C0DBDA7B-B84F-0AF7-4FCB-54B36ADB6BE6}"/>
+              </a:ext>
+            </a:extLst>
+          </p:cNvPr>
+          <p:cNvSpPr>
+            <a:spLocks noGrp="1"/>
+          </p:cNvSpPr>
+          <p:nvPr>
+            <p:ph type="title"/>
+          </p:nvPr>
+        </p:nvSpPr>
+        <p:spPr>
+          <a:xfrm>
+            <a:off x="1053063" y="723901"/>
+            <a:ext cx="5513874" cy="1288884"/>
+          </a:xfrm>
+        </p:spPr>
+        <p:txBody>
+          <a:bodyPr anchor="b">
             <a:normAutofit/>
           </a:bodyPr>
           <a:lstStyle/>
           <a:p>
-            <a:endParaRPr lang="en-US" dirty="0"/>
-          </a:p>
-          <a:p>
-            <a:endParaRPr lang="en-US" dirty="0"/>
+            <a:pPr algn="ctr"/>
+            <a:r>
+              <a:rPr lang="en-US" sz="4000" dirty="0">
+                <a:solidFill>
+                  <a:srgbClr val="002060"/>
+                </a:solidFill>
+              </a:rPr>
+              <a:t>Social Support / Family</a:t>
+            </a:r>
           </a:p>
         </p:txBody>
       </p:sp>
@@ -8300,6 +12595,181 @@
           </p:spPr>
         </p:pic>
       </p:grpSp>
+      <p:pic>
+        <p:nvPicPr>
+          <p:cNvPr id="6" name="Picture 5">
+            <a:extLst>
+              <a:ext uri="{FF2B5EF4-FFF2-40B4-BE49-F238E27FC236}">
+                <a16:creationId xmlns:a16="http://schemas.microsoft.com/office/drawing/2014/main" id="{62D9B4E8-02F4-A45A-704C-8B4610A06CA5}"/>
+              </a:ext>
+            </a:extLst>
+          </p:cNvPr>
+          <p:cNvPicPr>
+            <a:picLocks noChangeAspect="1"/>
+          </p:cNvPicPr>
+          <p:nvPr/>
+        </p:nvPicPr>
+        <p:blipFill>
+          <a:blip r:embed="rId5"/>
+          <a:stretch>
+            <a:fillRect/>
+          </a:stretch>
+        </p:blipFill>
+        <p:spPr>
+          <a:xfrm>
+            <a:off x="330359" y="2333292"/>
+            <a:ext cx="3057525" cy="1876425"/>
+          </a:xfrm>
+          <a:prstGeom prst="rect">
+            <a:avLst/>
+          </a:prstGeom>
+          <a:effectLst>
+            <a:outerShdw blurRad="76200" dir="18900000" sy="23000" kx="-1200000" algn="bl" rotWithShape="0">
+              <a:prstClr val="black">
+                <a:alpha val="20000"/>
+              </a:prstClr>
+            </a:outerShdw>
+            <a:softEdge rad="25400"/>
+          </a:effectLst>
+        </p:spPr>
+      </p:pic>
+      <p:pic>
+        <p:nvPicPr>
+          <p:cNvPr id="7" name="Picture 6">
+            <a:extLst>
+              <a:ext uri="{FF2B5EF4-FFF2-40B4-BE49-F238E27FC236}">
+                <a16:creationId xmlns:a16="http://schemas.microsoft.com/office/drawing/2014/main" id="{9A2BFAF2-F93E-1AAD-12C6-170F4F874114}"/>
+              </a:ext>
+            </a:extLst>
+          </p:cNvPr>
+          <p:cNvPicPr>
+            <a:picLocks noChangeAspect="1"/>
+          </p:cNvPicPr>
+          <p:nvPr/>
+        </p:nvPicPr>
+        <p:blipFill>
+          <a:blip r:embed="rId6"/>
+          <a:stretch>
+            <a:fillRect/>
+          </a:stretch>
+        </p:blipFill>
+        <p:spPr>
+          <a:xfrm>
+            <a:off x="3891613" y="2447535"/>
+            <a:ext cx="3358579" cy="1729837"/>
+          </a:xfrm>
+          <a:prstGeom prst="rect">
+            <a:avLst/>
+          </a:prstGeom>
+          <a:effectLst>
+            <a:outerShdw blurRad="76200" dir="18900000" sy="23000" kx="-1200000" algn="bl" rotWithShape="0">
+              <a:prstClr val="black">
+                <a:alpha val="20000"/>
+              </a:prstClr>
+            </a:outerShdw>
+            <a:softEdge rad="12700"/>
+          </a:effectLst>
+        </p:spPr>
+      </p:pic>
+      <p:sp>
+        <p:nvSpPr>
+          <p:cNvPr id="11" name="TextBox 10">
+            <a:extLst>
+              <a:ext uri="{FF2B5EF4-FFF2-40B4-BE49-F238E27FC236}">
+                <a16:creationId xmlns:a16="http://schemas.microsoft.com/office/drawing/2014/main" id="{D08965DF-26EB-750D-C3A8-36858DEA90EE}"/>
+              </a:ext>
+            </a:extLst>
+          </p:cNvPr>
+          <p:cNvSpPr txBox="1"/>
+          <p:nvPr/>
+        </p:nvSpPr>
+        <p:spPr>
+          <a:xfrm>
+            <a:off x="241719" y="4206309"/>
+            <a:ext cx="7136558" cy="2869066"/>
+          </a:xfrm>
+          <a:prstGeom prst="rect">
+            <a:avLst/>
+          </a:prstGeom>
+          <a:noFill/>
+        </p:spPr>
+        <p:txBody>
+          <a:bodyPr wrap="square" rtlCol="0">
+            <a:spAutoFit/>
+          </a:bodyPr>
+          <a:lstStyle/>
+          <a:p>
+            <a:pPr marL="285750" indent="-285750">
+              <a:buFont typeface="Courier New" panose="02070309020205020404" pitchFamily="49" charset="0"/>
+              <a:buChar char="o"/>
+            </a:pPr>
+            <a:r>
+              <a:rPr lang="en-US" sz="2000" dirty="0">
+                <a:solidFill>
+                  <a:srgbClr val="0070C0"/>
+                </a:solidFill>
+              </a:rPr>
+              <a:t>This factor scored higher amongst all factors except GDP for all years.</a:t>
+            </a:r>
+          </a:p>
+          <a:p>
+            <a:pPr marL="285750" indent="-285750">
+              <a:buFont typeface="Courier New" panose="02070309020205020404" pitchFamily="49" charset="0"/>
+              <a:buChar char="o"/>
+            </a:pPr>
+            <a:r>
+              <a:rPr lang="en-US" sz="2000" dirty="0">
+                <a:solidFill>
+                  <a:srgbClr val="0070C0"/>
+                </a:solidFill>
+              </a:rPr>
+              <a:t>Iceland remains #1 pre and post Pandemic under this factor</a:t>
+            </a:r>
+          </a:p>
+          <a:p>
+            <a:pPr marL="285750" indent="-285750">
+              <a:buFont typeface="Courier New" panose="02070309020205020404" pitchFamily="49" charset="0"/>
+              <a:buChar char="o"/>
+            </a:pPr>
+            <a:r>
+              <a:rPr lang="en-US" sz="2000" dirty="0">
+                <a:solidFill>
+                  <a:srgbClr val="0070C0"/>
+                </a:solidFill>
+              </a:rPr>
+              <a:t>Stronger correlation in 2022 than 2015-19 that this factor influences the Happy Score.</a:t>
+            </a:r>
+          </a:p>
+          <a:p>
+            <a:pPr marL="285750" indent="-285750">
+              <a:buFont typeface="Courier New" panose="02070309020205020404" pitchFamily="49" charset="0"/>
+              <a:buChar char="o"/>
+            </a:pPr>
+            <a:r>
+              <a:rPr lang="en-US" sz="2000" dirty="0">
+                <a:solidFill>
+                  <a:srgbClr val="0070C0"/>
+                </a:solidFill>
+              </a:rPr>
+              <a:t>Iceland, Denmark and Finland remained in the top 5 for scoring highest in this factor</a:t>
+            </a:r>
+          </a:p>
+          <a:p>
+            <a:pPr marL="285750" indent="-285750">
+              <a:buFont typeface="Arial" panose="020B0604020202020204" pitchFamily="34" charset="0"/>
+              <a:buChar char="•"/>
+            </a:pPr>
+            <a:endParaRPr lang="en-US" sz="2000" dirty="0"/>
+          </a:p>
+          <a:p>
+            <a:pPr marL="285750" indent="-285750">
+              <a:buFont typeface="Arial" panose="020B0604020202020204" pitchFamily="34" charset="0"/>
+              <a:buChar char="•"/>
+            </a:pPr>
+            <a:endParaRPr lang="en-US" dirty="0"/>
+          </a:p>
+        </p:txBody>
+      </p:sp>
     </p:spTree>
     <p:extLst>
       <p:ext uri="{BB962C8B-B14F-4D97-AF65-F5344CB8AC3E}">
@@ -8313,7 +12783,7 @@
 </p:sld>
 </file>
 
-<file path=ppt/slides/slide6.xml><?xml version="1.0" encoding="utf-8"?>
+<file path=ppt/slides/slide8.xml><?xml version="1.0" encoding="utf-8"?>
 <p:sld xmlns:a="http://schemas.openxmlformats.org/drawingml/2006/main" xmlns:r="http://schemas.openxmlformats.org/officeDocument/2006/relationships" xmlns:p="http://schemas.openxmlformats.org/presentationml/2006/main">
   <p:cSld>
     <p:spTree>
@@ -8590,10 +13060,50 @@
           </a:bodyPr>
           <a:lstStyle/>
           <a:p>
-            <a:endParaRPr lang="en-US" dirty="0"/>
-          </a:p>
-          <a:p>
-            <a:endParaRPr lang="en-US" dirty="0"/>
+            <a:pPr marL="342900" indent="-342900">
+              <a:buFont typeface="Courier New" panose="02070309020205020404" pitchFamily="49" charset="0"/>
+              <a:buChar char="o"/>
+            </a:pPr>
+            <a:r>
+              <a:rPr lang="en-US" sz="2400" b="0" i="0" dirty="0">
+                <a:solidFill>
+                  <a:srgbClr val="1D1C1D"/>
+                </a:solidFill>
+                <a:effectLst/>
+                <a:latin typeface="Slack-Lato"/>
+              </a:rPr>
+              <a:t>Generosity tended to be the lowest scoring factor for each country.</a:t>
+            </a:r>
+          </a:p>
+          <a:p>
+            <a:pPr marL="342900" indent="-342900">
+              <a:buFont typeface="Courier New" panose="02070309020205020404" pitchFamily="49" charset="0"/>
+              <a:buChar char="o"/>
+            </a:pPr>
+            <a:endParaRPr lang="en-US" sz="1000" b="0" i="0" dirty="0">
+              <a:solidFill>
+                <a:srgbClr val="1D1C1D"/>
+              </a:solidFill>
+              <a:effectLst/>
+              <a:latin typeface="Slack-Lato"/>
+            </a:endParaRPr>
+          </a:p>
+          <a:p>
+            <a:pPr marL="342900" indent="-342900">
+              <a:buFont typeface="Courier New" panose="02070309020205020404" pitchFamily="49" charset="0"/>
+              <a:buChar char="o"/>
+            </a:pPr>
+            <a:r>
+              <a:rPr lang="en-US" sz="2400" b="0" i="0" dirty="0">
+                <a:solidFill>
+                  <a:srgbClr val="1D1C1D"/>
+                </a:solidFill>
+                <a:effectLst/>
+                <a:latin typeface="Slack-Lato"/>
+              </a:rPr>
+              <a:t>The Countries at both ends (the happiest and unhappiest) tended to have higher generosity scores than those in the middle</a:t>
+            </a:r>
+            <a:endParaRPr lang="en-US" sz="2400" dirty="0"/>
           </a:p>
         </p:txBody>
       </p:sp>
@@ -8987,7 +13497,7 @@
 </p:sld>
 </file>
 
-<file path=ppt/slides/slide7.xml><?xml version="1.0" encoding="utf-8"?>
+<file path=ppt/slides/slide9.xml><?xml version="1.0" encoding="utf-8"?>
 <p:sld xmlns:a="http://schemas.openxmlformats.org/drawingml/2006/main" xmlns:r="http://schemas.openxmlformats.org/officeDocument/2006/relationships" xmlns:p="http://schemas.openxmlformats.org/presentationml/2006/main">
   <p:cSld>
     <p:spTree>
@@ -9562,6 +14072,13 @@
           <a:prstGeom prst="rect">
             <a:avLst/>
           </a:prstGeom>
+          <a:effectLst>
+            <a:outerShdw blurRad="76200" dir="18900000" sy="23000" kx="-1200000" algn="bl" rotWithShape="0">
+              <a:prstClr val="black">
+                <a:alpha val="20000"/>
+              </a:prstClr>
+            </a:outerShdw>
+          </a:effectLst>
         </p:spPr>
       </p:pic>
       <p:pic>
@@ -9592,6 +14109,13 @@
           <a:prstGeom prst="rect">
             <a:avLst/>
           </a:prstGeom>
+          <a:effectLst>
+            <a:outerShdw blurRad="76200" dir="18900000" sy="23000" kx="-1200000" algn="bl" rotWithShape="0">
+              <a:prstClr val="black">
+                <a:alpha val="20000"/>
+              </a:prstClr>
+            </a:outerShdw>
+          </a:effectLst>
         </p:spPr>
       </p:pic>
       <p:sp>
@@ -9909,1522 +14433,6 @@
     <p:extLst>
       <p:ext uri="{BB962C8B-B14F-4D97-AF65-F5344CB8AC3E}">
         <p14:creationId xmlns:p14="http://schemas.microsoft.com/office/powerpoint/2010/main" val="215086169"/>
-      </p:ext>
-    </p:extLst>
-  </p:cSld>
-  <p:clrMapOvr>
-    <a:masterClrMapping/>
-  </p:clrMapOvr>
-</p:sld>
-</file>
-
-<file path=ppt/slides/slide8.xml><?xml version="1.0" encoding="utf-8"?>
-<p:sld xmlns:a="http://schemas.openxmlformats.org/drawingml/2006/main" xmlns:r="http://schemas.openxmlformats.org/officeDocument/2006/relationships" xmlns:p="http://schemas.openxmlformats.org/presentationml/2006/main">
-  <p:cSld>
-    <p:spTree>
-      <p:nvGrpSpPr>
-        <p:cNvPr id="1" name=""/>
-        <p:cNvGrpSpPr/>
-        <p:nvPr/>
-      </p:nvGrpSpPr>
-      <p:grpSpPr>
-        <a:xfrm>
-          <a:off x="0" y="0"/>
-          <a:ext cx="0" cy="0"/>
-          <a:chOff x="0" y="0"/>
-          <a:chExt cx="0" cy="0"/>
-        </a:xfrm>
-      </p:grpSpPr>
-      <p:sp useBgFill="1">
-        <p:nvSpPr>
-          <p:cNvPr id="1035" name="Rectangle 1034">
-            <a:extLst>
-              <a:ext uri="{FF2B5EF4-FFF2-40B4-BE49-F238E27FC236}">
-                <a16:creationId xmlns:a16="http://schemas.microsoft.com/office/drawing/2014/main" id="{158E38A4-F699-490C-8D1F-E8AD332D9B45}"/>
-              </a:ext>
-              <a:ext uri="{C183D7F6-B498-43B3-948B-1728B52AA6E4}">
-                <adec:decorative xmlns:adec="http://schemas.microsoft.com/office/drawing/2017/decorative" val="1"/>
-              </a:ext>
-            </a:extLst>
-          </p:cNvPr>
-          <p:cNvSpPr>
-            <a:spLocks noGrp="1" noRot="1" noChangeAspect="1" noMove="1" noResize="1" noEditPoints="1" noAdjustHandles="1" noChangeArrowheads="1" noChangeShapeType="1" noTextEdit="1"/>
-          </p:cNvSpPr>
-          <p:nvPr>
-            <p:extLst>
-              <p:ext uri="{386F3935-93C4-4BCD-93E2-E3B085C9AB24}">
-                <p16:designElem xmlns:p16="http://schemas.microsoft.com/office/powerpoint/2015/main" val="1"/>
-              </p:ext>
-            </p:extLst>
-          </p:nvPr>
-        </p:nvSpPr>
-        <p:spPr>
-          <a:xfrm>
-            <a:off x="0" y="0"/>
-            <a:ext cx="12192000" cy="6858000"/>
-          </a:xfrm>
-          <a:prstGeom prst="rect">
-            <a:avLst/>
-          </a:prstGeom>
-          <a:ln w="12700" cap="flat" cmpd="sng" algn="ctr">
-            <a:noFill/>
-            <a:prstDash val="solid"/>
-            <a:miter lim="800000"/>
-          </a:ln>
-          <a:effectLst/>
-        </p:spPr>
-        <p:style>
-          <a:lnRef idx="2">
-            <a:schemeClr val="accent1">
-              <a:shade val="50000"/>
-            </a:schemeClr>
-          </a:lnRef>
-          <a:fillRef idx="1">
-            <a:schemeClr val="accent1"/>
-          </a:fillRef>
-          <a:effectRef idx="0">
-            <a:schemeClr val="accent1"/>
-          </a:effectRef>
-          <a:fontRef idx="minor">
-            <a:schemeClr val="lt1"/>
-          </a:fontRef>
-        </p:style>
-        <p:txBody>
-          <a:bodyPr rtlCol="0" anchor="ctr"/>
-          <a:lstStyle/>
-          <a:p>
-            <a:pPr algn="ctr"/>
-            <a:endParaRPr lang="en-US"/>
-          </a:p>
-        </p:txBody>
-      </p:sp>
-      <p:sp>
-        <p:nvSpPr>
-          <p:cNvPr id="1037" name="Rectangle 1036">
-            <a:extLst>
-              <a:ext uri="{FF2B5EF4-FFF2-40B4-BE49-F238E27FC236}">
-                <a16:creationId xmlns:a16="http://schemas.microsoft.com/office/drawing/2014/main" id="{939C6AAB-48AC-41A3-95C2-6BF83715DF62}"/>
-              </a:ext>
-              <a:ext uri="{C183D7F6-B498-43B3-948B-1728B52AA6E4}">
-                <adec:decorative xmlns:adec="http://schemas.microsoft.com/office/drawing/2017/decorative" val="1"/>
-              </a:ext>
-            </a:extLst>
-          </p:cNvPr>
-          <p:cNvSpPr>
-            <a:spLocks noGrp="1" noRot="1" noChangeAspect="1" noMove="1" noResize="1" noEditPoints="1" noAdjustHandles="1" noChangeArrowheads="1" noChangeShapeType="1" noTextEdit="1"/>
-          </p:cNvSpPr>
-          <p:nvPr>
-            <p:extLst>
-              <p:ext uri="{386F3935-93C4-4BCD-93E2-E3B085C9AB24}">
-                <p16:designElem xmlns:p16="http://schemas.microsoft.com/office/powerpoint/2015/main" val="1"/>
-              </p:ext>
-            </p:extLst>
-          </p:nvPr>
-        </p:nvSpPr>
-        <p:spPr>
-          <a:xfrm>
-            <a:off x="0" y="0"/>
-            <a:ext cx="7620000" cy="6858000"/>
-          </a:xfrm>
-          <a:prstGeom prst="rect">
-            <a:avLst/>
-          </a:prstGeom>
-          <a:solidFill>
-            <a:schemeClr val="bg2"/>
-          </a:solidFill>
-          <a:ln w="12700" cap="flat" cmpd="sng" algn="ctr">
-            <a:noFill/>
-            <a:prstDash val="solid"/>
-            <a:miter lim="800000"/>
-          </a:ln>
-          <a:effectLst/>
-        </p:spPr>
-        <p:style>
-          <a:lnRef idx="2">
-            <a:schemeClr val="accent1">
-              <a:shade val="50000"/>
-            </a:schemeClr>
-          </a:lnRef>
-          <a:fillRef idx="1">
-            <a:schemeClr val="accent1"/>
-          </a:fillRef>
-          <a:effectRef idx="0">
-            <a:schemeClr val="accent1"/>
-          </a:effectRef>
-          <a:fontRef idx="minor">
-            <a:schemeClr val="lt1"/>
-          </a:fontRef>
-        </p:style>
-        <p:txBody>
-          <a:bodyPr rtlCol="0" anchor="ctr"/>
-          <a:lstStyle/>
-          <a:p>
-            <a:pPr algn="ctr"/>
-            <a:endParaRPr lang="en-US"/>
-          </a:p>
-        </p:txBody>
-      </p:sp>
-      <p:sp>
-        <p:nvSpPr>
-          <p:cNvPr id="1039" name="Rectangle 1038">
-            <a:extLst>
-              <a:ext uri="{FF2B5EF4-FFF2-40B4-BE49-F238E27FC236}">
-                <a16:creationId xmlns:a16="http://schemas.microsoft.com/office/drawing/2014/main" id="{F6EE861B-7D2F-4B7C-A6E3-5937E81B8025}"/>
-              </a:ext>
-              <a:ext uri="{C183D7F6-B498-43B3-948B-1728B52AA6E4}">
-                <adec:decorative xmlns:adec="http://schemas.microsoft.com/office/drawing/2017/decorative" val="1"/>
-              </a:ext>
-            </a:extLst>
-          </p:cNvPr>
-          <p:cNvSpPr>
-            <a:spLocks noGrp="1" noRot="1" noChangeAspect="1" noMove="1" noResize="1" noEditPoints="1" noAdjustHandles="1" noChangeArrowheads="1" noChangeShapeType="1" noTextEdit="1"/>
-          </p:cNvSpPr>
-          <p:nvPr>
-            <p:extLst>
-              <p:ext uri="{386F3935-93C4-4BCD-93E2-E3B085C9AB24}">
-                <p16:designElem xmlns:p16="http://schemas.microsoft.com/office/powerpoint/2015/main" val="1"/>
-              </p:ext>
-            </p:extLst>
-          </p:nvPr>
-        </p:nvSpPr>
-        <p:spPr>
-          <a:xfrm>
-            <a:off x="153081" y="159026"/>
-            <a:ext cx="7313839" cy="6542788"/>
-          </a:xfrm>
-          <a:prstGeom prst="rect">
-            <a:avLst/>
-          </a:prstGeom>
-          <a:solidFill>
-            <a:schemeClr val="bg1"/>
-          </a:solidFill>
-          <a:ln>
-            <a:noFill/>
-          </a:ln>
-        </p:spPr>
-        <p:style>
-          <a:lnRef idx="2">
-            <a:schemeClr val="accent1">
-              <a:shade val="50000"/>
-            </a:schemeClr>
-          </a:lnRef>
-          <a:fillRef idx="1">
-            <a:schemeClr val="accent1"/>
-          </a:fillRef>
-          <a:effectRef idx="0">
-            <a:schemeClr val="accent1"/>
-          </a:effectRef>
-          <a:fontRef idx="minor">
-            <a:schemeClr val="lt1"/>
-          </a:fontRef>
-        </p:style>
-        <p:txBody>
-          <a:bodyPr rtlCol="0" anchor="ctr"/>
-          <a:lstStyle/>
-          <a:p>
-            <a:pPr algn="ctr"/>
-            <a:endParaRPr lang="en-US"/>
-          </a:p>
-        </p:txBody>
-      </p:sp>
-      <p:sp>
-        <p:nvSpPr>
-          <p:cNvPr id="2" name="Title 1">
-            <a:extLst>
-              <a:ext uri="{FF2B5EF4-FFF2-40B4-BE49-F238E27FC236}">
-                <a16:creationId xmlns:a16="http://schemas.microsoft.com/office/drawing/2014/main" id="{C0DBDA7B-B84F-0AF7-4FCB-54B36ADB6BE6}"/>
-              </a:ext>
-            </a:extLst>
-          </p:cNvPr>
-          <p:cNvSpPr>
-            <a:spLocks noGrp="1"/>
-          </p:cNvSpPr>
-          <p:nvPr>
-            <p:ph type="title"/>
-          </p:nvPr>
-        </p:nvSpPr>
-        <p:spPr>
-          <a:xfrm>
-            <a:off x="451449" y="723901"/>
-            <a:ext cx="6717102" cy="1288884"/>
-          </a:xfrm>
-        </p:spPr>
-        <p:txBody>
-          <a:bodyPr anchor="b">
-            <a:noAutofit/>
-          </a:bodyPr>
-          <a:lstStyle/>
-          <a:p>
-            <a:pPr algn="ctr"/>
-            <a:r>
-              <a:rPr lang="en-US" sz="4000" dirty="0">
-                <a:solidFill>
-                  <a:srgbClr val="002060"/>
-                </a:solidFill>
-              </a:rPr>
-              <a:t>GDP</a:t>
-            </a:r>
-            <a:br>
-              <a:rPr lang="en-US" sz="4000" dirty="0">
-                <a:solidFill>
-                  <a:srgbClr val="002060"/>
-                </a:solidFill>
-              </a:rPr>
-            </a:br>
-            <a:r>
-              <a:rPr lang="en-US" sz="4000" dirty="0">
-                <a:solidFill>
-                  <a:srgbClr val="002060"/>
-                </a:solidFill>
-              </a:rPr>
-              <a:t>(Gross Domestic Product)</a:t>
-            </a:r>
-          </a:p>
-        </p:txBody>
-      </p:sp>
-      <p:grpSp>
-        <p:nvGrpSpPr>
-          <p:cNvPr id="1041" name="Group 1040">
-            <a:extLst>
-              <a:ext uri="{FF2B5EF4-FFF2-40B4-BE49-F238E27FC236}">
-                <a16:creationId xmlns:a16="http://schemas.microsoft.com/office/drawing/2014/main" id="{073091F1-AA5A-47C6-9502-D5870A72D50C}"/>
-              </a:ext>
-              <a:ext uri="{C183D7F6-B498-43B3-948B-1728B52AA6E4}">
-                <adec:decorative xmlns:adec="http://schemas.microsoft.com/office/drawing/2017/decorative" val="1"/>
-              </a:ext>
-            </a:extLst>
-          </p:cNvPr>
-          <p:cNvGrpSpPr>
-            <a:grpSpLocks noGrp="1" noUngrp="1" noRot="1" noChangeAspect="1" noMove="1" noResize="1"/>
-          </p:cNvGrpSpPr>
-          <p:nvPr>
-            <p:extLst>
-              <p:ext uri="{386F3935-93C4-4BCD-93E2-E3B085C9AB24}">
-                <p16:designElem xmlns:p16="http://schemas.microsoft.com/office/powerpoint/2015/main" val="1"/>
-              </p:ext>
-            </p:extLst>
-          </p:nvPr>
-        </p:nvGrpSpPr>
-        <p:grpSpPr>
-          <a:xfrm>
-            <a:off x="3376258" y="2320171"/>
-            <a:ext cx="867485" cy="115439"/>
-            <a:chOff x="8910933" y="1861308"/>
-            <a:chExt cx="867485" cy="115439"/>
-          </a:xfrm>
-        </p:grpSpPr>
-        <p:sp>
-          <p:nvSpPr>
-            <p:cNvPr id="1042" name="Rectangle 1041">
-              <a:extLst>
-                <a:ext uri="{FF2B5EF4-FFF2-40B4-BE49-F238E27FC236}">
-                  <a16:creationId xmlns:a16="http://schemas.microsoft.com/office/drawing/2014/main" id="{8085C4F7-6E91-4DF6-BB01-A46132BC3587}"/>
-                </a:ext>
-                <a:ext uri="{C183D7F6-B498-43B3-948B-1728B52AA6E4}">
-                  <adec:decorative xmlns:adec="http://schemas.microsoft.com/office/drawing/2017/decorative" val="1"/>
-                </a:ext>
-              </a:extLst>
-            </p:cNvPr>
-            <p:cNvSpPr/>
-            <p:nvPr>
-              <p:extLst>
-                <p:ext uri="{386F3935-93C4-4BCD-93E2-E3B085C9AB24}">
-                  <p16:designElem xmlns:p16="http://schemas.microsoft.com/office/powerpoint/2015/main" val="1"/>
-                </p:ext>
-              </p:extLst>
-            </p:nvPr>
-          </p:nvSpPr>
-          <p:spPr>
-            <a:xfrm rot="18964825" flipH="1">
-              <a:off x="9286956" y="1861308"/>
-              <a:ext cx="115439" cy="115439"/>
-            </a:xfrm>
-            <a:prstGeom prst="rect">
-              <a:avLst/>
-            </a:prstGeom>
-            <a:noFill/>
-            <a:ln w="15875">
-              <a:solidFill>
-                <a:schemeClr val="tx2"/>
-              </a:solidFill>
-            </a:ln>
-          </p:spPr>
-          <p:style>
-            <a:lnRef idx="2">
-              <a:schemeClr val="accent1">
-                <a:shade val="50000"/>
-              </a:schemeClr>
-            </a:lnRef>
-            <a:fillRef idx="1">
-              <a:schemeClr val="accent1"/>
-            </a:fillRef>
-            <a:effectRef idx="0">
-              <a:schemeClr val="accent1"/>
-            </a:effectRef>
-            <a:fontRef idx="minor">
-              <a:schemeClr val="lt1"/>
-            </a:fontRef>
-          </p:style>
-          <p:txBody>
-            <a:bodyPr rtlCol="0" anchor="ctr"/>
-            <a:lstStyle/>
-            <a:p>
-              <a:pPr algn="ctr"/>
-              <a:endParaRPr lang="en-US">
-                <a:solidFill>
-                  <a:schemeClr val="bg1"/>
-                </a:solidFill>
-                <a:effectLst>
-                  <a:outerShdw blurRad="38100" dist="38100" dir="2700000" algn="tl">
-                    <a:srgbClr val="000000">
-                      <a:alpha val="43137"/>
-                    </a:srgbClr>
-                  </a:outerShdw>
-                </a:effectLst>
-              </a:endParaRPr>
-            </a:p>
-          </p:txBody>
-        </p:sp>
-        <p:cxnSp>
-          <p:nvCxnSpPr>
-            <p:cNvPr id="1043" name="Straight Connector 1042">
-              <a:extLst>
-                <a:ext uri="{FF2B5EF4-FFF2-40B4-BE49-F238E27FC236}">
-                  <a16:creationId xmlns:a16="http://schemas.microsoft.com/office/drawing/2014/main" id="{25476588-B9AD-4662-A085-8E4D91493B3F}"/>
-                </a:ext>
-                <a:ext uri="{C183D7F6-B498-43B3-948B-1728B52AA6E4}">
-                  <adec:decorative xmlns:adec="http://schemas.microsoft.com/office/drawing/2017/decorative" val="1"/>
-                </a:ext>
-              </a:extLst>
-            </p:cNvPr>
-            <p:cNvCxnSpPr/>
-            <p:nvPr>
-              <p:extLst>
-                <p:ext uri="{386F3935-93C4-4BCD-93E2-E3B085C9AB24}">
-                  <p16:designElem xmlns:p16="http://schemas.microsoft.com/office/powerpoint/2015/main" val="1"/>
-                </p:ext>
-              </p:extLst>
-            </p:nvPr>
-          </p:nvCxnSpPr>
-          <p:spPr>
-            <a:xfrm>
-              <a:off x="9426289" y="1919027"/>
-              <a:ext cx="352129" cy="0"/>
-            </a:xfrm>
-            <a:prstGeom prst="line">
-              <a:avLst/>
-            </a:prstGeom>
-            <a:ln w="15875">
-              <a:solidFill>
-                <a:schemeClr val="tx2"/>
-              </a:solidFill>
-            </a:ln>
-          </p:spPr>
-          <p:style>
-            <a:lnRef idx="1">
-              <a:schemeClr val="accent1"/>
-            </a:lnRef>
-            <a:fillRef idx="0">
-              <a:schemeClr val="accent1"/>
-            </a:fillRef>
-            <a:effectRef idx="0">
-              <a:schemeClr val="accent1"/>
-            </a:effectRef>
-            <a:fontRef idx="minor">
-              <a:schemeClr val="tx1"/>
-            </a:fontRef>
-          </p:style>
-        </p:cxnSp>
-        <p:cxnSp>
-          <p:nvCxnSpPr>
-            <p:cNvPr id="1044" name="Straight Connector 1043">
-              <a:extLst>
-                <a:ext uri="{FF2B5EF4-FFF2-40B4-BE49-F238E27FC236}">
-                  <a16:creationId xmlns:a16="http://schemas.microsoft.com/office/drawing/2014/main" id="{BCDB34B3-D348-476E-BE7F-1139370F4310}"/>
-                </a:ext>
-                <a:ext uri="{C183D7F6-B498-43B3-948B-1728B52AA6E4}">
-                  <adec:decorative xmlns:adec="http://schemas.microsoft.com/office/drawing/2017/decorative" val="1"/>
-                </a:ext>
-              </a:extLst>
-            </p:cNvPr>
-            <p:cNvCxnSpPr/>
-            <p:nvPr>
-              <p:extLst>
-                <p:ext uri="{386F3935-93C4-4BCD-93E2-E3B085C9AB24}">
-                  <p16:designElem xmlns:p16="http://schemas.microsoft.com/office/powerpoint/2015/main" val="1"/>
-                </p:ext>
-              </p:extLst>
-            </p:nvPr>
-          </p:nvCxnSpPr>
-          <p:spPr>
-            <a:xfrm>
-              <a:off x="8910933" y="1919027"/>
-              <a:ext cx="352129" cy="0"/>
-            </a:xfrm>
-            <a:prstGeom prst="line">
-              <a:avLst/>
-            </a:prstGeom>
-            <a:ln w="15875">
-              <a:solidFill>
-                <a:schemeClr val="tx2"/>
-              </a:solidFill>
-            </a:ln>
-          </p:spPr>
-          <p:style>
-            <a:lnRef idx="1">
-              <a:schemeClr val="accent1"/>
-            </a:lnRef>
-            <a:fillRef idx="0">
-              <a:schemeClr val="accent1"/>
-            </a:fillRef>
-            <a:effectRef idx="0">
-              <a:schemeClr val="accent1"/>
-            </a:effectRef>
-            <a:fontRef idx="minor">
-              <a:schemeClr val="tx1"/>
-            </a:fontRef>
-          </p:style>
-        </p:cxnSp>
-      </p:grpSp>
-      <p:pic>
-        <p:nvPicPr>
-          <p:cNvPr id="3074" name="Picture 2">
-            <a:extLst>
-              <a:ext uri="{FF2B5EF4-FFF2-40B4-BE49-F238E27FC236}">
-                <a16:creationId xmlns:a16="http://schemas.microsoft.com/office/drawing/2014/main" id="{8564374F-617B-692B-C86B-FDA0F07AFCDE}"/>
-              </a:ext>
-            </a:extLst>
-          </p:cNvPr>
-          <p:cNvPicPr>
-            <a:picLocks noChangeAspect="1" noChangeArrowheads="1"/>
-          </p:cNvPicPr>
-          <p:nvPr/>
-        </p:nvPicPr>
-        <p:blipFill>
-          <a:blip r:embed="rId2">
-            <a:extLst>
-              <a:ext uri="{28A0092B-C50C-407E-A947-70E740481C1C}">
-                <a14:useLocalDpi xmlns:a14="http://schemas.microsoft.com/office/drawing/2010/main" val="0"/>
-              </a:ext>
-            </a:extLst>
-          </a:blip>
-          <a:srcRect/>
-          <a:stretch>
-            <a:fillRect/>
-          </a:stretch>
-        </p:blipFill>
-        <p:spPr bwMode="auto">
-          <a:xfrm>
-            <a:off x="7685857" y="337026"/>
-            <a:ext cx="4420406" cy="2946937"/>
-          </a:xfrm>
-          <a:prstGeom prst="rect">
-            <a:avLst/>
-          </a:prstGeom>
-          <a:noFill/>
-          <a:extLst>
-            <a:ext uri="{909E8E84-426E-40DD-AFC4-6F175D3DCCD1}">
-              <a14:hiddenFill xmlns:a14="http://schemas.microsoft.com/office/drawing/2010/main">
-                <a:solidFill>
-                  <a:srgbClr val="FFFFFF"/>
-                </a:solidFill>
-              </a14:hiddenFill>
-            </a:ext>
-          </a:extLst>
-        </p:spPr>
-      </p:pic>
-      <p:pic>
-        <p:nvPicPr>
-          <p:cNvPr id="3076" name="Picture 4">
-            <a:extLst>
-              <a:ext uri="{FF2B5EF4-FFF2-40B4-BE49-F238E27FC236}">
-                <a16:creationId xmlns:a16="http://schemas.microsoft.com/office/drawing/2014/main" id="{BE8CBDD1-414B-CA84-B4F0-637F4242E12F}"/>
-              </a:ext>
-            </a:extLst>
-          </p:cNvPr>
-          <p:cNvPicPr>
-            <a:picLocks noChangeAspect="1" noChangeArrowheads="1"/>
-          </p:cNvPicPr>
-          <p:nvPr/>
-        </p:nvPicPr>
-        <p:blipFill>
-          <a:blip r:embed="rId3">
-            <a:extLst>
-              <a:ext uri="{28A0092B-C50C-407E-A947-70E740481C1C}">
-                <a14:useLocalDpi xmlns:a14="http://schemas.microsoft.com/office/drawing/2010/main" val="0"/>
-              </a:ext>
-            </a:extLst>
-          </a:blip>
-          <a:srcRect/>
-          <a:stretch>
-            <a:fillRect/>
-          </a:stretch>
-        </p:blipFill>
-        <p:spPr bwMode="auto">
-          <a:xfrm>
-            <a:off x="7673009" y="3663488"/>
-            <a:ext cx="4453132" cy="2968754"/>
-          </a:xfrm>
-          <a:prstGeom prst="rect">
-            <a:avLst/>
-          </a:prstGeom>
-          <a:noFill/>
-          <a:extLst>
-            <a:ext uri="{909E8E84-426E-40DD-AFC4-6F175D3DCCD1}">
-              <a14:hiddenFill xmlns:a14="http://schemas.microsoft.com/office/drawing/2010/main">
-                <a:solidFill>
-                  <a:srgbClr val="FFFFFF"/>
-                </a:solidFill>
-              </a14:hiddenFill>
-            </a:ext>
-          </a:extLst>
-        </p:spPr>
-      </p:pic>
-      <p:pic>
-        <p:nvPicPr>
-          <p:cNvPr id="11" name="Picture 10" descr="Table&#10;&#10;Description automatically generated">
-            <a:extLst>
-              <a:ext uri="{FF2B5EF4-FFF2-40B4-BE49-F238E27FC236}">
-                <a16:creationId xmlns:a16="http://schemas.microsoft.com/office/drawing/2014/main" id="{97298434-2DF1-3321-B654-01328C05174E}"/>
-              </a:ext>
-            </a:extLst>
-          </p:cNvPr>
-          <p:cNvPicPr>
-            <a:picLocks noChangeAspect="1"/>
-          </p:cNvPicPr>
-          <p:nvPr/>
-        </p:nvPicPr>
-        <p:blipFill>
-          <a:blip r:embed="rId4"/>
-          <a:stretch>
-            <a:fillRect/>
-          </a:stretch>
-        </p:blipFill>
-        <p:spPr>
-          <a:xfrm>
-            <a:off x="586539" y="2486196"/>
-            <a:ext cx="3946627" cy="1859625"/>
-          </a:xfrm>
-          <a:prstGeom prst="rect">
-            <a:avLst/>
-          </a:prstGeom>
-        </p:spPr>
-      </p:pic>
-      <p:pic>
-        <p:nvPicPr>
-          <p:cNvPr id="12" name="Picture 11" descr="Table&#10;&#10;Description automatically generated">
-            <a:extLst>
-              <a:ext uri="{FF2B5EF4-FFF2-40B4-BE49-F238E27FC236}">
-                <a16:creationId xmlns:a16="http://schemas.microsoft.com/office/drawing/2014/main" id="{B5DDD888-F2CC-903F-354A-9474AC824B0B}"/>
-              </a:ext>
-            </a:extLst>
-          </p:cNvPr>
-          <p:cNvPicPr>
-            <a:picLocks noChangeAspect="1"/>
-          </p:cNvPicPr>
-          <p:nvPr/>
-        </p:nvPicPr>
-        <p:blipFill>
-          <a:blip r:embed="rId5"/>
-          <a:stretch>
-            <a:fillRect/>
-          </a:stretch>
-        </p:blipFill>
-        <p:spPr>
-          <a:xfrm>
-            <a:off x="586539" y="4390928"/>
-            <a:ext cx="3946627" cy="1682787"/>
-          </a:xfrm>
-          <a:prstGeom prst="rect">
-            <a:avLst/>
-          </a:prstGeom>
-        </p:spPr>
-      </p:pic>
-      <p:sp>
-        <p:nvSpPr>
-          <p:cNvPr id="13" name="Rectangle 10">
-            <a:extLst>
-              <a:ext uri="{FF2B5EF4-FFF2-40B4-BE49-F238E27FC236}">
-                <a16:creationId xmlns:a16="http://schemas.microsoft.com/office/drawing/2014/main" id="{3DC4CC90-D6D2-F586-5AC2-06F0885D988B}"/>
-              </a:ext>
-            </a:extLst>
-          </p:cNvPr>
-          <p:cNvSpPr>
-            <a:spLocks noChangeArrowheads="1"/>
-          </p:cNvSpPr>
-          <p:nvPr/>
-        </p:nvSpPr>
-        <p:spPr bwMode="auto">
-          <a:xfrm>
-            <a:off x="4744651" y="3472130"/>
-            <a:ext cx="2141403" cy="153888"/>
-          </a:xfrm>
-          <a:prstGeom prst="rect">
-            <a:avLst/>
-          </a:prstGeom>
-          <a:solidFill>
-            <a:srgbClr val="FFFFFF"/>
-          </a:solidFill>
-          <a:ln>
-            <a:noFill/>
-          </a:ln>
-          <a:effectLst/>
-          <a:extLst>
-            <a:ext uri="{91240B29-F687-4F45-9708-019B960494DF}">
-              <a14:hiddenLine xmlns:a14="http://schemas.microsoft.com/office/drawing/2010/main" w="9525">
-                <a:solidFill>
-                  <a:schemeClr val="tx1"/>
-                </a:solidFill>
-                <a:miter lim="800000"/>
-                <a:headEnd/>
-                <a:tailEnd/>
-              </a14:hiddenLine>
-            </a:ext>
-            <a:ext uri="{AF507438-7753-43E0-B8FC-AC1667EBCBE1}">
-              <a14:hiddenEffects xmlns:a14="http://schemas.microsoft.com/office/drawing/2010/main">
-                <a:effectLst>
-                  <a:outerShdw dist="35921" dir="2700000" algn="ctr" rotWithShape="0">
-                    <a:schemeClr val="bg2"/>
-                  </a:outerShdw>
-                </a:effectLst>
-              </a14:hiddenEffects>
-            </a:ext>
-          </a:extLst>
-        </p:spPr>
-        <p:txBody>
-          <a:bodyPr vert="horz" wrap="square" lIns="0" tIns="0" rIns="0" bIns="0" numCol="1" anchor="ctr" anchorCtr="0" compatLnSpc="1">
-            <a:prstTxWarp prst="textNoShape">
-              <a:avLst/>
-            </a:prstTxWarp>
-            <a:spAutoFit/>
-          </a:bodyPr>
-          <a:lstStyle/>
-          <a:p>
-            <a:pPr marL="0" marR="0" lvl="0" indent="0" algn="l" defTabSz="914400" rtl="0" eaLnBrk="0" fontAlgn="base" latinLnBrk="0" hangingPunct="0">
-              <a:lnSpc>
-                <a:spcPct val="100000"/>
-              </a:lnSpc>
-              <a:spcBef>
-                <a:spcPct val="0"/>
-              </a:spcBef>
-              <a:spcAft>
-                <a:spcPct val="0"/>
-              </a:spcAft>
-              <a:buClrTx/>
-              <a:buSzTx/>
-              <a:buFontTx/>
-              <a:buNone/>
-              <a:tabLst/>
-            </a:pPr>
-            <a:r>
-              <a:rPr kumimoji="0" lang="en-US" altLang="en-US" sz="1000" b="0" i="0" u="none" strike="noStrike" cap="none" normalizeH="0" baseline="0" dirty="0">
-                <a:ln>
-                  <a:noFill/>
-                </a:ln>
-                <a:solidFill>
-                  <a:srgbClr val="000000"/>
-                </a:solidFill>
-                <a:effectLst/>
-                <a:latin typeface="Arial Unicode MS"/>
-                <a:ea typeface="Times New Roman" panose="02020603050405020304" pitchFamily="18" charset="0"/>
-                <a:cs typeface="Courier New" panose="02070309020205020404" pitchFamily="49" charset="0"/>
-              </a:rPr>
-              <a:t>The r-value is: 0.6542597754829528</a:t>
-            </a:r>
-            <a:r>
-              <a:rPr kumimoji="0" lang="en-US" altLang="en-US" sz="800" b="0" i="0" u="none" strike="noStrike" cap="none" normalizeH="0" baseline="0" dirty="0">
-                <a:ln>
-                  <a:noFill/>
-                </a:ln>
-                <a:solidFill>
-                  <a:schemeClr val="tx1"/>
-                </a:solidFill>
-                <a:effectLst/>
-              </a:rPr>
-              <a:t> </a:t>
-            </a:r>
-            <a:endParaRPr kumimoji="0" lang="en-US" altLang="en-US" sz="1800" b="0" i="0" u="none" strike="noStrike" cap="none" normalizeH="0" baseline="0" dirty="0">
-              <a:ln>
-                <a:noFill/>
-              </a:ln>
-              <a:solidFill>
-                <a:schemeClr val="tx1"/>
-              </a:solidFill>
-              <a:effectLst/>
-              <a:latin typeface="Arial" panose="020B0604020202020204" pitchFamily="34" charset="0"/>
-            </a:endParaRPr>
-          </a:p>
-        </p:txBody>
-      </p:sp>
-      <p:sp>
-        <p:nvSpPr>
-          <p:cNvPr id="14" name="Rectangle 11">
-            <a:extLst>
-              <a:ext uri="{FF2B5EF4-FFF2-40B4-BE49-F238E27FC236}">
-                <a16:creationId xmlns:a16="http://schemas.microsoft.com/office/drawing/2014/main" id="{2BE376B2-EFD1-1750-1548-425F7C0CDE1A}"/>
-              </a:ext>
-            </a:extLst>
-          </p:cNvPr>
-          <p:cNvSpPr>
-            <a:spLocks noChangeArrowheads="1"/>
-          </p:cNvSpPr>
-          <p:nvPr/>
-        </p:nvSpPr>
-        <p:spPr bwMode="auto">
-          <a:xfrm>
-            <a:off x="4753277" y="5234708"/>
-            <a:ext cx="2023353" cy="153888"/>
-          </a:xfrm>
-          <a:prstGeom prst="rect">
-            <a:avLst/>
-          </a:prstGeom>
-          <a:solidFill>
-            <a:srgbClr val="FFFFFF"/>
-          </a:solidFill>
-          <a:ln>
-            <a:noFill/>
-          </a:ln>
-          <a:effectLst/>
-          <a:extLst>
-            <a:ext uri="{91240B29-F687-4F45-9708-019B960494DF}">
-              <a14:hiddenLine xmlns:a14="http://schemas.microsoft.com/office/drawing/2010/main" w="9525">
-                <a:solidFill>
-                  <a:schemeClr val="tx1"/>
-                </a:solidFill>
-                <a:miter lim="800000"/>
-                <a:headEnd/>
-                <a:tailEnd/>
-              </a14:hiddenLine>
-            </a:ext>
-            <a:ext uri="{AF507438-7753-43E0-B8FC-AC1667EBCBE1}">
-              <a14:hiddenEffects xmlns:a14="http://schemas.microsoft.com/office/drawing/2010/main">
-                <a:effectLst>
-                  <a:outerShdw dist="35921" dir="2700000" algn="ctr" rotWithShape="0">
-                    <a:schemeClr val="bg2"/>
-                  </a:outerShdw>
-                </a:effectLst>
-              </a14:hiddenEffects>
-            </a:ext>
-          </a:extLst>
-        </p:spPr>
-        <p:txBody>
-          <a:bodyPr vert="horz" wrap="square" lIns="0" tIns="0" rIns="0" bIns="0" numCol="1" anchor="ctr" anchorCtr="0" compatLnSpc="1">
-            <a:prstTxWarp prst="textNoShape">
-              <a:avLst/>
-            </a:prstTxWarp>
-            <a:spAutoFit/>
-          </a:bodyPr>
-          <a:lstStyle/>
-          <a:p>
-            <a:pPr marL="0" marR="0" lvl="0" indent="0" algn="l" defTabSz="914400" rtl="0" eaLnBrk="0" fontAlgn="base" latinLnBrk="0" hangingPunct="0">
-              <a:lnSpc>
-                <a:spcPct val="100000"/>
-              </a:lnSpc>
-              <a:spcBef>
-                <a:spcPct val="0"/>
-              </a:spcBef>
-              <a:spcAft>
-                <a:spcPct val="0"/>
-              </a:spcAft>
-              <a:buClrTx/>
-              <a:buSzTx/>
-              <a:buFontTx/>
-              <a:buNone/>
-              <a:tabLst/>
-            </a:pPr>
-            <a:r>
-              <a:rPr kumimoji="0" lang="en-US" altLang="en-US" sz="1000" b="0" i="0" u="none" strike="noStrike" cap="none" normalizeH="0" baseline="0" dirty="0">
-                <a:ln>
-                  <a:noFill/>
-                </a:ln>
-                <a:solidFill>
-                  <a:srgbClr val="000000"/>
-                </a:solidFill>
-                <a:effectLst/>
-                <a:latin typeface="Arial Unicode MS"/>
-                <a:ea typeface="Times New Roman" panose="02020603050405020304" pitchFamily="18" charset="0"/>
-                <a:cs typeface="Courier New" panose="02070309020205020404" pitchFamily="49" charset="0"/>
-              </a:rPr>
-              <a:t>The r-value is: 0.614400820625597</a:t>
-            </a:r>
-            <a:r>
-              <a:rPr kumimoji="0" lang="en-US" altLang="en-US" sz="800" b="0" i="0" u="none" strike="noStrike" cap="none" normalizeH="0" baseline="0" dirty="0">
-                <a:ln>
-                  <a:noFill/>
-                </a:ln>
-                <a:solidFill>
-                  <a:schemeClr val="tx1"/>
-                </a:solidFill>
-                <a:effectLst/>
-              </a:rPr>
-              <a:t> </a:t>
-            </a:r>
-            <a:endParaRPr kumimoji="0" lang="en-US" altLang="en-US" sz="1800" b="0" i="0" u="none" strike="noStrike" cap="none" normalizeH="0" baseline="0" dirty="0">
-              <a:ln>
-                <a:noFill/>
-              </a:ln>
-              <a:solidFill>
-                <a:schemeClr val="tx1"/>
-              </a:solidFill>
-              <a:effectLst/>
-              <a:latin typeface="Arial" panose="020B0604020202020204" pitchFamily="34" charset="0"/>
-            </a:endParaRPr>
-          </a:p>
-        </p:txBody>
-      </p:sp>
-      <p:grpSp>
-        <p:nvGrpSpPr>
-          <p:cNvPr id="17" name="Group 16">
-            <a:extLst>
-              <a:ext uri="{FF2B5EF4-FFF2-40B4-BE49-F238E27FC236}">
-                <a16:creationId xmlns:a16="http://schemas.microsoft.com/office/drawing/2014/main" id="{CAB6CCE1-2BF3-C034-2FAD-231017ABE768}"/>
-              </a:ext>
-            </a:extLst>
-          </p:cNvPr>
-          <p:cNvGrpSpPr/>
-          <p:nvPr/>
-        </p:nvGrpSpPr>
-        <p:grpSpPr>
-          <a:xfrm>
-            <a:off x="153079" y="165266"/>
-            <a:ext cx="7313840" cy="6530735"/>
-            <a:chOff x="153079" y="165266"/>
-            <a:chExt cx="7313840" cy="6530735"/>
-          </a:xfrm>
-        </p:grpSpPr>
-        <p:pic>
-          <p:nvPicPr>
-            <p:cNvPr id="18" name="Picture 17">
-              <a:extLst>
-                <a:ext uri="{FF2B5EF4-FFF2-40B4-BE49-F238E27FC236}">
-                  <a16:creationId xmlns:a16="http://schemas.microsoft.com/office/drawing/2014/main" id="{46CB999B-25A7-C445-FC75-3D3E48551BFE}"/>
-                </a:ext>
-              </a:extLst>
-            </p:cNvPr>
-            <p:cNvPicPr>
-              <a:picLocks noChangeAspect="1"/>
-            </p:cNvPicPr>
-            <p:nvPr/>
-          </p:nvPicPr>
-          <p:blipFill rotWithShape="1">
-            <a:blip r:embed="rId6"/>
-            <a:srcRect b="1747"/>
-            <a:stretch/>
-          </p:blipFill>
-          <p:spPr>
-            <a:xfrm>
-              <a:off x="153080" y="165266"/>
-              <a:ext cx="7313839" cy="466566"/>
-            </a:xfrm>
-            <a:prstGeom prst="rect">
-              <a:avLst/>
-            </a:prstGeom>
-          </p:spPr>
-        </p:pic>
-        <p:pic>
-          <p:nvPicPr>
-            <p:cNvPr id="19" name="Picture 18">
-              <a:extLst>
-                <a:ext uri="{FF2B5EF4-FFF2-40B4-BE49-F238E27FC236}">
-                  <a16:creationId xmlns:a16="http://schemas.microsoft.com/office/drawing/2014/main" id="{93731B2B-5AD2-083A-E24B-B5408084E55C}"/>
-                </a:ext>
-              </a:extLst>
-            </p:cNvPr>
-            <p:cNvPicPr>
-              <a:picLocks noChangeAspect="1"/>
-            </p:cNvPicPr>
-            <p:nvPr/>
-          </p:nvPicPr>
-          <p:blipFill rotWithShape="1">
-            <a:blip r:embed="rId6"/>
-            <a:srcRect b="1747"/>
-            <a:stretch/>
-          </p:blipFill>
-          <p:spPr>
-            <a:xfrm rot="10800000">
-              <a:off x="153079" y="6200572"/>
-              <a:ext cx="7313838" cy="495429"/>
-            </a:xfrm>
-            <a:prstGeom prst="rect">
-              <a:avLst/>
-            </a:prstGeom>
-          </p:spPr>
-        </p:pic>
-      </p:grpSp>
-    </p:spTree>
-    <p:extLst>
-      <p:ext uri="{BB962C8B-B14F-4D97-AF65-F5344CB8AC3E}">
-        <p14:creationId xmlns:p14="http://schemas.microsoft.com/office/powerpoint/2010/main" val="425930375"/>
-      </p:ext>
-    </p:extLst>
-  </p:cSld>
-  <p:clrMapOvr>
-    <a:masterClrMapping/>
-  </p:clrMapOvr>
-</p:sld>
-</file>
-
-<file path=ppt/slides/slide9.xml><?xml version="1.0" encoding="utf-8"?>
-<p:sld xmlns:a="http://schemas.openxmlformats.org/drawingml/2006/main" xmlns:r="http://schemas.openxmlformats.org/officeDocument/2006/relationships" xmlns:p="http://schemas.openxmlformats.org/presentationml/2006/main">
-  <p:cSld>
-    <p:spTree>
-      <p:nvGrpSpPr>
-        <p:cNvPr id="1" name=""/>
-        <p:cNvGrpSpPr/>
-        <p:nvPr/>
-      </p:nvGrpSpPr>
-      <p:grpSpPr>
-        <a:xfrm>
-          <a:off x="0" y="0"/>
-          <a:ext cx="0" cy="0"/>
-          <a:chOff x="0" y="0"/>
-          <a:chExt cx="0" cy="0"/>
-        </a:xfrm>
-      </p:grpSpPr>
-      <p:sp useBgFill="1">
-        <p:nvSpPr>
-          <p:cNvPr id="1035" name="Rectangle 1034">
-            <a:extLst>
-              <a:ext uri="{FF2B5EF4-FFF2-40B4-BE49-F238E27FC236}">
-                <a16:creationId xmlns:a16="http://schemas.microsoft.com/office/drawing/2014/main" id="{158E38A4-F699-490C-8D1F-E8AD332D9B45}"/>
-              </a:ext>
-              <a:ext uri="{C183D7F6-B498-43B3-948B-1728B52AA6E4}">
-                <adec:decorative xmlns:adec="http://schemas.microsoft.com/office/drawing/2017/decorative" val="1"/>
-              </a:ext>
-            </a:extLst>
-          </p:cNvPr>
-          <p:cNvSpPr>
-            <a:spLocks noGrp="1" noRot="1" noChangeAspect="1" noMove="1" noResize="1" noEditPoints="1" noAdjustHandles="1" noChangeArrowheads="1" noChangeShapeType="1" noTextEdit="1"/>
-          </p:cNvSpPr>
-          <p:nvPr>
-            <p:extLst>
-              <p:ext uri="{386F3935-93C4-4BCD-93E2-E3B085C9AB24}">
-                <p16:designElem xmlns:p16="http://schemas.microsoft.com/office/powerpoint/2015/main" val="1"/>
-              </p:ext>
-            </p:extLst>
-          </p:nvPr>
-        </p:nvSpPr>
-        <p:spPr>
-          <a:xfrm>
-            <a:off x="0" y="0"/>
-            <a:ext cx="12192000" cy="6858000"/>
-          </a:xfrm>
-          <a:prstGeom prst="rect">
-            <a:avLst/>
-          </a:prstGeom>
-          <a:ln w="12700" cap="flat" cmpd="sng" algn="ctr">
-            <a:noFill/>
-            <a:prstDash val="solid"/>
-            <a:miter lim="800000"/>
-          </a:ln>
-          <a:effectLst/>
-        </p:spPr>
-        <p:style>
-          <a:lnRef idx="2">
-            <a:schemeClr val="accent1">
-              <a:shade val="50000"/>
-            </a:schemeClr>
-          </a:lnRef>
-          <a:fillRef idx="1">
-            <a:schemeClr val="accent1"/>
-          </a:fillRef>
-          <a:effectRef idx="0">
-            <a:schemeClr val="accent1"/>
-          </a:effectRef>
-          <a:fontRef idx="minor">
-            <a:schemeClr val="lt1"/>
-          </a:fontRef>
-        </p:style>
-        <p:txBody>
-          <a:bodyPr rtlCol="0" anchor="ctr"/>
-          <a:lstStyle/>
-          <a:p>
-            <a:pPr algn="ctr"/>
-            <a:endParaRPr lang="en-US"/>
-          </a:p>
-        </p:txBody>
-      </p:sp>
-      <p:sp>
-        <p:nvSpPr>
-          <p:cNvPr id="1037" name="Rectangle 1036">
-            <a:extLst>
-              <a:ext uri="{FF2B5EF4-FFF2-40B4-BE49-F238E27FC236}">
-                <a16:creationId xmlns:a16="http://schemas.microsoft.com/office/drawing/2014/main" id="{939C6AAB-48AC-41A3-95C2-6BF83715DF62}"/>
-              </a:ext>
-              <a:ext uri="{C183D7F6-B498-43B3-948B-1728B52AA6E4}">
-                <adec:decorative xmlns:adec="http://schemas.microsoft.com/office/drawing/2017/decorative" val="1"/>
-              </a:ext>
-            </a:extLst>
-          </p:cNvPr>
-          <p:cNvSpPr>
-            <a:spLocks noGrp="1" noRot="1" noChangeAspect="1" noMove="1" noResize="1" noEditPoints="1" noAdjustHandles="1" noChangeArrowheads="1" noChangeShapeType="1" noTextEdit="1"/>
-          </p:cNvSpPr>
-          <p:nvPr>
-            <p:extLst>
-              <p:ext uri="{386F3935-93C4-4BCD-93E2-E3B085C9AB24}">
-                <p16:designElem xmlns:p16="http://schemas.microsoft.com/office/powerpoint/2015/main" val="1"/>
-              </p:ext>
-            </p:extLst>
-          </p:nvPr>
-        </p:nvSpPr>
-        <p:spPr>
-          <a:xfrm>
-            <a:off x="0" y="0"/>
-            <a:ext cx="7620000" cy="6858000"/>
-          </a:xfrm>
-          <a:prstGeom prst="rect">
-            <a:avLst/>
-          </a:prstGeom>
-          <a:solidFill>
-            <a:schemeClr val="bg2"/>
-          </a:solidFill>
-          <a:ln w="12700" cap="flat" cmpd="sng" algn="ctr">
-            <a:noFill/>
-            <a:prstDash val="solid"/>
-            <a:miter lim="800000"/>
-          </a:ln>
-          <a:effectLst/>
-        </p:spPr>
-        <p:style>
-          <a:lnRef idx="2">
-            <a:schemeClr val="accent1">
-              <a:shade val="50000"/>
-            </a:schemeClr>
-          </a:lnRef>
-          <a:fillRef idx="1">
-            <a:schemeClr val="accent1"/>
-          </a:fillRef>
-          <a:effectRef idx="0">
-            <a:schemeClr val="accent1"/>
-          </a:effectRef>
-          <a:fontRef idx="minor">
-            <a:schemeClr val="lt1"/>
-          </a:fontRef>
-        </p:style>
-        <p:txBody>
-          <a:bodyPr rtlCol="0" anchor="ctr"/>
-          <a:lstStyle/>
-          <a:p>
-            <a:pPr algn="ctr"/>
-            <a:endParaRPr lang="en-US"/>
-          </a:p>
-        </p:txBody>
-      </p:sp>
-      <p:sp>
-        <p:nvSpPr>
-          <p:cNvPr id="1039" name="Rectangle 1038">
-            <a:extLst>
-              <a:ext uri="{FF2B5EF4-FFF2-40B4-BE49-F238E27FC236}">
-                <a16:creationId xmlns:a16="http://schemas.microsoft.com/office/drawing/2014/main" id="{F6EE861B-7D2F-4B7C-A6E3-5937E81B8025}"/>
-              </a:ext>
-              <a:ext uri="{C183D7F6-B498-43B3-948B-1728B52AA6E4}">
-                <adec:decorative xmlns:adec="http://schemas.microsoft.com/office/drawing/2017/decorative" val="1"/>
-              </a:ext>
-            </a:extLst>
-          </p:cNvPr>
-          <p:cNvSpPr>
-            <a:spLocks noGrp="1" noRot="1" noChangeAspect="1" noMove="1" noResize="1" noEditPoints="1" noAdjustHandles="1" noChangeArrowheads="1" noChangeShapeType="1" noTextEdit="1"/>
-          </p:cNvSpPr>
-          <p:nvPr>
-            <p:extLst>
-              <p:ext uri="{386F3935-93C4-4BCD-93E2-E3B085C9AB24}">
-                <p16:designElem xmlns:p16="http://schemas.microsoft.com/office/powerpoint/2015/main" val="1"/>
-              </p:ext>
-            </p:extLst>
-          </p:nvPr>
-        </p:nvSpPr>
-        <p:spPr>
-          <a:xfrm>
-            <a:off x="153081" y="159026"/>
-            <a:ext cx="7313839" cy="6542788"/>
-          </a:xfrm>
-          <a:prstGeom prst="rect">
-            <a:avLst/>
-          </a:prstGeom>
-          <a:solidFill>
-            <a:schemeClr val="bg1"/>
-          </a:solidFill>
-          <a:ln>
-            <a:noFill/>
-          </a:ln>
-        </p:spPr>
-        <p:style>
-          <a:lnRef idx="2">
-            <a:schemeClr val="accent1">
-              <a:shade val="50000"/>
-            </a:schemeClr>
-          </a:lnRef>
-          <a:fillRef idx="1">
-            <a:schemeClr val="accent1"/>
-          </a:fillRef>
-          <a:effectRef idx="0">
-            <a:schemeClr val="accent1"/>
-          </a:effectRef>
-          <a:fontRef idx="minor">
-            <a:schemeClr val="lt1"/>
-          </a:fontRef>
-        </p:style>
-        <p:txBody>
-          <a:bodyPr rtlCol="0" anchor="ctr"/>
-          <a:lstStyle/>
-          <a:p>
-            <a:pPr algn="ctr"/>
-            <a:endParaRPr lang="en-US"/>
-          </a:p>
-        </p:txBody>
-      </p:sp>
-      <p:sp>
-        <p:nvSpPr>
-          <p:cNvPr id="2" name="Title 1">
-            <a:extLst>
-              <a:ext uri="{FF2B5EF4-FFF2-40B4-BE49-F238E27FC236}">
-                <a16:creationId xmlns:a16="http://schemas.microsoft.com/office/drawing/2014/main" id="{C0DBDA7B-B84F-0AF7-4FCB-54B36ADB6BE6}"/>
-              </a:ext>
-            </a:extLst>
-          </p:cNvPr>
-          <p:cNvSpPr>
-            <a:spLocks noGrp="1"/>
-          </p:cNvSpPr>
-          <p:nvPr>
-            <p:ph type="title"/>
-          </p:nvPr>
-        </p:nvSpPr>
-        <p:spPr>
-          <a:xfrm>
-            <a:off x="416943" y="723901"/>
-            <a:ext cx="6786114" cy="1288884"/>
-          </a:xfrm>
-        </p:spPr>
-        <p:txBody>
-          <a:bodyPr anchor="b">
-            <a:noAutofit/>
-          </a:bodyPr>
-          <a:lstStyle/>
-          <a:p>
-            <a:pPr algn="ctr"/>
-            <a:r>
-              <a:rPr lang="en-US" sz="4000" dirty="0">
-                <a:solidFill>
-                  <a:srgbClr val="002060"/>
-                </a:solidFill>
-              </a:rPr>
-              <a:t>Top 5 places to retire today</a:t>
-            </a:r>
-          </a:p>
-        </p:txBody>
-      </p:sp>
-      <p:grpSp>
-        <p:nvGrpSpPr>
-          <p:cNvPr id="1041" name="Group 1040">
-            <a:extLst>
-              <a:ext uri="{FF2B5EF4-FFF2-40B4-BE49-F238E27FC236}">
-                <a16:creationId xmlns:a16="http://schemas.microsoft.com/office/drawing/2014/main" id="{073091F1-AA5A-47C6-9502-D5870A72D50C}"/>
-              </a:ext>
-              <a:ext uri="{C183D7F6-B498-43B3-948B-1728B52AA6E4}">
-                <adec:decorative xmlns:adec="http://schemas.microsoft.com/office/drawing/2017/decorative" val="1"/>
-              </a:ext>
-            </a:extLst>
-          </p:cNvPr>
-          <p:cNvGrpSpPr>
-            <a:grpSpLocks noGrp="1" noUngrp="1" noRot="1" noChangeAspect="1" noMove="1" noResize="1"/>
-          </p:cNvGrpSpPr>
-          <p:nvPr>
-            <p:extLst>
-              <p:ext uri="{386F3935-93C4-4BCD-93E2-E3B085C9AB24}">
-                <p16:designElem xmlns:p16="http://schemas.microsoft.com/office/powerpoint/2015/main" val="1"/>
-              </p:ext>
-            </p:extLst>
-          </p:nvPr>
-        </p:nvGrpSpPr>
-        <p:grpSpPr>
-          <a:xfrm>
-            <a:off x="3376258" y="2320171"/>
-            <a:ext cx="867485" cy="115439"/>
-            <a:chOff x="8910933" y="1861308"/>
-            <a:chExt cx="867485" cy="115439"/>
-          </a:xfrm>
-        </p:grpSpPr>
-        <p:sp>
-          <p:nvSpPr>
-            <p:cNvPr id="1042" name="Rectangle 1041">
-              <a:extLst>
-                <a:ext uri="{FF2B5EF4-FFF2-40B4-BE49-F238E27FC236}">
-                  <a16:creationId xmlns:a16="http://schemas.microsoft.com/office/drawing/2014/main" id="{8085C4F7-6E91-4DF6-BB01-A46132BC3587}"/>
-                </a:ext>
-                <a:ext uri="{C183D7F6-B498-43B3-948B-1728B52AA6E4}">
-                  <adec:decorative xmlns:adec="http://schemas.microsoft.com/office/drawing/2017/decorative" val="1"/>
-                </a:ext>
-              </a:extLst>
-            </p:cNvPr>
-            <p:cNvSpPr/>
-            <p:nvPr>
-              <p:extLst>
-                <p:ext uri="{386F3935-93C4-4BCD-93E2-E3B085C9AB24}">
-                  <p16:designElem xmlns:p16="http://schemas.microsoft.com/office/powerpoint/2015/main" val="1"/>
-                </p:ext>
-              </p:extLst>
-            </p:nvPr>
-          </p:nvSpPr>
-          <p:spPr>
-            <a:xfrm rot="18964825" flipH="1">
-              <a:off x="9286956" y="1861308"/>
-              <a:ext cx="115439" cy="115439"/>
-            </a:xfrm>
-            <a:prstGeom prst="rect">
-              <a:avLst/>
-            </a:prstGeom>
-            <a:noFill/>
-            <a:ln w="15875">
-              <a:solidFill>
-                <a:schemeClr val="tx2"/>
-              </a:solidFill>
-            </a:ln>
-          </p:spPr>
-          <p:style>
-            <a:lnRef idx="2">
-              <a:schemeClr val="accent1">
-                <a:shade val="50000"/>
-              </a:schemeClr>
-            </a:lnRef>
-            <a:fillRef idx="1">
-              <a:schemeClr val="accent1"/>
-            </a:fillRef>
-            <a:effectRef idx="0">
-              <a:schemeClr val="accent1"/>
-            </a:effectRef>
-            <a:fontRef idx="minor">
-              <a:schemeClr val="lt1"/>
-            </a:fontRef>
-          </p:style>
-          <p:txBody>
-            <a:bodyPr rtlCol="0" anchor="ctr"/>
-            <a:lstStyle/>
-            <a:p>
-              <a:pPr algn="ctr"/>
-              <a:endParaRPr lang="en-US">
-                <a:solidFill>
-                  <a:schemeClr val="bg1"/>
-                </a:solidFill>
-                <a:effectLst>
-                  <a:outerShdw blurRad="38100" dist="38100" dir="2700000" algn="tl">
-                    <a:srgbClr val="000000">
-                      <a:alpha val="43137"/>
-                    </a:srgbClr>
-                  </a:outerShdw>
-                </a:effectLst>
-              </a:endParaRPr>
-            </a:p>
-          </p:txBody>
-        </p:sp>
-        <p:cxnSp>
-          <p:nvCxnSpPr>
-            <p:cNvPr id="1043" name="Straight Connector 1042">
-              <a:extLst>
-                <a:ext uri="{FF2B5EF4-FFF2-40B4-BE49-F238E27FC236}">
-                  <a16:creationId xmlns:a16="http://schemas.microsoft.com/office/drawing/2014/main" id="{25476588-B9AD-4662-A085-8E4D91493B3F}"/>
-                </a:ext>
-                <a:ext uri="{C183D7F6-B498-43B3-948B-1728B52AA6E4}">
-                  <adec:decorative xmlns:adec="http://schemas.microsoft.com/office/drawing/2017/decorative" val="1"/>
-                </a:ext>
-              </a:extLst>
-            </p:cNvPr>
-            <p:cNvCxnSpPr/>
-            <p:nvPr>
-              <p:extLst>
-                <p:ext uri="{386F3935-93C4-4BCD-93E2-E3B085C9AB24}">
-                  <p16:designElem xmlns:p16="http://schemas.microsoft.com/office/powerpoint/2015/main" val="1"/>
-                </p:ext>
-              </p:extLst>
-            </p:nvPr>
-          </p:nvCxnSpPr>
-          <p:spPr>
-            <a:xfrm>
-              <a:off x="9426289" y="1919027"/>
-              <a:ext cx="352129" cy="0"/>
-            </a:xfrm>
-            <a:prstGeom prst="line">
-              <a:avLst/>
-            </a:prstGeom>
-            <a:ln w="15875">
-              <a:solidFill>
-                <a:schemeClr val="tx2"/>
-              </a:solidFill>
-            </a:ln>
-          </p:spPr>
-          <p:style>
-            <a:lnRef idx="1">
-              <a:schemeClr val="accent1"/>
-            </a:lnRef>
-            <a:fillRef idx="0">
-              <a:schemeClr val="accent1"/>
-            </a:fillRef>
-            <a:effectRef idx="0">
-              <a:schemeClr val="accent1"/>
-            </a:effectRef>
-            <a:fontRef idx="minor">
-              <a:schemeClr val="tx1"/>
-            </a:fontRef>
-          </p:style>
-        </p:cxnSp>
-        <p:cxnSp>
-          <p:nvCxnSpPr>
-            <p:cNvPr id="1044" name="Straight Connector 1043">
-              <a:extLst>
-                <a:ext uri="{FF2B5EF4-FFF2-40B4-BE49-F238E27FC236}">
-                  <a16:creationId xmlns:a16="http://schemas.microsoft.com/office/drawing/2014/main" id="{BCDB34B3-D348-476E-BE7F-1139370F4310}"/>
-                </a:ext>
-                <a:ext uri="{C183D7F6-B498-43B3-948B-1728B52AA6E4}">
-                  <adec:decorative xmlns:adec="http://schemas.microsoft.com/office/drawing/2017/decorative" val="1"/>
-                </a:ext>
-              </a:extLst>
-            </p:cNvPr>
-            <p:cNvCxnSpPr/>
-            <p:nvPr>
-              <p:extLst>
-                <p:ext uri="{386F3935-93C4-4BCD-93E2-E3B085C9AB24}">
-                  <p16:designElem xmlns:p16="http://schemas.microsoft.com/office/powerpoint/2015/main" val="1"/>
-                </p:ext>
-              </p:extLst>
-            </p:nvPr>
-          </p:nvCxnSpPr>
-          <p:spPr>
-            <a:xfrm>
-              <a:off x="8910933" y="1919027"/>
-              <a:ext cx="352129" cy="0"/>
-            </a:xfrm>
-            <a:prstGeom prst="line">
-              <a:avLst/>
-            </a:prstGeom>
-            <a:ln w="15875">
-              <a:solidFill>
-                <a:schemeClr val="tx2"/>
-              </a:solidFill>
-            </a:ln>
-          </p:spPr>
-          <p:style>
-            <a:lnRef idx="1">
-              <a:schemeClr val="accent1"/>
-            </a:lnRef>
-            <a:fillRef idx="0">
-              <a:schemeClr val="accent1"/>
-            </a:fillRef>
-            <a:effectRef idx="0">
-              <a:schemeClr val="accent1"/>
-            </a:effectRef>
-            <a:fontRef idx="minor">
-              <a:schemeClr val="tx1"/>
-            </a:fontRef>
-          </p:style>
-        </p:cxnSp>
-      </p:grpSp>
-      <p:sp>
-        <p:nvSpPr>
-          <p:cNvPr id="3" name="Content Placeholder 2">
-            <a:extLst>
-              <a:ext uri="{FF2B5EF4-FFF2-40B4-BE49-F238E27FC236}">
-                <a16:creationId xmlns:a16="http://schemas.microsoft.com/office/drawing/2014/main" id="{F72B227D-69DB-32F8-5A54-ECB4560C7863}"/>
-              </a:ext>
-            </a:extLst>
-          </p:cNvPr>
-          <p:cNvSpPr>
-            <a:spLocks noGrp="1"/>
-          </p:cNvSpPr>
-          <p:nvPr>
-            <p:ph idx="1"/>
-          </p:nvPr>
-        </p:nvSpPr>
-        <p:spPr/>
-        <p:txBody>
-          <a:bodyPr/>
-          <a:lstStyle/>
-          <a:p>
-            <a:endParaRPr lang="en-US"/>
-          </a:p>
-        </p:txBody>
-      </p:sp>
-      <p:grpSp>
-        <p:nvGrpSpPr>
-          <p:cNvPr id="4" name="Group 3">
-            <a:extLst>
-              <a:ext uri="{FF2B5EF4-FFF2-40B4-BE49-F238E27FC236}">
-                <a16:creationId xmlns:a16="http://schemas.microsoft.com/office/drawing/2014/main" id="{C50856D7-90EC-3122-A1E8-C14F853869BA}"/>
-              </a:ext>
-            </a:extLst>
-          </p:cNvPr>
-          <p:cNvGrpSpPr/>
-          <p:nvPr/>
-        </p:nvGrpSpPr>
-        <p:grpSpPr>
-          <a:xfrm>
-            <a:off x="153079" y="165266"/>
-            <a:ext cx="7313840" cy="6530735"/>
-            <a:chOff x="153079" y="165266"/>
-            <a:chExt cx="7313840" cy="6530735"/>
-          </a:xfrm>
-        </p:grpSpPr>
-        <p:pic>
-          <p:nvPicPr>
-            <p:cNvPr id="5" name="Picture 4">
-              <a:extLst>
-                <a:ext uri="{FF2B5EF4-FFF2-40B4-BE49-F238E27FC236}">
-                  <a16:creationId xmlns:a16="http://schemas.microsoft.com/office/drawing/2014/main" id="{4AA5C9A2-3A91-8DB0-CAB4-5C3BE1554D7B}"/>
-                </a:ext>
-              </a:extLst>
-            </p:cNvPr>
-            <p:cNvPicPr>
-              <a:picLocks noChangeAspect="1"/>
-            </p:cNvPicPr>
-            <p:nvPr/>
-          </p:nvPicPr>
-          <p:blipFill rotWithShape="1">
-            <a:blip r:embed="rId2"/>
-            <a:srcRect b="1747"/>
-            <a:stretch/>
-          </p:blipFill>
-          <p:spPr>
-            <a:xfrm>
-              <a:off x="153080" y="165266"/>
-              <a:ext cx="7313839" cy="466566"/>
-            </a:xfrm>
-            <a:prstGeom prst="rect">
-              <a:avLst/>
-            </a:prstGeom>
-          </p:spPr>
-        </p:pic>
-        <p:pic>
-          <p:nvPicPr>
-            <p:cNvPr id="6" name="Picture 5">
-              <a:extLst>
-                <a:ext uri="{FF2B5EF4-FFF2-40B4-BE49-F238E27FC236}">
-                  <a16:creationId xmlns:a16="http://schemas.microsoft.com/office/drawing/2014/main" id="{E462CA74-5300-1F7F-8245-91627A089B14}"/>
-                </a:ext>
-              </a:extLst>
-            </p:cNvPr>
-            <p:cNvPicPr>
-              <a:picLocks noChangeAspect="1"/>
-            </p:cNvPicPr>
-            <p:nvPr/>
-          </p:nvPicPr>
-          <p:blipFill rotWithShape="1">
-            <a:blip r:embed="rId2"/>
-            <a:srcRect b="1747"/>
-            <a:stretch/>
-          </p:blipFill>
-          <p:spPr>
-            <a:xfrm rot="10800000">
-              <a:off x="153079" y="6200572"/>
-              <a:ext cx="7313838" cy="495429"/>
-            </a:xfrm>
-            <a:prstGeom prst="rect">
-              <a:avLst/>
-            </a:prstGeom>
-          </p:spPr>
-        </p:pic>
-      </p:grpSp>
-    </p:spTree>
-    <p:extLst>
-      <p:ext uri="{BB962C8B-B14F-4D97-AF65-F5344CB8AC3E}">
-        <p14:creationId xmlns:p14="http://schemas.microsoft.com/office/powerpoint/2010/main" val="698962221"/>
       </p:ext>
     </p:extLst>
   </p:cSld>
@@ -11636,18 +14644,18 @@
 </file>
 
 <file path=customXml/item1.xml><?xml version="1.0" encoding="utf-8"?>
-<p:properties xmlns:p="http://schemas.microsoft.com/office/2006/metadata/properties" xmlns:xsi="http://www.w3.org/2001/XMLSchema-instance" xmlns:pc="http://schemas.microsoft.com/office/infopath/2007/PartnerControls">
-  <documentManagement/>
-</p:properties>
-</file>
-
-<file path=customXml/item2.xml><?xml version="1.0" encoding="utf-8"?>
 <?mso-contentType ?>
 <FormTemplates xmlns="http://schemas.microsoft.com/sharepoint/v3/contenttype/forms">
   <Display>DocumentLibraryForm</Display>
   <Edit>DocumentLibraryForm</Edit>
   <New>DocumentLibraryForm</New>
 </FormTemplates>
+</file>
+
+<file path=customXml/item2.xml><?xml version="1.0" encoding="utf-8"?>
+<p:properties xmlns:p="http://schemas.microsoft.com/office/2006/metadata/properties" xmlns:xsi="http://www.w3.org/2001/XMLSchema-instance" xmlns:pc="http://schemas.microsoft.com/office/infopath/2007/PartnerControls">
+  <documentManagement/>
+</p:properties>
 </file>
 
 <file path=customXml/item3.xml><?xml version="1.0" encoding="utf-8"?>
@@ -11783,25 +14791,25 @@
 </file>
 
 <file path=customXml/itemProps1.xml><?xml version="1.0" encoding="utf-8"?>
-<ds:datastoreItem xmlns:ds="http://schemas.openxmlformats.org/officeDocument/2006/customXml" ds:itemID="{9BFF9C3B-4B42-4713-9698-42D13C43D5F2}">
+<ds:datastoreItem xmlns:ds="http://schemas.openxmlformats.org/officeDocument/2006/customXml" ds:itemID="{0DFA9DF9-BC4A-4BE5-977C-B18B583190B7}">
   <ds:schemaRefs>
-    <ds:schemaRef ds:uri="http://schemas.microsoft.com/office/2006/documentManagement/types"/>
-    <ds:schemaRef ds:uri="http://schemas.openxmlformats.org/package/2006/metadata/core-properties"/>
-    <ds:schemaRef ds:uri="http://purl.org/dc/dcmitype/"/>
-    <ds:schemaRef ds:uri="http://www.w3.org/XML/1998/namespace"/>
-    <ds:schemaRef ds:uri="http://purl.org/dc/terms/"/>
-    <ds:schemaRef ds:uri="http://purl.org/dc/elements/1.1/"/>
-    <ds:schemaRef ds:uri="http://schemas.microsoft.com/office/infopath/2007/PartnerControls"/>
-    <ds:schemaRef ds:uri="197ba2cb-a464-46ea-9159-3cb22f4b1dd5"/>
-    <ds:schemaRef ds:uri="http://schemas.microsoft.com/office/2006/metadata/properties"/>
+    <ds:schemaRef ds:uri="http://schemas.microsoft.com/sharepoint/v3/contenttype/forms"/>
   </ds:schemaRefs>
 </ds:datastoreItem>
 </file>
 
 <file path=customXml/itemProps2.xml><?xml version="1.0" encoding="utf-8"?>
-<ds:datastoreItem xmlns:ds="http://schemas.openxmlformats.org/officeDocument/2006/customXml" ds:itemID="{0DFA9DF9-BC4A-4BE5-977C-B18B583190B7}">
+<ds:datastoreItem xmlns:ds="http://schemas.openxmlformats.org/officeDocument/2006/customXml" ds:itemID="{9BFF9C3B-4B42-4713-9698-42D13C43D5F2}">
   <ds:schemaRefs>
-    <ds:schemaRef ds:uri="http://schemas.microsoft.com/sharepoint/v3/contenttype/forms"/>
+    <ds:schemaRef ds:uri="197ba2cb-a464-46ea-9159-3cb22f4b1dd5"/>
+    <ds:schemaRef ds:uri="http://www.w3.org/XML/1998/namespace"/>
+    <ds:schemaRef ds:uri="http://schemas.microsoft.com/office/2006/documentManagement/types"/>
+    <ds:schemaRef ds:uri="http://schemas.openxmlformats.org/package/2006/metadata/core-properties"/>
+    <ds:schemaRef ds:uri="http://purl.org/dc/terms/"/>
+    <ds:schemaRef ds:uri="http://purl.org/dc/elements/1.1/"/>
+    <ds:schemaRef ds:uri="http://schemas.microsoft.com/office/2006/metadata/properties"/>
+    <ds:schemaRef ds:uri="http://schemas.microsoft.com/office/infopath/2007/PartnerControls"/>
+    <ds:schemaRef ds:uri="http://purl.org/dc/dcmitype/"/>
   </ds:schemaRefs>
 </ds:datastoreItem>
 </file>

--- a/HappinessRetirementConundrum.pptx
+++ b/HappinessRetirementConundrum.pptx
@@ -10112,7 +10112,7 @@
         </p:blipFill>
         <p:spPr bwMode="auto">
           <a:xfrm>
-            <a:off x="7737231" y="3505976"/>
+            <a:off x="7728087" y="3505976"/>
             <a:ext cx="4298628" cy="3223972"/>
           </a:xfrm>
           <a:prstGeom prst="rect">
@@ -11810,7 +11810,7 @@
                   <a:srgbClr val="0070C0"/>
                 </a:solidFill>
               </a:rPr>
-              <a:t>Bottom chart represents the Average Overall Happiness to Freedom factor scores for 2022.</a:t>
+              <a:t>Top chart represents the Average Overall Happiness to Freedom factor scores for 2022.</a:t>
             </a:r>
           </a:p>
           <a:p>
@@ -14644,21 +14644,6 @@
 </file>
 
 <file path=customXml/item1.xml><?xml version="1.0" encoding="utf-8"?>
-<?mso-contentType ?>
-<FormTemplates xmlns="http://schemas.microsoft.com/sharepoint/v3/contenttype/forms">
-  <Display>DocumentLibraryForm</Display>
-  <Edit>DocumentLibraryForm</Edit>
-  <New>DocumentLibraryForm</New>
-</FormTemplates>
-</file>
-
-<file path=customXml/item2.xml><?xml version="1.0" encoding="utf-8"?>
-<p:properties xmlns:p="http://schemas.microsoft.com/office/2006/metadata/properties" xmlns:xsi="http://www.w3.org/2001/XMLSchema-instance" xmlns:pc="http://schemas.microsoft.com/office/infopath/2007/PartnerControls">
-  <documentManagement/>
-</p:properties>
-</file>
-
-<file path=customXml/item3.xml><?xml version="1.0" encoding="utf-8"?>
 <ct:contentTypeSchema xmlns:ct="http://schemas.microsoft.com/office/2006/metadata/contentType" xmlns:ma="http://schemas.microsoft.com/office/2006/metadata/properties/metaAttributes" ct:_="" ma:_="" ma:contentTypeName="Document" ma:contentTypeID="0x01010022E97965CEF07F4BB0DD4FFED26FBEBA" ma:contentTypeVersion="2" ma:contentTypeDescription="Create a new document." ma:contentTypeScope="" ma:versionID="ee461658e23f52c8a6140612ac783eb1">
   <xsd:schema xmlns:xsd="http://www.w3.org/2001/XMLSchema" xmlns:xs="http://www.w3.org/2001/XMLSchema" xmlns:p="http://schemas.microsoft.com/office/2006/metadata/properties" xmlns:ns3="197ba2cb-a464-46ea-9159-3cb22f4b1dd5" targetNamespace="http://schemas.microsoft.com/office/2006/metadata/properties" ma:root="true" ma:fieldsID="9d46c490d83f5d9adae20b456ce60064" ns3:_="">
     <xsd:import namespace="197ba2cb-a464-46ea-9159-3cb22f4b1dd5"/>
@@ -14790,10 +14775,35 @@
 </ct:contentTypeSchema>
 </file>
 
+<file path=customXml/item2.xml><?xml version="1.0" encoding="utf-8"?>
+<p:properties xmlns:p="http://schemas.microsoft.com/office/2006/metadata/properties" xmlns:xsi="http://www.w3.org/2001/XMLSchema-instance" xmlns:pc="http://schemas.microsoft.com/office/infopath/2007/PartnerControls">
+  <documentManagement/>
+</p:properties>
+</file>
+
+<file path=customXml/item3.xml><?xml version="1.0" encoding="utf-8"?>
+<?mso-contentType ?>
+<FormTemplates xmlns="http://schemas.microsoft.com/sharepoint/v3/contenttype/forms">
+  <Display>DocumentLibraryForm</Display>
+  <Edit>DocumentLibraryForm</Edit>
+  <New>DocumentLibraryForm</New>
+</FormTemplates>
+</file>
+
 <file path=customXml/itemProps1.xml><?xml version="1.0" encoding="utf-8"?>
-<ds:datastoreItem xmlns:ds="http://schemas.openxmlformats.org/officeDocument/2006/customXml" ds:itemID="{0DFA9DF9-BC4A-4BE5-977C-B18B583190B7}">
+<ds:datastoreItem xmlns:ds="http://schemas.openxmlformats.org/officeDocument/2006/customXml" ds:itemID="{8370DAA8-EA6E-4E3C-9CF9-402B5A935382}">
   <ds:schemaRefs>
-    <ds:schemaRef ds:uri="http://schemas.microsoft.com/sharepoint/v3/contenttype/forms"/>
+    <ds:schemaRef ds:uri="http://schemas.microsoft.com/office/2006/metadata/contentType"/>
+    <ds:schemaRef ds:uri="http://schemas.microsoft.com/office/2006/metadata/properties/metaAttributes"/>
+    <ds:schemaRef ds:uri="http://www.w3.org/2001/XMLSchema"/>
+    <ds:schemaRef ds:uri="http://schemas.microsoft.com/office/2006/metadata/properties"/>
+    <ds:schemaRef ds:uri="197ba2cb-a464-46ea-9159-3cb22f4b1dd5"/>
+    <ds:schemaRef ds:uri="http://schemas.microsoft.com/office/2006/documentManagement/types"/>
+    <ds:schemaRef ds:uri="http://schemas.microsoft.com/office/infopath/2007/PartnerControls"/>
+    <ds:schemaRef ds:uri="http://schemas.openxmlformats.org/package/2006/metadata/core-properties"/>
+    <ds:schemaRef ds:uri="http://purl.org/dc/elements/1.1/"/>
+    <ds:schemaRef ds:uri="http://purl.org/dc/terms/"/>
+    <ds:schemaRef ds:uri="http://schemas.microsoft.com/internal/obd"/>
   </ds:schemaRefs>
 </ds:datastoreItem>
 </file>
@@ -14815,19 +14825,9 @@
 </file>
 
 <file path=customXml/itemProps3.xml><?xml version="1.0" encoding="utf-8"?>
-<ds:datastoreItem xmlns:ds="http://schemas.openxmlformats.org/officeDocument/2006/customXml" ds:itemID="{8370DAA8-EA6E-4E3C-9CF9-402B5A935382}">
+<ds:datastoreItem xmlns:ds="http://schemas.openxmlformats.org/officeDocument/2006/customXml" ds:itemID="{0DFA9DF9-BC4A-4BE5-977C-B18B583190B7}">
   <ds:schemaRefs>
-    <ds:schemaRef ds:uri="http://schemas.microsoft.com/office/2006/metadata/contentType"/>
-    <ds:schemaRef ds:uri="http://schemas.microsoft.com/office/2006/metadata/properties/metaAttributes"/>
-    <ds:schemaRef ds:uri="http://www.w3.org/2001/XMLSchema"/>
-    <ds:schemaRef ds:uri="http://schemas.microsoft.com/office/2006/metadata/properties"/>
-    <ds:schemaRef ds:uri="197ba2cb-a464-46ea-9159-3cb22f4b1dd5"/>
-    <ds:schemaRef ds:uri="http://schemas.microsoft.com/office/2006/documentManagement/types"/>
-    <ds:schemaRef ds:uri="http://schemas.microsoft.com/office/infopath/2007/PartnerControls"/>
-    <ds:schemaRef ds:uri="http://schemas.openxmlformats.org/package/2006/metadata/core-properties"/>
-    <ds:schemaRef ds:uri="http://purl.org/dc/elements/1.1/"/>
-    <ds:schemaRef ds:uri="http://purl.org/dc/terms/"/>
-    <ds:schemaRef ds:uri="http://schemas.microsoft.com/internal/obd"/>
+    <ds:schemaRef ds:uri="http://schemas.microsoft.com/sharepoint/v3/contenttype/forms"/>
   </ds:schemaRefs>
 </ds:datastoreItem>
 </file>
--- a/HappinessRetirementConundrum.pptx
+++ b/HappinessRetirementConundrum.pptx
@@ -341,7 +341,7 @@
           <a:p>
             <a:fld id="{C485584D-7D79-4248-9986-4CA35242F944}" type="datetimeFigureOut">
               <a:rPr lang="en-US" smtClean="0"/>
-              <a:t>2/14/2023</a:t>
+              <a:t>2/15/2023</a:t>
             </a:fld>
             <a:endParaRPr lang="en-US"/>
           </a:p>
@@ -715,7 +715,7 @@
           <a:p>
             <a:fld id="{C485584D-7D79-4248-9986-4CA35242F944}" type="datetimeFigureOut">
               <a:rPr lang="en-US" smtClean="0"/>
-              <a:t>2/14/2023</a:t>
+              <a:t>2/15/2023</a:t>
             </a:fld>
             <a:endParaRPr lang="en-US"/>
           </a:p>
@@ -925,7 +925,7 @@
           <a:p>
             <a:fld id="{C485584D-7D79-4248-9986-4CA35242F944}" type="datetimeFigureOut">
               <a:rPr lang="en-US" smtClean="0"/>
-              <a:t>2/14/2023</a:t>
+              <a:t>2/15/2023</a:t>
             </a:fld>
             <a:endParaRPr lang="en-US"/>
           </a:p>
@@ -1124,7 +1124,7 @@
           <a:p>
             <a:fld id="{C485584D-7D79-4248-9986-4CA35242F944}" type="datetimeFigureOut">
               <a:rPr lang="en-US" smtClean="0"/>
-              <a:t>2/14/2023</a:t>
+              <a:t>2/15/2023</a:t>
             </a:fld>
             <a:endParaRPr lang="en-US"/>
           </a:p>
@@ -1237,7 +1237,7 @@
           <a:p>
             <a:fld id="{C485584D-7D79-4248-9986-4CA35242F944}" type="datetimeFigureOut">
               <a:rPr lang="en-US" smtClean="0"/>
-              <a:t>2/14/2023</a:t>
+              <a:t>2/15/2023</a:t>
             </a:fld>
             <a:endParaRPr lang="en-US"/>
           </a:p>
@@ -1973,7 +1973,7 @@
           <a:p>
             <a:fld id="{C485584D-7D79-4248-9986-4CA35242F944}" type="datetimeFigureOut">
               <a:rPr lang="en-US" smtClean="0"/>
-              <a:t>2/14/2023</a:t>
+              <a:t>2/15/2023</a:t>
             </a:fld>
             <a:endParaRPr lang="en-US"/>
           </a:p>
@@ -2389,7 +2389,7 @@
           <a:p>
             <a:fld id="{C485584D-7D79-4248-9986-4CA35242F944}" type="datetimeFigureOut">
               <a:rPr lang="en-US" smtClean="0"/>
-              <a:t>2/14/2023</a:t>
+              <a:t>2/15/2023</a:t>
             </a:fld>
             <a:endParaRPr lang="en-US"/>
           </a:p>
@@ -2530,7 +2530,7 @@
           <a:p>
             <a:fld id="{C485584D-7D79-4248-9986-4CA35242F944}" type="datetimeFigureOut">
               <a:rPr lang="en-US" smtClean="0"/>
-              <a:t>2/14/2023</a:t>
+              <a:t>2/15/2023</a:t>
             </a:fld>
             <a:endParaRPr lang="en-US"/>
           </a:p>
@@ -2643,7 +2643,7 @@
           <a:p>
             <a:fld id="{C485584D-7D79-4248-9986-4CA35242F944}" type="datetimeFigureOut">
               <a:rPr lang="en-US" smtClean="0"/>
-              <a:t>2/14/2023</a:t>
+              <a:t>2/15/2023</a:t>
             </a:fld>
             <a:endParaRPr lang="en-US"/>
           </a:p>
@@ -2956,7 +2956,7 @@
           <a:p>
             <a:fld id="{C485584D-7D79-4248-9986-4CA35242F944}" type="datetimeFigureOut">
               <a:rPr lang="en-US" smtClean="0"/>
-              <a:t>2/14/2023</a:t>
+              <a:t>2/15/2023</a:t>
             </a:fld>
             <a:endParaRPr lang="en-US"/>
           </a:p>
@@ -3248,7 +3248,7 @@
           <a:p>
             <a:fld id="{C485584D-7D79-4248-9986-4CA35242F944}" type="datetimeFigureOut">
               <a:rPr lang="en-US" smtClean="0"/>
-              <a:t>2/14/2023</a:t>
+              <a:t>2/15/2023</a:t>
             </a:fld>
             <a:endParaRPr lang="en-US"/>
           </a:p>
@@ -3568,7 +3568,7 @@
           <a:p>
             <a:fld id="{C485584D-7D79-4248-9986-4CA35242F944}" type="datetimeFigureOut">
               <a:rPr lang="en-US" smtClean="0"/>
-              <a:t>2/14/2023</a:t>
+              <a:t>2/15/2023</a:t>
             </a:fld>
             <a:endParaRPr lang="en-US"/>
           </a:p>
@@ -6585,7 +6585,7 @@
                   <a:srgbClr val="002060"/>
                 </a:solidFill>
               </a:rPr>
-              <a:t>Weather in Retirement 2027</a:t>
+              <a:t>Weather as a Factor For 2027 Retirement</a:t>
             </a:r>
           </a:p>
         </p:txBody>
@@ -6908,6 +6908,397 @@
           </p:spPr>
         </p:pic>
       </p:grpSp>
+      <p:pic>
+        <p:nvPicPr>
+          <p:cNvPr id="4" name="Picture 3" descr="Graphical user interface, text&#10;&#10;Description automatically generated">
+            <a:extLst>
+              <a:ext uri="{FF2B5EF4-FFF2-40B4-BE49-F238E27FC236}">
+                <a16:creationId xmlns:a16="http://schemas.microsoft.com/office/drawing/2014/main" id="{8E312DEA-1A25-16B5-5C34-53154A132AF4}"/>
+              </a:ext>
+            </a:extLst>
+          </p:cNvPr>
+          <p:cNvPicPr>
+            <a:picLocks noChangeAspect="1"/>
+          </p:cNvPicPr>
+          <p:nvPr/>
+        </p:nvPicPr>
+        <p:blipFill>
+          <a:blip r:embed="rId3" cstate="print">
+            <a:extLst>
+              <a:ext uri="{28A0092B-C50C-407E-A947-70E740481C1C}">
+                <a14:useLocalDpi xmlns:a14="http://schemas.microsoft.com/office/drawing/2010/main" val="0"/>
+              </a:ext>
+            </a:extLst>
+          </a:blip>
+          <a:stretch>
+            <a:fillRect/>
+          </a:stretch>
+        </p:blipFill>
+        <p:spPr>
+          <a:xfrm>
+            <a:off x="7620000" y="53893"/>
+            <a:ext cx="2149797" cy="1895828"/>
+          </a:xfrm>
+          <a:prstGeom prst="rect">
+            <a:avLst/>
+          </a:prstGeom>
+        </p:spPr>
+      </p:pic>
+      <p:pic>
+        <p:nvPicPr>
+          <p:cNvPr id="9" name="Picture 8" descr="Graphical user interface, text, application&#10;&#10;Description automatically generated">
+            <a:extLst>
+              <a:ext uri="{FF2B5EF4-FFF2-40B4-BE49-F238E27FC236}">
+                <a16:creationId xmlns:a16="http://schemas.microsoft.com/office/drawing/2014/main" id="{A2BED16D-EF57-EC88-922D-B11C00DEAE58}"/>
+              </a:ext>
+            </a:extLst>
+          </p:cNvPr>
+          <p:cNvPicPr>
+            <a:picLocks noChangeAspect="1"/>
+          </p:cNvPicPr>
+          <p:nvPr/>
+        </p:nvPicPr>
+        <p:blipFill>
+          <a:blip r:embed="rId4" cstate="print">
+            <a:extLst>
+              <a:ext uri="{28A0092B-C50C-407E-A947-70E740481C1C}">
+                <a14:useLocalDpi xmlns:a14="http://schemas.microsoft.com/office/drawing/2010/main" val="0"/>
+              </a:ext>
+            </a:extLst>
+          </a:blip>
+          <a:stretch>
+            <a:fillRect/>
+          </a:stretch>
+        </p:blipFill>
+        <p:spPr>
+          <a:xfrm>
+            <a:off x="9908573" y="53894"/>
+            <a:ext cx="2160029" cy="1895827"/>
+          </a:xfrm>
+          <a:prstGeom prst="rect">
+            <a:avLst/>
+          </a:prstGeom>
+        </p:spPr>
+      </p:pic>
+      <p:pic>
+        <p:nvPicPr>
+          <p:cNvPr id="11" name="Picture 10" descr="Text&#10;&#10;Description automatically generated">
+            <a:extLst>
+              <a:ext uri="{FF2B5EF4-FFF2-40B4-BE49-F238E27FC236}">
+                <a16:creationId xmlns:a16="http://schemas.microsoft.com/office/drawing/2014/main" id="{FB7F48BF-2A55-A763-A1BC-97AF053B913E}"/>
+              </a:ext>
+            </a:extLst>
+          </p:cNvPr>
+          <p:cNvPicPr>
+            <a:picLocks noChangeAspect="1"/>
+          </p:cNvPicPr>
+          <p:nvPr/>
+        </p:nvPicPr>
+        <p:blipFill>
+          <a:blip r:embed="rId5" cstate="print">
+            <a:extLst>
+              <a:ext uri="{28A0092B-C50C-407E-A947-70E740481C1C}">
+                <a14:useLocalDpi xmlns:a14="http://schemas.microsoft.com/office/drawing/2010/main" val="0"/>
+              </a:ext>
+            </a:extLst>
+          </a:blip>
+          <a:stretch>
+            <a:fillRect/>
+          </a:stretch>
+        </p:blipFill>
+        <p:spPr>
+          <a:xfrm>
+            <a:off x="7628697" y="2057506"/>
+            <a:ext cx="2141100" cy="1879214"/>
+          </a:xfrm>
+          <a:prstGeom prst="rect">
+            <a:avLst/>
+          </a:prstGeom>
+        </p:spPr>
+      </p:pic>
+      <p:pic>
+        <p:nvPicPr>
+          <p:cNvPr id="13" name="Picture 12" descr="Text&#10;&#10;Description automatically generated with medium confidence">
+            <a:extLst>
+              <a:ext uri="{FF2B5EF4-FFF2-40B4-BE49-F238E27FC236}">
+                <a16:creationId xmlns:a16="http://schemas.microsoft.com/office/drawing/2014/main" id="{8EA7001A-4F07-3269-5B1D-473007275220}"/>
+              </a:ext>
+            </a:extLst>
+          </p:cNvPr>
+          <p:cNvPicPr>
+            <a:picLocks noChangeAspect="1"/>
+          </p:cNvPicPr>
+          <p:nvPr/>
+        </p:nvPicPr>
+        <p:blipFill>
+          <a:blip r:embed="rId6" cstate="print">
+            <a:extLst>
+              <a:ext uri="{28A0092B-C50C-407E-A947-70E740481C1C}">
+                <a14:useLocalDpi xmlns:a14="http://schemas.microsoft.com/office/drawing/2010/main" val="0"/>
+              </a:ext>
+            </a:extLst>
+          </a:blip>
+          <a:stretch>
+            <a:fillRect/>
+          </a:stretch>
+        </p:blipFill>
+        <p:spPr>
+          <a:xfrm>
+            <a:off x="9919058" y="2041360"/>
+            <a:ext cx="2141101" cy="1888998"/>
+          </a:xfrm>
+          <a:prstGeom prst="rect">
+            <a:avLst/>
+          </a:prstGeom>
+        </p:spPr>
+      </p:pic>
+      <p:pic>
+        <p:nvPicPr>
+          <p:cNvPr id="15" name="Picture 14" descr="Graphical user interface, text, application&#10;&#10;Description automatically generated">
+            <a:extLst>
+              <a:ext uri="{FF2B5EF4-FFF2-40B4-BE49-F238E27FC236}">
+                <a16:creationId xmlns:a16="http://schemas.microsoft.com/office/drawing/2014/main" id="{300733E9-70C1-5600-D9E8-7C29756E768B}"/>
+              </a:ext>
+            </a:extLst>
+          </p:cNvPr>
+          <p:cNvPicPr>
+            <a:picLocks noChangeAspect="1"/>
+          </p:cNvPicPr>
+          <p:nvPr/>
+        </p:nvPicPr>
+        <p:blipFill>
+          <a:blip r:embed="rId7">
+            <a:extLst>
+              <a:ext uri="{28A0092B-C50C-407E-A947-70E740481C1C}">
+                <a14:useLocalDpi xmlns:a14="http://schemas.microsoft.com/office/drawing/2010/main" val="0"/>
+              </a:ext>
+            </a:extLst>
+          </a:blip>
+          <a:stretch>
+            <a:fillRect/>
+          </a:stretch>
+        </p:blipFill>
+        <p:spPr>
+          <a:xfrm>
+            <a:off x="8600672" y="4143706"/>
+            <a:ext cx="2781703" cy="2437433"/>
+          </a:xfrm>
+          <a:prstGeom prst="rect">
+            <a:avLst/>
+          </a:prstGeom>
+        </p:spPr>
+      </p:pic>
+      <mc:AlternateContent xmlns:mc="http://schemas.openxmlformats.org/markup-compatibility/2006" xmlns:a14="http://schemas.microsoft.com/office/drawing/2010/main">
+        <mc:Choice Requires="a14">
+          <p:sp>
+            <p:nvSpPr>
+              <p:cNvPr id="16" name="TextBox 15">
+                <a:extLst>
+                  <a:ext uri="{FF2B5EF4-FFF2-40B4-BE49-F238E27FC236}">
+                    <a16:creationId xmlns:a16="http://schemas.microsoft.com/office/drawing/2014/main" id="{007B20C2-7FF1-C669-45B8-58C94783F6CB}"/>
+                  </a:ext>
+                </a:extLst>
+              </p:cNvPr>
+              <p:cNvSpPr txBox="1"/>
+              <p:nvPr/>
+            </p:nvSpPr>
+            <p:spPr>
+              <a:xfrm>
+                <a:off x="356919" y="2716823"/>
+                <a:ext cx="3208241" cy="2677656"/>
+              </a:xfrm>
+              <a:prstGeom prst="rect">
+                <a:avLst/>
+              </a:prstGeom>
+              <a:noFill/>
+            </p:spPr>
+            <p:txBody>
+              <a:bodyPr wrap="square" rtlCol="0">
+                <a:spAutoFit/>
+              </a:bodyPr>
+              <a:lstStyle/>
+              <a:p>
+                <a:r>
+                  <a:rPr lang="en-US" sz="1200" b="1" dirty="0"/>
+                  <a:t>New Zealand</a:t>
+                </a:r>
+              </a:p>
+              <a:p>
+                <a:r>
+                  <a:rPr lang="en-US" sz="1200" dirty="0"/>
+                  <a:t>Temp was checked on 2-15-23 @ 1013 (15 </a:t>
+                </a:r>
+                <a14:m>
+                  <m:oMath xmlns:m="http://schemas.openxmlformats.org/officeDocument/2006/math">
+                    <m:r>
+                      <a:rPr lang="en-US" sz="1200" b="0" i="1" smtClean="0">
+                        <a:latin typeface="Cambria Math" panose="02040503050406030204" pitchFamily="18" charset="0"/>
+                      </a:rPr>
+                      <m:t>°</m:t>
+                    </m:r>
+                    <m:r>
+                      <a:rPr lang="en-US" sz="1200" b="0" i="1" smtClean="0">
+                        <a:latin typeface="Cambria Math" panose="02040503050406030204" pitchFamily="18" charset="0"/>
+                      </a:rPr>
+                      <m:t>𝐶</m:t>
+                    </m:r>
+                    <m:r>
+                      <a:rPr lang="en-US" sz="1200" b="0" i="1" smtClean="0">
+                        <a:latin typeface="Cambria Math" panose="02040503050406030204" pitchFamily="18" charset="0"/>
+                      </a:rPr>
+                      <m:t>)</m:t>
+                    </m:r>
+                  </m:oMath>
+                </a14:m>
+                <a:endParaRPr lang="en-US" sz="1200" dirty="0"/>
+              </a:p>
+              <a:p>
+                <a:r>
+                  <a:rPr lang="en-US" sz="1200" dirty="0"/>
+                  <a:t> </a:t>
+                </a:r>
+              </a:p>
+              <a:p>
+                <a:r>
+                  <a:rPr lang="en-US" sz="1200" b="1" dirty="0"/>
+                  <a:t>Denmark</a:t>
+                </a:r>
+              </a:p>
+              <a:p>
+                <a:r>
+                  <a:rPr lang="en-US" sz="1200" dirty="0"/>
+                  <a:t>Temp was checked on 2-15-23 @ 1017 (17 °C)</a:t>
+                </a:r>
+              </a:p>
+              <a:p>
+                <a:endParaRPr lang="en-US" sz="1200" dirty="0"/>
+              </a:p>
+              <a:p>
+                <a:r>
+                  <a:rPr lang="en-US" sz="1200" b="1" dirty="0"/>
+                  <a:t>Sweden</a:t>
+                </a:r>
+              </a:p>
+              <a:p>
+                <a:r>
+                  <a:rPr lang="en-US" sz="1200" dirty="0"/>
+                  <a:t> Temp was checked on 2-15-23 @ 1014 (-1 °C)</a:t>
+                </a:r>
+              </a:p>
+              <a:p>
+                <a:endParaRPr lang="en-US" sz="1200" dirty="0"/>
+              </a:p>
+              <a:p>
+                <a:r>
+                  <a:rPr lang="en-US" sz="1200" b="1" dirty="0"/>
+                  <a:t>Norway</a:t>
+                </a:r>
+              </a:p>
+              <a:p>
+                <a:r>
+                  <a:rPr lang="en-US" sz="1200" dirty="0"/>
+                  <a:t>Temp was checked on 2-15-23 @ 1015 (4 °C)</a:t>
+                </a:r>
+              </a:p>
+              <a:p>
+                <a:endParaRPr lang="en-US" sz="1200" dirty="0"/>
+              </a:p>
+              <a:p>
+                <a:r>
+                  <a:rPr lang="en-US" sz="1200" b="1" dirty="0"/>
+                  <a:t>Australia</a:t>
+                </a:r>
+              </a:p>
+              <a:p>
+                <a:r>
+                  <a:rPr lang="en-US" sz="1200" dirty="0"/>
+                  <a:t> Temp was checked on 2-15-23 @ 1016 (29 °C)</a:t>
+                </a:r>
+              </a:p>
+            </p:txBody>
+          </p:sp>
+        </mc:Choice>
+        <mc:Fallback xmlns="">
+          <p:sp>
+            <p:nvSpPr>
+              <p:cNvPr id="16" name="TextBox 15">
+                <a:extLst>
+                  <a:ext uri="{FF2B5EF4-FFF2-40B4-BE49-F238E27FC236}">
+                    <a16:creationId xmlns:a16="http://schemas.microsoft.com/office/drawing/2014/main" id="{007B20C2-7FF1-C669-45B8-58C94783F6CB}"/>
+                  </a:ext>
+                </a:extLst>
+              </p:cNvPr>
+              <p:cNvSpPr txBox="1">
+                <a:spLocks noRot="1" noChangeAspect="1" noMove="1" noResize="1" noEditPoints="1" noAdjustHandles="1" noChangeArrowheads="1" noChangeShapeType="1" noTextEdit="1"/>
+              </p:cNvSpPr>
+              <p:nvPr/>
+            </p:nvSpPr>
+            <p:spPr>
+              <a:xfrm>
+                <a:off x="356919" y="2716823"/>
+                <a:ext cx="3208241" cy="2677656"/>
+              </a:xfrm>
+              <a:prstGeom prst="rect">
+                <a:avLst/>
+              </a:prstGeom>
+              <a:blipFill>
+                <a:blip r:embed="rId8"/>
+                <a:stretch>
+                  <a:fillRect l="-190" t="-228" b="-911"/>
+                </a:stretch>
+              </a:blipFill>
+            </p:spPr>
+            <p:txBody>
+              <a:bodyPr/>
+              <a:lstStyle/>
+              <a:p>
+                <a:r>
+                  <a:rPr lang="en-US">
+                    <a:noFill/>
+                  </a:rPr>
+                  <a:t> </a:t>
+                </a:r>
+              </a:p>
+            </p:txBody>
+          </p:sp>
+        </mc:Fallback>
+      </mc:AlternateContent>
+      <p:pic>
+        <p:nvPicPr>
+          <p:cNvPr id="18" name="Picture 17" descr="Table&#10;&#10;Description automatically generated">
+            <a:extLst>
+              <a:ext uri="{FF2B5EF4-FFF2-40B4-BE49-F238E27FC236}">
+                <a16:creationId xmlns:a16="http://schemas.microsoft.com/office/drawing/2014/main" id="{B2B2AC15-51CB-B02B-33F2-AB9C4118BA4A}"/>
+              </a:ext>
+            </a:extLst>
+          </p:cNvPr>
+          <p:cNvPicPr>
+            <a:picLocks noChangeAspect="1"/>
+          </p:cNvPicPr>
+          <p:nvPr/>
+        </p:nvPicPr>
+        <p:blipFill>
+          <a:blip r:embed="rId9">
+            <a:extLst>
+              <a:ext uri="{28A0092B-C50C-407E-A947-70E740481C1C}">
+                <a14:useLocalDpi xmlns:a14="http://schemas.microsoft.com/office/drawing/2010/main" val="0"/>
+              </a:ext>
+            </a:extLst>
+          </a:blip>
+          <a:stretch>
+            <a:fillRect/>
+          </a:stretch>
+        </p:blipFill>
+        <p:spPr>
+          <a:xfrm>
+            <a:off x="3879328" y="2985859"/>
+            <a:ext cx="3097809" cy="2333883"/>
+          </a:xfrm>
+          <a:prstGeom prst="rect">
+            <a:avLst/>
+          </a:prstGeom>
+        </p:spPr>
+      </p:pic>
     </p:spTree>
     <p:extLst>
       <p:ext uri="{BB962C8B-B14F-4D97-AF65-F5344CB8AC3E}">
@@ -7793,50 +8184,13 @@
               <a:buChar char="o"/>
             </a:pPr>
             <a:r>
-              <a:rPr lang="en-US" sz="2400" dirty="0">
+              <a:rPr lang="en-US" sz="1800" dirty="0">
                 <a:solidFill>
                   <a:srgbClr val="0070C0"/>
                 </a:solidFill>
               </a:rPr>
-              <a:t>Which countries are projected to be the best places to live by 2027? </a:t>
+              <a:t>What are the average happiness scores across the years and in what countries? Happiest, middle and least?</a:t>
             </a:r>
-          </a:p>
-          <a:p>
-            <a:pPr lvl="1" indent="0">
-              <a:lnSpc>
-                <a:spcPct val="90000"/>
-              </a:lnSpc>
-              <a:buNone/>
-            </a:pPr>
-            <a:r>
-              <a:rPr lang="en-US" sz="2200" dirty="0">
-                <a:solidFill>
-                  <a:srgbClr val="0070C0"/>
-                </a:solidFill>
-              </a:rPr>
-              <a:t>	</a:t>
-            </a:r>
-            <a:r>
-              <a:rPr lang="en-US" sz="2400" dirty="0">
-                <a:solidFill>
-                  <a:srgbClr val="0070C0"/>
-                </a:solidFill>
-              </a:rPr>
-              <a:t>What factors have the greatest influence?</a:t>
-            </a:r>
-          </a:p>
-          <a:p>
-            <a:pPr lvl="1" indent="0">
-              <a:lnSpc>
-                <a:spcPct val="90000"/>
-              </a:lnSpc>
-              <a:buNone/>
-            </a:pPr>
-            <a:endParaRPr lang="en-US" sz="2400" dirty="0">
-              <a:solidFill>
-                <a:srgbClr val="0070C0"/>
-              </a:solidFill>
-            </a:endParaRPr>
           </a:p>
           <a:p>
             <a:pPr marL="342900" indent="-342900">
@@ -7847,13 +8201,12 @@
               <a:buChar char="o"/>
             </a:pPr>
             <a:r>
-              <a:rPr lang="en-US" sz="2400" b="0" i="0" dirty="0">
+              <a:rPr lang="en-US" sz="1800" dirty="0">
                 <a:solidFill>
                   <a:srgbClr val="0070C0"/>
                 </a:solidFill>
-                <a:effectLst/>
               </a:rPr>
-              <a:t>What are the average happiness scores across the years and the top scores in what countries? </a:t>
+              <a:t>What are the main factors that determine the highest levels of happiness?</a:t>
             </a:r>
           </a:p>
           <a:p>
@@ -7865,19 +8218,13 @@
               <a:buChar char="o"/>
             </a:pPr>
             <a:r>
-              <a:rPr lang="en-US" sz="2400" b="0" i="0" dirty="0">
+              <a:rPr lang="en-US" sz="1800" dirty="0">
                 <a:solidFill>
                   <a:srgbClr val="0070C0"/>
                 </a:solidFill>
-                <a:effectLst/>
               </a:rPr>
-              <a:t>What are the main factors that determine the highest levels of happiness?</a:t>
+              <a:t>Are people happier in the pre or post Covid years?  Why? Why not?</a:t>
             </a:r>
-            <a:endParaRPr lang="en-US" sz="2400" dirty="0">
-              <a:solidFill>
-                <a:srgbClr val="0070C0"/>
-              </a:solidFill>
-            </a:endParaRPr>
           </a:p>
           <a:p>
             <a:pPr marL="342900" indent="-342900">
@@ -7887,11 +8234,48 @@
               <a:buFont typeface="Courier New" panose="02070309020205020404" pitchFamily="49" charset="0"/>
               <a:buChar char="o"/>
             </a:pPr>
-            <a:endParaRPr lang="en-US" sz="2400" dirty="0">
-              <a:solidFill>
-                <a:srgbClr val="0070C0"/>
-              </a:solidFill>
-            </a:endParaRPr>
+            <a:r>
+              <a:rPr lang="en-US" sz="1800" dirty="0">
+                <a:solidFill>
+                  <a:srgbClr val="0070C0"/>
+                </a:solidFill>
+              </a:rPr>
+              <a:t>Which countries will be the best places to live in the next decade and why? </a:t>
+            </a:r>
+          </a:p>
+          <a:p>
+            <a:pPr marL="342900" indent="-342900">
+              <a:lnSpc>
+                <a:spcPct val="90000"/>
+              </a:lnSpc>
+              <a:buFont typeface="Courier New" panose="02070309020205020404" pitchFamily="49" charset="0"/>
+              <a:buChar char="o"/>
+            </a:pPr>
+            <a:r>
+              <a:rPr lang="en-US" sz="1800" dirty="0">
+                <a:solidFill>
+                  <a:srgbClr val="0070C0"/>
+                </a:solidFill>
+              </a:rPr>
+              <a:t> What are the Top 5 places forecasted to retire in 2027? </a:t>
+            </a:r>
+          </a:p>
+          <a:p>
+            <a:pPr marL="342900" indent="-342900">
+              <a:lnSpc>
+                <a:spcPct val="90000"/>
+              </a:lnSpc>
+              <a:buFont typeface="Courier New" panose="02070309020205020404" pitchFamily="49" charset="0"/>
+              <a:buChar char="o"/>
+            </a:pPr>
+            <a:r>
+              <a:rPr lang="en-US" sz="1800" dirty="0">
+                <a:solidFill>
+                  <a:srgbClr val="0070C0"/>
+                </a:solidFill>
+              </a:rPr>
+              <a:t>How can we track weather for the top 5 places to retire? Can we create a weather app and track weather?</a:t>
+            </a:r>
           </a:p>
           <a:p>
             <a:pPr>
@@ -12422,100 +12806,6 @@
           </p:style>
         </p:cxnSp>
       </p:grpSp>
-      <p:pic>
-        <p:nvPicPr>
-          <p:cNvPr id="6146" name="Picture 2">
-            <a:extLst>
-              <a:ext uri="{FF2B5EF4-FFF2-40B4-BE49-F238E27FC236}">
-                <a16:creationId xmlns:a16="http://schemas.microsoft.com/office/drawing/2014/main" id="{0A9CB4A4-8E40-405C-20DC-F142F32F3F66}"/>
-              </a:ext>
-            </a:extLst>
-          </p:cNvPr>
-          <p:cNvPicPr>
-            <a:picLocks noChangeAspect="1" noChangeArrowheads="1"/>
-          </p:cNvPicPr>
-          <p:nvPr/>
-        </p:nvPicPr>
-        <p:blipFill>
-          <a:blip r:embed="rId2">
-            <a:extLst>
-              <a:ext uri="{28A0092B-C50C-407E-A947-70E740481C1C}">
-                <a14:useLocalDpi xmlns:a14="http://schemas.microsoft.com/office/drawing/2010/main" val="0"/>
-              </a:ext>
-            </a:extLst>
-          </a:blip>
-          <a:srcRect/>
-          <a:stretch>
-            <a:fillRect/>
-          </a:stretch>
-        </p:blipFill>
-        <p:spPr bwMode="auto">
-          <a:xfrm>
-            <a:off x="7693569" y="3473378"/>
-            <a:ext cx="4409190" cy="3306892"/>
-          </a:xfrm>
-          <a:prstGeom prst="rect">
-            <a:avLst/>
-          </a:prstGeom>
-          <a:noFill/>
-          <a:extLst>
-            <a:ext uri="{909E8E84-426E-40DD-AFC4-6F175D3DCCD1}">
-              <a14:hiddenFill xmlns:a14="http://schemas.microsoft.com/office/drawing/2010/main">
-                <a:solidFill>
-                  <a:srgbClr val="FFFFFF"/>
-                </a:solidFill>
-              </a14:hiddenFill>
-            </a:ext>
-          </a:extLst>
-        </p:spPr>
-      </p:pic>
-      <p:pic>
-        <p:nvPicPr>
-          <p:cNvPr id="6148" name="Picture 4">
-            <a:extLst>
-              <a:ext uri="{FF2B5EF4-FFF2-40B4-BE49-F238E27FC236}">
-                <a16:creationId xmlns:a16="http://schemas.microsoft.com/office/drawing/2014/main" id="{EE9A2F29-6671-1EDB-1BF4-A0F574DEFC26}"/>
-              </a:ext>
-            </a:extLst>
-          </p:cNvPr>
-          <p:cNvPicPr>
-            <a:picLocks noChangeAspect="1" noChangeArrowheads="1"/>
-          </p:cNvPicPr>
-          <p:nvPr/>
-        </p:nvPicPr>
-        <p:blipFill>
-          <a:blip r:embed="rId3">
-            <a:extLst>
-              <a:ext uri="{28A0092B-C50C-407E-A947-70E740481C1C}">
-                <a14:useLocalDpi xmlns:a14="http://schemas.microsoft.com/office/drawing/2010/main" val="0"/>
-              </a:ext>
-            </a:extLst>
-          </a:blip>
-          <a:srcRect/>
-          <a:stretch>
-            <a:fillRect/>
-          </a:stretch>
-        </p:blipFill>
-        <p:spPr bwMode="auto">
-          <a:xfrm>
-            <a:off x="7700689" y="92288"/>
-            <a:ext cx="4409191" cy="3306894"/>
-          </a:xfrm>
-          <a:prstGeom prst="rect">
-            <a:avLst/>
-          </a:prstGeom>
-          <a:noFill/>
-          <a:extLst>
-            <a:ext uri="{909E8E84-426E-40DD-AFC4-6F175D3DCCD1}">
-              <a14:hiddenFill xmlns:a14="http://schemas.microsoft.com/office/drawing/2010/main">
-                <a:solidFill>
-                  <a:srgbClr val="FFFFFF"/>
-                </a:solidFill>
-              </a14:hiddenFill>
-            </a:ext>
-          </a:extLst>
-        </p:spPr>
-      </p:pic>
       <p:grpSp>
         <p:nvGrpSpPr>
           <p:cNvPr id="3" name="Group 2">
@@ -12551,7 +12841,7 @@
             <p:nvPr/>
           </p:nvPicPr>
           <p:blipFill rotWithShape="1">
-            <a:blip r:embed="rId4"/>
+            <a:blip r:embed="rId2"/>
             <a:srcRect b="1747"/>
             <a:stretch/>
           </p:blipFill>
@@ -12580,7 +12870,7 @@
             <p:nvPr/>
           </p:nvPicPr>
           <p:blipFill rotWithShape="1">
-            <a:blip r:embed="rId4"/>
+            <a:blip r:embed="rId2"/>
             <a:srcRect b="1747"/>
             <a:stretch/>
           </p:blipFill>
@@ -12610,7 +12900,7 @@
           <p:nvPr/>
         </p:nvPicPr>
         <p:blipFill>
-          <a:blip r:embed="rId5"/>
+          <a:blip r:embed="rId3"/>
           <a:stretch>
             <a:fillRect/>
           </a:stretch>
@@ -12648,7 +12938,7 @@
           <p:nvPr/>
         </p:nvPicPr>
         <p:blipFill>
-          <a:blip r:embed="rId6"/>
+          <a:blip r:embed="rId4"/>
           <a:stretch>
             <a:fillRect/>
           </a:stretch>
@@ -12685,8 +12975,8 @@
         </p:nvSpPr>
         <p:spPr>
           <a:xfrm>
-            <a:off x="241719" y="4206309"/>
-            <a:ext cx="7136558" cy="2869066"/>
+            <a:off x="323334" y="4600511"/>
+            <a:ext cx="7136558" cy="2339102"/>
           </a:xfrm>
           <a:prstGeom prst="rect">
             <a:avLst/>
@@ -12704,7 +12994,7 @@
               <a:buChar char="o"/>
             </a:pPr>
             <a:r>
-              <a:rPr lang="en-US" sz="2000" dirty="0">
+              <a:rPr lang="en-US" dirty="0">
                 <a:solidFill>
                   <a:srgbClr val="0070C0"/>
                 </a:solidFill>
@@ -12718,7 +13008,7 @@
               <a:buChar char="o"/>
             </a:pPr>
             <a:r>
-              <a:rPr lang="en-US" sz="2000" dirty="0">
+              <a:rPr lang="en-US" dirty="0">
                 <a:solidFill>
                   <a:srgbClr val="0070C0"/>
                 </a:solidFill>
@@ -12732,7 +13022,7 @@
               <a:buChar char="o"/>
             </a:pPr>
             <a:r>
-              <a:rPr lang="en-US" sz="2000" dirty="0">
+              <a:rPr lang="en-US" dirty="0">
                 <a:solidFill>
                   <a:srgbClr val="0070C0"/>
                 </a:solidFill>
@@ -12746,7 +13036,7 @@
               <a:buChar char="o"/>
             </a:pPr>
             <a:r>
-              <a:rPr lang="en-US" sz="2000" dirty="0">
+              <a:rPr lang="en-US" dirty="0">
                 <a:solidFill>
                   <a:srgbClr val="0070C0"/>
                 </a:solidFill>
@@ -12755,10 +13045,6 @@
             </a:r>
           </a:p>
           <a:p>
-            <a:pPr marL="285750" indent="-285750">
-              <a:buFont typeface="Arial" panose="020B0604020202020204" pitchFamily="34" charset="0"/>
-              <a:buChar char="•"/>
-            </a:pPr>
             <a:endParaRPr lang="en-US" sz="2000" dirty="0"/>
           </a:p>
           <a:p>
@@ -12767,6 +13053,364 @@
               <a:buChar char="•"/>
             </a:pPr>
             <a:endParaRPr lang="en-US" dirty="0"/>
+          </a:p>
+        </p:txBody>
+      </p:sp>
+      <p:pic>
+        <p:nvPicPr>
+          <p:cNvPr id="9" name="Picture 8">
+            <a:extLst>
+              <a:ext uri="{FF2B5EF4-FFF2-40B4-BE49-F238E27FC236}">
+                <a16:creationId xmlns:a16="http://schemas.microsoft.com/office/drawing/2014/main" id="{536F2DD1-9681-C954-3520-1AE8100706FC}"/>
+              </a:ext>
+            </a:extLst>
+          </p:cNvPr>
+          <p:cNvPicPr>
+            <a:picLocks noChangeAspect="1"/>
+          </p:cNvPicPr>
+          <p:nvPr/>
+        </p:nvPicPr>
+        <p:blipFill>
+          <a:blip r:embed="rId5">
+            <a:extLst>
+              <a:ext uri="{28A0092B-C50C-407E-A947-70E740481C1C}">
+                <a14:useLocalDpi xmlns:a14="http://schemas.microsoft.com/office/drawing/2010/main" val="0"/>
+              </a:ext>
+            </a:extLst>
+          </a:blip>
+          <a:stretch>
+            <a:fillRect/>
+          </a:stretch>
+        </p:blipFill>
+        <p:spPr>
+          <a:xfrm>
+            <a:off x="7852310" y="238375"/>
+            <a:ext cx="4254168" cy="3190625"/>
+          </a:xfrm>
+          <a:prstGeom prst="rect">
+            <a:avLst/>
+          </a:prstGeom>
+        </p:spPr>
+      </p:pic>
+      <p:pic>
+        <p:nvPicPr>
+          <p:cNvPr id="12" name="Picture 11" descr="Chart, scatter chart&#10;&#10;Description automatically generated">
+            <a:extLst>
+              <a:ext uri="{FF2B5EF4-FFF2-40B4-BE49-F238E27FC236}">
+                <a16:creationId xmlns:a16="http://schemas.microsoft.com/office/drawing/2014/main" id="{8B16C9FD-F69D-926C-CA16-1FA3E20DA34D}"/>
+              </a:ext>
+            </a:extLst>
+          </p:cNvPr>
+          <p:cNvPicPr>
+            <a:picLocks noChangeAspect="1"/>
+          </p:cNvPicPr>
+          <p:nvPr/>
+        </p:nvPicPr>
+        <p:blipFill>
+          <a:blip r:embed="rId6">
+            <a:extLst>
+              <a:ext uri="{28A0092B-C50C-407E-A947-70E740481C1C}">
+                <a14:useLocalDpi xmlns:a14="http://schemas.microsoft.com/office/drawing/2010/main" val="0"/>
+              </a:ext>
+            </a:extLst>
+          </a:blip>
+          <a:stretch>
+            <a:fillRect/>
+          </a:stretch>
+        </p:blipFill>
+        <p:spPr>
+          <a:xfrm>
+            <a:off x="7896700" y="3528874"/>
+            <a:ext cx="4192021" cy="3144016"/>
+          </a:xfrm>
+          <a:prstGeom prst="rect">
+            <a:avLst/>
+          </a:prstGeom>
+        </p:spPr>
+      </p:pic>
+      <p:sp>
+        <p:nvSpPr>
+          <p:cNvPr id="13" name="TextBox 12">
+            <a:extLst>
+              <a:ext uri="{FF2B5EF4-FFF2-40B4-BE49-F238E27FC236}">
+                <a16:creationId xmlns:a16="http://schemas.microsoft.com/office/drawing/2014/main" id="{2A884C25-DE22-2E06-70ED-EB7F6CF3993B}"/>
+              </a:ext>
+            </a:extLst>
+          </p:cNvPr>
+          <p:cNvSpPr txBox="1"/>
+          <p:nvPr/>
+        </p:nvSpPr>
+        <p:spPr>
+          <a:xfrm>
+            <a:off x="978430" y="8536646"/>
+            <a:ext cx="522166" cy="165452"/>
+          </a:xfrm>
+          <a:prstGeom prst="rect">
+            <a:avLst/>
+          </a:prstGeom>
+          <a:noFill/>
+        </p:spPr>
+        <p:txBody>
+          <a:bodyPr wrap="square" rtlCol="0">
+            <a:spAutoFit/>
+          </a:bodyPr>
+          <a:lstStyle/>
+          <a:p>
+            <a:endParaRPr lang="en-US" sz="1100" dirty="0"/>
+          </a:p>
+        </p:txBody>
+      </p:sp>
+      <p:sp>
+        <p:nvSpPr>
+          <p:cNvPr id="14" name="Rectangle 1">
+            <a:extLst>
+              <a:ext uri="{FF2B5EF4-FFF2-40B4-BE49-F238E27FC236}">
+                <a16:creationId xmlns:a16="http://schemas.microsoft.com/office/drawing/2014/main" id="{A53235E6-13F6-34B6-C431-FB4E8D8A767F}"/>
+              </a:ext>
+            </a:extLst>
+          </p:cNvPr>
+          <p:cNvSpPr>
+            <a:spLocks noChangeArrowheads="1"/>
+          </p:cNvSpPr>
+          <p:nvPr/>
+        </p:nvSpPr>
+        <p:spPr bwMode="auto">
+          <a:xfrm>
+            <a:off x="648070" y="4275647"/>
+            <a:ext cx="2148396" cy="153888"/>
+          </a:xfrm>
+          <a:prstGeom prst="rect">
+            <a:avLst/>
+          </a:prstGeom>
+          <a:solidFill>
+            <a:srgbClr val="FFFFFF"/>
+          </a:solidFill>
+          <a:ln>
+            <a:noFill/>
+          </a:ln>
+          <a:effectLst/>
+          <a:extLst>
+            <a:ext uri="{91240B29-F687-4F45-9708-019B960494DF}">
+              <a14:hiddenLine xmlns:a14="http://schemas.microsoft.com/office/drawing/2010/main" w="9525">
+                <a:solidFill>
+                  <a:schemeClr val="tx1"/>
+                </a:solidFill>
+                <a:miter lim="800000"/>
+                <a:headEnd/>
+                <a:tailEnd/>
+              </a14:hiddenLine>
+            </a:ext>
+            <a:ext uri="{AF507438-7753-43E0-B8FC-AC1667EBCBE1}">
+              <a14:hiddenEffects xmlns:a14="http://schemas.microsoft.com/office/drawing/2010/main">
+                <a:effectLst>
+                  <a:outerShdw dist="35921" dir="2700000" algn="ctr" rotWithShape="0">
+                    <a:schemeClr val="bg2"/>
+                  </a:outerShdw>
+                </a:effectLst>
+              </a14:hiddenEffects>
+            </a:ext>
+          </a:extLst>
+        </p:spPr>
+        <p:txBody>
+          <a:bodyPr vert="horz" wrap="square" lIns="0" tIns="0" rIns="0" bIns="0" numCol="1" anchor="ctr" anchorCtr="0" compatLnSpc="1">
+            <a:prstTxWarp prst="textNoShape">
+              <a:avLst/>
+            </a:prstTxWarp>
+            <a:spAutoFit/>
+          </a:bodyPr>
+          <a:lstStyle/>
+          <a:p>
+            <a:pPr marL="0" marR="0" lvl="0" indent="0" algn="l" defTabSz="914400" rtl="0" eaLnBrk="0" fontAlgn="base" latinLnBrk="0" hangingPunct="0">
+              <a:lnSpc>
+                <a:spcPct val="100000"/>
+              </a:lnSpc>
+              <a:spcBef>
+                <a:spcPct val="0"/>
+              </a:spcBef>
+              <a:spcAft>
+                <a:spcPct val="0"/>
+              </a:spcAft>
+              <a:buClrTx/>
+              <a:buSzTx/>
+              <a:buFontTx/>
+              <a:buNone/>
+              <a:tabLst/>
+            </a:pPr>
+            <a:r>
+              <a:rPr kumimoji="0" lang="en-US" altLang="en-US" sz="1000" b="0" i="0" u="none" strike="noStrike" cap="none" normalizeH="0" baseline="0" dirty="0">
+                <a:ln>
+                  <a:noFill/>
+                </a:ln>
+                <a:solidFill>
+                  <a:schemeClr val="tx1"/>
+                </a:solidFill>
+                <a:effectLst/>
+                <a:latin typeface="Arial Unicode MS"/>
+              </a:rPr>
+              <a:t>The </a:t>
+            </a:r>
+            <a:r>
+              <a:rPr kumimoji="0" lang="en-US" altLang="en-US" sz="1000" b="0" i="0" u="none" strike="noStrike" cap="none" normalizeH="0" baseline="0" dirty="0" err="1">
+                <a:ln>
+                  <a:noFill/>
+                </a:ln>
+                <a:solidFill>
+                  <a:schemeClr val="tx1"/>
+                </a:solidFill>
+                <a:effectLst/>
+                <a:latin typeface="Arial Unicode MS"/>
+              </a:rPr>
+              <a:t>r-value</a:t>
+            </a:r>
+            <a:r>
+              <a:rPr kumimoji="0" lang="en-US" altLang="en-US" sz="1000" b="0" i="0" u="none" strike="noStrike" cap="none" normalizeH="0" baseline="0" dirty="0">
+                <a:ln>
+                  <a:noFill/>
+                </a:ln>
+                <a:solidFill>
+                  <a:schemeClr val="tx1"/>
+                </a:solidFill>
+                <a:effectLst/>
+                <a:latin typeface="Arial Unicode MS"/>
+              </a:rPr>
+              <a:t> is: 0.5852636004828339</a:t>
+            </a:r>
+            <a:r>
+              <a:rPr kumimoji="0" lang="en-US" altLang="en-US" sz="800" b="0" i="0" u="none" strike="noStrike" cap="none" normalizeH="0" baseline="0" dirty="0">
+                <a:ln>
+                  <a:noFill/>
+                </a:ln>
+                <a:solidFill>
+                  <a:schemeClr val="tx1"/>
+                </a:solidFill>
+                <a:effectLst/>
+              </a:rPr>
+              <a:t> </a:t>
+            </a:r>
+            <a:endParaRPr kumimoji="0" lang="en-US" altLang="en-US" sz="1800" b="0" i="0" u="none" strike="noStrike" cap="none" normalizeH="0" baseline="0" dirty="0">
+              <a:ln>
+                <a:noFill/>
+              </a:ln>
+              <a:solidFill>
+                <a:schemeClr val="tx1"/>
+              </a:solidFill>
+              <a:effectLst/>
+              <a:latin typeface="Arial" panose="020B0604020202020204" pitchFamily="34" charset="0"/>
+            </a:endParaRPr>
+          </a:p>
+        </p:txBody>
+      </p:sp>
+      <p:sp>
+        <p:nvSpPr>
+          <p:cNvPr id="17" name="Rectangle 3">
+            <a:extLst>
+              <a:ext uri="{FF2B5EF4-FFF2-40B4-BE49-F238E27FC236}">
+                <a16:creationId xmlns:a16="http://schemas.microsoft.com/office/drawing/2014/main" id="{7F069975-5ED7-6773-3940-335A3D26D1E8}"/>
+              </a:ext>
+            </a:extLst>
+          </p:cNvPr>
+          <p:cNvSpPr>
+            <a:spLocks noChangeArrowheads="1"/>
+          </p:cNvSpPr>
+          <p:nvPr/>
+        </p:nvSpPr>
+        <p:spPr bwMode="auto">
+          <a:xfrm>
+            <a:off x="4483365" y="4268969"/>
+            <a:ext cx="2244571" cy="153888"/>
+          </a:xfrm>
+          <a:prstGeom prst="rect">
+            <a:avLst/>
+          </a:prstGeom>
+          <a:solidFill>
+            <a:srgbClr val="FFFFFF"/>
+          </a:solidFill>
+          <a:ln>
+            <a:noFill/>
+          </a:ln>
+          <a:effectLst/>
+          <a:extLst>
+            <a:ext uri="{91240B29-F687-4F45-9708-019B960494DF}">
+              <a14:hiddenLine xmlns:a14="http://schemas.microsoft.com/office/drawing/2010/main" w="9525">
+                <a:solidFill>
+                  <a:schemeClr val="tx1"/>
+                </a:solidFill>
+                <a:miter lim="800000"/>
+                <a:headEnd/>
+                <a:tailEnd/>
+              </a14:hiddenLine>
+            </a:ext>
+            <a:ext uri="{AF507438-7753-43E0-B8FC-AC1667EBCBE1}">
+              <a14:hiddenEffects xmlns:a14="http://schemas.microsoft.com/office/drawing/2010/main">
+                <a:effectLst>
+                  <a:outerShdw dist="35921" dir="2700000" algn="ctr" rotWithShape="0">
+                    <a:schemeClr val="bg2"/>
+                  </a:outerShdw>
+                </a:effectLst>
+              </a14:hiddenEffects>
+            </a:ext>
+          </a:extLst>
+        </p:spPr>
+        <p:txBody>
+          <a:bodyPr vert="horz" wrap="square" lIns="0" tIns="0" rIns="0" bIns="0" numCol="1" anchor="ctr" anchorCtr="0" compatLnSpc="1">
+            <a:prstTxWarp prst="textNoShape">
+              <a:avLst/>
+            </a:prstTxWarp>
+            <a:spAutoFit/>
+          </a:bodyPr>
+          <a:lstStyle/>
+          <a:p>
+            <a:pPr marL="0" marR="0" lvl="0" indent="0" algn="l" defTabSz="914400" rtl="0" eaLnBrk="0" fontAlgn="base" latinLnBrk="0" hangingPunct="0">
+              <a:lnSpc>
+                <a:spcPct val="100000"/>
+              </a:lnSpc>
+              <a:spcBef>
+                <a:spcPct val="0"/>
+              </a:spcBef>
+              <a:spcAft>
+                <a:spcPct val="0"/>
+              </a:spcAft>
+              <a:buClrTx/>
+              <a:buSzTx/>
+              <a:buFontTx/>
+              <a:buNone/>
+              <a:tabLst/>
+            </a:pPr>
+            <a:r>
+              <a:rPr kumimoji="0" lang="en-US" altLang="en-US" sz="1000" b="0" i="0" u="none" strike="noStrike" cap="none" normalizeH="0" baseline="0">
+                <a:ln>
+                  <a:noFill/>
+                </a:ln>
+                <a:solidFill>
+                  <a:schemeClr val="tx1"/>
+                </a:solidFill>
+                <a:effectLst/>
+                <a:latin typeface="Arial Unicode MS"/>
+              </a:rPr>
+              <a:t>The r-value is: 0.6725286030848764</a:t>
+            </a:r>
+            <a:r>
+              <a:rPr kumimoji="0" lang="en-US" altLang="en-US" sz="800" b="0" i="0" u="none" strike="noStrike" cap="none" normalizeH="0" baseline="0">
+                <a:ln>
+                  <a:noFill/>
+                </a:ln>
+                <a:solidFill>
+                  <a:schemeClr val="tx1"/>
+                </a:solidFill>
+                <a:effectLst/>
+              </a:rPr>
+              <a:t> </a:t>
+            </a:r>
+            <a:endParaRPr kumimoji="0" lang="en-US" altLang="en-US" sz="1800" b="0" i="0" u="none" strike="noStrike" cap="none" normalizeH="0" baseline="0">
+              <a:ln>
+                <a:noFill/>
+              </a:ln>
+              <a:solidFill>
+                <a:schemeClr val="tx1"/>
+              </a:solidFill>
+              <a:effectLst/>
+              <a:latin typeface="Arial" panose="020B0604020202020204" pitchFamily="34" charset="0"/>
+            </a:endParaRPr>
           </a:p>
         </p:txBody>
       </p:sp>

--- a/HappinessRetirementConundrum.pptx
+++ b/HappinessRetirementConundrum.pptx
@@ -9221,20 +9221,6 @@
               <a:buFont typeface="Courier New" panose="02070309020205020404" pitchFamily="49" charset="0"/>
               <a:buChar char="o"/>
             </a:pPr>
-            <a:endParaRPr lang="en-US" sz="2400" dirty="0">
-              <a:solidFill>
-                <a:srgbClr val="0070C0"/>
-              </a:solidFill>
-            </a:endParaRPr>
-          </a:p>
-          <a:p>
-            <a:pPr marL="285750" indent="-285750">
-              <a:lnSpc>
-                <a:spcPct val="90000"/>
-              </a:lnSpc>
-              <a:buFont typeface="Courier New" panose="02070309020205020404" pitchFamily="49" charset="0"/>
-              <a:buChar char="o"/>
-            </a:pPr>
             <a:r>
               <a:rPr lang="en-US" sz="2400" dirty="0">
                 <a:solidFill>
@@ -15288,21 +15274,6 @@
 </file>
 
 <file path=customXml/item1.xml><?xml version="1.0" encoding="utf-8"?>
-<?mso-contentType ?>
-<FormTemplates xmlns="http://schemas.microsoft.com/sharepoint/v3/contenttype/forms">
-  <Display>DocumentLibraryForm</Display>
-  <Edit>DocumentLibraryForm</Edit>
-  <New>DocumentLibraryForm</New>
-</FormTemplates>
-</file>
-
-<file path=customXml/item2.xml><?xml version="1.0" encoding="utf-8"?>
-<p:properties xmlns:p="http://schemas.microsoft.com/office/2006/metadata/properties" xmlns:xsi="http://www.w3.org/2001/XMLSchema-instance" xmlns:pc="http://schemas.microsoft.com/office/infopath/2007/PartnerControls">
-  <documentManagement/>
-</p:properties>
-</file>
-
-<file path=customXml/item3.xml><?xml version="1.0" encoding="utf-8"?>
 <ct:contentTypeSchema xmlns:ct="http://schemas.microsoft.com/office/2006/metadata/contentType" xmlns:ma="http://schemas.microsoft.com/office/2006/metadata/properties/metaAttributes" ct:_="" ma:_="" ma:contentTypeName="Document" ma:contentTypeID="0x01010022E97965CEF07F4BB0DD4FFED26FBEBA" ma:contentTypeVersion="2" ma:contentTypeDescription="Create a new document." ma:contentTypeScope="" ma:versionID="ee461658e23f52c8a6140612ac783eb1">
   <xsd:schema xmlns:xsd="http://www.w3.org/2001/XMLSchema" xmlns:xs="http://www.w3.org/2001/XMLSchema" xmlns:p="http://schemas.microsoft.com/office/2006/metadata/properties" xmlns:ns3="197ba2cb-a464-46ea-9159-3cb22f4b1dd5" targetNamespace="http://schemas.microsoft.com/office/2006/metadata/properties" ma:root="true" ma:fieldsID="9d46c490d83f5d9adae20b456ce60064" ns3:_="">
     <xsd:import namespace="197ba2cb-a464-46ea-9159-3cb22f4b1dd5"/>
@@ -15434,10 +15405,35 @@
 </ct:contentTypeSchema>
 </file>
 
+<file path=customXml/item2.xml><?xml version="1.0" encoding="utf-8"?>
+<p:properties xmlns:p="http://schemas.microsoft.com/office/2006/metadata/properties" xmlns:xsi="http://www.w3.org/2001/XMLSchema-instance" xmlns:pc="http://schemas.microsoft.com/office/infopath/2007/PartnerControls">
+  <documentManagement/>
+</p:properties>
+</file>
+
+<file path=customXml/item3.xml><?xml version="1.0" encoding="utf-8"?>
+<?mso-contentType ?>
+<FormTemplates xmlns="http://schemas.microsoft.com/sharepoint/v3/contenttype/forms">
+  <Display>DocumentLibraryForm</Display>
+  <Edit>DocumentLibraryForm</Edit>
+  <New>DocumentLibraryForm</New>
+</FormTemplates>
+</file>
+
 <file path=customXml/itemProps1.xml><?xml version="1.0" encoding="utf-8"?>
-<ds:datastoreItem xmlns:ds="http://schemas.openxmlformats.org/officeDocument/2006/customXml" ds:itemID="{0DFA9DF9-BC4A-4BE5-977C-B18B583190B7}">
+<ds:datastoreItem xmlns:ds="http://schemas.openxmlformats.org/officeDocument/2006/customXml" ds:itemID="{8370DAA8-EA6E-4E3C-9CF9-402B5A935382}">
   <ds:schemaRefs>
-    <ds:schemaRef ds:uri="http://schemas.microsoft.com/sharepoint/v3/contenttype/forms"/>
+    <ds:schemaRef ds:uri="http://schemas.microsoft.com/office/2006/metadata/contentType"/>
+    <ds:schemaRef ds:uri="http://schemas.microsoft.com/office/2006/metadata/properties/metaAttributes"/>
+    <ds:schemaRef ds:uri="http://www.w3.org/2001/XMLSchema"/>
+    <ds:schemaRef ds:uri="http://schemas.microsoft.com/office/2006/metadata/properties"/>
+    <ds:schemaRef ds:uri="197ba2cb-a464-46ea-9159-3cb22f4b1dd5"/>
+    <ds:schemaRef ds:uri="http://schemas.microsoft.com/office/2006/documentManagement/types"/>
+    <ds:schemaRef ds:uri="http://schemas.microsoft.com/office/infopath/2007/PartnerControls"/>
+    <ds:schemaRef ds:uri="http://schemas.openxmlformats.org/package/2006/metadata/core-properties"/>
+    <ds:schemaRef ds:uri="http://purl.org/dc/elements/1.1/"/>
+    <ds:schemaRef ds:uri="http://purl.org/dc/terms/"/>
+    <ds:schemaRef ds:uri="http://schemas.microsoft.com/internal/obd"/>
   </ds:schemaRefs>
 </ds:datastoreItem>
 </file>
@@ -15459,19 +15455,9 @@
 </file>
 
 <file path=customXml/itemProps3.xml><?xml version="1.0" encoding="utf-8"?>
-<ds:datastoreItem xmlns:ds="http://schemas.openxmlformats.org/officeDocument/2006/customXml" ds:itemID="{8370DAA8-EA6E-4E3C-9CF9-402B5A935382}">
+<ds:datastoreItem xmlns:ds="http://schemas.openxmlformats.org/officeDocument/2006/customXml" ds:itemID="{0DFA9DF9-BC4A-4BE5-977C-B18B583190B7}">
   <ds:schemaRefs>
-    <ds:schemaRef ds:uri="http://schemas.microsoft.com/office/2006/metadata/contentType"/>
-    <ds:schemaRef ds:uri="http://schemas.microsoft.com/office/2006/metadata/properties/metaAttributes"/>
-    <ds:schemaRef ds:uri="http://www.w3.org/2001/XMLSchema"/>
-    <ds:schemaRef ds:uri="http://schemas.microsoft.com/office/2006/metadata/properties"/>
-    <ds:schemaRef ds:uri="197ba2cb-a464-46ea-9159-3cb22f4b1dd5"/>
-    <ds:schemaRef ds:uri="http://schemas.microsoft.com/office/2006/documentManagement/types"/>
-    <ds:schemaRef ds:uri="http://schemas.microsoft.com/office/infopath/2007/PartnerControls"/>
-    <ds:schemaRef ds:uri="http://schemas.openxmlformats.org/package/2006/metadata/core-properties"/>
-    <ds:schemaRef ds:uri="http://purl.org/dc/elements/1.1/"/>
-    <ds:schemaRef ds:uri="http://purl.org/dc/terms/"/>
-    <ds:schemaRef ds:uri="http://schemas.microsoft.com/internal/obd"/>
+    <ds:schemaRef ds:uri="http://schemas.microsoft.com/sharepoint/v3/contenttype/forms"/>
   </ds:schemaRefs>
 </ds:datastoreItem>
 </file>
--- a/HappinessRetirementConundrum.pptx
+++ b/HappinessRetirementConundrum.pptx
@@ -341,7 +341,7 @@
           <a:p>
             <a:fld id="{C485584D-7D79-4248-9986-4CA35242F944}" type="datetimeFigureOut">
               <a:rPr lang="en-US" smtClean="0"/>
-              <a:t>2/14/2023</a:t>
+              <a:t>2/15/2023</a:t>
             </a:fld>
             <a:endParaRPr lang="en-US"/>
           </a:p>
@@ -715,7 +715,7 @@
           <a:p>
             <a:fld id="{C485584D-7D79-4248-9986-4CA35242F944}" type="datetimeFigureOut">
               <a:rPr lang="en-US" smtClean="0"/>
-              <a:t>2/14/2023</a:t>
+              <a:t>2/15/2023</a:t>
             </a:fld>
             <a:endParaRPr lang="en-US"/>
           </a:p>
@@ -925,7 +925,7 @@
           <a:p>
             <a:fld id="{C485584D-7D79-4248-9986-4CA35242F944}" type="datetimeFigureOut">
               <a:rPr lang="en-US" smtClean="0"/>
-              <a:t>2/14/2023</a:t>
+              <a:t>2/15/2023</a:t>
             </a:fld>
             <a:endParaRPr lang="en-US"/>
           </a:p>
@@ -1124,7 +1124,7 @@
           <a:p>
             <a:fld id="{C485584D-7D79-4248-9986-4CA35242F944}" type="datetimeFigureOut">
               <a:rPr lang="en-US" smtClean="0"/>
-              <a:t>2/14/2023</a:t>
+              <a:t>2/15/2023</a:t>
             </a:fld>
             <a:endParaRPr lang="en-US"/>
           </a:p>
@@ -1237,7 +1237,7 @@
           <a:p>
             <a:fld id="{C485584D-7D79-4248-9986-4CA35242F944}" type="datetimeFigureOut">
               <a:rPr lang="en-US" smtClean="0"/>
-              <a:t>2/14/2023</a:t>
+              <a:t>2/15/2023</a:t>
             </a:fld>
             <a:endParaRPr lang="en-US"/>
           </a:p>
@@ -1973,7 +1973,7 @@
           <a:p>
             <a:fld id="{C485584D-7D79-4248-9986-4CA35242F944}" type="datetimeFigureOut">
               <a:rPr lang="en-US" smtClean="0"/>
-              <a:t>2/14/2023</a:t>
+              <a:t>2/15/2023</a:t>
             </a:fld>
             <a:endParaRPr lang="en-US"/>
           </a:p>
@@ -2389,7 +2389,7 @@
           <a:p>
             <a:fld id="{C485584D-7D79-4248-9986-4CA35242F944}" type="datetimeFigureOut">
               <a:rPr lang="en-US" smtClean="0"/>
-              <a:t>2/14/2023</a:t>
+              <a:t>2/15/2023</a:t>
             </a:fld>
             <a:endParaRPr lang="en-US"/>
           </a:p>
@@ -2530,7 +2530,7 @@
           <a:p>
             <a:fld id="{C485584D-7D79-4248-9986-4CA35242F944}" type="datetimeFigureOut">
               <a:rPr lang="en-US" smtClean="0"/>
-              <a:t>2/14/2023</a:t>
+              <a:t>2/15/2023</a:t>
             </a:fld>
             <a:endParaRPr lang="en-US"/>
           </a:p>
@@ -2643,7 +2643,7 @@
           <a:p>
             <a:fld id="{C485584D-7D79-4248-9986-4CA35242F944}" type="datetimeFigureOut">
               <a:rPr lang="en-US" smtClean="0"/>
-              <a:t>2/14/2023</a:t>
+              <a:t>2/15/2023</a:t>
             </a:fld>
             <a:endParaRPr lang="en-US"/>
           </a:p>
@@ -2956,7 +2956,7 @@
           <a:p>
             <a:fld id="{C485584D-7D79-4248-9986-4CA35242F944}" type="datetimeFigureOut">
               <a:rPr lang="en-US" smtClean="0"/>
-              <a:t>2/14/2023</a:t>
+              <a:t>2/15/2023</a:t>
             </a:fld>
             <a:endParaRPr lang="en-US"/>
           </a:p>
@@ -3248,7 +3248,7 @@
           <a:p>
             <a:fld id="{C485584D-7D79-4248-9986-4CA35242F944}" type="datetimeFigureOut">
               <a:rPr lang="en-US" smtClean="0"/>
-              <a:t>2/14/2023</a:t>
+              <a:t>2/15/2023</a:t>
             </a:fld>
             <a:endParaRPr lang="en-US"/>
           </a:p>
@@ -3568,7 +3568,7 @@
           <a:p>
             <a:fld id="{C485584D-7D79-4248-9986-4CA35242F944}" type="datetimeFigureOut">
               <a:rPr lang="en-US" smtClean="0"/>
-              <a:t>2/14/2023</a:t>
+              <a:t>2/15/2023</a:t>
             </a:fld>
             <a:endParaRPr lang="en-US"/>
           </a:p>
@@ -6585,7 +6585,7 @@
                   <a:srgbClr val="002060"/>
                 </a:solidFill>
               </a:rPr>
-              <a:t>Weather in Retirement 2027</a:t>
+              <a:t>Weather as a Factor For 2027 Retirement</a:t>
             </a:r>
           </a:p>
         </p:txBody>
@@ -6908,6 +6908,397 @@
           </p:spPr>
         </p:pic>
       </p:grpSp>
+      <p:pic>
+        <p:nvPicPr>
+          <p:cNvPr id="4" name="Picture 3" descr="Graphical user interface, text&#10;&#10;Description automatically generated">
+            <a:extLst>
+              <a:ext uri="{FF2B5EF4-FFF2-40B4-BE49-F238E27FC236}">
+                <a16:creationId xmlns:a16="http://schemas.microsoft.com/office/drawing/2014/main" id="{8E312DEA-1A25-16B5-5C34-53154A132AF4}"/>
+              </a:ext>
+            </a:extLst>
+          </p:cNvPr>
+          <p:cNvPicPr>
+            <a:picLocks noChangeAspect="1"/>
+          </p:cNvPicPr>
+          <p:nvPr/>
+        </p:nvPicPr>
+        <p:blipFill>
+          <a:blip r:embed="rId3" cstate="print">
+            <a:extLst>
+              <a:ext uri="{28A0092B-C50C-407E-A947-70E740481C1C}">
+                <a14:useLocalDpi xmlns:a14="http://schemas.microsoft.com/office/drawing/2010/main" val="0"/>
+              </a:ext>
+            </a:extLst>
+          </a:blip>
+          <a:stretch>
+            <a:fillRect/>
+          </a:stretch>
+        </p:blipFill>
+        <p:spPr>
+          <a:xfrm>
+            <a:off x="7620000" y="53893"/>
+            <a:ext cx="2149797" cy="1895828"/>
+          </a:xfrm>
+          <a:prstGeom prst="rect">
+            <a:avLst/>
+          </a:prstGeom>
+        </p:spPr>
+      </p:pic>
+      <p:pic>
+        <p:nvPicPr>
+          <p:cNvPr id="9" name="Picture 8" descr="Graphical user interface, text, application&#10;&#10;Description automatically generated">
+            <a:extLst>
+              <a:ext uri="{FF2B5EF4-FFF2-40B4-BE49-F238E27FC236}">
+                <a16:creationId xmlns:a16="http://schemas.microsoft.com/office/drawing/2014/main" id="{A2BED16D-EF57-EC88-922D-B11C00DEAE58}"/>
+              </a:ext>
+            </a:extLst>
+          </p:cNvPr>
+          <p:cNvPicPr>
+            <a:picLocks noChangeAspect="1"/>
+          </p:cNvPicPr>
+          <p:nvPr/>
+        </p:nvPicPr>
+        <p:blipFill>
+          <a:blip r:embed="rId4" cstate="print">
+            <a:extLst>
+              <a:ext uri="{28A0092B-C50C-407E-A947-70E740481C1C}">
+                <a14:useLocalDpi xmlns:a14="http://schemas.microsoft.com/office/drawing/2010/main" val="0"/>
+              </a:ext>
+            </a:extLst>
+          </a:blip>
+          <a:stretch>
+            <a:fillRect/>
+          </a:stretch>
+        </p:blipFill>
+        <p:spPr>
+          <a:xfrm>
+            <a:off x="9908573" y="53894"/>
+            <a:ext cx="2160029" cy="1895827"/>
+          </a:xfrm>
+          <a:prstGeom prst="rect">
+            <a:avLst/>
+          </a:prstGeom>
+        </p:spPr>
+      </p:pic>
+      <p:pic>
+        <p:nvPicPr>
+          <p:cNvPr id="11" name="Picture 10" descr="Text&#10;&#10;Description automatically generated">
+            <a:extLst>
+              <a:ext uri="{FF2B5EF4-FFF2-40B4-BE49-F238E27FC236}">
+                <a16:creationId xmlns:a16="http://schemas.microsoft.com/office/drawing/2014/main" id="{FB7F48BF-2A55-A763-A1BC-97AF053B913E}"/>
+              </a:ext>
+            </a:extLst>
+          </p:cNvPr>
+          <p:cNvPicPr>
+            <a:picLocks noChangeAspect="1"/>
+          </p:cNvPicPr>
+          <p:nvPr/>
+        </p:nvPicPr>
+        <p:blipFill>
+          <a:blip r:embed="rId5" cstate="print">
+            <a:extLst>
+              <a:ext uri="{28A0092B-C50C-407E-A947-70E740481C1C}">
+                <a14:useLocalDpi xmlns:a14="http://schemas.microsoft.com/office/drawing/2010/main" val="0"/>
+              </a:ext>
+            </a:extLst>
+          </a:blip>
+          <a:stretch>
+            <a:fillRect/>
+          </a:stretch>
+        </p:blipFill>
+        <p:spPr>
+          <a:xfrm>
+            <a:off x="7628697" y="2057506"/>
+            <a:ext cx="2141100" cy="1879214"/>
+          </a:xfrm>
+          <a:prstGeom prst="rect">
+            <a:avLst/>
+          </a:prstGeom>
+        </p:spPr>
+      </p:pic>
+      <p:pic>
+        <p:nvPicPr>
+          <p:cNvPr id="13" name="Picture 12" descr="Text&#10;&#10;Description automatically generated with medium confidence">
+            <a:extLst>
+              <a:ext uri="{FF2B5EF4-FFF2-40B4-BE49-F238E27FC236}">
+                <a16:creationId xmlns:a16="http://schemas.microsoft.com/office/drawing/2014/main" id="{8EA7001A-4F07-3269-5B1D-473007275220}"/>
+              </a:ext>
+            </a:extLst>
+          </p:cNvPr>
+          <p:cNvPicPr>
+            <a:picLocks noChangeAspect="1"/>
+          </p:cNvPicPr>
+          <p:nvPr/>
+        </p:nvPicPr>
+        <p:blipFill>
+          <a:blip r:embed="rId6" cstate="print">
+            <a:extLst>
+              <a:ext uri="{28A0092B-C50C-407E-A947-70E740481C1C}">
+                <a14:useLocalDpi xmlns:a14="http://schemas.microsoft.com/office/drawing/2010/main" val="0"/>
+              </a:ext>
+            </a:extLst>
+          </a:blip>
+          <a:stretch>
+            <a:fillRect/>
+          </a:stretch>
+        </p:blipFill>
+        <p:spPr>
+          <a:xfrm>
+            <a:off x="9919058" y="2041360"/>
+            <a:ext cx="2141101" cy="1888998"/>
+          </a:xfrm>
+          <a:prstGeom prst="rect">
+            <a:avLst/>
+          </a:prstGeom>
+        </p:spPr>
+      </p:pic>
+      <p:pic>
+        <p:nvPicPr>
+          <p:cNvPr id="15" name="Picture 14" descr="Graphical user interface, text, application&#10;&#10;Description automatically generated">
+            <a:extLst>
+              <a:ext uri="{FF2B5EF4-FFF2-40B4-BE49-F238E27FC236}">
+                <a16:creationId xmlns:a16="http://schemas.microsoft.com/office/drawing/2014/main" id="{300733E9-70C1-5600-D9E8-7C29756E768B}"/>
+              </a:ext>
+            </a:extLst>
+          </p:cNvPr>
+          <p:cNvPicPr>
+            <a:picLocks noChangeAspect="1"/>
+          </p:cNvPicPr>
+          <p:nvPr/>
+        </p:nvPicPr>
+        <p:blipFill>
+          <a:blip r:embed="rId7">
+            <a:extLst>
+              <a:ext uri="{28A0092B-C50C-407E-A947-70E740481C1C}">
+                <a14:useLocalDpi xmlns:a14="http://schemas.microsoft.com/office/drawing/2010/main" val="0"/>
+              </a:ext>
+            </a:extLst>
+          </a:blip>
+          <a:stretch>
+            <a:fillRect/>
+          </a:stretch>
+        </p:blipFill>
+        <p:spPr>
+          <a:xfrm>
+            <a:off x="8600672" y="4143706"/>
+            <a:ext cx="2781703" cy="2437433"/>
+          </a:xfrm>
+          <a:prstGeom prst="rect">
+            <a:avLst/>
+          </a:prstGeom>
+        </p:spPr>
+      </p:pic>
+      <mc:AlternateContent xmlns:mc="http://schemas.openxmlformats.org/markup-compatibility/2006" xmlns:a14="http://schemas.microsoft.com/office/drawing/2010/main">
+        <mc:Choice Requires="a14">
+          <p:sp>
+            <p:nvSpPr>
+              <p:cNvPr id="16" name="TextBox 15">
+                <a:extLst>
+                  <a:ext uri="{FF2B5EF4-FFF2-40B4-BE49-F238E27FC236}">
+                    <a16:creationId xmlns:a16="http://schemas.microsoft.com/office/drawing/2014/main" id="{007B20C2-7FF1-C669-45B8-58C94783F6CB}"/>
+                  </a:ext>
+                </a:extLst>
+              </p:cNvPr>
+              <p:cNvSpPr txBox="1"/>
+              <p:nvPr/>
+            </p:nvSpPr>
+            <p:spPr>
+              <a:xfrm>
+                <a:off x="356919" y="2716823"/>
+                <a:ext cx="3208241" cy="2677656"/>
+              </a:xfrm>
+              <a:prstGeom prst="rect">
+                <a:avLst/>
+              </a:prstGeom>
+              <a:noFill/>
+            </p:spPr>
+            <p:txBody>
+              <a:bodyPr wrap="square" rtlCol="0">
+                <a:spAutoFit/>
+              </a:bodyPr>
+              <a:lstStyle/>
+              <a:p>
+                <a:r>
+                  <a:rPr lang="en-US" sz="1200" b="1" dirty="0"/>
+                  <a:t>New Zealand</a:t>
+                </a:r>
+              </a:p>
+              <a:p>
+                <a:r>
+                  <a:rPr lang="en-US" sz="1200" dirty="0"/>
+                  <a:t>Temp was checked on 2-15-23 @ 1013 (15 </a:t>
+                </a:r>
+                <a14:m>
+                  <m:oMath xmlns:m="http://schemas.openxmlformats.org/officeDocument/2006/math">
+                    <m:r>
+                      <a:rPr lang="en-US" sz="1200" b="0" i="1" smtClean="0">
+                        <a:latin typeface="Cambria Math" panose="02040503050406030204" pitchFamily="18" charset="0"/>
+                      </a:rPr>
+                      <m:t>°</m:t>
+                    </m:r>
+                    <m:r>
+                      <a:rPr lang="en-US" sz="1200" b="0" i="1" smtClean="0">
+                        <a:latin typeface="Cambria Math" panose="02040503050406030204" pitchFamily="18" charset="0"/>
+                      </a:rPr>
+                      <m:t>𝐶</m:t>
+                    </m:r>
+                    <m:r>
+                      <a:rPr lang="en-US" sz="1200" b="0" i="1" smtClean="0">
+                        <a:latin typeface="Cambria Math" panose="02040503050406030204" pitchFamily="18" charset="0"/>
+                      </a:rPr>
+                      <m:t>)</m:t>
+                    </m:r>
+                  </m:oMath>
+                </a14:m>
+                <a:endParaRPr lang="en-US" sz="1200" dirty="0"/>
+              </a:p>
+              <a:p>
+                <a:r>
+                  <a:rPr lang="en-US" sz="1200" dirty="0"/>
+                  <a:t> </a:t>
+                </a:r>
+              </a:p>
+              <a:p>
+                <a:r>
+                  <a:rPr lang="en-US" sz="1200" b="1" dirty="0"/>
+                  <a:t>Denmark</a:t>
+                </a:r>
+              </a:p>
+              <a:p>
+                <a:r>
+                  <a:rPr lang="en-US" sz="1200" dirty="0"/>
+                  <a:t>Temp was checked on 2-15-23 @ 1017 (17 °C)</a:t>
+                </a:r>
+              </a:p>
+              <a:p>
+                <a:endParaRPr lang="en-US" sz="1200" dirty="0"/>
+              </a:p>
+              <a:p>
+                <a:r>
+                  <a:rPr lang="en-US" sz="1200" b="1" dirty="0"/>
+                  <a:t>Sweden</a:t>
+                </a:r>
+              </a:p>
+              <a:p>
+                <a:r>
+                  <a:rPr lang="en-US" sz="1200" dirty="0"/>
+                  <a:t> Temp was checked on 2-15-23 @ 1014 (-1 °C)</a:t>
+                </a:r>
+              </a:p>
+              <a:p>
+                <a:endParaRPr lang="en-US" sz="1200" dirty="0"/>
+              </a:p>
+              <a:p>
+                <a:r>
+                  <a:rPr lang="en-US" sz="1200" b="1" dirty="0"/>
+                  <a:t>Norway</a:t>
+                </a:r>
+              </a:p>
+              <a:p>
+                <a:r>
+                  <a:rPr lang="en-US" sz="1200" dirty="0"/>
+                  <a:t>Temp was checked on 2-15-23 @ 1015 (4 °C)</a:t>
+                </a:r>
+              </a:p>
+              <a:p>
+                <a:endParaRPr lang="en-US" sz="1200" dirty="0"/>
+              </a:p>
+              <a:p>
+                <a:r>
+                  <a:rPr lang="en-US" sz="1200" b="1" dirty="0"/>
+                  <a:t>Australia</a:t>
+                </a:r>
+              </a:p>
+              <a:p>
+                <a:r>
+                  <a:rPr lang="en-US" sz="1200" dirty="0"/>
+                  <a:t> Temp was checked on 2-15-23 @ 1016 (29 °C)</a:t>
+                </a:r>
+              </a:p>
+            </p:txBody>
+          </p:sp>
+        </mc:Choice>
+        <mc:Fallback xmlns="">
+          <p:sp>
+            <p:nvSpPr>
+              <p:cNvPr id="16" name="TextBox 15">
+                <a:extLst>
+                  <a:ext uri="{FF2B5EF4-FFF2-40B4-BE49-F238E27FC236}">
+                    <a16:creationId xmlns:a16="http://schemas.microsoft.com/office/drawing/2014/main" id="{007B20C2-7FF1-C669-45B8-58C94783F6CB}"/>
+                  </a:ext>
+                </a:extLst>
+              </p:cNvPr>
+              <p:cNvSpPr txBox="1">
+                <a:spLocks noRot="1" noChangeAspect="1" noMove="1" noResize="1" noEditPoints="1" noAdjustHandles="1" noChangeArrowheads="1" noChangeShapeType="1" noTextEdit="1"/>
+              </p:cNvSpPr>
+              <p:nvPr/>
+            </p:nvSpPr>
+            <p:spPr>
+              <a:xfrm>
+                <a:off x="356919" y="2716823"/>
+                <a:ext cx="3208241" cy="2677656"/>
+              </a:xfrm>
+              <a:prstGeom prst="rect">
+                <a:avLst/>
+              </a:prstGeom>
+              <a:blipFill>
+                <a:blip r:embed="rId8"/>
+                <a:stretch>
+                  <a:fillRect l="-190" t="-228" b="-911"/>
+                </a:stretch>
+              </a:blipFill>
+            </p:spPr>
+            <p:txBody>
+              <a:bodyPr/>
+              <a:lstStyle/>
+              <a:p>
+                <a:r>
+                  <a:rPr lang="en-US">
+                    <a:noFill/>
+                  </a:rPr>
+                  <a:t> </a:t>
+                </a:r>
+              </a:p>
+            </p:txBody>
+          </p:sp>
+        </mc:Fallback>
+      </mc:AlternateContent>
+      <p:pic>
+        <p:nvPicPr>
+          <p:cNvPr id="18" name="Picture 17" descr="Table&#10;&#10;Description automatically generated">
+            <a:extLst>
+              <a:ext uri="{FF2B5EF4-FFF2-40B4-BE49-F238E27FC236}">
+                <a16:creationId xmlns:a16="http://schemas.microsoft.com/office/drawing/2014/main" id="{B2B2AC15-51CB-B02B-33F2-AB9C4118BA4A}"/>
+              </a:ext>
+            </a:extLst>
+          </p:cNvPr>
+          <p:cNvPicPr>
+            <a:picLocks noChangeAspect="1"/>
+          </p:cNvPicPr>
+          <p:nvPr/>
+        </p:nvPicPr>
+        <p:blipFill>
+          <a:blip r:embed="rId9">
+            <a:extLst>
+              <a:ext uri="{28A0092B-C50C-407E-A947-70E740481C1C}">
+                <a14:useLocalDpi xmlns:a14="http://schemas.microsoft.com/office/drawing/2010/main" val="0"/>
+              </a:ext>
+            </a:extLst>
+          </a:blip>
+          <a:stretch>
+            <a:fillRect/>
+          </a:stretch>
+        </p:blipFill>
+        <p:spPr>
+          <a:xfrm>
+            <a:off x="3879328" y="2985859"/>
+            <a:ext cx="3097809" cy="2333883"/>
+          </a:xfrm>
+          <a:prstGeom prst="rect">
+            <a:avLst/>
+          </a:prstGeom>
+        </p:spPr>
+      </p:pic>
     </p:spTree>
     <p:extLst>
       <p:ext uri="{BB962C8B-B14F-4D97-AF65-F5344CB8AC3E}">
@@ -7793,50 +8184,13 @@
               <a:buChar char="o"/>
             </a:pPr>
             <a:r>
-              <a:rPr lang="en-US" sz="2400" dirty="0">
+              <a:rPr lang="en-US" sz="1800" dirty="0">
                 <a:solidFill>
                   <a:srgbClr val="0070C0"/>
                 </a:solidFill>
               </a:rPr>
-              <a:t>Which countries are projected to be the best places to live by 2027? </a:t>
+              <a:t>What are the average happiness scores across the years and in what countries? Happiest, middle and least?</a:t>
             </a:r>
-          </a:p>
-          <a:p>
-            <a:pPr lvl="1" indent="0">
-              <a:lnSpc>
-                <a:spcPct val="90000"/>
-              </a:lnSpc>
-              <a:buNone/>
-            </a:pPr>
-            <a:r>
-              <a:rPr lang="en-US" sz="2200" dirty="0">
-                <a:solidFill>
-                  <a:srgbClr val="0070C0"/>
-                </a:solidFill>
-              </a:rPr>
-              <a:t>	</a:t>
-            </a:r>
-            <a:r>
-              <a:rPr lang="en-US" sz="2400" dirty="0">
-                <a:solidFill>
-                  <a:srgbClr val="0070C0"/>
-                </a:solidFill>
-              </a:rPr>
-              <a:t>What factors have the greatest influence?</a:t>
-            </a:r>
-          </a:p>
-          <a:p>
-            <a:pPr lvl="1" indent="0">
-              <a:lnSpc>
-                <a:spcPct val="90000"/>
-              </a:lnSpc>
-              <a:buNone/>
-            </a:pPr>
-            <a:endParaRPr lang="en-US" sz="2400" dirty="0">
-              <a:solidFill>
-                <a:srgbClr val="0070C0"/>
-              </a:solidFill>
-            </a:endParaRPr>
           </a:p>
           <a:p>
             <a:pPr marL="342900" indent="-342900">
@@ -7847,13 +8201,12 @@
               <a:buChar char="o"/>
             </a:pPr>
             <a:r>
-              <a:rPr lang="en-US" sz="2400" b="0" i="0" dirty="0">
+              <a:rPr lang="en-US" sz="1800" dirty="0">
                 <a:solidFill>
                   <a:srgbClr val="0070C0"/>
                 </a:solidFill>
-                <a:effectLst/>
               </a:rPr>
-              <a:t>What are the average happiness scores across the years and the top scores in what countries? </a:t>
+              <a:t>What are the main factors that determine the highest levels of happiness?</a:t>
             </a:r>
           </a:p>
           <a:p>
@@ -7865,19 +8218,13 @@
               <a:buChar char="o"/>
             </a:pPr>
             <a:r>
-              <a:rPr lang="en-US" sz="2400" b="0" i="0" dirty="0">
+              <a:rPr lang="en-US" sz="1800" dirty="0">
                 <a:solidFill>
                   <a:srgbClr val="0070C0"/>
                 </a:solidFill>
-                <a:effectLst/>
               </a:rPr>
-              <a:t>What are the main factors that determine the highest levels of happiness?</a:t>
+              <a:t>Are people happier in the pre or post Covid years?  Why? Why not?</a:t>
             </a:r>
-            <a:endParaRPr lang="en-US" sz="2400" dirty="0">
-              <a:solidFill>
-                <a:srgbClr val="0070C0"/>
-              </a:solidFill>
-            </a:endParaRPr>
           </a:p>
           <a:p>
             <a:pPr marL="342900" indent="-342900">
@@ -7887,11 +8234,48 @@
               <a:buFont typeface="Courier New" panose="02070309020205020404" pitchFamily="49" charset="0"/>
               <a:buChar char="o"/>
             </a:pPr>
-            <a:endParaRPr lang="en-US" sz="2400" dirty="0">
-              <a:solidFill>
-                <a:srgbClr val="0070C0"/>
-              </a:solidFill>
-            </a:endParaRPr>
+            <a:r>
+              <a:rPr lang="en-US" sz="1800" dirty="0">
+                <a:solidFill>
+                  <a:srgbClr val="0070C0"/>
+                </a:solidFill>
+              </a:rPr>
+              <a:t>Which countries will be the best places to live in the next decade and why? </a:t>
+            </a:r>
+          </a:p>
+          <a:p>
+            <a:pPr marL="342900" indent="-342900">
+              <a:lnSpc>
+                <a:spcPct val="90000"/>
+              </a:lnSpc>
+              <a:buFont typeface="Courier New" panose="02070309020205020404" pitchFamily="49" charset="0"/>
+              <a:buChar char="o"/>
+            </a:pPr>
+            <a:r>
+              <a:rPr lang="en-US" sz="1800" dirty="0">
+                <a:solidFill>
+                  <a:srgbClr val="0070C0"/>
+                </a:solidFill>
+              </a:rPr>
+              <a:t> What are the Top 5 places forecasted to retire in 2027? </a:t>
+            </a:r>
+          </a:p>
+          <a:p>
+            <a:pPr marL="342900" indent="-342900">
+              <a:lnSpc>
+                <a:spcPct val="90000"/>
+              </a:lnSpc>
+              <a:buFont typeface="Courier New" panose="02070309020205020404" pitchFamily="49" charset="0"/>
+              <a:buChar char="o"/>
+            </a:pPr>
+            <a:r>
+              <a:rPr lang="en-US" sz="1800" dirty="0">
+                <a:solidFill>
+                  <a:srgbClr val="0070C0"/>
+                </a:solidFill>
+              </a:rPr>
+              <a:t>How can we track weather for the top 5 places to retire? Can we create a weather app and track weather?</a:t>
+            </a:r>
           </a:p>
           <a:p>
             <a:pPr>
@@ -10112,7 +10496,7 @@
         </p:blipFill>
         <p:spPr bwMode="auto">
           <a:xfrm>
-            <a:off x="7728087" y="3505976"/>
+            <a:off x="7737231" y="3505976"/>
             <a:ext cx="4298628" cy="3223972"/>
           </a:xfrm>
           <a:prstGeom prst="rect">
@@ -11810,7 +12194,7 @@
                   <a:srgbClr val="0070C0"/>
                 </a:solidFill>
               </a:rPr>
-              <a:t>Top chart represents the Average Overall Happiness to Freedom factor scores for 2022.</a:t>
+              <a:t>Bottom chart represents the Average Overall Happiness to Freedom factor scores for 2022.</a:t>
             </a:r>
           </a:p>
           <a:p>
@@ -12422,100 +12806,6 @@
           </p:style>
         </p:cxnSp>
       </p:grpSp>
-      <p:pic>
-        <p:nvPicPr>
-          <p:cNvPr id="6146" name="Picture 2">
-            <a:extLst>
-              <a:ext uri="{FF2B5EF4-FFF2-40B4-BE49-F238E27FC236}">
-                <a16:creationId xmlns:a16="http://schemas.microsoft.com/office/drawing/2014/main" id="{0A9CB4A4-8E40-405C-20DC-F142F32F3F66}"/>
-              </a:ext>
-            </a:extLst>
-          </p:cNvPr>
-          <p:cNvPicPr>
-            <a:picLocks noChangeAspect="1" noChangeArrowheads="1"/>
-          </p:cNvPicPr>
-          <p:nvPr/>
-        </p:nvPicPr>
-        <p:blipFill>
-          <a:blip r:embed="rId2">
-            <a:extLst>
-              <a:ext uri="{28A0092B-C50C-407E-A947-70E740481C1C}">
-                <a14:useLocalDpi xmlns:a14="http://schemas.microsoft.com/office/drawing/2010/main" val="0"/>
-              </a:ext>
-            </a:extLst>
-          </a:blip>
-          <a:srcRect/>
-          <a:stretch>
-            <a:fillRect/>
-          </a:stretch>
-        </p:blipFill>
-        <p:spPr bwMode="auto">
-          <a:xfrm>
-            <a:off x="7693569" y="3473378"/>
-            <a:ext cx="4409190" cy="3306892"/>
-          </a:xfrm>
-          <a:prstGeom prst="rect">
-            <a:avLst/>
-          </a:prstGeom>
-          <a:noFill/>
-          <a:extLst>
-            <a:ext uri="{909E8E84-426E-40DD-AFC4-6F175D3DCCD1}">
-              <a14:hiddenFill xmlns:a14="http://schemas.microsoft.com/office/drawing/2010/main">
-                <a:solidFill>
-                  <a:srgbClr val="FFFFFF"/>
-                </a:solidFill>
-              </a14:hiddenFill>
-            </a:ext>
-          </a:extLst>
-        </p:spPr>
-      </p:pic>
-      <p:pic>
-        <p:nvPicPr>
-          <p:cNvPr id="6148" name="Picture 4">
-            <a:extLst>
-              <a:ext uri="{FF2B5EF4-FFF2-40B4-BE49-F238E27FC236}">
-                <a16:creationId xmlns:a16="http://schemas.microsoft.com/office/drawing/2014/main" id="{EE9A2F29-6671-1EDB-1BF4-A0F574DEFC26}"/>
-              </a:ext>
-            </a:extLst>
-          </p:cNvPr>
-          <p:cNvPicPr>
-            <a:picLocks noChangeAspect="1" noChangeArrowheads="1"/>
-          </p:cNvPicPr>
-          <p:nvPr/>
-        </p:nvPicPr>
-        <p:blipFill>
-          <a:blip r:embed="rId3">
-            <a:extLst>
-              <a:ext uri="{28A0092B-C50C-407E-A947-70E740481C1C}">
-                <a14:useLocalDpi xmlns:a14="http://schemas.microsoft.com/office/drawing/2010/main" val="0"/>
-              </a:ext>
-            </a:extLst>
-          </a:blip>
-          <a:srcRect/>
-          <a:stretch>
-            <a:fillRect/>
-          </a:stretch>
-        </p:blipFill>
-        <p:spPr bwMode="auto">
-          <a:xfrm>
-            <a:off x="7700689" y="92288"/>
-            <a:ext cx="4409191" cy="3306894"/>
-          </a:xfrm>
-          <a:prstGeom prst="rect">
-            <a:avLst/>
-          </a:prstGeom>
-          <a:noFill/>
-          <a:extLst>
-            <a:ext uri="{909E8E84-426E-40DD-AFC4-6F175D3DCCD1}">
-              <a14:hiddenFill xmlns:a14="http://schemas.microsoft.com/office/drawing/2010/main">
-                <a:solidFill>
-                  <a:srgbClr val="FFFFFF"/>
-                </a:solidFill>
-              </a14:hiddenFill>
-            </a:ext>
-          </a:extLst>
-        </p:spPr>
-      </p:pic>
       <p:grpSp>
         <p:nvGrpSpPr>
           <p:cNvPr id="3" name="Group 2">
@@ -12551,7 +12841,7 @@
             <p:nvPr/>
           </p:nvPicPr>
           <p:blipFill rotWithShape="1">
-            <a:blip r:embed="rId4"/>
+            <a:blip r:embed="rId2"/>
             <a:srcRect b="1747"/>
             <a:stretch/>
           </p:blipFill>
@@ -12580,7 +12870,7 @@
             <p:nvPr/>
           </p:nvPicPr>
           <p:blipFill rotWithShape="1">
-            <a:blip r:embed="rId4"/>
+            <a:blip r:embed="rId2"/>
             <a:srcRect b="1747"/>
             <a:stretch/>
           </p:blipFill>
@@ -12610,7 +12900,7 @@
           <p:nvPr/>
         </p:nvPicPr>
         <p:blipFill>
-          <a:blip r:embed="rId5"/>
+          <a:blip r:embed="rId3"/>
           <a:stretch>
             <a:fillRect/>
           </a:stretch>
@@ -12648,7 +12938,7 @@
           <p:nvPr/>
         </p:nvPicPr>
         <p:blipFill>
-          <a:blip r:embed="rId6"/>
+          <a:blip r:embed="rId4"/>
           <a:stretch>
             <a:fillRect/>
           </a:stretch>
@@ -12685,8 +12975,8 @@
         </p:nvSpPr>
         <p:spPr>
           <a:xfrm>
-            <a:off x="241719" y="4206309"/>
-            <a:ext cx="7136558" cy="2869066"/>
+            <a:off x="323334" y="4600511"/>
+            <a:ext cx="7136558" cy="2339102"/>
           </a:xfrm>
           <a:prstGeom prst="rect">
             <a:avLst/>
@@ -12704,7 +12994,7 @@
               <a:buChar char="o"/>
             </a:pPr>
             <a:r>
-              <a:rPr lang="en-US" sz="2000" dirty="0">
+              <a:rPr lang="en-US" dirty="0">
                 <a:solidFill>
                   <a:srgbClr val="0070C0"/>
                 </a:solidFill>
@@ -12718,7 +13008,7 @@
               <a:buChar char="o"/>
             </a:pPr>
             <a:r>
-              <a:rPr lang="en-US" sz="2000" dirty="0">
+              <a:rPr lang="en-US" dirty="0">
                 <a:solidFill>
                   <a:srgbClr val="0070C0"/>
                 </a:solidFill>
@@ -12732,7 +13022,7 @@
               <a:buChar char="o"/>
             </a:pPr>
             <a:r>
-              <a:rPr lang="en-US" sz="2000" dirty="0">
+              <a:rPr lang="en-US" dirty="0">
                 <a:solidFill>
                   <a:srgbClr val="0070C0"/>
                 </a:solidFill>
@@ -12746,7 +13036,7 @@
               <a:buChar char="o"/>
             </a:pPr>
             <a:r>
-              <a:rPr lang="en-US" sz="2000" dirty="0">
+              <a:rPr lang="en-US" dirty="0">
                 <a:solidFill>
                   <a:srgbClr val="0070C0"/>
                 </a:solidFill>
@@ -12755,10 +13045,6 @@
             </a:r>
           </a:p>
           <a:p>
-            <a:pPr marL="285750" indent="-285750">
-              <a:buFont typeface="Arial" panose="020B0604020202020204" pitchFamily="34" charset="0"/>
-              <a:buChar char="•"/>
-            </a:pPr>
             <a:endParaRPr lang="en-US" sz="2000" dirty="0"/>
           </a:p>
           <a:p>
@@ -12767,6 +13053,364 @@
               <a:buChar char="•"/>
             </a:pPr>
             <a:endParaRPr lang="en-US" dirty="0"/>
+          </a:p>
+        </p:txBody>
+      </p:sp>
+      <p:pic>
+        <p:nvPicPr>
+          <p:cNvPr id="9" name="Picture 8">
+            <a:extLst>
+              <a:ext uri="{FF2B5EF4-FFF2-40B4-BE49-F238E27FC236}">
+                <a16:creationId xmlns:a16="http://schemas.microsoft.com/office/drawing/2014/main" id="{536F2DD1-9681-C954-3520-1AE8100706FC}"/>
+              </a:ext>
+            </a:extLst>
+          </p:cNvPr>
+          <p:cNvPicPr>
+            <a:picLocks noChangeAspect="1"/>
+          </p:cNvPicPr>
+          <p:nvPr/>
+        </p:nvPicPr>
+        <p:blipFill>
+          <a:blip r:embed="rId5">
+            <a:extLst>
+              <a:ext uri="{28A0092B-C50C-407E-A947-70E740481C1C}">
+                <a14:useLocalDpi xmlns:a14="http://schemas.microsoft.com/office/drawing/2010/main" val="0"/>
+              </a:ext>
+            </a:extLst>
+          </a:blip>
+          <a:stretch>
+            <a:fillRect/>
+          </a:stretch>
+        </p:blipFill>
+        <p:spPr>
+          <a:xfrm>
+            <a:off x="7852310" y="238375"/>
+            <a:ext cx="4254168" cy="3190625"/>
+          </a:xfrm>
+          <a:prstGeom prst="rect">
+            <a:avLst/>
+          </a:prstGeom>
+        </p:spPr>
+      </p:pic>
+      <p:pic>
+        <p:nvPicPr>
+          <p:cNvPr id="12" name="Picture 11" descr="Chart, scatter chart&#10;&#10;Description automatically generated">
+            <a:extLst>
+              <a:ext uri="{FF2B5EF4-FFF2-40B4-BE49-F238E27FC236}">
+                <a16:creationId xmlns:a16="http://schemas.microsoft.com/office/drawing/2014/main" id="{8B16C9FD-F69D-926C-CA16-1FA3E20DA34D}"/>
+              </a:ext>
+            </a:extLst>
+          </p:cNvPr>
+          <p:cNvPicPr>
+            <a:picLocks noChangeAspect="1"/>
+          </p:cNvPicPr>
+          <p:nvPr/>
+        </p:nvPicPr>
+        <p:blipFill>
+          <a:blip r:embed="rId6">
+            <a:extLst>
+              <a:ext uri="{28A0092B-C50C-407E-A947-70E740481C1C}">
+                <a14:useLocalDpi xmlns:a14="http://schemas.microsoft.com/office/drawing/2010/main" val="0"/>
+              </a:ext>
+            </a:extLst>
+          </a:blip>
+          <a:stretch>
+            <a:fillRect/>
+          </a:stretch>
+        </p:blipFill>
+        <p:spPr>
+          <a:xfrm>
+            <a:off x="7896700" y="3528874"/>
+            <a:ext cx="4192021" cy="3144016"/>
+          </a:xfrm>
+          <a:prstGeom prst="rect">
+            <a:avLst/>
+          </a:prstGeom>
+        </p:spPr>
+      </p:pic>
+      <p:sp>
+        <p:nvSpPr>
+          <p:cNvPr id="13" name="TextBox 12">
+            <a:extLst>
+              <a:ext uri="{FF2B5EF4-FFF2-40B4-BE49-F238E27FC236}">
+                <a16:creationId xmlns:a16="http://schemas.microsoft.com/office/drawing/2014/main" id="{2A884C25-DE22-2E06-70ED-EB7F6CF3993B}"/>
+              </a:ext>
+            </a:extLst>
+          </p:cNvPr>
+          <p:cNvSpPr txBox="1"/>
+          <p:nvPr/>
+        </p:nvSpPr>
+        <p:spPr>
+          <a:xfrm>
+            <a:off x="978430" y="8536646"/>
+            <a:ext cx="522166" cy="165452"/>
+          </a:xfrm>
+          <a:prstGeom prst="rect">
+            <a:avLst/>
+          </a:prstGeom>
+          <a:noFill/>
+        </p:spPr>
+        <p:txBody>
+          <a:bodyPr wrap="square" rtlCol="0">
+            <a:spAutoFit/>
+          </a:bodyPr>
+          <a:lstStyle/>
+          <a:p>
+            <a:endParaRPr lang="en-US" sz="1100" dirty="0"/>
+          </a:p>
+        </p:txBody>
+      </p:sp>
+      <p:sp>
+        <p:nvSpPr>
+          <p:cNvPr id="14" name="Rectangle 1">
+            <a:extLst>
+              <a:ext uri="{FF2B5EF4-FFF2-40B4-BE49-F238E27FC236}">
+                <a16:creationId xmlns:a16="http://schemas.microsoft.com/office/drawing/2014/main" id="{A53235E6-13F6-34B6-C431-FB4E8D8A767F}"/>
+              </a:ext>
+            </a:extLst>
+          </p:cNvPr>
+          <p:cNvSpPr>
+            <a:spLocks noChangeArrowheads="1"/>
+          </p:cNvSpPr>
+          <p:nvPr/>
+        </p:nvSpPr>
+        <p:spPr bwMode="auto">
+          <a:xfrm>
+            <a:off x="648070" y="4275647"/>
+            <a:ext cx="2148396" cy="153888"/>
+          </a:xfrm>
+          <a:prstGeom prst="rect">
+            <a:avLst/>
+          </a:prstGeom>
+          <a:solidFill>
+            <a:srgbClr val="FFFFFF"/>
+          </a:solidFill>
+          <a:ln>
+            <a:noFill/>
+          </a:ln>
+          <a:effectLst/>
+          <a:extLst>
+            <a:ext uri="{91240B29-F687-4F45-9708-019B960494DF}">
+              <a14:hiddenLine xmlns:a14="http://schemas.microsoft.com/office/drawing/2010/main" w="9525">
+                <a:solidFill>
+                  <a:schemeClr val="tx1"/>
+                </a:solidFill>
+                <a:miter lim="800000"/>
+                <a:headEnd/>
+                <a:tailEnd/>
+              </a14:hiddenLine>
+            </a:ext>
+            <a:ext uri="{AF507438-7753-43E0-B8FC-AC1667EBCBE1}">
+              <a14:hiddenEffects xmlns:a14="http://schemas.microsoft.com/office/drawing/2010/main">
+                <a:effectLst>
+                  <a:outerShdw dist="35921" dir="2700000" algn="ctr" rotWithShape="0">
+                    <a:schemeClr val="bg2"/>
+                  </a:outerShdw>
+                </a:effectLst>
+              </a14:hiddenEffects>
+            </a:ext>
+          </a:extLst>
+        </p:spPr>
+        <p:txBody>
+          <a:bodyPr vert="horz" wrap="square" lIns="0" tIns="0" rIns="0" bIns="0" numCol="1" anchor="ctr" anchorCtr="0" compatLnSpc="1">
+            <a:prstTxWarp prst="textNoShape">
+              <a:avLst/>
+            </a:prstTxWarp>
+            <a:spAutoFit/>
+          </a:bodyPr>
+          <a:lstStyle/>
+          <a:p>
+            <a:pPr marL="0" marR="0" lvl="0" indent="0" algn="l" defTabSz="914400" rtl="0" eaLnBrk="0" fontAlgn="base" latinLnBrk="0" hangingPunct="0">
+              <a:lnSpc>
+                <a:spcPct val="100000"/>
+              </a:lnSpc>
+              <a:spcBef>
+                <a:spcPct val="0"/>
+              </a:spcBef>
+              <a:spcAft>
+                <a:spcPct val="0"/>
+              </a:spcAft>
+              <a:buClrTx/>
+              <a:buSzTx/>
+              <a:buFontTx/>
+              <a:buNone/>
+              <a:tabLst/>
+            </a:pPr>
+            <a:r>
+              <a:rPr kumimoji="0" lang="en-US" altLang="en-US" sz="1000" b="0" i="0" u="none" strike="noStrike" cap="none" normalizeH="0" baseline="0" dirty="0">
+                <a:ln>
+                  <a:noFill/>
+                </a:ln>
+                <a:solidFill>
+                  <a:schemeClr val="tx1"/>
+                </a:solidFill>
+                <a:effectLst/>
+                <a:latin typeface="Arial Unicode MS"/>
+              </a:rPr>
+              <a:t>The </a:t>
+            </a:r>
+            <a:r>
+              <a:rPr kumimoji="0" lang="en-US" altLang="en-US" sz="1000" b="0" i="0" u="none" strike="noStrike" cap="none" normalizeH="0" baseline="0" dirty="0" err="1">
+                <a:ln>
+                  <a:noFill/>
+                </a:ln>
+                <a:solidFill>
+                  <a:schemeClr val="tx1"/>
+                </a:solidFill>
+                <a:effectLst/>
+                <a:latin typeface="Arial Unicode MS"/>
+              </a:rPr>
+              <a:t>r-value</a:t>
+            </a:r>
+            <a:r>
+              <a:rPr kumimoji="0" lang="en-US" altLang="en-US" sz="1000" b="0" i="0" u="none" strike="noStrike" cap="none" normalizeH="0" baseline="0" dirty="0">
+                <a:ln>
+                  <a:noFill/>
+                </a:ln>
+                <a:solidFill>
+                  <a:schemeClr val="tx1"/>
+                </a:solidFill>
+                <a:effectLst/>
+                <a:latin typeface="Arial Unicode MS"/>
+              </a:rPr>
+              <a:t> is: 0.5852636004828339</a:t>
+            </a:r>
+            <a:r>
+              <a:rPr kumimoji="0" lang="en-US" altLang="en-US" sz="800" b="0" i="0" u="none" strike="noStrike" cap="none" normalizeH="0" baseline="0" dirty="0">
+                <a:ln>
+                  <a:noFill/>
+                </a:ln>
+                <a:solidFill>
+                  <a:schemeClr val="tx1"/>
+                </a:solidFill>
+                <a:effectLst/>
+              </a:rPr>
+              <a:t> </a:t>
+            </a:r>
+            <a:endParaRPr kumimoji="0" lang="en-US" altLang="en-US" sz="1800" b="0" i="0" u="none" strike="noStrike" cap="none" normalizeH="0" baseline="0" dirty="0">
+              <a:ln>
+                <a:noFill/>
+              </a:ln>
+              <a:solidFill>
+                <a:schemeClr val="tx1"/>
+              </a:solidFill>
+              <a:effectLst/>
+              <a:latin typeface="Arial" panose="020B0604020202020204" pitchFamily="34" charset="0"/>
+            </a:endParaRPr>
+          </a:p>
+        </p:txBody>
+      </p:sp>
+      <p:sp>
+        <p:nvSpPr>
+          <p:cNvPr id="17" name="Rectangle 3">
+            <a:extLst>
+              <a:ext uri="{FF2B5EF4-FFF2-40B4-BE49-F238E27FC236}">
+                <a16:creationId xmlns:a16="http://schemas.microsoft.com/office/drawing/2014/main" id="{7F069975-5ED7-6773-3940-335A3D26D1E8}"/>
+              </a:ext>
+            </a:extLst>
+          </p:cNvPr>
+          <p:cNvSpPr>
+            <a:spLocks noChangeArrowheads="1"/>
+          </p:cNvSpPr>
+          <p:nvPr/>
+        </p:nvSpPr>
+        <p:spPr bwMode="auto">
+          <a:xfrm>
+            <a:off x="4483365" y="4268969"/>
+            <a:ext cx="2244571" cy="153888"/>
+          </a:xfrm>
+          <a:prstGeom prst="rect">
+            <a:avLst/>
+          </a:prstGeom>
+          <a:solidFill>
+            <a:srgbClr val="FFFFFF"/>
+          </a:solidFill>
+          <a:ln>
+            <a:noFill/>
+          </a:ln>
+          <a:effectLst/>
+          <a:extLst>
+            <a:ext uri="{91240B29-F687-4F45-9708-019B960494DF}">
+              <a14:hiddenLine xmlns:a14="http://schemas.microsoft.com/office/drawing/2010/main" w="9525">
+                <a:solidFill>
+                  <a:schemeClr val="tx1"/>
+                </a:solidFill>
+                <a:miter lim="800000"/>
+                <a:headEnd/>
+                <a:tailEnd/>
+              </a14:hiddenLine>
+            </a:ext>
+            <a:ext uri="{AF507438-7753-43E0-B8FC-AC1667EBCBE1}">
+              <a14:hiddenEffects xmlns:a14="http://schemas.microsoft.com/office/drawing/2010/main">
+                <a:effectLst>
+                  <a:outerShdw dist="35921" dir="2700000" algn="ctr" rotWithShape="0">
+                    <a:schemeClr val="bg2"/>
+                  </a:outerShdw>
+                </a:effectLst>
+              </a14:hiddenEffects>
+            </a:ext>
+          </a:extLst>
+        </p:spPr>
+        <p:txBody>
+          <a:bodyPr vert="horz" wrap="square" lIns="0" tIns="0" rIns="0" bIns="0" numCol="1" anchor="ctr" anchorCtr="0" compatLnSpc="1">
+            <a:prstTxWarp prst="textNoShape">
+              <a:avLst/>
+            </a:prstTxWarp>
+            <a:spAutoFit/>
+          </a:bodyPr>
+          <a:lstStyle/>
+          <a:p>
+            <a:pPr marL="0" marR="0" lvl="0" indent="0" algn="l" defTabSz="914400" rtl="0" eaLnBrk="0" fontAlgn="base" latinLnBrk="0" hangingPunct="0">
+              <a:lnSpc>
+                <a:spcPct val="100000"/>
+              </a:lnSpc>
+              <a:spcBef>
+                <a:spcPct val="0"/>
+              </a:spcBef>
+              <a:spcAft>
+                <a:spcPct val="0"/>
+              </a:spcAft>
+              <a:buClrTx/>
+              <a:buSzTx/>
+              <a:buFontTx/>
+              <a:buNone/>
+              <a:tabLst/>
+            </a:pPr>
+            <a:r>
+              <a:rPr kumimoji="0" lang="en-US" altLang="en-US" sz="1000" b="0" i="0" u="none" strike="noStrike" cap="none" normalizeH="0" baseline="0">
+                <a:ln>
+                  <a:noFill/>
+                </a:ln>
+                <a:solidFill>
+                  <a:schemeClr val="tx1"/>
+                </a:solidFill>
+                <a:effectLst/>
+                <a:latin typeface="Arial Unicode MS"/>
+              </a:rPr>
+              <a:t>The r-value is: 0.6725286030848764</a:t>
+            </a:r>
+            <a:r>
+              <a:rPr kumimoji="0" lang="en-US" altLang="en-US" sz="800" b="0" i="0" u="none" strike="noStrike" cap="none" normalizeH="0" baseline="0">
+                <a:ln>
+                  <a:noFill/>
+                </a:ln>
+                <a:solidFill>
+                  <a:schemeClr val="tx1"/>
+                </a:solidFill>
+                <a:effectLst/>
+              </a:rPr>
+              <a:t> </a:t>
+            </a:r>
+            <a:endParaRPr kumimoji="0" lang="en-US" altLang="en-US" sz="1800" b="0" i="0" u="none" strike="noStrike" cap="none" normalizeH="0" baseline="0">
+              <a:ln>
+                <a:noFill/>
+              </a:ln>
+              <a:solidFill>
+                <a:schemeClr val="tx1"/>
+              </a:solidFill>
+              <a:effectLst/>
+              <a:latin typeface="Arial" panose="020B0604020202020204" pitchFamily="34" charset="0"/>
+            </a:endParaRPr>
           </a:p>
         </p:txBody>
       </p:sp>
@@ -14644,6 +15288,21 @@
 </file>
 
 <file path=customXml/item1.xml><?xml version="1.0" encoding="utf-8"?>
+<?mso-contentType ?>
+<FormTemplates xmlns="http://schemas.microsoft.com/sharepoint/v3/contenttype/forms">
+  <Display>DocumentLibraryForm</Display>
+  <Edit>DocumentLibraryForm</Edit>
+  <New>DocumentLibraryForm</New>
+</FormTemplates>
+</file>
+
+<file path=customXml/item2.xml><?xml version="1.0" encoding="utf-8"?>
+<p:properties xmlns:p="http://schemas.microsoft.com/office/2006/metadata/properties" xmlns:xsi="http://www.w3.org/2001/XMLSchema-instance" xmlns:pc="http://schemas.microsoft.com/office/infopath/2007/PartnerControls">
+  <documentManagement/>
+</p:properties>
+</file>
+
+<file path=customXml/item3.xml><?xml version="1.0" encoding="utf-8"?>
 <ct:contentTypeSchema xmlns:ct="http://schemas.microsoft.com/office/2006/metadata/contentType" xmlns:ma="http://schemas.microsoft.com/office/2006/metadata/properties/metaAttributes" ct:_="" ma:_="" ma:contentTypeName="Document" ma:contentTypeID="0x01010022E97965CEF07F4BB0DD4FFED26FBEBA" ma:contentTypeVersion="2" ma:contentTypeDescription="Create a new document." ma:contentTypeScope="" ma:versionID="ee461658e23f52c8a6140612ac783eb1">
   <xsd:schema xmlns:xsd="http://www.w3.org/2001/XMLSchema" xmlns:xs="http://www.w3.org/2001/XMLSchema" xmlns:p="http://schemas.microsoft.com/office/2006/metadata/properties" xmlns:ns3="197ba2cb-a464-46ea-9159-3cb22f4b1dd5" targetNamespace="http://schemas.microsoft.com/office/2006/metadata/properties" ma:root="true" ma:fieldsID="9d46c490d83f5d9adae20b456ce60064" ns3:_="">
     <xsd:import namespace="197ba2cb-a464-46ea-9159-3cb22f4b1dd5"/>
@@ -14775,35 +15434,10 @@
 </ct:contentTypeSchema>
 </file>
 
-<file path=customXml/item2.xml><?xml version="1.0" encoding="utf-8"?>
-<p:properties xmlns:p="http://schemas.microsoft.com/office/2006/metadata/properties" xmlns:xsi="http://www.w3.org/2001/XMLSchema-instance" xmlns:pc="http://schemas.microsoft.com/office/infopath/2007/PartnerControls">
-  <documentManagement/>
-</p:properties>
-</file>
-
-<file path=customXml/item3.xml><?xml version="1.0" encoding="utf-8"?>
-<?mso-contentType ?>
-<FormTemplates xmlns="http://schemas.microsoft.com/sharepoint/v3/contenttype/forms">
-  <Display>DocumentLibraryForm</Display>
-  <Edit>DocumentLibraryForm</Edit>
-  <New>DocumentLibraryForm</New>
-</FormTemplates>
-</file>
-
 <file path=customXml/itemProps1.xml><?xml version="1.0" encoding="utf-8"?>
-<ds:datastoreItem xmlns:ds="http://schemas.openxmlformats.org/officeDocument/2006/customXml" ds:itemID="{8370DAA8-EA6E-4E3C-9CF9-402B5A935382}">
+<ds:datastoreItem xmlns:ds="http://schemas.openxmlformats.org/officeDocument/2006/customXml" ds:itemID="{0DFA9DF9-BC4A-4BE5-977C-B18B583190B7}">
   <ds:schemaRefs>
-    <ds:schemaRef ds:uri="http://schemas.microsoft.com/office/2006/metadata/contentType"/>
-    <ds:schemaRef ds:uri="http://schemas.microsoft.com/office/2006/metadata/properties/metaAttributes"/>
-    <ds:schemaRef ds:uri="http://www.w3.org/2001/XMLSchema"/>
-    <ds:schemaRef ds:uri="http://schemas.microsoft.com/office/2006/metadata/properties"/>
-    <ds:schemaRef ds:uri="197ba2cb-a464-46ea-9159-3cb22f4b1dd5"/>
-    <ds:schemaRef ds:uri="http://schemas.microsoft.com/office/2006/documentManagement/types"/>
-    <ds:schemaRef ds:uri="http://schemas.microsoft.com/office/infopath/2007/PartnerControls"/>
-    <ds:schemaRef ds:uri="http://schemas.openxmlformats.org/package/2006/metadata/core-properties"/>
-    <ds:schemaRef ds:uri="http://purl.org/dc/elements/1.1/"/>
-    <ds:schemaRef ds:uri="http://purl.org/dc/terms/"/>
-    <ds:schemaRef ds:uri="http://schemas.microsoft.com/internal/obd"/>
+    <ds:schemaRef ds:uri="http://schemas.microsoft.com/sharepoint/v3/contenttype/forms"/>
   </ds:schemaRefs>
 </ds:datastoreItem>
 </file>
@@ -14825,9 +15459,19 @@
 </file>
 
 <file path=customXml/itemProps3.xml><?xml version="1.0" encoding="utf-8"?>
-<ds:datastoreItem xmlns:ds="http://schemas.openxmlformats.org/officeDocument/2006/customXml" ds:itemID="{0DFA9DF9-BC4A-4BE5-977C-B18B583190B7}">
+<ds:datastoreItem xmlns:ds="http://schemas.openxmlformats.org/officeDocument/2006/customXml" ds:itemID="{8370DAA8-EA6E-4E3C-9CF9-402B5A935382}">
   <ds:schemaRefs>
-    <ds:schemaRef ds:uri="http://schemas.microsoft.com/sharepoint/v3/contenttype/forms"/>
+    <ds:schemaRef ds:uri="http://schemas.microsoft.com/office/2006/metadata/contentType"/>
+    <ds:schemaRef ds:uri="http://schemas.microsoft.com/office/2006/metadata/properties/metaAttributes"/>
+    <ds:schemaRef ds:uri="http://www.w3.org/2001/XMLSchema"/>
+    <ds:schemaRef ds:uri="http://schemas.microsoft.com/office/2006/metadata/properties"/>
+    <ds:schemaRef ds:uri="197ba2cb-a464-46ea-9159-3cb22f4b1dd5"/>
+    <ds:schemaRef ds:uri="http://schemas.microsoft.com/office/2006/documentManagement/types"/>
+    <ds:schemaRef ds:uri="http://schemas.microsoft.com/office/infopath/2007/PartnerControls"/>
+    <ds:schemaRef ds:uri="http://schemas.openxmlformats.org/package/2006/metadata/core-properties"/>
+    <ds:schemaRef ds:uri="http://purl.org/dc/elements/1.1/"/>
+    <ds:schemaRef ds:uri="http://purl.org/dc/terms/"/>
+    <ds:schemaRef ds:uri="http://schemas.microsoft.com/internal/obd"/>
   </ds:schemaRefs>
 </ds:datastoreItem>
 </file>